--- a/Prüfung/Google Decimeter Challenge.pptx
+++ b/Prüfung/Google Decimeter Challenge.pptx
@@ -5,7 +5,7 @@
     <p:sldMasterId id="2147483931" r:id="rId1"/>
   </p:sldMasterIdLst>
   <p:notesMasterIdLst>
-    <p:notesMasterId r:id="rId12"/>
+    <p:notesMasterId r:id="rId14"/>
   </p:notesMasterIdLst>
   <p:sldIdLst>
     <p:sldId id="256" r:id="rId2"/>
@@ -16,8 +16,10 @@
     <p:sldId id="261" r:id="rId7"/>
     <p:sldId id="262" r:id="rId8"/>
     <p:sldId id="263" r:id="rId9"/>
-    <p:sldId id="264" r:id="rId10"/>
-    <p:sldId id="265" r:id="rId11"/>
+    <p:sldId id="266" r:id="rId10"/>
+    <p:sldId id="264" r:id="rId11"/>
+    <p:sldId id="267" r:id="rId12"/>
+    <p:sldId id="265" r:id="rId13"/>
   </p:sldIdLst>
   <p:sldSz cx="12192000" cy="6858000"/>
   <p:notesSz cx="6858000" cy="9144000"/>
@@ -116,7 +118,513 @@
       </a:defRPr>
     </a:lvl9pPr>
   </p:defaultTextStyle>
+  <p:extLst>
+    <p:ext uri="{EFAFB233-063F-42B5-8137-9DF3F51BA10A}">
+      <p15:sldGuideLst xmlns:p15="http://schemas.microsoft.com/office/powerpoint/2012/main"/>
+    </p:ext>
+  </p:extLst>
 </p:presentation>
+</file>
+
+<file path=ppt/revisionInfo.xml><?xml version="1.0" encoding="utf-8"?>
+<p1510:revInfo xmlns:a="http://schemas.openxmlformats.org/drawingml/2006/main" xmlns:r="http://schemas.openxmlformats.org/officeDocument/2006/relationships" xmlns:p1510="http://schemas.microsoft.com/office/powerpoint/2015/10/main">
+  <p1510:revLst>
+    <p1510:client id="{01A42A11-A624-4770-B645-89F06F580686}" v="95" dt="2024-08-04T10:15:15.401"/>
+  </p1510:revLst>
+</p1510:revInfo>
+</file>
+
+<file path=ppt/changesInfos/changesInfo1.xml><?xml version="1.0" encoding="utf-8"?>
+<pc:chgInfo xmlns:a="http://schemas.openxmlformats.org/drawingml/2006/main" xmlns:r="http://schemas.openxmlformats.org/officeDocument/2006/relationships" xmlns:ac="http://schemas.microsoft.com/office/drawing/2013/main/command" xmlns:pc="http://schemas.microsoft.com/office/powerpoint/2013/main/command">
+  <pc:docChgLst>
+    <pc:chgData name="Torben Wissel" userId="60e333df1c4953a2" providerId="LiveId" clId="{01A42A11-A624-4770-B645-89F06F580686}"/>
+    <pc:docChg chg="undo custSel addSld modSld">
+      <pc:chgData name="Torben Wissel" userId="60e333df1c4953a2" providerId="LiveId" clId="{01A42A11-A624-4770-B645-89F06F580686}" dt="2024-08-04T10:19:33.426" v="1200" actId="20577"/>
+      <pc:docMkLst>
+        <pc:docMk/>
+      </pc:docMkLst>
+      <pc:sldChg chg="modSp mod">
+        <pc:chgData name="Torben Wissel" userId="60e333df1c4953a2" providerId="LiveId" clId="{01A42A11-A624-4770-B645-89F06F580686}" dt="2024-08-04T10:08:27.542" v="1054" actId="1076"/>
+        <pc:sldMkLst>
+          <pc:docMk/>
+          <pc:sldMk cId="3331129369" sldId="258"/>
+        </pc:sldMkLst>
+        <pc:graphicFrameChg chg="mod">
+          <ac:chgData name="Torben Wissel" userId="60e333df1c4953a2" providerId="LiveId" clId="{01A42A11-A624-4770-B645-89F06F580686}" dt="2024-08-04T10:08:27.542" v="1054" actId="1076"/>
+          <ac:graphicFrameMkLst>
+            <pc:docMk/>
+            <pc:sldMk cId="3331129369" sldId="258"/>
+            <ac:graphicFrameMk id="16" creationId="{48D5BDA2-71DE-B433-0E58-60A494B37717}"/>
+          </ac:graphicFrameMkLst>
+        </pc:graphicFrameChg>
+      </pc:sldChg>
+      <pc:sldChg chg="modSp mod">
+        <pc:chgData name="Torben Wissel" userId="60e333df1c4953a2" providerId="LiveId" clId="{01A42A11-A624-4770-B645-89F06F580686}" dt="2024-08-04T10:19:33.426" v="1200" actId="20577"/>
+        <pc:sldMkLst>
+          <pc:docMk/>
+          <pc:sldMk cId="1804759721" sldId="259"/>
+        </pc:sldMkLst>
+        <pc:spChg chg="mod">
+          <ac:chgData name="Torben Wissel" userId="60e333df1c4953a2" providerId="LiveId" clId="{01A42A11-A624-4770-B645-89F06F580686}" dt="2024-08-04T10:19:33.426" v="1200" actId="20577"/>
+          <ac:spMkLst>
+            <pc:docMk/>
+            <pc:sldMk cId="1804759721" sldId="259"/>
+            <ac:spMk id="3" creationId="{7972609A-0966-DB45-F943-0F2A4831452F}"/>
+          </ac:spMkLst>
+        </pc:spChg>
+      </pc:sldChg>
+      <pc:sldChg chg="addSp delSp modSp mod">
+        <pc:chgData name="Torben Wissel" userId="60e333df1c4953a2" providerId="LiveId" clId="{01A42A11-A624-4770-B645-89F06F580686}" dt="2024-08-04T09:54:02.511" v="779" actId="26606"/>
+        <pc:sldMkLst>
+          <pc:docMk/>
+          <pc:sldMk cId="1719339943" sldId="261"/>
+        </pc:sldMkLst>
+        <pc:spChg chg="mod">
+          <ac:chgData name="Torben Wissel" userId="60e333df1c4953a2" providerId="LiveId" clId="{01A42A11-A624-4770-B645-89F06F580686}" dt="2024-08-04T09:54:02.511" v="779" actId="26606"/>
+          <ac:spMkLst>
+            <pc:docMk/>
+            <pc:sldMk cId="1719339943" sldId="261"/>
+            <ac:spMk id="2" creationId="{892F3CD8-8FA0-EC2F-A30C-B9F922F20BB6}"/>
+          </ac:spMkLst>
+        </pc:spChg>
+        <pc:spChg chg="mod">
+          <ac:chgData name="Torben Wissel" userId="60e333df1c4953a2" providerId="LiveId" clId="{01A42A11-A624-4770-B645-89F06F580686}" dt="2024-08-04T09:54:02.511" v="779" actId="26606"/>
+          <ac:spMkLst>
+            <pc:docMk/>
+            <pc:sldMk cId="1719339943" sldId="261"/>
+            <ac:spMk id="3" creationId="{7972609A-0966-DB45-F943-0F2A4831452F}"/>
+          </ac:spMkLst>
+        </pc:spChg>
+        <pc:spChg chg="add del">
+          <ac:chgData name="Torben Wissel" userId="60e333df1c4953a2" providerId="LiveId" clId="{01A42A11-A624-4770-B645-89F06F580686}" dt="2024-08-04T09:54:02.511" v="779" actId="26606"/>
+          <ac:spMkLst>
+            <pc:docMk/>
+            <pc:sldMk cId="1719339943" sldId="261"/>
+            <ac:spMk id="8" creationId="{C5176844-69C3-4F79-BE38-EA5BDDF4FEA4}"/>
+          </ac:spMkLst>
+        </pc:spChg>
+        <pc:spChg chg="add del">
+          <ac:chgData name="Torben Wissel" userId="60e333df1c4953a2" providerId="LiveId" clId="{01A42A11-A624-4770-B645-89F06F580686}" dt="2024-08-04T09:54:02.511" v="779" actId="26606"/>
+          <ac:spMkLst>
+            <pc:docMk/>
+            <pc:sldMk cId="1719339943" sldId="261"/>
+            <ac:spMk id="10" creationId="{1CF1AAE4-D0BC-430F-A613-7BBAAECA0C2D}"/>
+          </ac:spMkLst>
+        </pc:spChg>
+        <pc:spChg chg="add del">
+          <ac:chgData name="Torben Wissel" userId="60e333df1c4953a2" providerId="LiveId" clId="{01A42A11-A624-4770-B645-89F06F580686}" dt="2024-08-04T09:54:02.511" v="779" actId="26606"/>
+          <ac:spMkLst>
+            <pc:docMk/>
+            <pc:sldMk cId="1719339943" sldId="261"/>
+            <ac:spMk id="12" creationId="{A101E513-AF74-4E9D-A31F-99664250722D}"/>
+          </ac:spMkLst>
+        </pc:spChg>
+        <pc:spChg chg="add del">
+          <ac:chgData name="Torben Wissel" userId="60e333df1c4953a2" providerId="LiveId" clId="{01A42A11-A624-4770-B645-89F06F580686}" dt="2024-08-04T09:54:02.019" v="776" actId="26606"/>
+          <ac:spMkLst>
+            <pc:docMk/>
+            <pc:sldMk cId="1719339943" sldId="261"/>
+            <ac:spMk id="19" creationId="{C5176844-69C3-4F79-BE38-EA5BDDF4FEA4}"/>
+          </ac:spMkLst>
+        </pc:spChg>
+        <pc:spChg chg="add del">
+          <ac:chgData name="Torben Wissel" userId="60e333df1c4953a2" providerId="LiveId" clId="{01A42A11-A624-4770-B645-89F06F580686}" dt="2024-08-04T09:54:02.019" v="776" actId="26606"/>
+          <ac:spMkLst>
+            <pc:docMk/>
+            <pc:sldMk cId="1719339943" sldId="261"/>
+            <ac:spMk id="21" creationId="{41113FF5-9B84-4A89-BF52-EA3C7E01AA3B}"/>
+          </ac:spMkLst>
+        </pc:spChg>
+        <pc:spChg chg="add del">
+          <ac:chgData name="Torben Wissel" userId="60e333df1c4953a2" providerId="LiveId" clId="{01A42A11-A624-4770-B645-89F06F580686}" dt="2024-08-04T09:54:02.019" v="776" actId="26606"/>
+          <ac:spMkLst>
+            <pc:docMk/>
+            <pc:sldMk cId="1719339943" sldId="261"/>
+            <ac:spMk id="23" creationId="{A101E513-AF74-4E9D-A31F-99664250722D}"/>
+          </ac:spMkLst>
+        </pc:spChg>
+        <pc:spChg chg="add del">
+          <ac:chgData name="Torben Wissel" userId="60e333df1c4953a2" providerId="LiveId" clId="{01A42A11-A624-4770-B645-89F06F580686}" dt="2024-08-04T09:54:02.506" v="778" actId="26606"/>
+          <ac:spMkLst>
+            <pc:docMk/>
+            <pc:sldMk cId="1719339943" sldId="261"/>
+            <ac:spMk id="25" creationId="{C5176844-69C3-4F79-BE38-EA5BDDF4FEA4}"/>
+          </ac:spMkLst>
+        </pc:spChg>
+        <pc:spChg chg="add del">
+          <ac:chgData name="Torben Wissel" userId="60e333df1c4953a2" providerId="LiveId" clId="{01A42A11-A624-4770-B645-89F06F580686}" dt="2024-08-04T09:54:02.506" v="778" actId="26606"/>
+          <ac:spMkLst>
+            <pc:docMk/>
+            <pc:sldMk cId="1719339943" sldId="261"/>
+            <ac:spMk id="26" creationId="{41113FF5-9B84-4A89-BF52-EA3C7E01AA3B}"/>
+          </ac:spMkLst>
+        </pc:spChg>
+        <pc:spChg chg="add del">
+          <ac:chgData name="Torben Wissel" userId="60e333df1c4953a2" providerId="LiveId" clId="{01A42A11-A624-4770-B645-89F06F580686}" dt="2024-08-04T09:54:02.506" v="778" actId="26606"/>
+          <ac:spMkLst>
+            <pc:docMk/>
+            <pc:sldMk cId="1719339943" sldId="261"/>
+            <ac:spMk id="28" creationId="{A101E513-AF74-4E9D-A31F-99664250722D}"/>
+          </ac:spMkLst>
+        </pc:spChg>
+        <pc:spChg chg="add">
+          <ac:chgData name="Torben Wissel" userId="60e333df1c4953a2" providerId="LiveId" clId="{01A42A11-A624-4770-B645-89F06F580686}" dt="2024-08-04T09:54:02.511" v="779" actId="26606"/>
+          <ac:spMkLst>
+            <pc:docMk/>
+            <pc:sldMk cId="1719339943" sldId="261"/>
+            <ac:spMk id="30" creationId="{C5176844-69C3-4F79-BE38-EA5BDDF4FEA4}"/>
+          </ac:spMkLst>
+        </pc:spChg>
+        <pc:spChg chg="add">
+          <ac:chgData name="Torben Wissel" userId="60e333df1c4953a2" providerId="LiveId" clId="{01A42A11-A624-4770-B645-89F06F580686}" dt="2024-08-04T09:54:02.511" v="779" actId="26606"/>
+          <ac:spMkLst>
+            <pc:docMk/>
+            <pc:sldMk cId="1719339943" sldId="261"/>
+            <ac:spMk id="31" creationId="{41113FF5-9B84-4A89-BF52-EA3C7E01AA3B}"/>
+          </ac:spMkLst>
+        </pc:spChg>
+        <pc:spChg chg="add">
+          <ac:chgData name="Torben Wissel" userId="60e333df1c4953a2" providerId="LiveId" clId="{01A42A11-A624-4770-B645-89F06F580686}" dt="2024-08-04T09:54:02.511" v="779" actId="26606"/>
+          <ac:spMkLst>
+            <pc:docMk/>
+            <pc:sldMk cId="1719339943" sldId="261"/>
+            <ac:spMk id="33" creationId="{A101E513-AF74-4E9D-A31F-99664250722D}"/>
+          </ac:spMkLst>
+        </pc:spChg>
+        <pc:picChg chg="add del">
+          <ac:chgData name="Torben Wissel" userId="60e333df1c4953a2" providerId="LiveId" clId="{01A42A11-A624-4770-B645-89F06F580686}" dt="2024-08-04T09:54:02.019" v="776" actId="26606"/>
+          <ac:picMkLst>
+            <pc:docMk/>
+            <pc:sldMk cId="1719339943" sldId="261"/>
+            <ac:picMk id="16" creationId="{13D7579A-B6F3-1526-E1C8-2B1E878A1359}"/>
+          </ac:picMkLst>
+        </pc:picChg>
+        <pc:picChg chg="add del">
+          <ac:chgData name="Torben Wissel" userId="60e333df1c4953a2" providerId="LiveId" clId="{01A42A11-A624-4770-B645-89F06F580686}" dt="2024-08-04T09:54:02.506" v="778" actId="26606"/>
+          <ac:picMkLst>
+            <pc:docMk/>
+            <pc:sldMk cId="1719339943" sldId="261"/>
+            <ac:picMk id="27" creationId="{13D7579A-B6F3-1526-E1C8-2B1E878A1359}"/>
+          </ac:picMkLst>
+        </pc:picChg>
+        <pc:picChg chg="add">
+          <ac:chgData name="Torben Wissel" userId="60e333df1c4953a2" providerId="LiveId" clId="{01A42A11-A624-4770-B645-89F06F580686}" dt="2024-08-04T09:54:02.511" v="779" actId="26606"/>
+          <ac:picMkLst>
+            <pc:docMk/>
+            <pc:sldMk cId="1719339943" sldId="261"/>
+            <ac:picMk id="32" creationId="{13D7579A-B6F3-1526-E1C8-2B1E878A1359}"/>
+          </ac:picMkLst>
+        </pc:picChg>
+      </pc:sldChg>
+      <pc:sldChg chg="addSp delSp modSp mod">
+        <pc:chgData name="Torben Wissel" userId="60e333df1c4953a2" providerId="LiveId" clId="{01A42A11-A624-4770-B645-89F06F580686}" dt="2024-08-04T10:01:56.490" v="1053" actId="1076"/>
+        <pc:sldMkLst>
+          <pc:docMk/>
+          <pc:sldMk cId="509059999" sldId="262"/>
+        </pc:sldMkLst>
+        <pc:spChg chg="add del mod">
+          <ac:chgData name="Torben Wissel" userId="60e333df1c4953a2" providerId="LiveId" clId="{01A42A11-A624-4770-B645-89F06F580686}" dt="2024-08-04T09:54:29.360" v="788" actId="26606"/>
+          <ac:spMkLst>
+            <pc:docMk/>
+            <pc:sldMk cId="509059999" sldId="262"/>
+            <ac:spMk id="3" creationId="{7972609A-0966-DB45-F943-0F2A4831452F}"/>
+          </ac:spMkLst>
+        </pc:spChg>
+        <pc:spChg chg="del">
+          <ac:chgData name="Torben Wissel" userId="60e333df1c4953a2" providerId="LiveId" clId="{01A42A11-A624-4770-B645-89F06F580686}" dt="2024-08-04T09:54:29.360" v="788" actId="26606"/>
+          <ac:spMkLst>
+            <pc:docMk/>
+            <pc:sldMk cId="509059999" sldId="262"/>
+            <ac:spMk id="8" creationId="{C5176844-69C3-4F79-BE38-EA5BDDF4FEA4}"/>
+          </ac:spMkLst>
+        </pc:spChg>
+        <pc:spChg chg="del">
+          <ac:chgData name="Torben Wissel" userId="60e333df1c4953a2" providerId="LiveId" clId="{01A42A11-A624-4770-B645-89F06F580686}" dt="2024-08-04T09:54:29.360" v="788" actId="26606"/>
+          <ac:spMkLst>
+            <pc:docMk/>
+            <pc:sldMk cId="509059999" sldId="262"/>
+            <ac:spMk id="10" creationId="{1CF1AAE4-D0BC-430F-A613-7BBAAECA0C2D}"/>
+          </ac:spMkLst>
+        </pc:spChg>
+        <pc:spChg chg="del">
+          <ac:chgData name="Torben Wissel" userId="60e333df1c4953a2" providerId="LiveId" clId="{01A42A11-A624-4770-B645-89F06F580686}" dt="2024-08-04T09:54:29.360" v="788" actId="26606"/>
+          <ac:spMkLst>
+            <pc:docMk/>
+            <pc:sldMk cId="509059999" sldId="262"/>
+            <ac:spMk id="12" creationId="{A101E513-AF74-4E9D-A31F-99664250722D}"/>
+          </ac:spMkLst>
+        </pc:spChg>
+        <pc:spChg chg="add">
+          <ac:chgData name="Torben Wissel" userId="60e333df1c4953a2" providerId="LiveId" clId="{01A42A11-A624-4770-B645-89F06F580686}" dt="2024-08-04T09:54:29.360" v="788" actId="26606"/>
+          <ac:spMkLst>
+            <pc:docMk/>
+            <pc:sldMk cId="509059999" sldId="262"/>
+            <ac:spMk id="17" creationId="{C5176844-69C3-4F79-BE38-EA5BDDF4FEA4}"/>
+          </ac:spMkLst>
+        </pc:spChg>
+        <pc:spChg chg="add">
+          <ac:chgData name="Torben Wissel" userId="60e333df1c4953a2" providerId="LiveId" clId="{01A42A11-A624-4770-B645-89F06F580686}" dt="2024-08-04T09:54:29.360" v="788" actId="26606"/>
+          <ac:spMkLst>
+            <pc:docMk/>
+            <pc:sldMk cId="509059999" sldId="262"/>
+            <ac:spMk id="19" creationId="{1CF1AAE4-D0BC-430F-A613-7BBAAECA0C2D}"/>
+          </ac:spMkLst>
+        </pc:spChg>
+        <pc:spChg chg="add">
+          <ac:chgData name="Torben Wissel" userId="60e333df1c4953a2" providerId="LiveId" clId="{01A42A11-A624-4770-B645-89F06F580686}" dt="2024-08-04T09:54:29.360" v="788" actId="26606"/>
+          <ac:spMkLst>
+            <pc:docMk/>
+            <pc:sldMk cId="509059999" sldId="262"/>
+            <ac:spMk id="21" creationId="{A101E513-AF74-4E9D-A31F-99664250722D}"/>
+          </ac:spMkLst>
+        </pc:spChg>
+        <pc:spChg chg="add del mod">
+          <ac:chgData name="Torben Wissel" userId="60e333df1c4953a2" providerId="LiveId" clId="{01A42A11-A624-4770-B645-89F06F580686}" dt="2024-08-04T10:00:57.354" v="1050" actId="26606"/>
+          <ac:spMkLst>
+            <pc:docMk/>
+            <pc:sldMk cId="509059999" sldId="262"/>
+            <ac:spMk id="22" creationId="{7972609A-0966-DB45-F943-0F2A4831452F}"/>
+          </ac:spMkLst>
+        </pc:spChg>
+        <pc:graphicFrameChg chg="add del">
+          <ac:chgData name="Torben Wissel" userId="60e333df1c4953a2" providerId="LiveId" clId="{01A42A11-A624-4770-B645-89F06F580686}" dt="2024-08-04T09:54:12.889" v="781" actId="26606"/>
+          <ac:graphicFrameMkLst>
+            <pc:docMk/>
+            <pc:sldMk cId="509059999" sldId="262"/>
+            <ac:graphicFrameMk id="14" creationId="{E51431D4-63EE-4371-BA70-68926BCF9BC5}"/>
+          </ac:graphicFrameMkLst>
+        </pc:graphicFrameChg>
+        <pc:graphicFrameChg chg="add del">
+          <ac:chgData name="Torben Wissel" userId="60e333df1c4953a2" providerId="LiveId" clId="{01A42A11-A624-4770-B645-89F06F580686}" dt="2024-08-04T09:54:13.962" v="783" actId="26606"/>
+          <ac:graphicFrameMkLst>
+            <pc:docMk/>
+            <pc:sldMk cId="509059999" sldId="262"/>
+            <ac:graphicFrameMk id="16" creationId="{14C452F4-F5E0-DAC5-C311-B13B567FBD8B}"/>
+          </ac:graphicFrameMkLst>
+        </pc:graphicFrameChg>
+        <pc:graphicFrameChg chg="add del">
+          <ac:chgData name="Torben Wissel" userId="60e333df1c4953a2" providerId="LiveId" clId="{01A42A11-A624-4770-B645-89F06F580686}" dt="2024-08-04T09:54:16.992" v="785" actId="26606"/>
+          <ac:graphicFrameMkLst>
+            <pc:docMk/>
+            <pc:sldMk cId="509059999" sldId="262"/>
+            <ac:graphicFrameMk id="18" creationId="{E51431D4-63EE-4371-BA70-68926BCF9BC5}"/>
+          </ac:graphicFrameMkLst>
+        </pc:graphicFrameChg>
+        <pc:graphicFrameChg chg="add del">
+          <ac:chgData name="Torben Wissel" userId="60e333df1c4953a2" providerId="LiveId" clId="{01A42A11-A624-4770-B645-89F06F580686}" dt="2024-08-04T09:54:29.354" v="787" actId="26606"/>
+          <ac:graphicFrameMkLst>
+            <pc:docMk/>
+            <pc:sldMk cId="509059999" sldId="262"/>
+            <ac:graphicFrameMk id="20" creationId="{14C452F4-F5E0-DAC5-C311-B13B567FBD8B}"/>
+          </ac:graphicFrameMkLst>
+        </pc:graphicFrameChg>
+        <pc:graphicFrameChg chg="add del">
+          <ac:chgData name="Torben Wissel" userId="60e333df1c4953a2" providerId="LiveId" clId="{01A42A11-A624-4770-B645-89F06F580686}" dt="2024-08-04T10:00:47.045" v="1041" actId="26606"/>
+          <ac:graphicFrameMkLst>
+            <pc:docMk/>
+            <pc:sldMk cId="509059999" sldId="262"/>
+            <ac:graphicFrameMk id="24" creationId="{39B9070A-2E98-87AF-B72C-2665C9C4247E}"/>
+          </ac:graphicFrameMkLst>
+        </pc:graphicFrameChg>
+        <pc:graphicFrameChg chg="add del">
+          <ac:chgData name="Torben Wissel" userId="60e333df1c4953a2" providerId="LiveId" clId="{01A42A11-A624-4770-B645-89F06F580686}" dt="2024-08-04T10:00:55.540" v="1043" actId="26606"/>
+          <ac:graphicFrameMkLst>
+            <pc:docMk/>
+            <pc:sldMk cId="509059999" sldId="262"/>
+            <ac:graphicFrameMk id="26" creationId="{69527500-C2FF-8E09-A0EA-C3A3613F835A}"/>
+          </ac:graphicFrameMkLst>
+        </pc:graphicFrameChg>
+        <pc:graphicFrameChg chg="add del">
+          <ac:chgData name="Torben Wissel" userId="60e333df1c4953a2" providerId="LiveId" clId="{01A42A11-A624-4770-B645-89F06F580686}" dt="2024-08-04T10:00:56.194" v="1045" actId="26606"/>
+          <ac:graphicFrameMkLst>
+            <pc:docMk/>
+            <pc:sldMk cId="509059999" sldId="262"/>
+            <ac:graphicFrameMk id="28" creationId="{87299053-631D-57BF-F475-B04E31066C7A}"/>
+          </ac:graphicFrameMkLst>
+        </pc:graphicFrameChg>
+        <pc:graphicFrameChg chg="add del">
+          <ac:chgData name="Torben Wissel" userId="60e333df1c4953a2" providerId="LiveId" clId="{01A42A11-A624-4770-B645-89F06F580686}" dt="2024-08-04T10:00:56.701" v="1047" actId="26606"/>
+          <ac:graphicFrameMkLst>
+            <pc:docMk/>
+            <pc:sldMk cId="509059999" sldId="262"/>
+            <ac:graphicFrameMk id="30" creationId="{39B9070A-2E98-87AF-B72C-2665C9C4247E}"/>
+          </ac:graphicFrameMkLst>
+        </pc:graphicFrameChg>
+        <pc:graphicFrameChg chg="add del">
+          <ac:chgData name="Torben Wissel" userId="60e333df1c4953a2" providerId="LiveId" clId="{01A42A11-A624-4770-B645-89F06F580686}" dt="2024-08-04T10:00:57.338" v="1049" actId="26606"/>
+          <ac:graphicFrameMkLst>
+            <pc:docMk/>
+            <pc:sldMk cId="509059999" sldId="262"/>
+            <ac:graphicFrameMk id="32" creationId="{69527500-C2FF-8E09-A0EA-C3A3613F835A}"/>
+          </ac:graphicFrameMkLst>
+        </pc:graphicFrameChg>
+        <pc:graphicFrameChg chg="add mod">
+          <ac:chgData name="Torben Wissel" userId="60e333df1c4953a2" providerId="LiveId" clId="{01A42A11-A624-4770-B645-89F06F580686}" dt="2024-08-04T10:01:56.490" v="1053" actId="1076"/>
+          <ac:graphicFrameMkLst>
+            <pc:docMk/>
+            <pc:sldMk cId="509059999" sldId="262"/>
+            <ac:graphicFrameMk id="34" creationId="{39B9070A-2E98-87AF-B72C-2665C9C4247E}"/>
+          </ac:graphicFrameMkLst>
+        </pc:graphicFrameChg>
+      </pc:sldChg>
+      <pc:sldChg chg="addSp delSp modSp mod">
+        <pc:chgData name="Torben Wissel" userId="60e333df1c4953a2" providerId="LiveId" clId="{01A42A11-A624-4770-B645-89F06F580686}" dt="2024-08-04T10:15:40.809" v="1154" actId="14100"/>
+        <pc:sldMkLst>
+          <pc:docMk/>
+          <pc:sldMk cId="3655641839" sldId="263"/>
+        </pc:sldMkLst>
+        <pc:spChg chg="add mod">
+          <ac:chgData name="Torben Wissel" userId="60e333df1c4953a2" providerId="LiveId" clId="{01A42A11-A624-4770-B645-89F06F580686}" dt="2024-08-04T09:35:14.260" v="346" actId="207"/>
+          <ac:spMkLst>
+            <pc:docMk/>
+            <pc:sldMk cId="3655641839" sldId="263"/>
+            <ac:spMk id="3" creationId="{7FBFD9F1-31F6-E1BC-ED30-969264E9F25F}"/>
+          </ac:spMkLst>
+        </pc:spChg>
+        <pc:spChg chg="add del mod topLvl">
+          <ac:chgData name="Torben Wissel" userId="60e333df1c4953a2" providerId="LiveId" clId="{01A42A11-A624-4770-B645-89F06F580686}" dt="2024-08-04T10:15:28.411" v="1151" actId="478"/>
+          <ac:spMkLst>
+            <pc:docMk/>
+            <pc:sldMk cId="3655641839" sldId="263"/>
+            <ac:spMk id="5" creationId="{1B12B0F0-C894-3DDE-9B20-252F99C3751F}"/>
+          </ac:spMkLst>
+        </pc:spChg>
+        <pc:spChg chg="add mod topLvl">
+          <ac:chgData name="Torben Wissel" userId="60e333df1c4953a2" providerId="LiveId" clId="{01A42A11-A624-4770-B645-89F06F580686}" dt="2024-08-04T10:15:40.809" v="1154" actId="14100"/>
+          <ac:spMkLst>
+            <pc:docMk/>
+            <pc:sldMk cId="3655641839" sldId="263"/>
+            <ac:spMk id="6" creationId="{642F69D8-2E7F-944E-E58E-1F6A379A38A8}"/>
+          </ac:spMkLst>
+        </pc:spChg>
+        <pc:spChg chg="del mod">
+          <ac:chgData name="Torben Wissel" userId="60e333df1c4953a2" providerId="LiveId" clId="{01A42A11-A624-4770-B645-89F06F580686}" dt="2024-08-04T10:13:34.608" v="1075" actId="26606"/>
+          <ac:spMkLst>
+            <pc:docMk/>
+            <pc:sldMk cId="3655641839" sldId="263"/>
+            <ac:spMk id="17" creationId="{7972609A-0966-DB45-F943-0F2A4831452F}"/>
+          </ac:spMkLst>
+        </pc:spChg>
+        <pc:grpChg chg="add del mod">
+          <ac:chgData name="Torben Wissel" userId="60e333df1c4953a2" providerId="LiveId" clId="{01A42A11-A624-4770-B645-89F06F580686}" dt="2024-08-04T10:15:28.411" v="1151" actId="478"/>
+          <ac:grpSpMkLst>
+            <pc:docMk/>
+            <pc:sldMk cId="3655641839" sldId="263"/>
+            <ac:grpSpMk id="4" creationId="{ADD5AC7A-267C-57C3-AECF-5F5A2F67238E}"/>
+          </ac:grpSpMkLst>
+        </pc:grpChg>
+        <pc:graphicFrameChg chg="add mod">
+          <ac:chgData name="Torben Wissel" userId="60e333df1c4953a2" providerId="LiveId" clId="{01A42A11-A624-4770-B645-89F06F580686}" dt="2024-08-04T10:15:18.242" v="1148" actId="14100"/>
+          <ac:graphicFrameMkLst>
+            <pc:docMk/>
+            <pc:sldMk cId="3655641839" sldId="263"/>
+            <ac:graphicFrameMk id="25" creationId="{834603AE-EF48-1E16-59A7-E0D4CF1C797A}"/>
+          </ac:graphicFrameMkLst>
+        </pc:graphicFrameChg>
+      </pc:sldChg>
+      <pc:sldChg chg="addSp delSp modSp mod">
+        <pc:chgData name="Torben Wissel" userId="60e333df1c4953a2" providerId="LiveId" clId="{01A42A11-A624-4770-B645-89F06F580686}" dt="2024-08-04T09:47:52.091" v="773" actId="478"/>
+        <pc:sldMkLst>
+          <pc:docMk/>
+          <pc:sldMk cId="965436467" sldId="264"/>
+        </pc:sldMkLst>
+        <pc:spChg chg="add mod">
+          <ac:chgData name="Torben Wissel" userId="60e333df1c4953a2" providerId="LiveId" clId="{01A42A11-A624-4770-B645-89F06F580686}" dt="2024-08-04T09:41:43.060" v="567" actId="1076"/>
+          <ac:spMkLst>
+            <pc:docMk/>
+            <pc:sldMk cId="965436467" sldId="264"/>
+            <ac:spMk id="3" creationId="{93D6CF53-1C38-70DF-259A-63B6A6AD77ED}"/>
+          </ac:spMkLst>
+        </pc:spChg>
+        <pc:spChg chg="mod">
+          <ac:chgData name="Torben Wissel" userId="60e333df1c4953a2" providerId="LiveId" clId="{01A42A11-A624-4770-B645-89F06F580686}" dt="2024-08-04T09:47:12.016" v="768" actId="20577"/>
+          <ac:spMkLst>
+            <pc:docMk/>
+            <pc:sldMk cId="965436467" sldId="264"/>
+            <ac:spMk id="17" creationId="{7972609A-0966-DB45-F943-0F2A4831452F}"/>
+          </ac:spMkLst>
+        </pc:spChg>
+        <pc:picChg chg="add del mod">
+          <ac:chgData name="Torben Wissel" userId="60e333df1c4953a2" providerId="LiveId" clId="{01A42A11-A624-4770-B645-89F06F580686}" dt="2024-08-04T09:47:52.091" v="773" actId="478"/>
+          <ac:picMkLst>
+            <pc:docMk/>
+            <pc:sldMk cId="965436467" sldId="264"/>
+            <ac:picMk id="5" creationId="{5DF96C63-8BEE-806D-1625-BAB571F4F011}"/>
+          </ac:picMkLst>
+        </pc:picChg>
+      </pc:sldChg>
+      <pc:sldChg chg="modSp mod">
+        <pc:chgData name="Torben Wissel" userId="60e333df1c4953a2" providerId="LiveId" clId="{01A42A11-A624-4770-B645-89F06F580686}" dt="2024-08-04T09:43:09.179" v="759" actId="20577"/>
+        <pc:sldMkLst>
+          <pc:docMk/>
+          <pc:sldMk cId="1135814554" sldId="265"/>
+        </pc:sldMkLst>
+        <pc:spChg chg="mod">
+          <ac:chgData name="Torben Wissel" userId="60e333df1c4953a2" providerId="LiveId" clId="{01A42A11-A624-4770-B645-89F06F580686}" dt="2024-08-04T09:43:09.179" v="759" actId="20577"/>
+          <ac:spMkLst>
+            <pc:docMk/>
+            <pc:sldMk cId="1135814554" sldId="265"/>
+            <ac:spMk id="17" creationId="{7972609A-0966-DB45-F943-0F2A4831452F}"/>
+          </ac:spMkLst>
+        </pc:spChg>
+      </pc:sldChg>
+      <pc:sldChg chg="addSp modSp add mod modNotesTx">
+        <pc:chgData name="Torben Wissel" userId="60e333df1c4953a2" providerId="LiveId" clId="{01A42A11-A624-4770-B645-89F06F580686}" dt="2024-08-04T10:16:26.881" v="1173" actId="1076"/>
+        <pc:sldMkLst>
+          <pc:docMk/>
+          <pc:sldMk cId="650568723" sldId="266"/>
+        </pc:sldMkLst>
+        <pc:spChg chg="mod">
+          <ac:chgData name="Torben Wissel" userId="60e333df1c4953a2" providerId="LiveId" clId="{01A42A11-A624-4770-B645-89F06F580686}" dt="2024-08-04T09:35:27.400" v="352" actId="20577"/>
+          <ac:spMkLst>
+            <pc:docMk/>
+            <pc:sldMk cId="650568723" sldId="266"/>
+            <ac:spMk id="3" creationId="{7FBFD9F1-31F6-E1BC-ED30-969264E9F25F}"/>
+          </ac:spMkLst>
+        </pc:spChg>
+        <pc:spChg chg="mod">
+          <ac:chgData name="Torben Wissel" userId="60e333df1c4953a2" providerId="LiveId" clId="{01A42A11-A624-4770-B645-89F06F580686}" dt="2024-08-04T10:16:26.881" v="1173" actId="1076"/>
+          <ac:spMkLst>
+            <pc:docMk/>
+            <pc:sldMk cId="650568723" sldId="266"/>
+            <ac:spMk id="17" creationId="{7972609A-0966-DB45-F943-0F2A4831452F}"/>
+          </ac:spMkLst>
+        </pc:spChg>
+        <pc:picChg chg="add mod">
+          <ac:chgData name="Torben Wissel" userId="60e333df1c4953a2" providerId="LiveId" clId="{01A42A11-A624-4770-B645-89F06F580686}" dt="2024-08-04T10:16:17.559" v="1170" actId="1076"/>
+          <ac:picMkLst>
+            <pc:docMk/>
+            <pc:sldMk cId="650568723" sldId="266"/>
+            <ac:picMk id="4" creationId="{C10FC1B4-0524-A31A-E1FE-74A8B7A14938}"/>
+          </ac:picMkLst>
+        </pc:picChg>
+      </pc:sldChg>
+      <pc:sldChg chg="modSp add mod">
+        <pc:chgData name="Torben Wissel" userId="60e333df1c4953a2" providerId="LiveId" clId="{01A42A11-A624-4770-B645-89F06F580686}" dt="2024-08-04T09:42:17.527" v="652" actId="20577"/>
+        <pc:sldMkLst>
+          <pc:docMk/>
+          <pc:sldMk cId="2926217838" sldId="267"/>
+        </pc:sldMkLst>
+        <pc:spChg chg="mod">
+          <ac:chgData name="Torben Wissel" userId="60e333df1c4953a2" providerId="LiveId" clId="{01A42A11-A624-4770-B645-89F06F580686}" dt="2024-08-04T09:42:10.777" v="642" actId="20577"/>
+          <ac:spMkLst>
+            <pc:docMk/>
+            <pc:sldMk cId="2926217838" sldId="267"/>
+            <ac:spMk id="3" creationId="{93D6CF53-1C38-70DF-259A-63B6A6AD77ED}"/>
+          </ac:spMkLst>
+        </pc:spChg>
+        <pc:spChg chg="mod">
+          <ac:chgData name="Torben Wissel" userId="60e333df1c4953a2" providerId="LiveId" clId="{01A42A11-A624-4770-B645-89F06F580686}" dt="2024-08-04T09:42:17.527" v="652" actId="20577"/>
+          <ac:spMkLst>
+            <pc:docMk/>
+            <pc:sldMk cId="2926217838" sldId="267"/>
+            <ac:spMk id="17" creationId="{7972609A-0966-DB45-F943-0F2A4831452F}"/>
+          </ac:spMkLst>
+        </pc:spChg>
+      </pc:sldChg>
+    </pc:docChg>
+  </pc:docChgLst>
+</pc:chgInfo>
 </file>
 
 <file path=ppt/diagrams/colors1.xml><?xml version="1.0" encoding="utf-8"?>
@@ -867,6 +1375,1500 @@
 </file>
 
 <file path=ppt/diagrams/colors2.xml><?xml version="1.0" encoding="utf-8"?>
+<dgm:colorsDef xmlns:dgm="http://schemas.openxmlformats.org/drawingml/2006/diagram" xmlns:a="http://schemas.openxmlformats.org/drawingml/2006/main" uniqueId="urn:microsoft.com/office/officeart/2005/8/colors/accent1_2">
+  <dgm:title val=""/>
+  <dgm:desc val=""/>
+  <dgm:catLst>
+    <dgm:cat type="accent1" pri="11200"/>
+  </dgm:catLst>
+  <dgm:styleLbl name="node0">
+    <dgm:fillClrLst meth="repeat">
+      <a:schemeClr val="accent1"/>
+    </dgm:fillClrLst>
+    <dgm:linClrLst meth="repeat">
+      <a:schemeClr val="lt1"/>
+    </dgm:linClrLst>
+    <dgm:effectClrLst/>
+    <dgm:txLinClrLst/>
+    <dgm:txFillClrLst/>
+    <dgm:txEffectClrLst/>
+  </dgm:styleLbl>
+  <dgm:styleLbl name="alignNode1">
+    <dgm:fillClrLst meth="repeat">
+      <a:schemeClr val="accent1"/>
+    </dgm:fillClrLst>
+    <dgm:linClrLst meth="repeat">
+      <a:schemeClr val="accent1"/>
+    </dgm:linClrLst>
+    <dgm:effectClrLst/>
+    <dgm:txLinClrLst/>
+    <dgm:txFillClrLst/>
+    <dgm:txEffectClrLst/>
+  </dgm:styleLbl>
+  <dgm:styleLbl name="node1">
+    <dgm:fillClrLst meth="repeat">
+      <a:schemeClr val="accent1"/>
+    </dgm:fillClrLst>
+    <dgm:linClrLst meth="repeat">
+      <a:schemeClr val="lt1"/>
+    </dgm:linClrLst>
+    <dgm:effectClrLst/>
+    <dgm:txLinClrLst/>
+    <dgm:txFillClrLst/>
+    <dgm:txEffectClrLst/>
+  </dgm:styleLbl>
+  <dgm:styleLbl name="lnNode1">
+    <dgm:fillClrLst meth="repeat">
+      <a:schemeClr val="accent1"/>
+    </dgm:fillClrLst>
+    <dgm:linClrLst meth="repeat">
+      <a:schemeClr val="lt1"/>
+    </dgm:linClrLst>
+    <dgm:effectClrLst/>
+    <dgm:txLinClrLst/>
+    <dgm:txFillClrLst/>
+    <dgm:txEffectClrLst/>
+  </dgm:styleLbl>
+  <dgm:styleLbl name="vennNode1">
+    <dgm:fillClrLst meth="repeat">
+      <a:schemeClr val="accent1">
+        <a:alpha val="50000"/>
+      </a:schemeClr>
+    </dgm:fillClrLst>
+    <dgm:linClrLst meth="repeat">
+      <a:schemeClr val="lt1"/>
+    </dgm:linClrLst>
+    <dgm:effectClrLst/>
+    <dgm:txLinClrLst/>
+    <dgm:txFillClrLst/>
+    <dgm:txEffectClrLst/>
+  </dgm:styleLbl>
+  <dgm:styleLbl name="node2">
+    <dgm:fillClrLst meth="repeat">
+      <a:schemeClr val="accent1"/>
+    </dgm:fillClrLst>
+    <dgm:linClrLst meth="repeat">
+      <a:schemeClr val="lt1"/>
+    </dgm:linClrLst>
+    <dgm:effectClrLst/>
+    <dgm:txLinClrLst/>
+    <dgm:txFillClrLst/>
+    <dgm:txEffectClrLst/>
+  </dgm:styleLbl>
+  <dgm:styleLbl name="node3">
+    <dgm:fillClrLst meth="repeat">
+      <a:schemeClr val="accent1"/>
+    </dgm:fillClrLst>
+    <dgm:linClrLst meth="repeat">
+      <a:schemeClr val="lt1"/>
+    </dgm:linClrLst>
+    <dgm:effectClrLst/>
+    <dgm:txLinClrLst/>
+    <dgm:txFillClrLst/>
+    <dgm:txEffectClrLst/>
+  </dgm:styleLbl>
+  <dgm:styleLbl name="node4">
+    <dgm:fillClrLst meth="repeat">
+      <a:schemeClr val="accent1"/>
+    </dgm:fillClrLst>
+    <dgm:linClrLst meth="repeat">
+      <a:schemeClr val="lt1"/>
+    </dgm:linClrLst>
+    <dgm:effectClrLst/>
+    <dgm:txLinClrLst/>
+    <dgm:txFillClrLst/>
+    <dgm:txEffectClrLst/>
+  </dgm:styleLbl>
+  <dgm:styleLbl name="fgImgPlace1">
+    <dgm:fillClrLst meth="repeat">
+      <a:schemeClr val="accent1">
+        <a:tint val="50000"/>
+      </a:schemeClr>
+    </dgm:fillClrLst>
+    <dgm:linClrLst meth="repeat">
+      <a:schemeClr val="lt1"/>
+    </dgm:linClrLst>
+    <dgm:effectClrLst/>
+    <dgm:txLinClrLst/>
+    <dgm:txFillClrLst meth="repeat">
+      <a:schemeClr val="lt1"/>
+    </dgm:txFillClrLst>
+    <dgm:txEffectClrLst/>
+  </dgm:styleLbl>
+  <dgm:styleLbl name="alignImgPlace1">
+    <dgm:fillClrLst meth="repeat">
+      <a:schemeClr val="accent1">
+        <a:tint val="50000"/>
+      </a:schemeClr>
+    </dgm:fillClrLst>
+    <dgm:linClrLst meth="repeat">
+      <a:schemeClr val="lt1"/>
+    </dgm:linClrLst>
+    <dgm:effectClrLst/>
+    <dgm:txLinClrLst/>
+    <dgm:txFillClrLst meth="repeat">
+      <a:schemeClr val="lt1"/>
+    </dgm:txFillClrLst>
+    <dgm:txEffectClrLst/>
+  </dgm:styleLbl>
+  <dgm:styleLbl name="bgImgPlace1">
+    <dgm:fillClrLst meth="repeat">
+      <a:schemeClr val="accent1">
+        <a:tint val="50000"/>
+      </a:schemeClr>
+    </dgm:fillClrLst>
+    <dgm:linClrLst meth="repeat">
+      <a:schemeClr val="lt1"/>
+    </dgm:linClrLst>
+    <dgm:effectClrLst/>
+    <dgm:txLinClrLst/>
+    <dgm:txFillClrLst meth="repeat">
+      <a:schemeClr val="lt1"/>
+    </dgm:txFillClrLst>
+    <dgm:txEffectClrLst/>
+  </dgm:styleLbl>
+  <dgm:styleLbl name="sibTrans2D1">
+    <dgm:fillClrLst meth="repeat">
+      <a:schemeClr val="accent1">
+        <a:tint val="60000"/>
+      </a:schemeClr>
+    </dgm:fillClrLst>
+    <dgm:linClrLst meth="repeat">
+      <a:schemeClr val="accent1">
+        <a:tint val="60000"/>
+      </a:schemeClr>
+    </dgm:linClrLst>
+    <dgm:effectClrLst/>
+    <dgm:txLinClrLst/>
+    <dgm:txFillClrLst/>
+    <dgm:txEffectClrLst/>
+  </dgm:styleLbl>
+  <dgm:styleLbl name="fgSibTrans2D1">
+    <dgm:fillClrLst meth="repeat">
+      <a:schemeClr val="accent1">
+        <a:tint val="60000"/>
+      </a:schemeClr>
+    </dgm:fillClrLst>
+    <dgm:linClrLst meth="repeat">
+      <a:schemeClr val="accent1">
+        <a:tint val="60000"/>
+      </a:schemeClr>
+    </dgm:linClrLst>
+    <dgm:effectClrLst/>
+    <dgm:txLinClrLst/>
+    <dgm:txFillClrLst/>
+    <dgm:txEffectClrLst/>
+  </dgm:styleLbl>
+  <dgm:styleLbl name="bgSibTrans2D1">
+    <dgm:fillClrLst meth="repeat">
+      <a:schemeClr val="accent1">
+        <a:tint val="60000"/>
+      </a:schemeClr>
+    </dgm:fillClrLst>
+    <dgm:linClrLst meth="repeat">
+      <a:schemeClr val="accent1">
+        <a:tint val="60000"/>
+      </a:schemeClr>
+    </dgm:linClrLst>
+    <dgm:effectClrLst/>
+    <dgm:txLinClrLst/>
+    <dgm:txFillClrLst/>
+    <dgm:txEffectClrLst/>
+  </dgm:styleLbl>
+  <dgm:styleLbl name="sibTrans1D1">
+    <dgm:fillClrLst meth="repeat">
+      <a:schemeClr val="accent1"/>
+    </dgm:fillClrLst>
+    <dgm:linClrLst meth="repeat">
+      <a:schemeClr val="accent1"/>
+    </dgm:linClrLst>
+    <dgm:effectClrLst/>
+    <dgm:txLinClrLst/>
+    <dgm:txFillClrLst meth="repeat">
+      <a:schemeClr val="tx1"/>
+    </dgm:txFillClrLst>
+    <dgm:txEffectClrLst/>
+  </dgm:styleLbl>
+  <dgm:styleLbl name="callout">
+    <dgm:fillClrLst meth="repeat">
+      <a:schemeClr val="accent1"/>
+    </dgm:fillClrLst>
+    <dgm:linClrLst meth="repeat">
+      <a:schemeClr val="accent1">
+        <a:tint val="50000"/>
+      </a:schemeClr>
+    </dgm:linClrLst>
+    <dgm:effectClrLst/>
+    <dgm:txLinClrLst/>
+    <dgm:txFillClrLst meth="repeat">
+      <a:schemeClr val="tx1"/>
+    </dgm:txFillClrLst>
+    <dgm:txEffectClrLst/>
+  </dgm:styleLbl>
+  <dgm:styleLbl name="asst0">
+    <dgm:fillClrLst meth="repeat">
+      <a:schemeClr val="accent1"/>
+    </dgm:fillClrLst>
+    <dgm:linClrLst meth="repeat">
+      <a:schemeClr val="lt1"/>
+    </dgm:linClrLst>
+    <dgm:effectClrLst/>
+    <dgm:txLinClrLst/>
+    <dgm:txFillClrLst/>
+    <dgm:txEffectClrLst/>
+  </dgm:styleLbl>
+  <dgm:styleLbl name="asst1">
+    <dgm:fillClrLst meth="repeat">
+      <a:schemeClr val="accent1"/>
+    </dgm:fillClrLst>
+    <dgm:linClrLst meth="repeat">
+      <a:schemeClr val="lt1"/>
+    </dgm:linClrLst>
+    <dgm:effectClrLst/>
+    <dgm:txLinClrLst/>
+    <dgm:txFillClrLst/>
+    <dgm:txEffectClrLst/>
+  </dgm:styleLbl>
+  <dgm:styleLbl name="asst2">
+    <dgm:fillClrLst meth="repeat">
+      <a:schemeClr val="accent1"/>
+    </dgm:fillClrLst>
+    <dgm:linClrLst meth="repeat">
+      <a:schemeClr val="lt1"/>
+    </dgm:linClrLst>
+    <dgm:effectClrLst/>
+    <dgm:txLinClrLst/>
+    <dgm:txFillClrLst/>
+    <dgm:txEffectClrLst/>
+  </dgm:styleLbl>
+  <dgm:styleLbl name="asst3">
+    <dgm:fillClrLst meth="repeat">
+      <a:schemeClr val="accent1"/>
+    </dgm:fillClrLst>
+    <dgm:linClrLst meth="repeat">
+      <a:schemeClr val="lt1"/>
+    </dgm:linClrLst>
+    <dgm:effectClrLst/>
+    <dgm:txLinClrLst/>
+    <dgm:txFillClrLst/>
+    <dgm:txEffectClrLst/>
+  </dgm:styleLbl>
+  <dgm:styleLbl name="asst4">
+    <dgm:fillClrLst meth="repeat">
+      <a:schemeClr val="accent1"/>
+    </dgm:fillClrLst>
+    <dgm:linClrLst meth="repeat">
+      <a:schemeClr val="lt1"/>
+    </dgm:linClrLst>
+    <dgm:effectClrLst/>
+    <dgm:txLinClrLst/>
+    <dgm:txFillClrLst/>
+    <dgm:txEffectClrLst/>
+  </dgm:styleLbl>
+  <dgm:styleLbl name="parChTrans2D1">
+    <dgm:fillClrLst meth="repeat">
+      <a:schemeClr val="accent1">
+        <a:tint val="60000"/>
+      </a:schemeClr>
+    </dgm:fillClrLst>
+    <dgm:linClrLst meth="repeat">
+      <a:schemeClr val="accent1">
+        <a:tint val="60000"/>
+      </a:schemeClr>
+    </dgm:linClrLst>
+    <dgm:effectClrLst/>
+    <dgm:txLinClrLst/>
+    <dgm:txFillClrLst meth="repeat">
+      <a:schemeClr val="lt1"/>
+    </dgm:txFillClrLst>
+    <dgm:txEffectClrLst/>
+  </dgm:styleLbl>
+  <dgm:styleLbl name="parChTrans2D2">
+    <dgm:fillClrLst meth="repeat">
+      <a:schemeClr val="accent1"/>
+    </dgm:fillClrLst>
+    <dgm:linClrLst meth="repeat">
+      <a:schemeClr val="accent1"/>
+    </dgm:linClrLst>
+    <dgm:effectClrLst/>
+    <dgm:txLinClrLst/>
+    <dgm:txFillClrLst meth="repeat">
+      <a:schemeClr val="lt1"/>
+    </dgm:txFillClrLst>
+    <dgm:txEffectClrLst/>
+  </dgm:styleLbl>
+  <dgm:styleLbl name="parChTrans2D3">
+    <dgm:fillClrLst meth="repeat">
+      <a:schemeClr val="accent1"/>
+    </dgm:fillClrLst>
+    <dgm:linClrLst meth="repeat">
+      <a:schemeClr val="accent1"/>
+    </dgm:linClrLst>
+    <dgm:effectClrLst/>
+    <dgm:txLinClrLst/>
+    <dgm:txFillClrLst meth="repeat">
+      <a:schemeClr val="lt1"/>
+    </dgm:txFillClrLst>
+    <dgm:txEffectClrLst/>
+  </dgm:styleLbl>
+  <dgm:styleLbl name="parChTrans2D4">
+    <dgm:fillClrLst meth="repeat">
+      <a:schemeClr val="accent1"/>
+    </dgm:fillClrLst>
+    <dgm:linClrLst meth="repeat">
+      <a:schemeClr val="accent1"/>
+    </dgm:linClrLst>
+    <dgm:effectClrLst/>
+    <dgm:txLinClrLst/>
+    <dgm:txFillClrLst meth="repeat">
+      <a:schemeClr val="lt1"/>
+    </dgm:txFillClrLst>
+    <dgm:txEffectClrLst/>
+  </dgm:styleLbl>
+  <dgm:styleLbl name="parChTrans1D1">
+    <dgm:fillClrLst meth="repeat">
+      <a:schemeClr val="accent1"/>
+    </dgm:fillClrLst>
+    <dgm:linClrLst meth="repeat">
+      <a:schemeClr val="accent1">
+        <a:shade val="60000"/>
+      </a:schemeClr>
+    </dgm:linClrLst>
+    <dgm:effectClrLst/>
+    <dgm:txLinClrLst/>
+    <dgm:txFillClrLst meth="repeat">
+      <a:schemeClr val="tx1"/>
+    </dgm:txFillClrLst>
+    <dgm:txEffectClrLst/>
+  </dgm:styleLbl>
+  <dgm:styleLbl name="parChTrans1D2">
+    <dgm:fillClrLst meth="repeat">
+      <a:schemeClr val="accent1"/>
+    </dgm:fillClrLst>
+    <dgm:linClrLst meth="repeat">
+      <a:schemeClr val="accent1">
+        <a:shade val="60000"/>
+      </a:schemeClr>
+    </dgm:linClrLst>
+    <dgm:effectClrLst/>
+    <dgm:txLinClrLst/>
+    <dgm:txFillClrLst meth="repeat">
+      <a:schemeClr val="tx1"/>
+    </dgm:txFillClrLst>
+    <dgm:txEffectClrLst/>
+  </dgm:styleLbl>
+  <dgm:styleLbl name="parChTrans1D3">
+    <dgm:fillClrLst meth="repeat">
+      <a:schemeClr val="accent1"/>
+    </dgm:fillClrLst>
+    <dgm:linClrLst meth="repeat">
+      <a:schemeClr val="accent1">
+        <a:shade val="80000"/>
+      </a:schemeClr>
+    </dgm:linClrLst>
+    <dgm:effectClrLst/>
+    <dgm:txLinClrLst/>
+    <dgm:txFillClrLst meth="repeat">
+      <a:schemeClr val="tx1"/>
+    </dgm:txFillClrLst>
+    <dgm:txEffectClrLst/>
+  </dgm:styleLbl>
+  <dgm:styleLbl name="parChTrans1D4">
+    <dgm:fillClrLst meth="repeat">
+      <a:schemeClr val="accent1"/>
+    </dgm:fillClrLst>
+    <dgm:linClrLst meth="repeat">
+      <a:schemeClr val="accent1">
+        <a:shade val="80000"/>
+      </a:schemeClr>
+    </dgm:linClrLst>
+    <dgm:effectClrLst/>
+    <dgm:txLinClrLst/>
+    <dgm:txFillClrLst meth="repeat">
+      <a:schemeClr val="tx1"/>
+    </dgm:txFillClrLst>
+    <dgm:txEffectClrLst/>
+  </dgm:styleLbl>
+  <dgm:styleLbl name="fgAcc1">
+    <dgm:fillClrLst meth="repeat">
+      <a:schemeClr val="lt1">
+        <a:alpha val="90000"/>
+      </a:schemeClr>
+    </dgm:fillClrLst>
+    <dgm:linClrLst meth="repeat">
+      <a:schemeClr val="accent1"/>
+    </dgm:linClrLst>
+    <dgm:effectClrLst/>
+    <dgm:txLinClrLst/>
+    <dgm:txFillClrLst meth="repeat">
+      <a:schemeClr val="dk1"/>
+    </dgm:txFillClrLst>
+    <dgm:txEffectClrLst/>
+  </dgm:styleLbl>
+  <dgm:styleLbl name="conFgAcc1">
+    <dgm:fillClrLst meth="repeat">
+      <a:schemeClr val="lt1">
+        <a:alpha val="90000"/>
+      </a:schemeClr>
+    </dgm:fillClrLst>
+    <dgm:linClrLst meth="repeat">
+      <a:schemeClr val="accent1"/>
+    </dgm:linClrLst>
+    <dgm:effectClrLst/>
+    <dgm:txLinClrLst/>
+    <dgm:txFillClrLst meth="repeat">
+      <a:schemeClr val="dk1"/>
+    </dgm:txFillClrLst>
+    <dgm:txEffectClrLst/>
+  </dgm:styleLbl>
+  <dgm:styleLbl name="alignAcc1">
+    <dgm:fillClrLst meth="repeat">
+      <a:schemeClr val="lt1">
+        <a:alpha val="90000"/>
+      </a:schemeClr>
+    </dgm:fillClrLst>
+    <dgm:linClrLst meth="repeat">
+      <a:schemeClr val="accent1"/>
+    </dgm:linClrLst>
+    <dgm:effectClrLst/>
+    <dgm:txLinClrLst/>
+    <dgm:txFillClrLst meth="repeat">
+      <a:schemeClr val="dk1"/>
+    </dgm:txFillClrLst>
+    <dgm:txEffectClrLst/>
+  </dgm:styleLbl>
+  <dgm:styleLbl name="trAlignAcc1">
+    <dgm:fillClrLst meth="repeat">
+      <a:schemeClr val="lt1">
+        <a:alpha val="40000"/>
+      </a:schemeClr>
+    </dgm:fillClrLst>
+    <dgm:linClrLst meth="repeat">
+      <a:schemeClr val="accent1"/>
+    </dgm:linClrLst>
+    <dgm:effectClrLst/>
+    <dgm:txLinClrLst/>
+    <dgm:txFillClrLst meth="repeat">
+      <a:schemeClr val="dk1"/>
+    </dgm:txFillClrLst>
+    <dgm:txEffectClrLst/>
+  </dgm:styleLbl>
+  <dgm:styleLbl name="bgAcc1">
+    <dgm:fillClrLst meth="repeat">
+      <a:schemeClr val="lt1">
+        <a:alpha val="90000"/>
+      </a:schemeClr>
+    </dgm:fillClrLst>
+    <dgm:linClrLst meth="repeat">
+      <a:schemeClr val="accent1"/>
+    </dgm:linClrLst>
+    <dgm:effectClrLst/>
+    <dgm:txLinClrLst/>
+    <dgm:txFillClrLst meth="repeat">
+      <a:schemeClr val="dk1"/>
+    </dgm:txFillClrLst>
+    <dgm:txEffectClrLst/>
+  </dgm:styleLbl>
+  <dgm:styleLbl name="solidFgAcc1">
+    <dgm:fillClrLst meth="repeat">
+      <a:schemeClr val="lt1"/>
+    </dgm:fillClrLst>
+    <dgm:linClrLst meth="repeat">
+      <a:schemeClr val="accent1"/>
+    </dgm:linClrLst>
+    <dgm:effectClrLst/>
+    <dgm:txLinClrLst/>
+    <dgm:txFillClrLst meth="repeat">
+      <a:schemeClr val="dk1"/>
+    </dgm:txFillClrLst>
+    <dgm:txEffectClrLst/>
+  </dgm:styleLbl>
+  <dgm:styleLbl name="solidAlignAcc1">
+    <dgm:fillClrLst meth="repeat">
+      <a:schemeClr val="lt1"/>
+    </dgm:fillClrLst>
+    <dgm:linClrLst meth="repeat">
+      <a:schemeClr val="accent1"/>
+    </dgm:linClrLst>
+    <dgm:effectClrLst/>
+    <dgm:txLinClrLst/>
+    <dgm:txFillClrLst meth="repeat">
+      <a:schemeClr val="dk1"/>
+    </dgm:txFillClrLst>
+    <dgm:txEffectClrLst/>
+  </dgm:styleLbl>
+  <dgm:styleLbl name="solidBgAcc1">
+    <dgm:fillClrLst meth="repeat">
+      <a:schemeClr val="lt1"/>
+    </dgm:fillClrLst>
+    <dgm:linClrLst meth="repeat">
+      <a:schemeClr val="accent1"/>
+    </dgm:linClrLst>
+    <dgm:effectClrLst/>
+    <dgm:txLinClrLst/>
+    <dgm:txFillClrLst meth="repeat">
+      <a:schemeClr val="dk1"/>
+    </dgm:txFillClrLst>
+    <dgm:txEffectClrLst/>
+  </dgm:styleLbl>
+  <dgm:styleLbl name="fgAccFollowNode1">
+    <dgm:fillClrLst meth="repeat">
+      <a:schemeClr val="accent1">
+        <a:alpha val="90000"/>
+        <a:tint val="40000"/>
+      </a:schemeClr>
+    </dgm:fillClrLst>
+    <dgm:linClrLst meth="repeat">
+      <a:schemeClr val="accent1">
+        <a:alpha val="90000"/>
+        <a:tint val="40000"/>
+      </a:schemeClr>
+    </dgm:linClrLst>
+    <dgm:effectClrLst/>
+    <dgm:txLinClrLst/>
+    <dgm:txFillClrLst meth="repeat">
+      <a:schemeClr val="dk1"/>
+    </dgm:txFillClrLst>
+    <dgm:txEffectClrLst/>
+  </dgm:styleLbl>
+  <dgm:styleLbl name="alignAccFollowNode1">
+    <dgm:fillClrLst meth="repeat">
+      <a:schemeClr val="accent1">
+        <a:alpha val="90000"/>
+        <a:tint val="40000"/>
+      </a:schemeClr>
+    </dgm:fillClrLst>
+    <dgm:linClrLst meth="repeat">
+      <a:schemeClr val="accent1">
+        <a:alpha val="90000"/>
+        <a:tint val="40000"/>
+      </a:schemeClr>
+    </dgm:linClrLst>
+    <dgm:effectClrLst/>
+    <dgm:txLinClrLst/>
+    <dgm:txFillClrLst meth="repeat">
+      <a:schemeClr val="dk1"/>
+    </dgm:txFillClrLst>
+    <dgm:txEffectClrLst/>
+  </dgm:styleLbl>
+  <dgm:styleLbl name="bgAccFollowNode1">
+    <dgm:fillClrLst meth="repeat">
+      <a:schemeClr val="accent1">
+        <a:alpha val="90000"/>
+        <a:tint val="40000"/>
+      </a:schemeClr>
+    </dgm:fillClrLst>
+    <dgm:linClrLst meth="repeat">
+      <a:schemeClr val="accent1">
+        <a:alpha val="90000"/>
+        <a:tint val="40000"/>
+      </a:schemeClr>
+    </dgm:linClrLst>
+    <dgm:effectClrLst/>
+    <dgm:txLinClrLst/>
+    <dgm:txFillClrLst meth="repeat">
+      <a:schemeClr val="dk1"/>
+    </dgm:txFillClrLst>
+    <dgm:txEffectClrLst/>
+  </dgm:styleLbl>
+  <dgm:styleLbl name="fgAcc0">
+    <dgm:fillClrLst meth="repeat">
+      <a:schemeClr val="lt1">
+        <a:alpha val="90000"/>
+      </a:schemeClr>
+    </dgm:fillClrLst>
+    <dgm:linClrLst meth="repeat">
+      <a:schemeClr val="accent1"/>
+    </dgm:linClrLst>
+    <dgm:effectClrLst/>
+    <dgm:txLinClrLst/>
+    <dgm:txFillClrLst meth="repeat">
+      <a:schemeClr val="dk1"/>
+    </dgm:txFillClrLst>
+    <dgm:txEffectClrLst/>
+  </dgm:styleLbl>
+  <dgm:styleLbl name="fgAcc2">
+    <dgm:fillClrLst meth="repeat">
+      <a:schemeClr val="lt1">
+        <a:alpha val="90000"/>
+      </a:schemeClr>
+    </dgm:fillClrLst>
+    <dgm:linClrLst meth="repeat">
+      <a:schemeClr val="accent1"/>
+    </dgm:linClrLst>
+    <dgm:effectClrLst/>
+    <dgm:txLinClrLst/>
+    <dgm:txFillClrLst meth="repeat">
+      <a:schemeClr val="dk1"/>
+    </dgm:txFillClrLst>
+    <dgm:txEffectClrLst/>
+  </dgm:styleLbl>
+  <dgm:styleLbl name="fgAcc3">
+    <dgm:fillClrLst meth="repeat">
+      <a:schemeClr val="lt1">
+        <a:alpha val="90000"/>
+      </a:schemeClr>
+    </dgm:fillClrLst>
+    <dgm:linClrLst meth="repeat">
+      <a:schemeClr val="accent1"/>
+    </dgm:linClrLst>
+    <dgm:effectClrLst/>
+    <dgm:txLinClrLst/>
+    <dgm:txFillClrLst meth="repeat">
+      <a:schemeClr val="dk1"/>
+    </dgm:txFillClrLst>
+    <dgm:txEffectClrLst/>
+  </dgm:styleLbl>
+  <dgm:styleLbl name="fgAcc4">
+    <dgm:fillClrLst meth="repeat">
+      <a:schemeClr val="lt1">
+        <a:alpha val="90000"/>
+      </a:schemeClr>
+    </dgm:fillClrLst>
+    <dgm:linClrLst meth="repeat">
+      <a:schemeClr val="accent1"/>
+    </dgm:linClrLst>
+    <dgm:effectClrLst/>
+    <dgm:txLinClrLst/>
+    <dgm:txFillClrLst meth="repeat">
+      <a:schemeClr val="dk1"/>
+    </dgm:txFillClrLst>
+    <dgm:txEffectClrLst/>
+  </dgm:styleLbl>
+  <dgm:styleLbl name="bgShp">
+    <dgm:fillClrLst meth="repeat">
+      <a:schemeClr val="accent1">
+        <a:tint val="40000"/>
+      </a:schemeClr>
+    </dgm:fillClrLst>
+    <dgm:linClrLst meth="repeat">
+      <a:schemeClr val="accent1"/>
+    </dgm:linClrLst>
+    <dgm:effectClrLst/>
+    <dgm:txLinClrLst/>
+    <dgm:txFillClrLst meth="repeat">
+      <a:schemeClr val="dk1"/>
+    </dgm:txFillClrLst>
+    <dgm:txEffectClrLst/>
+  </dgm:styleLbl>
+  <dgm:styleLbl name="dkBgShp">
+    <dgm:fillClrLst meth="repeat">
+      <a:schemeClr val="accent1">
+        <a:shade val="80000"/>
+      </a:schemeClr>
+    </dgm:fillClrLst>
+    <dgm:linClrLst meth="repeat">
+      <a:schemeClr val="accent1"/>
+    </dgm:linClrLst>
+    <dgm:effectClrLst/>
+    <dgm:txLinClrLst/>
+    <dgm:txFillClrLst meth="repeat">
+      <a:schemeClr val="lt1"/>
+    </dgm:txFillClrLst>
+    <dgm:txEffectClrLst/>
+  </dgm:styleLbl>
+  <dgm:styleLbl name="trBgShp">
+    <dgm:fillClrLst meth="repeat">
+      <a:schemeClr val="accent1">
+        <a:tint val="50000"/>
+        <a:alpha val="40000"/>
+      </a:schemeClr>
+    </dgm:fillClrLst>
+    <dgm:linClrLst meth="repeat">
+      <a:schemeClr val="accent1"/>
+    </dgm:linClrLst>
+    <dgm:effectClrLst/>
+    <dgm:txLinClrLst/>
+    <dgm:txFillClrLst meth="repeat">
+      <a:schemeClr val="lt1"/>
+    </dgm:txFillClrLst>
+    <dgm:txEffectClrLst/>
+  </dgm:styleLbl>
+  <dgm:styleLbl name="fgShp">
+    <dgm:fillClrLst meth="repeat">
+      <a:schemeClr val="accent1">
+        <a:tint val="60000"/>
+      </a:schemeClr>
+    </dgm:fillClrLst>
+    <dgm:linClrLst meth="repeat">
+      <a:schemeClr val="lt1"/>
+    </dgm:linClrLst>
+    <dgm:effectClrLst/>
+    <dgm:txLinClrLst/>
+    <dgm:txFillClrLst meth="repeat">
+      <a:schemeClr val="dk1"/>
+    </dgm:txFillClrLst>
+    <dgm:txEffectClrLst/>
+  </dgm:styleLbl>
+  <dgm:styleLbl name="revTx">
+    <dgm:fillClrLst meth="repeat">
+      <a:schemeClr val="lt1">
+        <a:alpha val="0"/>
+      </a:schemeClr>
+    </dgm:fillClrLst>
+    <dgm:linClrLst meth="repeat">
+      <a:schemeClr val="dk1">
+        <a:alpha val="0"/>
+      </a:schemeClr>
+    </dgm:linClrLst>
+    <dgm:effectClrLst/>
+    <dgm:txLinClrLst/>
+    <dgm:txFillClrLst meth="repeat">
+      <a:schemeClr val="tx1"/>
+    </dgm:txFillClrLst>
+    <dgm:txEffectClrLst/>
+  </dgm:styleLbl>
+</dgm:colorsDef>
+</file>
+
+<file path=ppt/diagrams/colors3.xml><?xml version="1.0" encoding="utf-8"?>
+<dgm:colorsDef xmlns:dgm="http://schemas.openxmlformats.org/drawingml/2006/diagram" xmlns:a="http://schemas.openxmlformats.org/drawingml/2006/main" uniqueId="urn:microsoft.com/office/officeart/2005/8/colors/accent1_2">
+  <dgm:title val=""/>
+  <dgm:desc val=""/>
+  <dgm:catLst>
+    <dgm:cat type="accent1" pri="11200"/>
+  </dgm:catLst>
+  <dgm:styleLbl name="node0">
+    <dgm:fillClrLst meth="repeat">
+      <a:schemeClr val="accent1"/>
+    </dgm:fillClrLst>
+    <dgm:linClrLst meth="repeat">
+      <a:schemeClr val="lt1"/>
+    </dgm:linClrLst>
+    <dgm:effectClrLst/>
+    <dgm:txLinClrLst/>
+    <dgm:txFillClrLst/>
+    <dgm:txEffectClrLst/>
+  </dgm:styleLbl>
+  <dgm:styleLbl name="alignNode1">
+    <dgm:fillClrLst meth="repeat">
+      <a:schemeClr val="accent1"/>
+    </dgm:fillClrLst>
+    <dgm:linClrLst meth="repeat">
+      <a:schemeClr val="accent1"/>
+    </dgm:linClrLst>
+    <dgm:effectClrLst/>
+    <dgm:txLinClrLst/>
+    <dgm:txFillClrLst/>
+    <dgm:txEffectClrLst/>
+  </dgm:styleLbl>
+  <dgm:styleLbl name="node1">
+    <dgm:fillClrLst meth="repeat">
+      <a:schemeClr val="accent1"/>
+    </dgm:fillClrLst>
+    <dgm:linClrLst meth="repeat">
+      <a:schemeClr val="lt1"/>
+    </dgm:linClrLst>
+    <dgm:effectClrLst/>
+    <dgm:txLinClrLst/>
+    <dgm:txFillClrLst/>
+    <dgm:txEffectClrLst/>
+  </dgm:styleLbl>
+  <dgm:styleLbl name="lnNode1">
+    <dgm:fillClrLst meth="repeat">
+      <a:schemeClr val="accent1"/>
+    </dgm:fillClrLst>
+    <dgm:linClrLst meth="repeat">
+      <a:schemeClr val="lt1"/>
+    </dgm:linClrLst>
+    <dgm:effectClrLst/>
+    <dgm:txLinClrLst/>
+    <dgm:txFillClrLst/>
+    <dgm:txEffectClrLst/>
+  </dgm:styleLbl>
+  <dgm:styleLbl name="vennNode1">
+    <dgm:fillClrLst meth="repeat">
+      <a:schemeClr val="accent1">
+        <a:alpha val="50000"/>
+      </a:schemeClr>
+    </dgm:fillClrLst>
+    <dgm:linClrLst meth="repeat">
+      <a:schemeClr val="lt1"/>
+    </dgm:linClrLst>
+    <dgm:effectClrLst/>
+    <dgm:txLinClrLst/>
+    <dgm:txFillClrLst/>
+    <dgm:txEffectClrLst/>
+  </dgm:styleLbl>
+  <dgm:styleLbl name="node2">
+    <dgm:fillClrLst meth="repeat">
+      <a:schemeClr val="accent1"/>
+    </dgm:fillClrLst>
+    <dgm:linClrLst meth="repeat">
+      <a:schemeClr val="lt1"/>
+    </dgm:linClrLst>
+    <dgm:effectClrLst/>
+    <dgm:txLinClrLst/>
+    <dgm:txFillClrLst/>
+    <dgm:txEffectClrLst/>
+  </dgm:styleLbl>
+  <dgm:styleLbl name="node3">
+    <dgm:fillClrLst meth="repeat">
+      <a:schemeClr val="accent1"/>
+    </dgm:fillClrLst>
+    <dgm:linClrLst meth="repeat">
+      <a:schemeClr val="lt1"/>
+    </dgm:linClrLst>
+    <dgm:effectClrLst/>
+    <dgm:txLinClrLst/>
+    <dgm:txFillClrLst/>
+    <dgm:txEffectClrLst/>
+  </dgm:styleLbl>
+  <dgm:styleLbl name="node4">
+    <dgm:fillClrLst meth="repeat">
+      <a:schemeClr val="accent1"/>
+    </dgm:fillClrLst>
+    <dgm:linClrLst meth="repeat">
+      <a:schemeClr val="lt1"/>
+    </dgm:linClrLst>
+    <dgm:effectClrLst/>
+    <dgm:txLinClrLst/>
+    <dgm:txFillClrLst/>
+    <dgm:txEffectClrLst/>
+  </dgm:styleLbl>
+  <dgm:styleLbl name="fgImgPlace1">
+    <dgm:fillClrLst meth="repeat">
+      <a:schemeClr val="accent1">
+        <a:tint val="50000"/>
+      </a:schemeClr>
+    </dgm:fillClrLst>
+    <dgm:linClrLst meth="repeat">
+      <a:schemeClr val="lt1"/>
+    </dgm:linClrLst>
+    <dgm:effectClrLst/>
+    <dgm:txLinClrLst/>
+    <dgm:txFillClrLst meth="repeat">
+      <a:schemeClr val="lt1"/>
+    </dgm:txFillClrLst>
+    <dgm:txEffectClrLst/>
+  </dgm:styleLbl>
+  <dgm:styleLbl name="alignImgPlace1">
+    <dgm:fillClrLst meth="repeat">
+      <a:schemeClr val="accent1">
+        <a:tint val="50000"/>
+      </a:schemeClr>
+    </dgm:fillClrLst>
+    <dgm:linClrLst meth="repeat">
+      <a:schemeClr val="lt1"/>
+    </dgm:linClrLst>
+    <dgm:effectClrLst/>
+    <dgm:txLinClrLst/>
+    <dgm:txFillClrLst meth="repeat">
+      <a:schemeClr val="lt1"/>
+    </dgm:txFillClrLst>
+    <dgm:txEffectClrLst/>
+  </dgm:styleLbl>
+  <dgm:styleLbl name="bgImgPlace1">
+    <dgm:fillClrLst meth="repeat">
+      <a:schemeClr val="accent1">
+        <a:tint val="50000"/>
+      </a:schemeClr>
+    </dgm:fillClrLst>
+    <dgm:linClrLst meth="repeat">
+      <a:schemeClr val="lt1"/>
+    </dgm:linClrLst>
+    <dgm:effectClrLst/>
+    <dgm:txLinClrLst/>
+    <dgm:txFillClrLst meth="repeat">
+      <a:schemeClr val="lt1"/>
+    </dgm:txFillClrLst>
+    <dgm:txEffectClrLst/>
+  </dgm:styleLbl>
+  <dgm:styleLbl name="sibTrans2D1">
+    <dgm:fillClrLst meth="repeat">
+      <a:schemeClr val="accent1">
+        <a:tint val="60000"/>
+      </a:schemeClr>
+    </dgm:fillClrLst>
+    <dgm:linClrLst meth="repeat">
+      <a:schemeClr val="accent1">
+        <a:tint val="60000"/>
+      </a:schemeClr>
+    </dgm:linClrLst>
+    <dgm:effectClrLst/>
+    <dgm:txLinClrLst/>
+    <dgm:txFillClrLst/>
+    <dgm:txEffectClrLst/>
+  </dgm:styleLbl>
+  <dgm:styleLbl name="fgSibTrans2D1">
+    <dgm:fillClrLst meth="repeat">
+      <a:schemeClr val="accent1">
+        <a:tint val="60000"/>
+      </a:schemeClr>
+    </dgm:fillClrLst>
+    <dgm:linClrLst meth="repeat">
+      <a:schemeClr val="accent1">
+        <a:tint val="60000"/>
+      </a:schemeClr>
+    </dgm:linClrLst>
+    <dgm:effectClrLst/>
+    <dgm:txLinClrLst/>
+    <dgm:txFillClrLst/>
+    <dgm:txEffectClrLst/>
+  </dgm:styleLbl>
+  <dgm:styleLbl name="bgSibTrans2D1">
+    <dgm:fillClrLst meth="repeat">
+      <a:schemeClr val="accent1">
+        <a:tint val="60000"/>
+      </a:schemeClr>
+    </dgm:fillClrLst>
+    <dgm:linClrLst meth="repeat">
+      <a:schemeClr val="accent1">
+        <a:tint val="60000"/>
+      </a:schemeClr>
+    </dgm:linClrLst>
+    <dgm:effectClrLst/>
+    <dgm:txLinClrLst/>
+    <dgm:txFillClrLst/>
+    <dgm:txEffectClrLst/>
+  </dgm:styleLbl>
+  <dgm:styleLbl name="sibTrans1D1">
+    <dgm:fillClrLst meth="repeat">
+      <a:schemeClr val="accent1"/>
+    </dgm:fillClrLst>
+    <dgm:linClrLst meth="repeat">
+      <a:schemeClr val="accent1"/>
+    </dgm:linClrLst>
+    <dgm:effectClrLst/>
+    <dgm:txLinClrLst/>
+    <dgm:txFillClrLst meth="repeat">
+      <a:schemeClr val="tx1"/>
+    </dgm:txFillClrLst>
+    <dgm:txEffectClrLst/>
+  </dgm:styleLbl>
+  <dgm:styleLbl name="callout">
+    <dgm:fillClrLst meth="repeat">
+      <a:schemeClr val="accent1"/>
+    </dgm:fillClrLst>
+    <dgm:linClrLst meth="repeat">
+      <a:schemeClr val="accent1">
+        <a:tint val="50000"/>
+      </a:schemeClr>
+    </dgm:linClrLst>
+    <dgm:effectClrLst/>
+    <dgm:txLinClrLst/>
+    <dgm:txFillClrLst meth="repeat">
+      <a:schemeClr val="tx1"/>
+    </dgm:txFillClrLst>
+    <dgm:txEffectClrLst/>
+  </dgm:styleLbl>
+  <dgm:styleLbl name="asst0">
+    <dgm:fillClrLst meth="repeat">
+      <a:schemeClr val="accent1"/>
+    </dgm:fillClrLst>
+    <dgm:linClrLst meth="repeat">
+      <a:schemeClr val="lt1"/>
+    </dgm:linClrLst>
+    <dgm:effectClrLst/>
+    <dgm:txLinClrLst/>
+    <dgm:txFillClrLst/>
+    <dgm:txEffectClrLst/>
+  </dgm:styleLbl>
+  <dgm:styleLbl name="asst1">
+    <dgm:fillClrLst meth="repeat">
+      <a:schemeClr val="accent1"/>
+    </dgm:fillClrLst>
+    <dgm:linClrLst meth="repeat">
+      <a:schemeClr val="lt1"/>
+    </dgm:linClrLst>
+    <dgm:effectClrLst/>
+    <dgm:txLinClrLst/>
+    <dgm:txFillClrLst/>
+    <dgm:txEffectClrLst/>
+  </dgm:styleLbl>
+  <dgm:styleLbl name="asst2">
+    <dgm:fillClrLst meth="repeat">
+      <a:schemeClr val="accent1"/>
+    </dgm:fillClrLst>
+    <dgm:linClrLst meth="repeat">
+      <a:schemeClr val="lt1"/>
+    </dgm:linClrLst>
+    <dgm:effectClrLst/>
+    <dgm:txLinClrLst/>
+    <dgm:txFillClrLst/>
+    <dgm:txEffectClrLst/>
+  </dgm:styleLbl>
+  <dgm:styleLbl name="asst3">
+    <dgm:fillClrLst meth="repeat">
+      <a:schemeClr val="accent1"/>
+    </dgm:fillClrLst>
+    <dgm:linClrLst meth="repeat">
+      <a:schemeClr val="lt1"/>
+    </dgm:linClrLst>
+    <dgm:effectClrLst/>
+    <dgm:txLinClrLst/>
+    <dgm:txFillClrLst/>
+    <dgm:txEffectClrLst/>
+  </dgm:styleLbl>
+  <dgm:styleLbl name="asst4">
+    <dgm:fillClrLst meth="repeat">
+      <a:schemeClr val="accent1"/>
+    </dgm:fillClrLst>
+    <dgm:linClrLst meth="repeat">
+      <a:schemeClr val="lt1"/>
+    </dgm:linClrLst>
+    <dgm:effectClrLst/>
+    <dgm:txLinClrLst/>
+    <dgm:txFillClrLst/>
+    <dgm:txEffectClrLst/>
+  </dgm:styleLbl>
+  <dgm:styleLbl name="parChTrans2D1">
+    <dgm:fillClrLst meth="repeat">
+      <a:schemeClr val="accent1">
+        <a:tint val="60000"/>
+      </a:schemeClr>
+    </dgm:fillClrLst>
+    <dgm:linClrLst meth="repeat">
+      <a:schemeClr val="accent1">
+        <a:tint val="60000"/>
+      </a:schemeClr>
+    </dgm:linClrLst>
+    <dgm:effectClrLst/>
+    <dgm:txLinClrLst/>
+    <dgm:txFillClrLst meth="repeat">
+      <a:schemeClr val="lt1"/>
+    </dgm:txFillClrLst>
+    <dgm:txEffectClrLst/>
+  </dgm:styleLbl>
+  <dgm:styleLbl name="parChTrans2D2">
+    <dgm:fillClrLst meth="repeat">
+      <a:schemeClr val="accent1"/>
+    </dgm:fillClrLst>
+    <dgm:linClrLst meth="repeat">
+      <a:schemeClr val="accent1"/>
+    </dgm:linClrLst>
+    <dgm:effectClrLst/>
+    <dgm:txLinClrLst/>
+    <dgm:txFillClrLst meth="repeat">
+      <a:schemeClr val="lt1"/>
+    </dgm:txFillClrLst>
+    <dgm:txEffectClrLst/>
+  </dgm:styleLbl>
+  <dgm:styleLbl name="parChTrans2D3">
+    <dgm:fillClrLst meth="repeat">
+      <a:schemeClr val="accent1"/>
+    </dgm:fillClrLst>
+    <dgm:linClrLst meth="repeat">
+      <a:schemeClr val="accent1"/>
+    </dgm:linClrLst>
+    <dgm:effectClrLst/>
+    <dgm:txLinClrLst/>
+    <dgm:txFillClrLst meth="repeat">
+      <a:schemeClr val="lt1"/>
+    </dgm:txFillClrLst>
+    <dgm:txEffectClrLst/>
+  </dgm:styleLbl>
+  <dgm:styleLbl name="parChTrans2D4">
+    <dgm:fillClrLst meth="repeat">
+      <a:schemeClr val="accent1"/>
+    </dgm:fillClrLst>
+    <dgm:linClrLst meth="repeat">
+      <a:schemeClr val="accent1"/>
+    </dgm:linClrLst>
+    <dgm:effectClrLst/>
+    <dgm:txLinClrLst/>
+    <dgm:txFillClrLst meth="repeat">
+      <a:schemeClr val="lt1"/>
+    </dgm:txFillClrLst>
+    <dgm:txEffectClrLst/>
+  </dgm:styleLbl>
+  <dgm:styleLbl name="parChTrans1D1">
+    <dgm:fillClrLst meth="repeat">
+      <a:schemeClr val="accent1"/>
+    </dgm:fillClrLst>
+    <dgm:linClrLst meth="repeat">
+      <a:schemeClr val="accent1">
+        <a:shade val="60000"/>
+      </a:schemeClr>
+    </dgm:linClrLst>
+    <dgm:effectClrLst/>
+    <dgm:txLinClrLst/>
+    <dgm:txFillClrLst meth="repeat">
+      <a:schemeClr val="tx1"/>
+    </dgm:txFillClrLst>
+    <dgm:txEffectClrLst/>
+  </dgm:styleLbl>
+  <dgm:styleLbl name="parChTrans1D2">
+    <dgm:fillClrLst meth="repeat">
+      <a:schemeClr val="accent1"/>
+    </dgm:fillClrLst>
+    <dgm:linClrLst meth="repeat">
+      <a:schemeClr val="accent1">
+        <a:shade val="60000"/>
+      </a:schemeClr>
+    </dgm:linClrLst>
+    <dgm:effectClrLst/>
+    <dgm:txLinClrLst/>
+    <dgm:txFillClrLst meth="repeat">
+      <a:schemeClr val="tx1"/>
+    </dgm:txFillClrLst>
+    <dgm:txEffectClrLst/>
+  </dgm:styleLbl>
+  <dgm:styleLbl name="parChTrans1D3">
+    <dgm:fillClrLst meth="repeat">
+      <a:schemeClr val="accent1"/>
+    </dgm:fillClrLst>
+    <dgm:linClrLst meth="repeat">
+      <a:schemeClr val="accent1">
+        <a:shade val="80000"/>
+      </a:schemeClr>
+    </dgm:linClrLst>
+    <dgm:effectClrLst/>
+    <dgm:txLinClrLst/>
+    <dgm:txFillClrLst meth="repeat">
+      <a:schemeClr val="tx1"/>
+    </dgm:txFillClrLst>
+    <dgm:txEffectClrLst/>
+  </dgm:styleLbl>
+  <dgm:styleLbl name="parChTrans1D4">
+    <dgm:fillClrLst meth="repeat">
+      <a:schemeClr val="accent1"/>
+    </dgm:fillClrLst>
+    <dgm:linClrLst meth="repeat">
+      <a:schemeClr val="accent1">
+        <a:shade val="80000"/>
+      </a:schemeClr>
+    </dgm:linClrLst>
+    <dgm:effectClrLst/>
+    <dgm:txLinClrLst/>
+    <dgm:txFillClrLst meth="repeat">
+      <a:schemeClr val="tx1"/>
+    </dgm:txFillClrLst>
+    <dgm:txEffectClrLst/>
+  </dgm:styleLbl>
+  <dgm:styleLbl name="fgAcc1">
+    <dgm:fillClrLst meth="repeat">
+      <a:schemeClr val="lt1">
+        <a:alpha val="90000"/>
+      </a:schemeClr>
+    </dgm:fillClrLst>
+    <dgm:linClrLst meth="repeat">
+      <a:schemeClr val="accent1"/>
+    </dgm:linClrLst>
+    <dgm:effectClrLst/>
+    <dgm:txLinClrLst/>
+    <dgm:txFillClrLst meth="repeat">
+      <a:schemeClr val="dk1"/>
+    </dgm:txFillClrLst>
+    <dgm:txEffectClrLst/>
+  </dgm:styleLbl>
+  <dgm:styleLbl name="conFgAcc1">
+    <dgm:fillClrLst meth="repeat">
+      <a:schemeClr val="lt1">
+        <a:alpha val="90000"/>
+      </a:schemeClr>
+    </dgm:fillClrLst>
+    <dgm:linClrLst meth="repeat">
+      <a:schemeClr val="accent1"/>
+    </dgm:linClrLst>
+    <dgm:effectClrLst/>
+    <dgm:txLinClrLst/>
+    <dgm:txFillClrLst meth="repeat">
+      <a:schemeClr val="dk1"/>
+    </dgm:txFillClrLst>
+    <dgm:txEffectClrLst/>
+  </dgm:styleLbl>
+  <dgm:styleLbl name="alignAcc1">
+    <dgm:fillClrLst meth="repeat">
+      <a:schemeClr val="lt1">
+        <a:alpha val="90000"/>
+      </a:schemeClr>
+    </dgm:fillClrLst>
+    <dgm:linClrLst meth="repeat">
+      <a:schemeClr val="accent1"/>
+    </dgm:linClrLst>
+    <dgm:effectClrLst/>
+    <dgm:txLinClrLst/>
+    <dgm:txFillClrLst meth="repeat">
+      <a:schemeClr val="dk1"/>
+    </dgm:txFillClrLst>
+    <dgm:txEffectClrLst/>
+  </dgm:styleLbl>
+  <dgm:styleLbl name="trAlignAcc1">
+    <dgm:fillClrLst meth="repeat">
+      <a:schemeClr val="lt1">
+        <a:alpha val="40000"/>
+      </a:schemeClr>
+    </dgm:fillClrLst>
+    <dgm:linClrLst meth="repeat">
+      <a:schemeClr val="accent1"/>
+    </dgm:linClrLst>
+    <dgm:effectClrLst/>
+    <dgm:txLinClrLst/>
+    <dgm:txFillClrLst meth="repeat">
+      <a:schemeClr val="dk1"/>
+    </dgm:txFillClrLst>
+    <dgm:txEffectClrLst/>
+  </dgm:styleLbl>
+  <dgm:styleLbl name="bgAcc1">
+    <dgm:fillClrLst meth="repeat">
+      <a:schemeClr val="lt1">
+        <a:alpha val="90000"/>
+      </a:schemeClr>
+    </dgm:fillClrLst>
+    <dgm:linClrLst meth="repeat">
+      <a:schemeClr val="accent1"/>
+    </dgm:linClrLst>
+    <dgm:effectClrLst/>
+    <dgm:txLinClrLst/>
+    <dgm:txFillClrLst meth="repeat">
+      <a:schemeClr val="dk1"/>
+    </dgm:txFillClrLst>
+    <dgm:txEffectClrLst/>
+  </dgm:styleLbl>
+  <dgm:styleLbl name="solidFgAcc1">
+    <dgm:fillClrLst meth="repeat">
+      <a:schemeClr val="lt1"/>
+    </dgm:fillClrLst>
+    <dgm:linClrLst meth="repeat">
+      <a:schemeClr val="accent1"/>
+    </dgm:linClrLst>
+    <dgm:effectClrLst/>
+    <dgm:txLinClrLst/>
+    <dgm:txFillClrLst meth="repeat">
+      <a:schemeClr val="dk1"/>
+    </dgm:txFillClrLst>
+    <dgm:txEffectClrLst/>
+  </dgm:styleLbl>
+  <dgm:styleLbl name="solidAlignAcc1">
+    <dgm:fillClrLst meth="repeat">
+      <a:schemeClr val="lt1"/>
+    </dgm:fillClrLst>
+    <dgm:linClrLst meth="repeat">
+      <a:schemeClr val="accent1"/>
+    </dgm:linClrLst>
+    <dgm:effectClrLst/>
+    <dgm:txLinClrLst/>
+    <dgm:txFillClrLst meth="repeat">
+      <a:schemeClr val="dk1"/>
+    </dgm:txFillClrLst>
+    <dgm:txEffectClrLst/>
+  </dgm:styleLbl>
+  <dgm:styleLbl name="solidBgAcc1">
+    <dgm:fillClrLst meth="repeat">
+      <a:schemeClr val="lt1"/>
+    </dgm:fillClrLst>
+    <dgm:linClrLst meth="repeat">
+      <a:schemeClr val="accent1"/>
+    </dgm:linClrLst>
+    <dgm:effectClrLst/>
+    <dgm:txLinClrLst/>
+    <dgm:txFillClrLst meth="repeat">
+      <a:schemeClr val="dk1"/>
+    </dgm:txFillClrLst>
+    <dgm:txEffectClrLst/>
+  </dgm:styleLbl>
+  <dgm:styleLbl name="fgAccFollowNode1">
+    <dgm:fillClrLst meth="repeat">
+      <a:schemeClr val="accent1">
+        <a:alpha val="90000"/>
+        <a:tint val="40000"/>
+      </a:schemeClr>
+    </dgm:fillClrLst>
+    <dgm:linClrLst meth="repeat">
+      <a:schemeClr val="accent1">
+        <a:alpha val="90000"/>
+        <a:tint val="40000"/>
+      </a:schemeClr>
+    </dgm:linClrLst>
+    <dgm:effectClrLst/>
+    <dgm:txLinClrLst/>
+    <dgm:txFillClrLst meth="repeat">
+      <a:schemeClr val="dk1"/>
+    </dgm:txFillClrLst>
+    <dgm:txEffectClrLst/>
+  </dgm:styleLbl>
+  <dgm:styleLbl name="alignAccFollowNode1">
+    <dgm:fillClrLst meth="repeat">
+      <a:schemeClr val="accent1">
+        <a:alpha val="90000"/>
+        <a:tint val="40000"/>
+      </a:schemeClr>
+    </dgm:fillClrLst>
+    <dgm:linClrLst meth="repeat">
+      <a:schemeClr val="accent1">
+        <a:alpha val="90000"/>
+        <a:tint val="40000"/>
+      </a:schemeClr>
+    </dgm:linClrLst>
+    <dgm:effectClrLst/>
+    <dgm:txLinClrLst/>
+    <dgm:txFillClrLst meth="repeat">
+      <a:schemeClr val="dk1"/>
+    </dgm:txFillClrLst>
+    <dgm:txEffectClrLst/>
+  </dgm:styleLbl>
+  <dgm:styleLbl name="bgAccFollowNode1">
+    <dgm:fillClrLst meth="repeat">
+      <a:schemeClr val="accent1">
+        <a:alpha val="90000"/>
+        <a:tint val="40000"/>
+      </a:schemeClr>
+    </dgm:fillClrLst>
+    <dgm:linClrLst meth="repeat">
+      <a:schemeClr val="accent1">
+        <a:alpha val="90000"/>
+        <a:tint val="40000"/>
+      </a:schemeClr>
+    </dgm:linClrLst>
+    <dgm:effectClrLst/>
+    <dgm:txLinClrLst/>
+    <dgm:txFillClrLst meth="repeat">
+      <a:schemeClr val="dk1"/>
+    </dgm:txFillClrLst>
+    <dgm:txEffectClrLst/>
+  </dgm:styleLbl>
+  <dgm:styleLbl name="fgAcc0">
+    <dgm:fillClrLst meth="repeat">
+      <a:schemeClr val="lt1">
+        <a:alpha val="90000"/>
+      </a:schemeClr>
+    </dgm:fillClrLst>
+    <dgm:linClrLst meth="repeat">
+      <a:schemeClr val="accent1"/>
+    </dgm:linClrLst>
+    <dgm:effectClrLst/>
+    <dgm:txLinClrLst/>
+    <dgm:txFillClrLst meth="repeat">
+      <a:schemeClr val="dk1"/>
+    </dgm:txFillClrLst>
+    <dgm:txEffectClrLst/>
+  </dgm:styleLbl>
+  <dgm:styleLbl name="fgAcc2">
+    <dgm:fillClrLst meth="repeat">
+      <a:schemeClr val="lt1">
+        <a:alpha val="90000"/>
+      </a:schemeClr>
+    </dgm:fillClrLst>
+    <dgm:linClrLst meth="repeat">
+      <a:schemeClr val="accent1"/>
+    </dgm:linClrLst>
+    <dgm:effectClrLst/>
+    <dgm:txLinClrLst/>
+    <dgm:txFillClrLst meth="repeat">
+      <a:schemeClr val="dk1"/>
+    </dgm:txFillClrLst>
+    <dgm:txEffectClrLst/>
+  </dgm:styleLbl>
+  <dgm:styleLbl name="fgAcc3">
+    <dgm:fillClrLst meth="repeat">
+      <a:schemeClr val="lt1">
+        <a:alpha val="90000"/>
+      </a:schemeClr>
+    </dgm:fillClrLst>
+    <dgm:linClrLst meth="repeat">
+      <a:schemeClr val="accent1"/>
+    </dgm:linClrLst>
+    <dgm:effectClrLst/>
+    <dgm:txLinClrLst/>
+    <dgm:txFillClrLst meth="repeat">
+      <a:schemeClr val="dk1"/>
+    </dgm:txFillClrLst>
+    <dgm:txEffectClrLst/>
+  </dgm:styleLbl>
+  <dgm:styleLbl name="fgAcc4">
+    <dgm:fillClrLst meth="repeat">
+      <a:schemeClr val="lt1">
+        <a:alpha val="90000"/>
+      </a:schemeClr>
+    </dgm:fillClrLst>
+    <dgm:linClrLst meth="repeat">
+      <a:schemeClr val="accent1"/>
+    </dgm:linClrLst>
+    <dgm:effectClrLst/>
+    <dgm:txLinClrLst/>
+    <dgm:txFillClrLst meth="repeat">
+      <a:schemeClr val="dk1"/>
+    </dgm:txFillClrLst>
+    <dgm:txEffectClrLst/>
+  </dgm:styleLbl>
+  <dgm:styleLbl name="bgShp">
+    <dgm:fillClrLst meth="repeat">
+      <a:schemeClr val="accent1">
+        <a:tint val="40000"/>
+      </a:schemeClr>
+    </dgm:fillClrLst>
+    <dgm:linClrLst meth="repeat">
+      <a:schemeClr val="accent1"/>
+    </dgm:linClrLst>
+    <dgm:effectClrLst/>
+    <dgm:txLinClrLst/>
+    <dgm:txFillClrLst meth="repeat">
+      <a:schemeClr val="dk1"/>
+    </dgm:txFillClrLst>
+    <dgm:txEffectClrLst/>
+  </dgm:styleLbl>
+  <dgm:styleLbl name="dkBgShp">
+    <dgm:fillClrLst meth="repeat">
+      <a:schemeClr val="accent1">
+        <a:shade val="80000"/>
+      </a:schemeClr>
+    </dgm:fillClrLst>
+    <dgm:linClrLst meth="repeat">
+      <a:schemeClr val="accent1"/>
+    </dgm:linClrLst>
+    <dgm:effectClrLst/>
+    <dgm:txLinClrLst/>
+    <dgm:txFillClrLst meth="repeat">
+      <a:schemeClr val="lt1"/>
+    </dgm:txFillClrLst>
+    <dgm:txEffectClrLst/>
+  </dgm:styleLbl>
+  <dgm:styleLbl name="trBgShp">
+    <dgm:fillClrLst meth="repeat">
+      <a:schemeClr val="accent1">
+        <a:tint val="50000"/>
+        <a:alpha val="40000"/>
+      </a:schemeClr>
+    </dgm:fillClrLst>
+    <dgm:linClrLst meth="repeat">
+      <a:schemeClr val="accent1"/>
+    </dgm:linClrLst>
+    <dgm:effectClrLst/>
+    <dgm:txLinClrLst/>
+    <dgm:txFillClrLst meth="repeat">
+      <a:schemeClr val="lt1"/>
+    </dgm:txFillClrLst>
+    <dgm:txEffectClrLst/>
+  </dgm:styleLbl>
+  <dgm:styleLbl name="fgShp">
+    <dgm:fillClrLst meth="repeat">
+      <a:schemeClr val="accent1">
+        <a:tint val="60000"/>
+      </a:schemeClr>
+    </dgm:fillClrLst>
+    <dgm:linClrLst meth="repeat">
+      <a:schemeClr val="lt1"/>
+    </dgm:linClrLst>
+    <dgm:effectClrLst/>
+    <dgm:txLinClrLst/>
+    <dgm:txFillClrLst meth="repeat">
+      <a:schemeClr val="dk1"/>
+    </dgm:txFillClrLst>
+    <dgm:txEffectClrLst/>
+  </dgm:styleLbl>
+  <dgm:styleLbl name="revTx">
+    <dgm:fillClrLst meth="repeat">
+      <a:schemeClr val="lt1">
+        <a:alpha val="0"/>
+      </a:schemeClr>
+    </dgm:fillClrLst>
+    <dgm:linClrLst meth="repeat">
+      <a:schemeClr val="dk1">
+        <a:alpha val="0"/>
+      </a:schemeClr>
+    </dgm:linClrLst>
+    <dgm:effectClrLst/>
+    <dgm:txLinClrLst/>
+    <dgm:txFillClrLst meth="repeat">
+      <a:schemeClr val="tx1"/>
+    </dgm:txFillClrLst>
+    <dgm:txEffectClrLst/>
+  </dgm:styleLbl>
+</dgm:colorsDef>
+</file>
+
+<file path=ppt/diagrams/colors4.xml><?xml version="1.0" encoding="utf-8"?>
 <dgm:colorsDef xmlns:dgm="http://schemas.openxmlformats.org/drawingml/2006/diagram" xmlns:a="http://schemas.openxmlformats.org/drawingml/2006/main" uniqueId="urn:microsoft.com/office/officeart/2005/8/colors/accent1_2">
   <dgm:title val=""/>
   <dgm:desc val=""/>
@@ -2302,6 +4304,688 @@
     <dgm:cxn modelId="{5C7E8226-861F-4B36-AA80-E8DD8FED480F}" type="presParOf" srcId="{4721DBFE-77B1-4A2D-903A-B34E00484E6C}" destId="{619661B0-C1AE-4868-B308-36E72682DDA1}" srcOrd="0" destOrd="0" presId="urn:microsoft.com/office/officeart/2018/2/layout/IconLabelList"/>
     <dgm:cxn modelId="{0D6F926A-F8BC-47C3-8D8E-98E516115288}" type="presParOf" srcId="{4721DBFE-77B1-4A2D-903A-B34E00484E6C}" destId="{0F828BA8-36C4-46EF-A8C4-35EB663792BF}" srcOrd="1" destOrd="0" presId="urn:microsoft.com/office/officeart/2018/2/layout/IconLabelList"/>
     <dgm:cxn modelId="{FF3727CD-F801-4057-A219-AACD7ABEFBF0}" type="presParOf" srcId="{4721DBFE-77B1-4A2D-903A-B34E00484E6C}" destId="{3E1707B0-AA50-4E7F-B6C6-CABAD77CA6E2}" srcOrd="2" destOrd="0" presId="urn:microsoft.com/office/officeart/2018/2/layout/IconLabelList"/>
+  </dgm:cxnLst>
+  <dgm:bg/>
+  <dgm:whole/>
+  <dgm:extLst>
+    <a:ext uri="http://schemas.microsoft.com/office/drawing/2008/diagram">
+      <dsp:dataModelExt xmlns:dsp="http://schemas.microsoft.com/office/drawing/2008/diagram" relId="rId6" minVer="http://schemas.openxmlformats.org/drawingml/2006/diagram"/>
+    </a:ext>
+  </dgm:extLst>
+</dgm:dataModel>
+</file>
+
+<file path=ppt/diagrams/data3.xml><?xml version="1.0" encoding="utf-8"?>
+<dgm:dataModel xmlns:dgm="http://schemas.openxmlformats.org/drawingml/2006/diagram" xmlns:a="http://schemas.openxmlformats.org/drawingml/2006/main">
+  <dgm:ptLst>
+    <dgm:pt modelId="{2F0079B5-3F9B-4093-B079-678F31FF3E9E}" type="doc">
+      <dgm:prSet loTypeId="urn:microsoft.com/office/officeart/2005/8/layout/process1" loCatId="process" qsTypeId="urn:microsoft.com/office/officeart/2005/8/quickstyle/simple1" qsCatId="simple" csTypeId="urn:microsoft.com/office/officeart/2005/8/colors/accent1_2" csCatId="accent1"/>
+      <dgm:spPr/>
+      <dgm:t>
+        <a:bodyPr/>
+        <a:lstStyle/>
+        <a:p>
+          <a:endParaRPr lang="en-US"/>
+        </a:p>
+      </dgm:t>
+    </dgm:pt>
+    <dgm:pt modelId="{C5C255E1-2468-4799-B61D-09F5F0659D7E}">
+      <dgm:prSet/>
+      <dgm:spPr/>
+      <dgm:t>
+        <a:bodyPr/>
+        <a:lstStyle/>
+        <a:p>
+          <a:r>
+            <a:rPr lang="en-US"/>
+            <a:t>Reading in filtered data</a:t>
+          </a:r>
+        </a:p>
+      </dgm:t>
+    </dgm:pt>
+    <dgm:pt modelId="{EA2EBD34-1E0C-45ED-8958-D2031A2276B5}" type="parTrans" cxnId="{3EF673C2-240D-4A18-9437-49D0226E4454}">
+      <dgm:prSet/>
+      <dgm:spPr/>
+      <dgm:t>
+        <a:bodyPr/>
+        <a:lstStyle/>
+        <a:p>
+          <a:endParaRPr lang="en-US"/>
+        </a:p>
+      </dgm:t>
+    </dgm:pt>
+    <dgm:pt modelId="{85CBA2A4-B577-44F3-8028-04CDCAF8B6D3}" type="sibTrans" cxnId="{3EF673C2-240D-4A18-9437-49D0226E4454}">
+      <dgm:prSet/>
+      <dgm:spPr/>
+      <dgm:t>
+        <a:bodyPr/>
+        <a:lstStyle/>
+        <a:p>
+          <a:endParaRPr lang="en-US"/>
+        </a:p>
+      </dgm:t>
+    </dgm:pt>
+    <dgm:pt modelId="{E1E4C1C6-A5BB-45FF-8C8D-591D1B91BD06}">
+      <dgm:prSet/>
+      <dgm:spPr/>
+      <dgm:t>
+        <a:bodyPr/>
+        <a:lstStyle/>
+        <a:p>
+          <a:r>
+            <a:rPr lang="en-US"/>
+            <a:t>Raw pseudorange gets corrected with IRSb factor</a:t>
+          </a:r>
+        </a:p>
+      </dgm:t>
+    </dgm:pt>
+    <dgm:pt modelId="{0284E83D-60F1-42B1-967D-B226FFD5AE75}" type="parTrans" cxnId="{CD9CED26-5A5D-455C-A330-9FDD60FE6C72}">
+      <dgm:prSet/>
+      <dgm:spPr/>
+      <dgm:t>
+        <a:bodyPr/>
+        <a:lstStyle/>
+        <a:p>
+          <a:endParaRPr lang="en-US"/>
+        </a:p>
+      </dgm:t>
+    </dgm:pt>
+    <dgm:pt modelId="{C3C3F28B-B6EC-4BB6-8D07-F1210EDE446A}" type="sibTrans" cxnId="{CD9CED26-5A5D-455C-A330-9FDD60FE6C72}">
+      <dgm:prSet/>
+      <dgm:spPr/>
+      <dgm:t>
+        <a:bodyPr/>
+        <a:lstStyle/>
+        <a:p>
+          <a:endParaRPr lang="en-US"/>
+        </a:p>
+      </dgm:t>
+    </dgm:pt>
+    <dgm:pt modelId="{B57199AB-F4AD-4A2C-B94E-89A18ABC5D56}">
+      <dgm:prSet/>
+      <dgm:spPr/>
+      <dgm:t>
+        <a:bodyPr/>
+        <a:lstStyle/>
+        <a:p>
+          <a:r>
+            <a:rPr lang="en-US"/>
+            <a:t>WLS and sat positions gets converted to latitude, longitude</a:t>
+          </a:r>
+        </a:p>
+      </dgm:t>
+    </dgm:pt>
+    <dgm:pt modelId="{67362A43-9A20-4728-A976-4FC2138919A1}" type="parTrans" cxnId="{E77003D9-733B-4F7A-87E0-6805D8EB855A}">
+      <dgm:prSet/>
+      <dgm:spPr/>
+      <dgm:t>
+        <a:bodyPr/>
+        <a:lstStyle/>
+        <a:p>
+          <a:endParaRPr lang="en-US"/>
+        </a:p>
+      </dgm:t>
+    </dgm:pt>
+    <dgm:pt modelId="{4638D243-1D53-4990-8EDD-24D3DD9B9E24}" type="sibTrans" cxnId="{E77003D9-733B-4F7A-87E0-6805D8EB855A}">
+      <dgm:prSet/>
+      <dgm:spPr/>
+      <dgm:t>
+        <a:bodyPr/>
+        <a:lstStyle/>
+        <a:p>
+          <a:endParaRPr lang="en-US"/>
+        </a:p>
+      </dgm:t>
+    </dgm:pt>
+    <dgm:pt modelId="{5F6C55CB-4BBA-44BC-80AC-8A3A75A6425F}">
+      <dgm:prSet/>
+      <dgm:spPr/>
+      <dgm:t>
+        <a:bodyPr/>
+        <a:lstStyle/>
+        <a:p>
+          <a:r>
+            <a:rPr lang="en-US"/>
+            <a:t>Data gets normalized using logical limits</a:t>
+          </a:r>
+        </a:p>
+      </dgm:t>
+    </dgm:pt>
+    <dgm:pt modelId="{D61F9396-E33D-4C65-966E-CF2B1770F0ED}" type="parTrans" cxnId="{0C44BDE3-67D7-478E-8BF0-4A32F1D5658B}">
+      <dgm:prSet/>
+      <dgm:spPr/>
+      <dgm:t>
+        <a:bodyPr/>
+        <a:lstStyle/>
+        <a:p>
+          <a:endParaRPr lang="en-US"/>
+        </a:p>
+      </dgm:t>
+    </dgm:pt>
+    <dgm:pt modelId="{6FE0EC90-B281-467C-B82F-32A064023EC9}" type="sibTrans" cxnId="{0C44BDE3-67D7-478E-8BF0-4A32F1D5658B}">
+      <dgm:prSet/>
+      <dgm:spPr/>
+      <dgm:t>
+        <a:bodyPr/>
+        <a:lstStyle/>
+        <a:p>
+          <a:endParaRPr lang="en-US"/>
+        </a:p>
+      </dgm:t>
+    </dgm:pt>
+    <dgm:pt modelId="{1D453186-12D5-4CBB-BCA7-6D89966EB561}">
+      <dgm:prSet/>
+      <dgm:spPr/>
+      <dgm:t>
+        <a:bodyPr/>
+        <a:lstStyle/>
+        <a:p>
+          <a:r>
+            <a:rPr lang="en-US"/>
+            <a:t>Data of satellites with same timestamp moved to one line (timestep)</a:t>
+          </a:r>
+        </a:p>
+      </dgm:t>
+    </dgm:pt>
+    <dgm:pt modelId="{74CDDD9D-E4B0-40B6-8F1D-D35CD2CD07F8}" type="parTrans" cxnId="{E88EF059-FC8C-4A74-8245-B256C53ED709}">
+      <dgm:prSet/>
+      <dgm:spPr/>
+      <dgm:t>
+        <a:bodyPr/>
+        <a:lstStyle/>
+        <a:p>
+          <a:endParaRPr lang="en-US"/>
+        </a:p>
+      </dgm:t>
+    </dgm:pt>
+    <dgm:pt modelId="{BA0AEC3A-8792-4EB6-8B88-1BAF8C44A3E8}" type="sibTrans" cxnId="{E88EF059-FC8C-4A74-8245-B256C53ED709}">
+      <dgm:prSet/>
+      <dgm:spPr/>
+      <dgm:t>
+        <a:bodyPr/>
+        <a:lstStyle/>
+        <a:p>
+          <a:endParaRPr lang="en-US"/>
+        </a:p>
+      </dgm:t>
+    </dgm:pt>
+    <dgm:pt modelId="{72BA470C-CE83-48D7-9824-8CDEA2400BF6}">
+      <dgm:prSet/>
+      <dgm:spPr/>
+      <dgm:t>
+        <a:bodyPr/>
+        <a:lstStyle/>
+        <a:p>
+          <a:r>
+            <a:rPr lang="en-US"/>
+            <a:t>Data gets padded, and IMU and WSL data added to the end of line</a:t>
+          </a:r>
+        </a:p>
+      </dgm:t>
+    </dgm:pt>
+    <dgm:pt modelId="{B1B77795-9FE8-42F0-80A0-E18192FEC281}" type="parTrans" cxnId="{A5455C6C-9317-4DAC-9582-6866CB263C40}">
+      <dgm:prSet/>
+      <dgm:spPr/>
+      <dgm:t>
+        <a:bodyPr/>
+        <a:lstStyle/>
+        <a:p>
+          <a:endParaRPr lang="en-US"/>
+        </a:p>
+      </dgm:t>
+    </dgm:pt>
+    <dgm:pt modelId="{9331488B-6B77-404E-9105-87A6932F9AC0}" type="sibTrans" cxnId="{A5455C6C-9317-4DAC-9582-6866CB263C40}">
+      <dgm:prSet/>
+      <dgm:spPr/>
+      <dgm:t>
+        <a:bodyPr/>
+        <a:lstStyle/>
+        <a:p>
+          <a:endParaRPr lang="en-US"/>
+        </a:p>
+      </dgm:t>
+    </dgm:pt>
+    <dgm:pt modelId="{20289DE7-84AA-450B-9FA9-27BB50F1469A}">
+      <dgm:prSet/>
+      <dgm:spPr/>
+      <dgm:t>
+        <a:bodyPr/>
+        <a:lstStyle/>
+        <a:p>
+          <a:r>
+            <a:rPr lang="en-US"/>
+            <a:t>Time series prepared and batched with dataloader</a:t>
+          </a:r>
+        </a:p>
+      </dgm:t>
+    </dgm:pt>
+    <dgm:pt modelId="{4CCC73F1-0ECD-4D4D-BDAA-455E6185B65E}" type="parTrans" cxnId="{8067E2F2-DD16-41A5-B510-67578024DF26}">
+      <dgm:prSet/>
+      <dgm:spPr/>
+      <dgm:t>
+        <a:bodyPr/>
+        <a:lstStyle/>
+        <a:p>
+          <a:endParaRPr lang="en-US"/>
+        </a:p>
+      </dgm:t>
+    </dgm:pt>
+    <dgm:pt modelId="{0C877E92-1B5D-4896-BB11-605378D68F17}" type="sibTrans" cxnId="{8067E2F2-DD16-41A5-B510-67578024DF26}">
+      <dgm:prSet/>
+      <dgm:spPr/>
+      <dgm:t>
+        <a:bodyPr/>
+        <a:lstStyle/>
+        <a:p>
+          <a:endParaRPr lang="en-US"/>
+        </a:p>
+      </dgm:t>
+    </dgm:pt>
+    <dgm:pt modelId="{0924CA7A-2525-4B4B-92D4-7D0263E35DAA}" type="pres">
+      <dgm:prSet presAssocID="{2F0079B5-3F9B-4093-B079-678F31FF3E9E}" presName="Name0" presStyleCnt="0">
+        <dgm:presLayoutVars>
+          <dgm:dir/>
+          <dgm:resizeHandles val="exact"/>
+        </dgm:presLayoutVars>
+      </dgm:prSet>
+      <dgm:spPr/>
+    </dgm:pt>
+    <dgm:pt modelId="{E599DF83-9CCB-4FCA-9FCF-1CBC92E3F9BC}" type="pres">
+      <dgm:prSet presAssocID="{C5C255E1-2468-4799-B61D-09F5F0659D7E}" presName="node" presStyleLbl="node1" presStyleIdx="0" presStyleCnt="7">
+        <dgm:presLayoutVars>
+          <dgm:bulletEnabled val="1"/>
+        </dgm:presLayoutVars>
+      </dgm:prSet>
+      <dgm:spPr/>
+    </dgm:pt>
+    <dgm:pt modelId="{1F68E604-1A6C-4CA3-BA80-D1BD0EDC5DBA}" type="pres">
+      <dgm:prSet presAssocID="{85CBA2A4-B577-44F3-8028-04CDCAF8B6D3}" presName="sibTrans" presStyleLbl="sibTrans2D1" presStyleIdx="0" presStyleCnt="6"/>
+      <dgm:spPr/>
+    </dgm:pt>
+    <dgm:pt modelId="{B2A52AAB-26A0-4AF3-9521-6A1109533A34}" type="pres">
+      <dgm:prSet presAssocID="{85CBA2A4-B577-44F3-8028-04CDCAF8B6D3}" presName="connectorText" presStyleLbl="sibTrans2D1" presStyleIdx="0" presStyleCnt="6"/>
+      <dgm:spPr/>
+    </dgm:pt>
+    <dgm:pt modelId="{E62383F0-575F-413B-A417-71C23CCB01D7}" type="pres">
+      <dgm:prSet presAssocID="{E1E4C1C6-A5BB-45FF-8C8D-591D1B91BD06}" presName="node" presStyleLbl="node1" presStyleIdx="1" presStyleCnt="7">
+        <dgm:presLayoutVars>
+          <dgm:bulletEnabled val="1"/>
+        </dgm:presLayoutVars>
+      </dgm:prSet>
+      <dgm:spPr/>
+    </dgm:pt>
+    <dgm:pt modelId="{795EF748-4911-4BA5-9DB3-840ECF81C228}" type="pres">
+      <dgm:prSet presAssocID="{C3C3F28B-B6EC-4BB6-8D07-F1210EDE446A}" presName="sibTrans" presStyleLbl="sibTrans2D1" presStyleIdx="1" presStyleCnt="6"/>
+      <dgm:spPr/>
+    </dgm:pt>
+    <dgm:pt modelId="{3E5A28D3-BFE4-42C9-8F6D-2B8368C3A1E0}" type="pres">
+      <dgm:prSet presAssocID="{C3C3F28B-B6EC-4BB6-8D07-F1210EDE446A}" presName="connectorText" presStyleLbl="sibTrans2D1" presStyleIdx="1" presStyleCnt="6"/>
+      <dgm:spPr/>
+    </dgm:pt>
+    <dgm:pt modelId="{FE05A850-8750-4246-9D42-5C79EEABCB9A}" type="pres">
+      <dgm:prSet presAssocID="{B57199AB-F4AD-4A2C-B94E-89A18ABC5D56}" presName="node" presStyleLbl="node1" presStyleIdx="2" presStyleCnt="7">
+        <dgm:presLayoutVars>
+          <dgm:bulletEnabled val="1"/>
+        </dgm:presLayoutVars>
+      </dgm:prSet>
+      <dgm:spPr/>
+    </dgm:pt>
+    <dgm:pt modelId="{200DBBD6-E0F8-4CA9-9887-40053E1CA508}" type="pres">
+      <dgm:prSet presAssocID="{4638D243-1D53-4990-8EDD-24D3DD9B9E24}" presName="sibTrans" presStyleLbl="sibTrans2D1" presStyleIdx="2" presStyleCnt="6"/>
+      <dgm:spPr/>
+    </dgm:pt>
+    <dgm:pt modelId="{C77212B3-0012-4C77-8E94-CD61048D554E}" type="pres">
+      <dgm:prSet presAssocID="{4638D243-1D53-4990-8EDD-24D3DD9B9E24}" presName="connectorText" presStyleLbl="sibTrans2D1" presStyleIdx="2" presStyleCnt="6"/>
+      <dgm:spPr/>
+    </dgm:pt>
+    <dgm:pt modelId="{3BBE02C9-74A8-46B5-A25F-827A4ACCE2F9}" type="pres">
+      <dgm:prSet presAssocID="{5F6C55CB-4BBA-44BC-80AC-8A3A75A6425F}" presName="node" presStyleLbl="node1" presStyleIdx="3" presStyleCnt="7">
+        <dgm:presLayoutVars>
+          <dgm:bulletEnabled val="1"/>
+        </dgm:presLayoutVars>
+      </dgm:prSet>
+      <dgm:spPr/>
+    </dgm:pt>
+    <dgm:pt modelId="{669AEB41-C0BE-4D6E-9D8D-9FBF5A564B2E}" type="pres">
+      <dgm:prSet presAssocID="{6FE0EC90-B281-467C-B82F-32A064023EC9}" presName="sibTrans" presStyleLbl="sibTrans2D1" presStyleIdx="3" presStyleCnt="6"/>
+      <dgm:spPr/>
+    </dgm:pt>
+    <dgm:pt modelId="{B6C29A37-F36A-48BF-90B6-8CBB9B24A5B7}" type="pres">
+      <dgm:prSet presAssocID="{6FE0EC90-B281-467C-B82F-32A064023EC9}" presName="connectorText" presStyleLbl="sibTrans2D1" presStyleIdx="3" presStyleCnt="6"/>
+      <dgm:spPr/>
+    </dgm:pt>
+    <dgm:pt modelId="{44C543E2-A4A8-4DD8-879F-FB29C0D7EF13}" type="pres">
+      <dgm:prSet presAssocID="{1D453186-12D5-4CBB-BCA7-6D89966EB561}" presName="node" presStyleLbl="node1" presStyleIdx="4" presStyleCnt="7">
+        <dgm:presLayoutVars>
+          <dgm:bulletEnabled val="1"/>
+        </dgm:presLayoutVars>
+      </dgm:prSet>
+      <dgm:spPr/>
+    </dgm:pt>
+    <dgm:pt modelId="{640CBEF2-3728-4438-B1D4-01ED59409AF1}" type="pres">
+      <dgm:prSet presAssocID="{BA0AEC3A-8792-4EB6-8B88-1BAF8C44A3E8}" presName="sibTrans" presStyleLbl="sibTrans2D1" presStyleIdx="4" presStyleCnt="6"/>
+      <dgm:spPr/>
+    </dgm:pt>
+    <dgm:pt modelId="{89CF1F34-7B16-4A25-B86C-D081F9DEFD9F}" type="pres">
+      <dgm:prSet presAssocID="{BA0AEC3A-8792-4EB6-8B88-1BAF8C44A3E8}" presName="connectorText" presStyleLbl="sibTrans2D1" presStyleIdx="4" presStyleCnt="6"/>
+      <dgm:spPr/>
+    </dgm:pt>
+    <dgm:pt modelId="{D3E13E9D-4699-453E-B9FA-2D830F872562}" type="pres">
+      <dgm:prSet presAssocID="{72BA470C-CE83-48D7-9824-8CDEA2400BF6}" presName="node" presStyleLbl="node1" presStyleIdx="5" presStyleCnt="7">
+        <dgm:presLayoutVars>
+          <dgm:bulletEnabled val="1"/>
+        </dgm:presLayoutVars>
+      </dgm:prSet>
+      <dgm:spPr/>
+    </dgm:pt>
+    <dgm:pt modelId="{8B779338-2135-4A9B-AAEF-27923242B910}" type="pres">
+      <dgm:prSet presAssocID="{9331488B-6B77-404E-9105-87A6932F9AC0}" presName="sibTrans" presStyleLbl="sibTrans2D1" presStyleIdx="5" presStyleCnt="6"/>
+      <dgm:spPr/>
+    </dgm:pt>
+    <dgm:pt modelId="{EAEDA144-D2E5-44D1-94F0-9D659880DB92}" type="pres">
+      <dgm:prSet presAssocID="{9331488B-6B77-404E-9105-87A6932F9AC0}" presName="connectorText" presStyleLbl="sibTrans2D1" presStyleIdx="5" presStyleCnt="6"/>
+      <dgm:spPr/>
+    </dgm:pt>
+    <dgm:pt modelId="{A65E3224-70B4-4627-87B4-6EC008F74EB1}" type="pres">
+      <dgm:prSet presAssocID="{20289DE7-84AA-450B-9FA9-27BB50F1469A}" presName="node" presStyleLbl="node1" presStyleIdx="6" presStyleCnt="7">
+        <dgm:presLayoutVars>
+          <dgm:bulletEnabled val="1"/>
+        </dgm:presLayoutVars>
+      </dgm:prSet>
+      <dgm:spPr/>
+    </dgm:pt>
+  </dgm:ptLst>
+  <dgm:cxnLst>
+    <dgm:cxn modelId="{96A8BD09-2918-46B7-A351-D723BE722015}" type="presOf" srcId="{6FE0EC90-B281-467C-B82F-32A064023EC9}" destId="{669AEB41-C0BE-4D6E-9D8D-9FBF5A564B2E}" srcOrd="0" destOrd="0" presId="urn:microsoft.com/office/officeart/2005/8/layout/process1"/>
+    <dgm:cxn modelId="{950EED10-E54D-4614-A3AD-8D57E77D83B5}" type="presOf" srcId="{20289DE7-84AA-450B-9FA9-27BB50F1469A}" destId="{A65E3224-70B4-4627-87B4-6EC008F74EB1}" srcOrd="0" destOrd="0" presId="urn:microsoft.com/office/officeart/2005/8/layout/process1"/>
+    <dgm:cxn modelId="{6483A019-34DE-497E-A2EE-07C639244268}" type="presOf" srcId="{BA0AEC3A-8792-4EB6-8B88-1BAF8C44A3E8}" destId="{89CF1F34-7B16-4A25-B86C-D081F9DEFD9F}" srcOrd="1" destOrd="0" presId="urn:microsoft.com/office/officeart/2005/8/layout/process1"/>
+    <dgm:cxn modelId="{32AC461A-222B-4573-894D-506BE54226CA}" type="presOf" srcId="{9331488B-6B77-404E-9105-87A6932F9AC0}" destId="{EAEDA144-D2E5-44D1-94F0-9D659880DB92}" srcOrd="1" destOrd="0" presId="urn:microsoft.com/office/officeart/2005/8/layout/process1"/>
+    <dgm:cxn modelId="{330F6725-DB3C-41E8-A798-8592D431B4A4}" type="presOf" srcId="{85CBA2A4-B577-44F3-8028-04CDCAF8B6D3}" destId="{B2A52AAB-26A0-4AF3-9521-6A1109533A34}" srcOrd="1" destOrd="0" presId="urn:microsoft.com/office/officeart/2005/8/layout/process1"/>
+    <dgm:cxn modelId="{CD9CED26-5A5D-455C-A330-9FDD60FE6C72}" srcId="{2F0079B5-3F9B-4093-B079-678F31FF3E9E}" destId="{E1E4C1C6-A5BB-45FF-8C8D-591D1B91BD06}" srcOrd="1" destOrd="0" parTransId="{0284E83D-60F1-42B1-967D-B226FFD5AE75}" sibTransId="{C3C3F28B-B6EC-4BB6-8D07-F1210EDE446A}"/>
+    <dgm:cxn modelId="{53B5F927-A178-4742-9D2D-B2CA4A37059A}" type="presOf" srcId="{C5C255E1-2468-4799-B61D-09F5F0659D7E}" destId="{E599DF83-9CCB-4FCA-9FCF-1CBC92E3F9BC}" srcOrd="0" destOrd="0" presId="urn:microsoft.com/office/officeart/2005/8/layout/process1"/>
+    <dgm:cxn modelId="{B9C53439-959D-4EC1-A685-06C479721349}" type="presOf" srcId="{6FE0EC90-B281-467C-B82F-32A064023EC9}" destId="{B6C29A37-F36A-48BF-90B6-8CBB9B24A5B7}" srcOrd="1" destOrd="0" presId="urn:microsoft.com/office/officeart/2005/8/layout/process1"/>
+    <dgm:cxn modelId="{DB8ADF3C-F881-436F-B338-65ACA3F6D09B}" type="presOf" srcId="{BA0AEC3A-8792-4EB6-8B88-1BAF8C44A3E8}" destId="{640CBEF2-3728-4438-B1D4-01ED59409AF1}" srcOrd="0" destOrd="0" presId="urn:microsoft.com/office/officeart/2005/8/layout/process1"/>
+    <dgm:cxn modelId="{A5455C6C-9317-4DAC-9582-6866CB263C40}" srcId="{2F0079B5-3F9B-4093-B079-678F31FF3E9E}" destId="{72BA470C-CE83-48D7-9824-8CDEA2400BF6}" srcOrd="5" destOrd="0" parTransId="{B1B77795-9FE8-42F0-80A0-E18192FEC281}" sibTransId="{9331488B-6B77-404E-9105-87A6932F9AC0}"/>
+    <dgm:cxn modelId="{1674ED72-DDF9-4D4D-B6CA-92826A069535}" type="presOf" srcId="{C3C3F28B-B6EC-4BB6-8D07-F1210EDE446A}" destId="{3E5A28D3-BFE4-42C9-8F6D-2B8368C3A1E0}" srcOrd="1" destOrd="0" presId="urn:microsoft.com/office/officeart/2005/8/layout/process1"/>
+    <dgm:cxn modelId="{C2C84E58-7639-4151-A78D-7B9C0BD3732F}" type="presOf" srcId="{72BA470C-CE83-48D7-9824-8CDEA2400BF6}" destId="{D3E13E9D-4699-453E-B9FA-2D830F872562}" srcOrd="0" destOrd="0" presId="urn:microsoft.com/office/officeart/2005/8/layout/process1"/>
+    <dgm:cxn modelId="{E88EF059-FC8C-4A74-8245-B256C53ED709}" srcId="{2F0079B5-3F9B-4093-B079-678F31FF3E9E}" destId="{1D453186-12D5-4CBB-BCA7-6D89966EB561}" srcOrd="4" destOrd="0" parTransId="{74CDDD9D-E4B0-40B6-8F1D-D35CD2CD07F8}" sibTransId="{BA0AEC3A-8792-4EB6-8B88-1BAF8C44A3E8}"/>
+    <dgm:cxn modelId="{824F337B-4438-462F-A94A-CFF7C56BDE33}" type="presOf" srcId="{4638D243-1D53-4990-8EDD-24D3DD9B9E24}" destId="{C77212B3-0012-4C77-8E94-CD61048D554E}" srcOrd="1" destOrd="0" presId="urn:microsoft.com/office/officeart/2005/8/layout/process1"/>
+    <dgm:cxn modelId="{1BBD7481-B8A5-4B60-B7C9-DFC505E5A5AF}" type="presOf" srcId="{4638D243-1D53-4990-8EDD-24D3DD9B9E24}" destId="{200DBBD6-E0F8-4CA9-9887-40053E1CA508}" srcOrd="0" destOrd="0" presId="urn:microsoft.com/office/officeart/2005/8/layout/process1"/>
+    <dgm:cxn modelId="{A3921494-57A3-4BA0-BB9A-83AB67D84A6D}" type="presOf" srcId="{85CBA2A4-B577-44F3-8028-04CDCAF8B6D3}" destId="{1F68E604-1A6C-4CA3-BA80-D1BD0EDC5DBA}" srcOrd="0" destOrd="0" presId="urn:microsoft.com/office/officeart/2005/8/layout/process1"/>
+    <dgm:cxn modelId="{E09DDFBA-7BDA-4652-9ECE-5B323816C85E}" type="presOf" srcId="{9331488B-6B77-404E-9105-87A6932F9AC0}" destId="{8B779338-2135-4A9B-AAEF-27923242B910}" srcOrd="0" destOrd="0" presId="urn:microsoft.com/office/officeart/2005/8/layout/process1"/>
+    <dgm:cxn modelId="{3EF673C2-240D-4A18-9437-49D0226E4454}" srcId="{2F0079B5-3F9B-4093-B079-678F31FF3E9E}" destId="{C5C255E1-2468-4799-B61D-09F5F0659D7E}" srcOrd="0" destOrd="0" parTransId="{EA2EBD34-1E0C-45ED-8958-D2031A2276B5}" sibTransId="{85CBA2A4-B577-44F3-8028-04CDCAF8B6D3}"/>
+    <dgm:cxn modelId="{3DA155C2-2853-4B02-BF15-4535BF03D564}" type="presOf" srcId="{E1E4C1C6-A5BB-45FF-8C8D-591D1B91BD06}" destId="{E62383F0-575F-413B-A417-71C23CCB01D7}" srcOrd="0" destOrd="0" presId="urn:microsoft.com/office/officeart/2005/8/layout/process1"/>
+    <dgm:cxn modelId="{69AF3DD1-BFF9-4550-923A-CB6D44FA8DC4}" type="presOf" srcId="{1D453186-12D5-4CBB-BCA7-6D89966EB561}" destId="{44C543E2-A4A8-4DD8-879F-FB29C0D7EF13}" srcOrd="0" destOrd="0" presId="urn:microsoft.com/office/officeart/2005/8/layout/process1"/>
+    <dgm:cxn modelId="{E77003D9-733B-4F7A-87E0-6805D8EB855A}" srcId="{2F0079B5-3F9B-4093-B079-678F31FF3E9E}" destId="{B57199AB-F4AD-4A2C-B94E-89A18ABC5D56}" srcOrd="2" destOrd="0" parTransId="{67362A43-9A20-4728-A976-4FC2138919A1}" sibTransId="{4638D243-1D53-4990-8EDD-24D3DD9B9E24}"/>
+    <dgm:cxn modelId="{DAD7FDE2-7701-407A-8BEC-78633C9CF2F7}" type="presOf" srcId="{5F6C55CB-4BBA-44BC-80AC-8A3A75A6425F}" destId="{3BBE02C9-74A8-46B5-A25F-827A4ACCE2F9}" srcOrd="0" destOrd="0" presId="urn:microsoft.com/office/officeart/2005/8/layout/process1"/>
+    <dgm:cxn modelId="{0C44BDE3-67D7-478E-8BF0-4A32F1D5658B}" srcId="{2F0079B5-3F9B-4093-B079-678F31FF3E9E}" destId="{5F6C55CB-4BBA-44BC-80AC-8A3A75A6425F}" srcOrd="3" destOrd="0" parTransId="{D61F9396-E33D-4C65-966E-CF2B1770F0ED}" sibTransId="{6FE0EC90-B281-467C-B82F-32A064023EC9}"/>
+    <dgm:cxn modelId="{D584BDE9-479B-4F1D-8783-62FFC54EF17A}" type="presOf" srcId="{C3C3F28B-B6EC-4BB6-8D07-F1210EDE446A}" destId="{795EF748-4911-4BA5-9DB3-840ECF81C228}" srcOrd="0" destOrd="0" presId="urn:microsoft.com/office/officeart/2005/8/layout/process1"/>
+    <dgm:cxn modelId="{B5008AF1-B498-44F7-AF02-8B9726D16AF0}" type="presOf" srcId="{2F0079B5-3F9B-4093-B079-678F31FF3E9E}" destId="{0924CA7A-2525-4B4B-92D4-7D0263E35DAA}" srcOrd="0" destOrd="0" presId="urn:microsoft.com/office/officeart/2005/8/layout/process1"/>
+    <dgm:cxn modelId="{E0B9A5F1-EE03-4650-9642-FC177CF6280E}" type="presOf" srcId="{B57199AB-F4AD-4A2C-B94E-89A18ABC5D56}" destId="{FE05A850-8750-4246-9D42-5C79EEABCB9A}" srcOrd="0" destOrd="0" presId="urn:microsoft.com/office/officeart/2005/8/layout/process1"/>
+    <dgm:cxn modelId="{8067E2F2-DD16-41A5-B510-67578024DF26}" srcId="{2F0079B5-3F9B-4093-B079-678F31FF3E9E}" destId="{20289DE7-84AA-450B-9FA9-27BB50F1469A}" srcOrd="6" destOrd="0" parTransId="{4CCC73F1-0ECD-4D4D-BDAA-455E6185B65E}" sibTransId="{0C877E92-1B5D-4896-BB11-605378D68F17}"/>
+    <dgm:cxn modelId="{8ACC48FF-D433-4819-8FE7-2E969E3F3E20}" type="presParOf" srcId="{0924CA7A-2525-4B4B-92D4-7D0263E35DAA}" destId="{E599DF83-9CCB-4FCA-9FCF-1CBC92E3F9BC}" srcOrd="0" destOrd="0" presId="urn:microsoft.com/office/officeart/2005/8/layout/process1"/>
+    <dgm:cxn modelId="{3A79129B-53E5-441A-B628-12DDBEF2DA75}" type="presParOf" srcId="{0924CA7A-2525-4B4B-92D4-7D0263E35DAA}" destId="{1F68E604-1A6C-4CA3-BA80-D1BD0EDC5DBA}" srcOrd="1" destOrd="0" presId="urn:microsoft.com/office/officeart/2005/8/layout/process1"/>
+    <dgm:cxn modelId="{0ECF4149-882B-44C9-8459-9877B85F2E0E}" type="presParOf" srcId="{1F68E604-1A6C-4CA3-BA80-D1BD0EDC5DBA}" destId="{B2A52AAB-26A0-4AF3-9521-6A1109533A34}" srcOrd="0" destOrd="0" presId="urn:microsoft.com/office/officeart/2005/8/layout/process1"/>
+    <dgm:cxn modelId="{ECD01DCD-6649-4739-B5AC-D8C19F128E42}" type="presParOf" srcId="{0924CA7A-2525-4B4B-92D4-7D0263E35DAA}" destId="{E62383F0-575F-413B-A417-71C23CCB01D7}" srcOrd="2" destOrd="0" presId="urn:microsoft.com/office/officeart/2005/8/layout/process1"/>
+    <dgm:cxn modelId="{3F88A833-0FD1-436C-A949-22DC51718CF1}" type="presParOf" srcId="{0924CA7A-2525-4B4B-92D4-7D0263E35DAA}" destId="{795EF748-4911-4BA5-9DB3-840ECF81C228}" srcOrd="3" destOrd="0" presId="urn:microsoft.com/office/officeart/2005/8/layout/process1"/>
+    <dgm:cxn modelId="{FD2A32CF-26A6-4462-BFCF-5B3DF543C324}" type="presParOf" srcId="{795EF748-4911-4BA5-9DB3-840ECF81C228}" destId="{3E5A28D3-BFE4-42C9-8F6D-2B8368C3A1E0}" srcOrd="0" destOrd="0" presId="urn:microsoft.com/office/officeart/2005/8/layout/process1"/>
+    <dgm:cxn modelId="{C002B79F-6855-41E6-9279-1F5EEA047982}" type="presParOf" srcId="{0924CA7A-2525-4B4B-92D4-7D0263E35DAA}" destId="{FE05A850-8750-4246-9D42-5C79EEABCB9A}" srcOrd="4" destOrd="0" presId="urn:microsoft.com/office/officeart/2005/8/layout/process1"/>
+    <dgm:cxn modelId="{AA61B306-F182-4348-9D7C-7DA67FAE5094}" type="presParOf" srcId="{0924CA7A-2525-4B4B-92D4-7D0263E35DAA}" destId="{200DBBD6-E0F8-4CA9-9887-40053E1CA508}" srcOrd="5" destOrd="0" presId="urn:microsoft.com/office/officeart/2005/8/layout/process1"/>
+    <dgm:cxn modelId="{D2E01B7A-0BBB-4A79-9D57-E51162A6960D}" type="presParOf" srcId="{200DBBD6-E0F8-4CA9-9887-40053E1CA508}" destId="{C77212B3-0012-4C77-8E94-CD61048D554E}" srcOrd="0" destOrd="0" presId="urn:microsoft.com/office/officeart/2005/8/layout/process1"/>
+    <dgm:cxn modelId="{AECB1333-9974-49C2-ABD9-8128B661DB22}" type="presParOf" srcId="{0924CA7A-2525-4B4B-92D4-7D0263E35DAA}" destId="{3BBE02C9-74A8-46B5-A25F-827A4ACCE2F9}" srcOrd="6" destOrd="0" presId="urn:microsoft.com/office/officeart/2005/8/layout/process1"/>
+    <dgm:cxn modelId="{13F63B26-2E5E-4EDC-98F8-71402707BF4D}" type="presParOf" srcId="{0924CA7A-2525-4B4B-92D4-7D0263E35DAA}" destId="{669AEB41-C0BE-4D6E-9D8D-9FBF5A564B2E}" srcOrd="7" destOrd="0" presId="urn:microsoft.com/office/officeart/2005/8/layout/process1"/>
+    <dgm:cxn modelId="{6E26824B-D843-4E8F-86CD-00432C66360A}" type="presParOf" srcId="{669AEB41-C0BE-4D6E-9D8D-9FBF5A564B2E}" destId="{B6C29A37-F36A-48BF-90B6-8CBB9B24A5B7}" srcOrd="0" destOrd="0" presId="urn:microsoft.com/office/officeart/2005/8/layout/process1"/>
+    <dgm:cxn modelId="{0FF68637-61CE-42E9-AB7E-E771A042ACAF}" type="presParOf" srcId="{0924CA7A-2525-4B4B-92D4-7D0263E35DAA}" destId="{44C543E2-A4A8-4DD8-879F-FB29C0D7EF13}" srcOrd="8" destOrd="0" presId="urn:microsoft.com/office/officeart/2005/8/layout/process1"/>
+    <dgm:cxn modelId="{69DD3F89-986C-4CE9-B289-CFFF75AE9D32}" type="presParOf" srcId="{0924CA7A-2525-4B4B-92D4-7D0263E35DAA}" destId="{640CBEF2-3728-4438-B1D4-01ED59409AF1}" srcOrd="9" destOrd="0" presId="urn:microsoft.com/office/officeart/2005/8/layout/process1"/>
+    <dgm:cxn modelId="{9BC21787-B04D-49EC-AD3B-75A2B1393450}" type="presParOf" srcId="{640CBEF2-3728-4438-B1D4-01ED59409AF1}" destId="{89CF1F34-7B16-4A25-B86C-D081F9DEFD9F}" srcOrd="0" destOrd="0" presId="urn:microsoft.com/office/officeart/2005/8/layout/process1"/>
+    <dgm:cxn modelId="{C05E84F9-058C-44F2-A4A4-7D988704DBFD}" type="presParOf" srcId="{0924CA7A-2525-4B4B-92D4-7D0263E35DAA}" destId="{D3E13E9D-4699-453E-B9FA-2D830F872562}" srcOrd="10" destOrd="0" presId="urn:microsoft.com/office/officeart/2005/8/layout/process1"/>
+    <dgm:cxn modelId="{82FC231C-2421-44AA-8C46-B4B2B9A2F7A8}" type="presParOf" srcId="{0924CA7A-2525-4B4B-92D4-7D0263E35DAA}" destId="{8B779338-2135-4A9B-AAEF-27923242B910}" srcOrd="11" destOrd="0" presId="urn:microsoft.com/office/officeart/2005/8/layout/process1"/>
+    <dgm:cxn modelId="{DA230443-C4CF-4426-9E11-824BBD687DC7}" type="presParOf" srcId="{8B779338-2135-4A9B-AAEF-27923242B910}" destId="{EAEDA144-D2E5-44D1-94F0-9D659880DB92}" srcOrd="0" destOrd="0" presId="urn:microsoft.com/office/officeart/2005/8/layout/process1"/>
+    <dgm:cxn modelId="{2578915A-CC6F-45CC-B5AB-171EFA364A81}" type="presParOf" srcId="{0924CA7A-2525-4B4B-92D4-7D0263E35DAA}" destId="{A65E3224-70B4-4627-87B4-6EC008F74EB1}" srcOrd="12" destOrd="0" presId="urn:microsoft.com/office/officeart/2005/8/layout/process1"/>
+  </dgm:cxnLst>
+  <dgm:bg/>
+  <dgm:whole/>
+  <dgm:extLst>
+    <a:ext uri="http://schemas.microsoft.com/office/drawing/2008/diagram">
+      <dsp:dataModelExt xmlns:dsp="http://schemas.microsoft.com/office/drawing/2008/diagram" relId="rId6" minVer="http://schemas.openxmlformats.org/drawingml/2006/diagram"/>
+    </a:ext>
+  </dgm:extLst>
+</dgm:dataModel>
+</file>
+
+<file path=ppt/diagrams/data4.xml><?xml version="1.0" encoding="utf-8"?>
+<dgm:dataModel xmlns:dgm="http://schemas.openxmlformats.org/drawingml/2006/diagram" xmlns:a="http://schemas.openxmlformats.org/drawingml/2006/main">
+  <dgm:ptLst>
+    <dgm:pt modelId="{B4666CB9-9413-4F02-ACCB-D29D612C1838}" type="doc">
+      <dgm:prSet loTypeId="urn:microsoft.com/office/officeart/2005/8/layout/vList2" loCatId="list" qsTypeId="urn:microsoft.com/office/officeart/2005/8/quickstyle/simple1" qsCatId="simple" csTypeId="urn:microsoft.com/office/officeart/2005/8/colors/accent1_2" csCatId="accent1" phldr="1"/>
+      <dgm:spPr/>
+      <dgm:t>
+        <a:bodyPr/>
+        <a:lstStyle/>
+        <a:p>
+          <a:endParaRPr lang="en-US"/>
+        </a:p>
+      </dgm:t>
+    </dgm:pt>
+    <dgm:pt modelId="{87EAE429-E102-4CD6-8B63-43C4498DEB43}">
+      <dgm:prSet/>
+      <dgm:spPr/>
+      <dgm:t>
+        <a:bodyPr/>
+        <a:lstStyle/>
+        <a:p>
+          <a:r>
+            <a:rPr lang="en-US"/>
+            <a:t>Masking</a:t>
+          </a:r>
+        </a:p>
+      </dgm:t>
+    </dgm:pt>
+    <dgm:pt modelId="{AEBDD2B3-7736-446C-A8C0-D93B951C7B0E}" type="parTrans" cxnId="{EFC982A8-F7FA-45B2-AED5-4481DEEE73B1}">
+      <dgm:prSet/>
+      <dgm:spPr/>
+      <dgm:t>
+        <a:bodyPr/>
+        <a:lstStyle/>
+        <a:p>
+          <a:endParaRPr lang="en-US"/>
+        </a:p>
+      </dgm:t>
+    </dgm:pt>
+    <dgm:pt modelId="{AD13233C-8BCF-4EE3-B1BC-955FA0AF7FA9}" type="sibTrans" cxnId="{EFC982A8-F7FA-45B2-AED5-4481DEEE73B1}">
+      <dgm:prSet/>
+      <dgm:spPr/>
+      <dgm:t>
+        <a:bodyPr/>
+        <a:lstStyle/>
+        <a:p>
+          <a:endParaRPr lang="en-US"/>
+        </a:p>
+      </dgm:t>
+    </dgm:pt>
+    <dgm:pt modelId="{7A121900-2023-47C3-99C2-7E0025B43751}">
+      <dgm:prSet/>
+      <dgm:spPr/>
+      <dgm:t>
+        <a:bodyPr/>
+        <a:lstStyle/>
+        <a:p>
+          <a:r>
+            <a:rPr lang="en-US"/>
+            <a:t>(Preprocessing dense layers)</a:t>
+          </a:r>
+        </a:p>
+      </dgm:t>
+    </dgm:pt>
+    <dgm:pt modelId="{E359F0A9-3384-45B4-9080-80599D1C9355}" type="parTrans" cxnId="{192B9957-BC38-4E9F-83D8-F100BC1A378D}">
+      <dgm:prSet/>
+      <dgm:spPr/>
+      <dgm:t>
+        <a:bodyPr/>
+        <a:lstStyle/>
+        <a:p>
+          <a:endParaRPr lang="en-US"/>
+        </a:p>
+      </dgm:t>
+    </dgm:pt>
+    <dgm:pt modelId="{21FF11D9-F7A2-4A54-8F8F-5A40D047EEDF}" type="sibTrans" cxnId="{192B9957-BC38-4E9F-83D8-F100BC1A378D}">
+      <dgm:prSet/>
+      <dgm:spPr/>
+      <dgm:t>
+        <a:bodyPr/>
+        <a:lstStyle/>
+        <a:p>
+          <a:endParaRPr lang="en-US"/>
+        </a:p>
+      </dgm:t>
+    </dgm:pt>
+    <dgm:pt modelId="{08644E0B-5008-45AE-AAAA-1923375D25B2}">
+      <dgm:prSet/>
+      <dgm:spPr/>
+      <dgm:t>
+        <a:bodyPr/>
+        <a:lstStyle/>
+        <a:p>
+          <a:r>
+            <a:rPr lang="en-US"/>
+            <a:t>LSTM layers</a:t>
+          </a:r>
+        </a:p>
+      </dgm:t>
+    </dgm:pt>
+    <dgm:pt modelId="{BE03F79D-6E93-4EB5-B876-BC4395848BCC}" type="parTrans" cxnId="{A901BAEE-D92C-46E4-8359-26289F46D15F}">
+      <dgm:prSet/>
+      <dgm:spPr/>
+      <dgm:t>
+        <a:bodyPr/>
+        <a:lstStyle/>
+        <a:p>
+          <a:endParaRPr lang="en-US"/>
+        </a:p>
+      </dgm:t>
+    </dgm:pt>
+    <dgm:pt modelId="{5C09C377-ABEF-4D99-A4BD-84D0BFB7D341}" type="sibTrans" cxnId="{A901BAEE-D92C-46E4-8359-26289F46D15F}">
+      <dgm:prSet/>
+      <dgm:spPr/>
+      <dgm:t>
+        <a:bodyPr/>
+        <a:lstStyle/>
+        <a:p>
+          <a:endParaRPr lang="en-US"/>
+        </a:p>
+      </dgm:t>
+    </dgm:pt>
+    <dgm:pt modelId="{0DFEA04A-DCC8-46B6-9F05-A64026F4DE61}">
+      <dgm:prSet/>
+      <dgm:spPr/>
+      <dgm:t>
+        <a:bodyPr/>
+        <a:lstStyle/>
+        <a:p>
+          <a:r>
+            <a:rPr lang="en-US"/>
+            <a:t>Final Dense layer with linear activation</a:t>
+          </a:r>
+        </a:p>
+      </dgm:t>
+    </dgm:pt>
+    <dgm:pt modelId="{964BA7EA-4065-4FE5-9033-8B27564D50C6}" type="parTrans" cxnId="{6FBAD15C-92E6-4D23-87A1-30888AB38068}">
+      <dgm:prSet/>
+      <dgm:spPr/>
+      <dgm:t>
+        <a:bodyPr/>
+        <a:lstStyle/>
+        <a:p>
+          <a:endParaRPr lang="en-US"/>
+        </a:p>
+      </dgm:t>
+    </dgm:pt>
+    <dgm:pt modelId="{F006943B-4384-47A3-954A-189170679A8E}" type="sibTrans" cxnId="{6FBAD15C-92E6-4D23-87A1-30888AB38068}">
+      <dgm:prSet/>
+      <dgm:spPr/>
+      <dgm:t>
+        <a:bodyPr/>
+        <a:lstStyle/>
+        <a:p>
+          <a:endParaRPr lang="en-US"/>
+        </a:p>
+      </dgm:t>
+    </dgm:pt>
+    <dgm:pt modelId="{4EC80409-B282-4436-AE8A-F41750E4C0FB}" type="pres">
+      <dgm:prSet presAssocID="{B4666CB9-9413-4F02-ACCB-D29D612C1838}" presName="linear" presStyleCnt="0">
+        <dgm:presLayoutVars>
+          <dgm:animLvl val="lvl"/>
+          <dgm:resizeHandles val="exact"/>
+        </dgm:presLayoutVars>
+      </dgm:prSet>
+      <dgm:spPr/>
+    </dgm:pt>
+    <dgm:pt modelId="{E76038B7-11BA-42CF-89F8-CDE318457738}" type="pres">
+      <dgm:prSet presAssocID="{87EAE429-E102-4CD6-8B63-43C4498DEB43}" presName="parentText" presStyleLbl="node1" presStyleIdx="0" presStyleCnt="4">
+        <dgm:presLayoutVars>
+          <dgm:chMax val="0"/>
+          <dgm:bulletEnabled val="1"/>
+        </dgm:presLayoutVars>
+      </dgm:prSet>
+      <dgm:spPr/>
+    </dgm:pt>
+    <dgm:pt modelId="{9C830C57-EAE8-4B8F-A4F2-4262B9E71922}" type="pres">
+      <dgm:prSet presAssocID="{AD13233C-8BCF-4EE3-B1BC-955FA0AF7FA9}" presName="spacer" presStyleCnt="0"/>
+      <dgm:spPr/>
+    </dgm:pt>
+    <dgm:pt modelId="{F4148A23-354E-4B8D-A7F1-5017B49B1BC7}" type="pres">
+      <dgm:prSet presAssocID="{7A121900-2023-47C3-99C2-7E0025B43751}" presName="parentText" presStyleLbl="node1" presStyleIdx="1" presStyleCnt="4">
+        <dgm:presLayoutVars>
+          <dgm:chMax val="0"/>
+          <dgm:bulletEnabled val="1"/>
+        </dgm:presLayoutVars>
+      </dgm:prSet>
+      <dgm:spPr/>
+    </dgm:pt>
+    <dgm:pt modelId="{215E69BC-793F-4C3E-8DFC-AF7B5AD9568F}" type="pres">
+      <dgm:prSet presAssocID="{21FF11D9-F7A2-4A54-8F8F-5A40D047EEDF}" presName="spacer" presStyleCnt="0"/>
+      <dgm:spPr/>
+    </dgm:pt>
+    <dgm:pt modelId="{F8F0C120-4801-4288-8674-DA49EF7BD8CF}" type="pres">
+      <dgm:prSet presAssocID="{08644E0B-5008-45AE-AAAA-1923375D25B2}" presName="parentText" presStyleLbl="node1" presStyleIdx="2" presStyleCnt="4">
+        <dgm:presLayoutVars>
+          <dgm:chMax val="0"/>
+          <dgm:bulletEnabled val="1"/>
+        </dgm:presLayoutVars>
+      </dgm:prSet>
+      <dgm:spPr/>
+    </dgm:pt>
+    <dgm:pt modelId="{F3330A23-033B-435B-8B90-EB23C113825D}" type="pres">
+      <dgm:prSet presAssocID="{5C09C377-ABEF-4D99-A4BD-84D0BFB7D341}" presName="spacer" presStyleCnt="0"/>
+      <dgm:spPr/>
+    </dgm:pt>
+    <dgm:pt modelId="{92D1D4B8-3D4E-45FA-9771-E115EDC42A0E}" type="pres">
+      <dgm:prSet presAssocID="{0DFEA04A-DCC8-46B6-9F05-A64026F4DE61}" presName="parentText" presStyleLbl="node1" presStyleIdx="3" presStyleCnt="4">
+        <dgm:presLayoutVars>
+          <dgm:chMax val="0"/>
+          <dgm:bulletEnabled val="1"/>
+        </dgm:presLayoutVars>
+      </dgm:prSet>
+      <dgm:spPr/>
+    </dgm:pt>
+  </dgm:ptLst>
+  <dgm:cxnLst>
+    <dgm:cxn modelId="{6FBAD15C-92E6-4D23-87A1-30888AB38068}" srcId="{B4666CB9-9413-4F02-ACCB-D29D612C1838}" destId="{0DFEA04A-DCC8-46B6-9F05-A64026F4DE61}" srcOrd="3" destOrd="0" parTransId="{964BA7EA-4065-4FE5-9033-8B27564D50C6}" sibTransId="{F006943B-4384-47A3-954A-189170679A8E}"/>
+    <dgm:cxn modelId="{D07CEC62-A462-4FC4-8BC4-966549219694}" type="presOf" srcId="{0DFEA04A-DCC8-46B6-9F05-A64026F4DE61}" destId="{92D1D4B8-3D4E-45FA-9771-E115EDC42A0E}" srcOrd="0" destOrd="0" presId="urn:microsoft.com/office/officeart/2005/8/layout/vList2"/>
+    <dgm:cxn modelId="{2CA19570-97C4-4BE6-B12C-92F827E0E309}" type="presOf" srcId="{87EAE429-E102-4CD6-8B63-43C4498DEB43}" destId="{E76038B7-11BA-42CF-89F8-CDE318457738}" srcOrd="0" destOrd="0" presId="urn:microsoft.com/office/officeart/2005/8/layout/vList2"/>
+    <dgm:cxn modelId="{192B9957-BC38-4E9F-83D8-F100BC1A378D}" srcId="{B4666CB9-9413-4F02-ACCB-D29D612C1838}" destId="{7A121900-2023-47C3-99C2-7E0025B43751}" srcOrd="1" destOrd="0" parTransId="{E359F0A9-3384-45B4-9080-80599D1C9355}" sibTransId="{21FF11D9-F7A2-4A54-8F8F-5A40D047EEDF}"/>
+    <dgm:cxn modelId="{8F7BD67A-CC30-4AFD-82DA-33FC1B713136}" type="presOf" srcId="{B4666CB9-9413-4F02-ACCB-D29D612C1838}" destId="{4EC80409-B282-4436-AE8A-F41750E4C0FB}" srcOrd="0" destOrd="0" presId="urn:microsoft.com/office/officeart/2005/8/layout/vList2"/>
+    <dgm:cxn modelId="{EFC982A8-F7FA-45B2-AED5-4481DEEE73B1}" srcId="{B4666CB9-9413-4F02-ACCB-D29D612C1838}" destId="{87EAE429-E102-4CD6-8B63-43C4498DEB43}" srcOrd="0" destOrd="0" parTransId="{AEBDD2B3-7736-446C-A8C0-D93B951C7B0E}" sibTransId="{AD13233C-8BCF-4EE3-B1BC-955FA0AF7FA9}"/>
+    <dgm:cxn modelId="{EDD8C3EB-5F94-4EB9-A517-B4BEDBD65F6A}" type="presOf" srcId="{7A121900-2023-47C3-99C2-7E0025B43751}" destId="{F4148A23-354E-4B8D-A7F1-5017B49B1BC7}" srcOrd="0" destOrd="0" presId="urn:microsoft.com/office/officeart/2005/8/layout/vList2"/>
+    <dgm:cxn modelId="{A901BAEE-D92C-46E4-8359-26289F46D15F}" srcId="{B4666CB9-9413-4F02-ACCB-D29D612C1838}" destId="{08644E0B-5008-45AE-AAAA-1923375D25B2}" srcOrd="2" destOrd="0" parTransId="{BE03F79D-6E93-4EB5-B876-BC4395848BCC}" sibTransId="{5C09C377-ABEF-4D99-A4BD-84D0BFB7D341}"/>
+    <dgm:cxn modelId="{C5EADAF6-CAF3-4432-B635-05BB1EB09395}" type="presOf" srcId="{08644E0B-5008-45AE-AAAA-1923375D25B2}" destId="{F8F0C120-4801-4288-8674-DA49EF7BD8CF}" srcOrd="0" destOrd="0" presId="urn:microsoft.com/office/officeart/2005/8/layout/vList2"/>
+    <dgm:cxn modelId="{59C78F93-68A7-436E-84CB-C3A76B8FA56A}" type="presParOf" srcId="{4EC80409-B282-4436-AE8A-F41750E4C0FB}" destId="{E76038B7-11BA-42CF-89F8-CDE318457738}" srcOrd="0" destOrd="0" presId="urn:microsoft.com/office/officeart/2005/8/layout/vList2"/>
+    <dgm:cxn modelId="{7FD26A0A-053E-4978-B3B5-21564086B49C}" type="presParOf" srcId="{4EC80409-B282-4436-AE8A-F41750E4C0FB}" destId="{9C830C57-EAE8-4B8F-A4F2-4262B9E71922}" srcOrd="1" destOrd="0" presId="urn:microsoft.com/office/officeart/2005/8/layout/vList2"/>
+    <dgm:cxn modelId="{8F7B5762-F6C0-4A78-B053-F2A4EEBF07A4}" type="presParOf" srcId="{4EC80409-B282-4436-AE8A-F41750E4C0FB}" destId="{F4148A23-354E-4B8D-A7F1-5017B49B1BC7}" srcOrd="2" destOrd="0" presId="urn:microsoft.com/office/officeart/2005/8/layout/vList2"/>
+    <dgm:cxn modelId="{57B84A8F-3B63-46B8-BFC7-9C13BD45F381}" type="presParOf" srcId="{4EC80409-B282-4436-AE8A-F41750E4C0FB}" destId="{215E69BC-793F-4C3E-8DFC-AF7B5AD9568F}" srcOrd="3" destOrd="0" presId="urn:microsoft.com/office/officeart/2005/8/layout/vList2"/>
+    <dgm:cxn modelId="{02731ED2-218D-4440-8C3A-D3415F01D972}" type="presParOf" srcId="{4EC80409-B282-4436-AE8A-F41750E4C0FB}" destId="{F8F0C120-4801-4288-8674-DA49EF7BD8CF}" srcOrd="4" destOrd="0" presId="urn:microsoft.com/office/officeart/2005/8/layout/vList2"/>
+    <dgm:cxn modelId="{A610C58E-77FB-462A-A5A6-8822645FD8DC}" type="presParOf" srcId="{4EC80409-B282-4436-AE8A-F41750E4C0FB}" destId="{F3330A23-033B-435B-8B90-EB23C113825D}" srcOrd="5" destOrd="0" presId="urn:microsoft.com/office/officeart/2005/8/layout/vList2"/>
+    <dgm:cxn modelId="{91F85037-3A13-4396-96A2-3B1DB0993A5D}" type="presParOf" srcId="{4EC80409-B282-4436-AE8A-F41750E4C0FB}" destId="{92D1D4B8-3D4E-45FA-9771-E115EDC42A0E}" srcOrd="6" destOrd="0" presId="urn:microsoft.com/office/officeart/2005/8/layout/vList2"/>
   </dgm:cxnLst>
   <dgm:bg/>
   <dgm:whole/>
@@ -3348,6 +6032,1322 @@
 </dsp:drawing>
 </file>
 
+<file path=ppt/diagrams/drawing3.xml><?xml version="1.0" encoding="utf-8"?>
+<dsp:drawing xmlns:dgm="http://schemas.openxmlformats.org/drawingml/2006/diagram" xmlns:dsp="http://schemas.microsoft.com/office/drawing/2008/diagram" xmlns:a="http://schemas.openxmlformats.org/drawingml/2006/main">
+  <dsp:spTree>
+    <dsp:nvGrpSpPr>
+      <dsp:cNvPr id="0" name=""/>
+      <dsp:cNvGrpSpPr/>
+    </dsp:nvGrpSpPr>
+    <dsp:grpSpPr/>
+    <dsp:sp modelId="{E599DF83-9CCB-4FCA-9FCF-1CBC92E3F9BC}">
+      <dsp:nvSpPr>
+        <dsp:cNvPr id="0" name=""/>
+        <dsp:cNvSpPr/>
+      </dsp:nvSpPr>
+      <dsp:spPr>
+        <a:xfrm>
+          <a:off x="3183" y="869572"/>
+          <a:ext cx="1205427" cy="1435211"/>
+        </a:xfrm>
+        <a:prstGeom prst="roundRect">
+          <a:avLst>
+            <a:gd name="adj" fmla="val 10000"/>
+          </a:avLst>
+        </a:prstGeom>
+        <a:solidFill>
+          <a:schemeClr val="accent1">
+            <a:hueOff val="0"/>
+            <a:satOff val="0"/>
+            <a:lumOff val="0"/>
+            <a:alphaOff val="0"/>
+          </a:schemeClr>
+        </a:solidFill>
+        <a:ln w="12700" cap="flat" cmpd="sng" algn="ctr">
+          <a:solidFill>
+            <a:schemeClr val="lt1">
+              <a:hueOff val="0"/>
+              <a:satOff val="0"/>
+              <a:lumOff val="0"/>
+              <a:alphaOff val="0"/>
+            </a:schemeClr>
+          </a:solidFill>
+          <a:prstDash val="solid"/>
+          <a:miter lim="800000"/>
+        </a:ln>
+        <a:effectLst/>
+      </dsp:spPr>
+      <dsp:style>
+        <a:lnRef idx="2">
+          <a:scrgbClr r="0" g="0" b="0"/>
+        </a:lnRef>
+        <a:fillRef idx="1">
+          <a:scrgbClr r="0" g="0" b="0"/>
+        </a:fillRef>
+        <a:effectRef idx="0">
+          <a:scrgbClr r="0" g="0" b="0"/>
+        </a:effectRef>
+        <a:fontRef idx="minor">
+          <a:schemeClr val="lt1"/>
+        </a:fontRef>
+      </dsp:style>
+      <dsp:txBody>
+        <a:bodyPr spcFirstLastPara="0" vert="horz" wrap="square" lIns="49530" tIns="49530" rIns="49530" bIns="49530" numCol="1" spcCol="1270" anchor="ctr" anchorCtr="0">
+          <a:noAutofit/>
+        </a:bodyPr>
+        <a:lstStyle/>
+        <a:p>
+          <a:pPr marL="0" lvl="0" indent="0" algn="ctr" defTabSz="577850">
+            <a:lnSpc>
+              <a:spcPct val="90000"/>
+            </a:lnSpc>
+            <a:spcBef>
+              <a:spcPct val="0"/>
+            </a:spcBef>
+            <a:spcAft>
+              <a:spcPct val="35000"/>
+            </a:spcAft>
+            <a:buNone/>
+          </a:pPr>
+          <a:r>
+            <a:rPr lang="en-US" sz="1300" kern="1200"/>
+            <a:t>Reading in filtered data</a:t>
+          </a:r>
+        </a:p>
+      </dsp:txBody>
+      <dsp:txXfrm>
+        <a:off x="38489" y="904878"/>
+        <a:ext cx="1134815" cy="1364599"/>
+      </dsp:txXfrm>
+    </dsp:sp>
+    <dsp:sp modelId="{1F68E604-1A6C-4CA3-BA80-D1BD0EDC5DBA}">
+      <dsp:nvSpPr>
+        <dsp:cNvPr id="0" name=""/>
+        <dsp:cNvSpPr/>
+      </dsp:nvSpPr>
+      <dsp:spPr>
+        <a:xfrm>
+          <a:off x="1329153" y="1437705"/>
+          <a:ext cx="255550" cy="298945"/>
+        </a:xfrm>
+        <a:prstGeom prst="rightArrow">
+          <a:avLst>
+            <a:gd name="adj1" fmla="val 60000"/>
+            <a:gd name="adj2" fmla="val 50000"/>
+          </a:avLst>
+        </a:prstGeom>
+        <a:solidFill>
+          <a:schemeClr val="accent1">
+            <a:tint val="60000"/>
+            <a:hueOff val="0"/>
+            <a:satOff val="0"/>
+            <a:lumOff val="0"/>
+            <a:alphaOff val="0"/>
+          </a:schemeClr>
+        </a:solidFill>
+        <a:ln>
+          <a:noFill/>
+        </a:ln>
+        <a:effectLst/>
+      </dsp:spPr>
+      <dsp:style>
+        <a:lnRef idx="0">
+          <a:scrgbClr r="0" g="0" b="0"/>
+        </a:lnRef>
+        <a:fillRef idx="1">
+          <a:scrgbClr r="0" g="0" b="0"/>
+        </a:fillRef>
+        <a:effectRef idx="0">
+          <a:scrgbClr r="0" g="0" b="0"/>
+        </a:effectRef>
+        <a:fontRef idx="minor">
+          <a:schemeClr val="lt1"/>
+        </a:fontRef>
+      </dsp:style>
+      <dsp:txBody>
+        <a:bodyPr spcFirstLastPara="0" vert="horz" wrap="square" lIns="0" tIns="0" rIns="0" bIns="0" numCol="1" spcCol="1270" anchor="ctr" anchorCtr="0">
+          <a:noAutofit/>
+        </a:bodyPr>
+        <a:lstStyle/>
+        <a:p>
+          <a:pPr marL="0" lvl="0" indent="0" algn="ctr" defTabSz="488950">
+            <a:lnSpc>
+              <a:spcPct val="90000"/>
+            </a:lnSpc>
+            <a:spcBef>
+              <a:spcPct val="0"/>
+            </a:spcBef>
+            <a:spcAft>
+              <a:spcPct val="35000"/>
+            </a:spcAft>
+            <a:buNone/>
+          </a:pPr>
+          <a:endParaRPr lang="en-US" sz="1100" kern="1200"/>
+        </a:p>
+      </dsp:txBody>
+      <dsp:txXfrm>
+        <a:off x="1329153" y="1497494"/>
+        <a:ext cx="178885" cy="179367"/>
+      </dsp:txXfrm>
+    </dsp:sp>
+    <dsp:sp modelId="{E62383F0-575F-413B-A417-71C23CCB01D7}">
+      <dsp:nvSpPr>
+        <dsp:cNvPr id="0" name=""/>
+        <dsp:cNvSpPr/>
+      </dsp:nvSpPr>
+      <dsp:spPr>
+        <a:xfrm>
+          <a:off x="1690781" y="869572"/>
+          <a:ext cx="1205427" cy="1435211"/>
+        </a:xfrm>
+        <a:prstGeom prst="roundRect">
+          <a:avLst>
+            <a:gd name="adj" fmla="val 10000"/>
+          </a:avLst>
+        </a:prstGeom>
+        <a:solidFill>
+          <a:schemeClr val="accent1">
+            <a:hueOff val="0"/>
+            <a:satOff val="0"/>
+            <a:lumOff val="0"/>
+            <a:alphaOff val="0"/>
+          </a:schemeClr>
+        </a:solidFill>
+        <a:ln w="12700" cap="flat" cmpd="sng" algn="ctr">
+          <a:solidFill>
+            <a:schemeClr val="lt1">
+              <a:hueOff val="0"/>
+              <a:satOff val="0"/>
+              <a:lumOff val="0"/>
+              <a:alphaOff val="0"/>
+            </a:schemeClr>
+          </a:solidFill>
+          <a:prstDash val="solid"/>
+          <a:miter lim="800000"/>
+        </a:ln>
+        <a:effectLst/>
+      </dsp:spPr>
+      <dsp:style>
+        <a:lnRef idx="2">
+          <a:scrgbClr r="0" g="0" b="0"/>
+        </a:lnRef>
+        <a:fillRef idx="1">
+          <a:scrgbClr r="0" g="0" b="0"/>
+        </a:fillRef>
+        <a:effectRef idx="0">
+          <a:scrgbClr r="0" g="0" b="0"/>
+        </a:effectRef>
+        <a:fontRef idx="minor">
+          <a:schemeClr val="lt1"/>
+        </a:fontRef>
+      </dsp:style>
+      <dsp:txBody>
+        <a:bodyPr spcFirstLastPara="0" vert="horz" wrap="square" lIns="49530" tIns="49530" rIns="49530" bIns="49530" numCol="1" spcCol="1270" anchor="ctr" anchorCtr="0">
+          <a:noAutofit/>
+        </a:bodyPr>
+        <a:lstStyle/>
+        <a:p>
+          <a:pPr marL="0" lvl="0" indent="0" algn="ctr" defTabSz="577850">
+            <a:lnSpc>
+              <a:spcPct val="90000"/>
+            </a:lnSpc>
+            <a:spcBef>
+              <a:spcPct val="0"/>
+            </a:spcBef>
+            <a:spcAft>
+              <a:spcPct val="35000"/>
+            </a:spcAft>
+            <a:buNone/>
+          </a:pPr>
+          <a:r>
+            <a:rPr lang="en-US" sz="1300" kern="1200"/>
+            <a:t>Raw pseudorange gets corrected with IRSb factor</a:t>
+          </a:r>
+        </a:p>
+      </dsp:txBody>
+      <dsp:txXfrm>
+        <a:off x="1726087" y="904878"/>
+        <a:ext cx="1134815" cy="1364599"/>
+      </dsp:txXfrm>
+    </dsp:sp>
+    <dsp:sp modelId="{795EF748-4911-4BA5-9DB3-840ECF81C228}">
+      <dsp:nvSpPr>
+        <dsp:cNvPr id="0" name=""/>
+        <dsp:cNvSpPr/>
+      </dsp:nvSpPr>
+      <dsp:spPr>
+        <a:xfrm>
+          <a:off x="3016751" y="1437705"/>
+          <a:ext cx="255550" cy="298945"/>
+        </a:xfrm>
+        <a:prstGeom prst="rightArrow">
+          <a:avLst>
+            <a:gd name="adj1" fmla="val 60000"/>
+            <a:gd name="adj2" fmla="val 50000"/>
+          </a:avLst>
+        </a:prstGeom>
+        <a:solidFill>
+          <a:schemeClr val="accent1">
+            <a:tint val="60000"/>
+            <a:hueOff val="0"/>
+            <a:satOff val="0"/>
+            <a:lumOff val="0"/>
+            <a:alphaOff val="0"/>
+          </a:schemeClr>
+        </a:solidFill>
+        <a:ln>
+          <a:noFill/>
+        </a:ln>
+        <a:effectLst/>
+      </dsp:spPr>
+      <dsp:style>
+        <a:lnRef idx="0">
+          <a:scrgbClr r="0" g="0" b="0"/>
+        </a:lnRef>
+        <a:fillRef idx="1">
+          <a:scrgbClr r="0" g="0" b="0"/>
+        </a:fillRef>
+        <a:effectRef idx="0">
+          <a:scrgbClr r="0" g="0" b="0"/>
+        </a:effectRef>
+        <a:fontRef idx="minor">
+          <a:schemeClr val="lt1"/>
+        </a:fontRef>
+      </dsp:style>
+      <dsp:txBody>
+        <a:bodyPr spcFirstLastPara="0" vert="horz" wrap="square" lIns="0" tIns="0" rIns="0" bIns="0" numCol="1" spcCol="1270" anchor="ctr" anchorCtr="0">
+          <a:noAutofit/>
+        </a:bodyPr>
+        <a:lstStyle/>
+        <a:p>
+          <a:pPr marL="0" lvl="0" indent="0" algn="ctr" defTabSz="488950">
+            <a:lnSpc>
+              <a:spcPct val="90000"/>
+            </a:lnSpc>
+            <a:spcBef>
+              <a:spcPct val="0"/>
+            </a:spcBef>
+            <a:spcAft>
+              <a:spcPct val="35000"/>
+            </a:spcAft>
+            <a:buNone/>
+          </a:pPr>
+          <a:endParaRPr lang="en-US" sz="1100" kern="1200"/>
+        </a:p>
+      </dsp:txBody>
+      <dsp:txXfrm>
+        <a:off x="3016751" y="1497494"/>
+        <a:ext cx="178885" cy="179367"/>
+      </dsp:txXfrm>
+    </dsp:sp>
+    <dsp:sp modelId="{FE05A850-8750-4246-9D42-5C79EEABCB9A}">
+      <dsp:nvSpPr>
+        <dsp:cNvPr id="0" name=""/>
+        <dsp:cNvSpPr/>
+      </dsp:nvSpPr>
+      <dsp:spPr>
+        <a:xfrm>
+          <a:off x="3378379" y="869572"/>
+          <a:ext cx="1205427" cy="1435211"/>
+        </a:xfrm>
+        <a:prstGeom prst="roundRect">
+          <a:avLst>
+            <a:gd name="adj" fmla="val 10000"/>
+          </a:avLst>
+        </a:prstGeom>
+        <a:solidFill>
+          <a:schemeClr val="accent1">
+            <a:hueOff val="0"/>
+            <a:satOff val="0"/>
+            <a:lumOff val="0"/>
+            <a:alphaOff val="0"/>
+          </a:schemeClr>
+        </a:solidFill>
+        <a:ln w="12700" cap="flat" cmpd="sng" algn="ctr">
+          <a:solidFill>
+            <a:schemeClr val="lt1">
+              <a:hueOff val="0"/>
+              <a:satOff val="0"/>
+              <a:lumOff val="0"/>
+              <a:alphaOff val="0"/>
+            </a:schemeClr>
+          </a:solidFill>
+          <a:prstDash val="solid"/>
+          <a:miter lim="800000"/>
+        </a:ln>
+        <a:effectLst/>
+      </dsp:spPr>
+      <dsp:style>
+        <a:lnRef idx="2">
+          <a:scrgbClr r="0" g="0" b="0"/>
+        </a:lnRef>
+        <a:fillRef idx="1">
+          <a:scrgbClr r="0" g="0" b="0"/>
+        </a:fillRef>
+        <a:effectRef idx="0">
+          <a:scrgbClr r="0" g="0" b="0"/>
+        </a:effectRef>
+        <a:fontRef idx="minor">
+          <a:schemeClr val="lt1"/>
+        </a:fontRef>
+      </dsp:style>
+      <dsp:txBody>
+        <a:bodyPr spcFirstLastPara="0" vert="horz" wrap="square" lIns="49530" tIns="49530" rIns="49530" bIns="49530" numCol="1" spcCol="1270" anchor="ctr" anchorCtr="0">
+          <a:noAutofit/>
+        </a:bodyPr>
+        <a:lstStyle/>
+        <a:p>
+          <a:pPr marL="0" lvl="0" indent="0" algn="ctr" defTabSz="577850">
+            <a:lnSpc>
+              <a:spcPct val="90000"/>
+            </a:lnSpc>
+            <a:spcBef>
+              <a:spcPct val="0"/>
+            </a:spcBef>
+            <a:spcAft>
+              <a:spcPct val="35000"/>
+            </a:spcAft>
+            <a:buNone/>
+          </a:pPr>
+          <a:r>
+            <a:rPr lang="en-US" sz="1300" kern="1200"/>
+            <a:t>WLS and sat positions gets converted to latitude, longitude</a:t>
+          </a:r>
+        </a:p>
+      </dsp:txBody>
+      <dsp:txXfrm>
+        <a:off x="3413685" y="904878"/>
+        <a:ext cx="1134815" cy="1364599"/>
+      </dsp:txXfrm>
+    </dsp:sp>
+    <dsp:sp modelId="{200DBBD6-E0F8-4CA9-9887-40053E1CA508}">
+      <dsp:nvSpPr>
+        <dsp:cNvPr id="0" name=""/>
+        <dsp:cNvSpPr/>
+      </dsp:nvSpPr>
+      <dsp:spPr>
+        <a:xfrm>
+          <a:off x="4704349" y="1437705"/>
+          <a:ext cx="255550" cy="298945"/>
+        </a:xfrm>
+        <a:prstGeom prst="rightArrow">
+          <a:avLst>
+            <a:gd name="adj1" fmla="val 60000"/>
+            <a:gd name="adj2" fmla="val 50000"/>
+          </a:avLst>
+        </a:prstGeom>
+        <a:solidFill>
+          <a:schemeClr val="accent1">
+            <a:tint val="60000"/>
+            <a:hueOff val="0"/>
+            <a:satOff val="0"/>
+            <a:lumOff val="0"/>
+            <a:alphaOff val="0"/>
+          </a:schemeClr>
+        </a:solidFill>
+        <a:ln>
+          <a:noFill/>
+        </a:ln>
+        <a:effectLst/>
+      </dsp:spPr>
+      <dsp:style>
+        <a:lnRef idx="0">
+          <a:scrgbClr r="0" g="0" b="0"/>
+        </a:lnRef>
+        <a:fillRef idx="1">
+          <a:scrgbClr r="0" g="0" b="0"/>
+        </a:fillRef>
+        <a:effectRef idx="0">
+          <a:scrgbClr r="0" g="0" b="0"/>
+        </a:effectRef>
+        <a:fontRef idx="minor">
+          <a:schemeClr val="lt1"/>
+        </a:fontRef>
+      </dsp:style>
+      <dsp:txBody>
+        <a:bodyPr spcFirstLastPara="0" vert="horz" wrap="square" lIns="0" tIns="0" rIns="0" bIns="0" numCol="1" spcCol="1270" anchor="ctr" anchorCtr="0">
+          <a:noAutofit/>
+        </a:bodyPr>
+        <a:lstStyle/>
+        <a:p>
+          <a:pPr marL="0" lvl="0" indent="0" algn="ctr" defTabSz="488950">
+            <a:lnSpc>
+              <a:spcPct val="90000"/>
+            </a:lnSpc>
+            <a:spcBef>
+              <a:spcPct val="0"/>
+            </a:spcBef>
+            <a:spcAft>
+              <a:spcPct val="35000"/>
+            </a:spcAft>
+            <a:buNone/>
+          </a:pPr>
+          <a:endParaRPr lang="en-US" sz="1100" kern="1200"/>
+        </a:p>
+      </dsp:txBody>
+      <dsp:txXfrm>
+        <a:off x="4704349" y="1497494"/>
+        <a:ext cx="178885" cy="179367"/>
+      </dsp:txXfrm>
+    </dsp:sp>
+    <dsp:sp modelId="{3BBE02C9-74A8-46B5-A25F-827A4ACCE2F9}">
+      <dsp:nvSpPr>
+        <dsp:cNvPr id="0" name=""/>
+        <dsp:cNvSpPr/>
+      </dsp:nvSpPr>
+      <dsp:spPr>
+        <a:xfrm>
+          <a:off x="5065977" y="869572"/>
+          <a:ext cx="1205427" cy="1435211"/>
+        </a:xfrm>
+        <a:prstGeom prst="roundRect">
+          <a:avLst>
+            <a:gd name="adj" fmla="val 10000"/>
+          </a:avLst>
+        </a:prstGeom>
+        <a:solidFill>
+          <a:schemeClr val="accent1">
+            <a:hueOff val="0"/>
+            <a:satOff val="0"/>
+            <a:lumOff val="0"/>
+            <a:alphaOff val="0"/>
+          </a:schemeClr>
+        </a:solidFill>
+        <a:ln w="12700" cap="flat" cmpd="sng" algn="ctr">
+          <a:solidFill>
+            <a:schemeClr val="lt1">
+              <a:hueOff val="0"/>
+              <a:satOff val="0"/>
+              <a:lumOff val="0"/>
+              <a:alphaOff val="0"/>
+            </a:schemeClr>
+          </a:solidFill>
+          <a:prstDash val="solid"/>
+          <a:miter lim="800000"/>
+        </a:ln>
+        <a:effectLst/>
+      </dsp:spPr>
+      <dsp:style>
+        <a:lnRef idx="2">
+          <a:scrgbClr r="0" g="0" b="0"/>
+        </a:lnRef>
+        <a:fillRef idx="1">
+          <a:scrgbClr r="0" g="0" b="0"/>
+        </a:fillRef>
+        <a:effectRef idx="0">
+          <a:scrgbClr r="0" g="0" b="0"/>
+        </a:effectRef>
+        <a:fontRef idx="minor">
+          <a:schemeClr val="lt1"/>
+        </a:fontRef>
+      </dsp:style>
+      <dsp:txBody>
+        <a:bodyPr spcFirstLastPara="0" vert="horz" wrap="square" lIns="49530" tIns="49530" rIns="49530" bIns="49530" numCol="1" spcCol="1270" anchor="ctr" anchorCtr="0">
+          <a:noAutofit/>
+        </a:bodyPr>
+        <a:lstStyle/>
+        <a:p>
+          <a:pPr marL="0" lvl="0" indent="0" algn="ctr" defTabSz="577850">
+            <a:lnSpc>
+              <a:spcPct val="90000"/>
+            </a:lnSpc>
+            <a:spcBef>
+              <a:spcPct val="0"/>
+            </a:spcBef>
+            <a:spcAft>
+              <a:spcPct val="35000"/>
+            </a:spcAft>
+            <a:buNone/>
+          </a:pPr>
+          <a:r>
+            <a:rPr lang="en-US" sz="1300" kern="1200"/>
+            <a:t>Data gets normalized using logical limits</a:t>
+          </a:r>
+        </a:p>
+      </dsp:txBody>
+      <dsp:txXfrm>
+        <a:off x="5101283" y="904878"/>
+        <a:ext cx="1134815" cy="1364599"/>
+      </dsp:txXfrm>
+    </dsp:sp>
+    <dsp:sp modelId="{669AEB41-C0BE-4D6E-9D8D-9FBF5A564B2E}">
+      <dsp:nvSpPr>
+        <dsp:cNvPr id="0" name=""/>
+        <dsp:cNvSpPr/>
+      </dsp:nvSpPr>
+      <dsp:spPr>
+        <a:xfrm>
+          <a:off x="6391947" y="1437705"/>
+          <a:ext cx="255550" cy="298945"/>
+        </a:xfrm>
+        <a:prstGeom prst="rightArrow">
+          <a:avLst>
+            <a:gd name="adj1" fmla="val 60000"/>
+            <a:gd name="adj2" fmla="val 50000"/>
+          </a:avLst>
+        </a:prstGeom>
+        <a:solidFill>
+          <a:schemeClr val="accent1">
+            <a:tint val="60000"/>
+            <a:hueOff val="0"/>
+            <a:satOff val="0"/>
+            <a:lumOff val="0"/>
+            <a:alphaOff val="0"/>
+          </a:schemeClr>
+        </a:solidFill>
+        <a:ln>
+          <a:noFill/>
+        </a:ln>
+        <a:effectLst/>
+      </dsp:spPr>
+      <dsp:style>
+        <a:lnRef idx="0">
+          <a:scrgbClr r="0" g="0" b="0"/>
+        </a:lnRef>
+        <a:fillRef idx="1">
+          <a:scrgbClr r="0" g="0" b="0"/>
+        </a:fillRef>
+        <a:effectRef idx="0">
+          <a:scrgbClr r="0" g="0" b="0"/>
+        </a:effectRef>
+        <a:fontRef idx="minor">
+          <a:schemeClr val="lt1"/>
+        </a:fontRef>
+      </dsp:style>
+      <dsp:txBody>
+        <a:bodyPr spcFirstLastPara="0" vert="horz" wrap="square" lIns="0" tIns="0" rIns="0" bIns="0" numCol="1" spcCol="1270" anchor="ctr" anchorCtr="0">
+          <a:noAutofit/>
+        </a:bodyPr>
+        <a:lstStyle/>
+        <a:p>
+          <a:pPr marL="0" lvl="0" indent="0" algn="ctr" defTabSz="488950">
+            <a:lnSpc>
+              <a:spcPct val="90000"/>
+            </a:lnSpc>
+            <a:spcBef>
+              <a:spcPct val="0"/>
+            </a:spcBef>
+            <a:spcAft>
+              <a:spcPct val="35000"/>
+            </a:spcAft>
+            <a:buNone/>
+          </a:pPr>
+          <a:endParaRPr lang="en-US" sz="1100" kern="1200"/>
+        </a:p>
+      </dsp:txBody>
+      <dsp:txXfrm>
+        <a:off x="6391947" y="1497494"/>
+        <a:ext cx="178885" cy="179367"/>
+      </dsp:txXfrm>
+    </dsp:sp>
+    <dsp:sp modelId="{44C543E2-A4A8-4DD8-879F-FB29C0D7EF13}">
+      <dsp:nvSpPr>
+        <dsp:cNvPr id="0" name=""/>
+        <dsp:cNvSpPr/>
+      </dsp:nvSpPr>
+      <dsp:spPr>
+        <a:xfrm>
+          <a:off x="6753575" y="869572"/>
+          <a:ext cx="1205427" cy="1435211"/>
+        </a:xfrm>
+        <a:prstGeom prst="roundRect">
+          <a:avLst>
+            <a:gd name="adj" fmla="val 10000"/>
+          </a:avLst>
+        </a:prstGeom>
+        <a:solidFill>
+          <a:schemeClr val="accent1">
+            <a:hueOff val="0"/>
+            <a:satOff val="0"/>
+            <a:lumOff val="0"/>
+            <a:alphaOff val="0"/>
+          </a:schemeClr>
+        </a:solidFill>
+        <a:ln w="12700" cap="flat" cmpd="sng" algn="ctr">
+          <a:solidFill>
+            <a:schemeClr val="lt1">
+              <a:hueOff val="0"/>
+              <a:satOff val="0"/>
+              <a:lumOff val="0"/>
+              <a:alphaOff val="0"/>
+            </a:schemeClr>
+          </a:solidFill>
+          <a:prstDash val="solid"/>
+          <a:miter lim="800000"/>
+        </a:ln>
+        <a:effectLst/>
+      </dsp:spPr>
+      <dsp:style>
+        <a:lnRef idx="2">
+          <a:scrgbClr r="0" g="0" b="0"/>
+        </a:lnRef>
+        <a:fillRef idx="1">
+          <a:scrgbClr r="0" g="0" b="0"/>
+        </a:fillRef>
+        <a:effectRef idx="0">
+          <a:scrgbClr r="0" g="0" b="0"/>
+        </a:effectRef>
+        <a:fontRef idx="minor">
+          <a:schemeClr val="lt1"/>
+        </a:fontRef>
+      </dsp:style>
+      <dsp:txBody>
+        <a:bodyPr spcFirstLastPara="0" vert="horz" wrap="square" lIns="49530" tIns="49530" rIns="49530" bIns="49530" numCol="1" spcCol="1270" anchor="ctr" anchorCtr="0">
+          <a:noAutofit/>
+        </a:bodyPr>
+        <a:lstStyle/>
+        <a:p>
+          <a:pPr marL="0" lvl="0" indent="0" algn="ctr" defTabSz="577850">
+            <a:lnSpc>
+              <a:spcPct val="90000"/>
+            </a:lnSpc>
+            <a:spcBef>
+              <a:spcPct val="0"/>
+            </a:spcBef>
+            <a:spcAft>
+              <a:spcPct val="35000"/>
+            </a:spcAft>
+            <a:buNone/>
+          </a:pPr>
+          <a:r>
+            <a:rPr lang="en-US" sz="1300" kern="1200"/>
+            <a:t>Data of satellites with same timestamp moved to one line (timestep)</a:t>
+          </a:r>
+        </a:p>
+      </dsp:txBody>
+      <dsp:txXfrm>
+        <a:off x="6788881" y="904878"/>
+        <a:ext cx="1134815" cy="1364599"/>
+      </dsp:txXfrm>
+    </dsp:sp>
+    <dsp:sp modelId="{640CBEF2-3728-4438-B1D4-01ED59409AF1}">
+      <dsp:nvSpPr>
+        <dsp:cNvPr id="0" name=""/>
+        <dsp:cNvSpPr/>
+      </dsp:nvSpPr>
+      <dsp:spPr>
+        <a:xfrm>
+          <a:off x="8079545" y="1437705"/>
+          <a:ext cx="255550" cy="298945"/>
+        </a:xfrm>
+        <a:prstGeom prst="rightArrow">
+          <a:avLst>
+            <a:gd name="adj1" fmla="val 60000"/>
+            <a:gd name="adj2" fmla="val 50000"/>
+          </a:avLst>
+        </a:prstGeom>
+        <a:solidFill>
+          <a:schemeClr val="accent1">
+            <a:tint val="60000"/>
+            <a:hueOff val="0"/>
+            <a:satOff val="0"/>
+            <a:lumOff val="0"/>
+            <a:alphaOff val="0"/>
+          </a:schemeClr>
+        </a:solidFill>
+        <a:ln>
+          <a:noFill/>
+        </a:ln>
+        <a:effectLst/>
+      </dsp:spPr>
+      <dsp:style>
+        <a:lnRef idx="0">
+          <a:scrgbClr r="0" g="0" b="0"/>
+        </a:lnRef>
+        <a:fillRef idx="1">
+          <a:scrgbClr r="0" g="0" b="0"/>
+        </a:fillRef>
+        <a:effectRef idx="0">
+          <a:scrgbClr r="0" g="0" b="0"/>
+        </a:effectRef>
+        <a:fontRef idx="minor">
+          <a:schemeClr val="lt1"/>
+        </a:fontRef>
+      </dsp:style>
+      <dsp:txBody>
+        <a:bodyPr spcFirstLastPara="0" vert="horz" wrap="square" lIns="0" tIns="0" rIns="0" bIns="0" numCol="1" spcCol="1270" anchor="ctr" anchorCtr="0">
+          <a:noAutofit/>
+        </a:bodyPr>
+        <a:lstStyle/>
+        <a:p>
+          <a:pPr marL="0" lvl="0" indent="0" algn="ctr" defTabSz="488950">
+            <a:lnSpc>
+              <a:spcPct val="90000"/>
+            </a:lnSpc>
+            <a:spcBef>
+              <a:spcPct val="0"/>
+            </a:spcBef>
+            <a:spcAft>
+              <a:spcPct val="35000"/>
+            </a:spcAft>
+            <a:buNone/>
+          </a:pPr>
+          <a:endParaRPr lang="en-US" sz="1100" kern="1200"/>
+        </a:p>
+      </dsp:txBody>
+      <dsp:txXfrm>
+        <a:off x="8079545" y="1497494"/>
+        <a:ext cx="178885" cy="179367"/>
+      </dsp:txXfrm>
+    </dsp:sp>
+    <dsp:sp modelId="{D3E13E9D-4699-453E-B9FA-2D830F872562}">
+      <dsp:nvSpPr>
+        <dsp:cNvPr id="0" name=""/>
+        <dsp:cNvSpPr/>
+      </dsp:nvSpPr>
+      <dsp:spPr>
+        <a:xfrm>
+          <a:off x="8441173" y="869572"/>
+          <a:ext cx="1205427" cy="1435211"/>
+        </a:xfrm>
+        <a:prstGeom prst="roundRect">
+          <a:avLst>
+            <a:gd name="adj" fmla="val 10000"/>
+          </a:avLst>
+        </a:prstGeom>
+        <a:solidFill>
+          <a:schemeClr val="accent1">
+            <a:hueOff val="0"/>
+            <a:satOff val="0"/>
+            <a:lumOff val="0"/>
+            <a:alphaOff val="0"/>
+          </a:schemeClr>
+        </a:solidFill>
+        <a:ln w="12700" cap="flat" cmpd="sng" algn="ctr">
+          <a:solidFill>
+            <a:schemeClr val="lt1">
+              <a:hueOff val="0"/>
+              <a:satOff val="0"/>
+              <a:lumOff val="0"/>
+              <a:alphaOff val="0"/>
+            </a:schemeClr>
+          </a:solidFill>
+          <a:prstDash val="solid"/>
+          <a:miter lim="800000"/>
+        </a:ln>
+        <a:effectLst/>
+      </dsp:spPr>
+      <dsp:style>
+        <a:lnRef idx="2">
+          <a:scrgbClr r="0" g="0" b="0"/>
+        </a:lnRef>
+        <a:fillRef idx="1">
+          <a:scrgbClr r="0" g="0" b="0"/>
+        </a:fillRef>
+        <a:effectRef idx="0">
+          <a:scrgbClr r="0" g="0" b="0"/>
+        </a:effectRef>
+        <a:fontRef idx="minor">
+          <a:schemeClr val="lt1"/>
+        </a:fontRef>
+      </dsp:style>
+      <dsp:txBody>
+        <a:bodyPr spcFirstLastPara="0" vert="horz" wrap="square" lIns="49530" tIns="49530" rIns="49530" bIns="49530" numCol="1" spcCol="1270" anchor="ctr" anchorCtr="0">
+          <a:noAutofit/>
+        </a:bodyPr>
+        <a:lstStyle/>
+        <a:p>
+          <a:pPr marL="0" lvl="0" indent="0" algn="ctr" defTabSz="577850">
+            <a:lnSpc>
+              <a:spcPct val="90000"/>
+            </a:lnSpc>
+            <a:spcBef>
+              <a:spcPct val="0"/>
+            </a:spcBef>
+            <a:spcAft>
+              <a:spcPct val="35000"/>
+            </a:spcAft>
+            <a:buNone/>
+          </a:pPr>
+          <a:r>
+            <a:rPr lang="en-US" sz="1300" kern="1200"/>
+            <a:t>Data gets padded, and IMU and WSL data added to the end of line</a:t>
+          </a:r>
+        </a:p>
+      </dsp:txBody>
+      <dsp:txXfrm>
+        <a:off x="8476479" y="904878"/>
+        <a:ext cx="1134815" cy="1364599"/>
+      </dsp:txXfrm>
+    </dsp:sp>
+    <dsp:sp modelId="{8B779338-2135-4A9B-AAEF-27923242B910}">
+      <dsp:nvSpPr>
+        <dsp:cNvPr id="0" name=""/>
+        <dsp:cNvSpPr/>
+      </dsp:nvSpPr>
+      <dsp:spPr>
+        <a:xfrm>
+          <a:off x="9767143" y="1437705"/>
+          <a:ext cx="255550" cy="298945"/>
+        </a:xfrm>
+        <a:prstGeom prst="rightArrow">
+          <a:avLst>
+            <a:gd name="adj1" fmla="val 60000"/>
+            <a:gd name="adj2" fmla="val 50000"/>
+          </a:avLst>
+        </a:prstGeom>
+        <a:solidFill>
+          <a:schemeClr val="accent1">
+            <a:tint val="60000"/>
+            <a:hueOff val="0"/>
+            <a:satOff val="0"/>
+            <a:lumOff val="0"/>
+            <a:alphaOff val="0"/>
+          </a:schemeClr>
+        </a:solidFill>
+        <a:ln>
+          <a:noFill/>
+        </a:ln>
+        <a:effectLst/>
+      </dsp:spPr>
+      <dsp:style>
+        <a:lnRef idx="0">
+          <a:scrgbClr r="0" g="0" b="0"/>
+        </a:lnRef>
+        <a:fillRef idx="1">
+          <a:scrgbClr r="0" g="0" b="0"/>
+        </a:fillRef>
+        <a:effectRef idx="0">
+          <a:scrgbClr r="0" g="0" b="0"/>
+        </a:effectRef>
+        <a:fontRef idx="minor">
+          <a:schemeClr val="lt1"/>
+        </a:fontRef>
+      </dsp:style>
+      <dsp:txBody>
+        <a:bodyPr spcFirstLastPara="0" vert="horz" wrap="square" lIns="0" tIns="0" rIns="0" bIns="0" numCol="1" spcCol="1270" anchor="ctr" anchorCtr="0">
+          <a:noAutofit/>
+        </a:bodyPr>
+        <a:lstStyle/>
+        <a:p>
+          <a:pPr marL="0" lvl="0" indent="0" algn="ctr" defTabSz="488950">
+            <a:lnSpc>
+              <a:spcPct val="90000"/>
+            </a:lnSpc>
+            <a:spcBef>
+              <a:spcPct val="0"/>
+            </a:spcBef>
+            <a:spcAft>
+              <a:spcPct val="35000"/>
+            </a:spcAft>
+            <a:buNone/>
+          </a:pPr>
+          <a:endParaRPr lang="en-US" sz="1100" kern="1200"/>
+        </a:p>
+      </dsp:txBody>
+      <dsp:txXfrm>
+        <a:off x="9767143" y="1497494"/>
+        <a:ext cx="178885" cy="179367"/>
+      </dsp:txXfrm>
+    </dsp:sp>
+    <dsp:sp modelId="{A65E3224-70B4-4627-87B4-6EC008F74EB1}">
+      <dsp:nvSpPr>
+        <dsp:cNvPr id="0" name=""/>
+        <dsp:cNvSpPr/>
+      </dsp:nvSpPr>
+      <dsp:spPr>
+        <a:xfrm>
+          <a:off x="10128771" y="869572"/>
+          <a:ext cx="1205427" cy="1435211"/>
+        </a:xfrm>
+        <a:prstGeom prst="roundRect">
+          <a:avLst>
+            <a:gd name="adj" fmla="val 10000"/>
+          </a:avLst>
+        </a:prstGeom>
+        <a:solidFill>
+          <a:schemeClr val="accent1">
+            <a:hueOff val="0"/>
+            <a:satOff val="0"/>
+            <a:lumOff val="0"/>
+            <a:alphaOff val="0"/>
+          </a:schemeClr>
+        </a:solidFill>
+        <a:ln w="12700" cap="flat" cmpd="sng" algn="ctr">
+          <a:solidFill>
+            <a:schemeClr val="lt1">
+              <a:hueOff val="0"/>
+              <a:satOff val="0"/>
+              <a:lumOff val="0"/>
+              <a:alphaOff val="0"/>
+            </a:schemeClr>
+          </a:solidFill>
+          <a:prstDash val="solid"/>
+          <a:miter lim="800000"/>
+        </a:ln>
+        <a:effectLst/>
+      </dsp:spPr>
+      <dsp:style>
+        <a:lnRef idx="2">
+          <a:scrgbClr r="0" g="0" b="0"/>
+        </a:lnRef>
+        <a:fillRef idx="1">
+          <a:scrgbClr r="0" g="0" b="0"/>
+        </a:fillRef>
+        <a:effectRef idx="0">
+          <a:scrgbClr r="0" g="0" b="0"/>
+        </a:effectRef>
+        <a:fontRef idx="minor">
+          <a:schemeClr val="lt1"/>
+        </a:fontRef>
+      </dsp:style>
+      <dsp:txBody>
+        <a:bodyPr spcFirstLastPara="0" vert="horz" wrap="square" lIns="49530" tIns="49530" rIns="49530" bIns="49530" numCol="1" spcCol="1270" anchor="ctr" anchorCtr="0">
+          <a:noAutofit/>
+        </a:bodyPr>
+        <a:lstStyle/>
+        <a:p>
+          <a:pPr marL="0" lvl="0" indent="0" algn="ctr" defTabSz="577850">
+            <a:lnSpc>
+              <a:spcPct val="90000"/>
+            </a:lnSpc>
+            <a:spcBef>
+              <a:spcPct val="0"/>
+            </a:spcBef>
+            <a:spcAft>
+              <a:spcPct val="35000"/>
+            </a:spcAft>
+            <a:buNone/>
+          </a:pPr>
+          <a:r>
+            <a:rPr lang="en-US" sz="1300" kern="1200"/>
+            <a:t>Time series prepared and batched with dataloader</a:t>
+          </a:r>
+        </a:p>
+      </dsp:txBody>
+      <dsp:txXfrm>
+        <a:off x="10164077" y="904878"/>
+        <a:ext cx="1134815" cy="1364599"/>
+      </dsp:txXfrm>
+    </dsp:sp>
+  </dsp:spTree>
+</dsp:drawing>
+</file>
+
+<file path=ppt/diagrams/drawing4.xml><?xml version="1.0" encoding="utf-8"?>
+<dsp:drawing xmlns:dgm="http://schemas.openxmlformats.org/drawingml/2006/diagram" xmlns:dsp="http://schemas.microsoft.com/office/drawing/2008/diagram" xmlns:a="http://schemas.openxmlformats.org/drawingml/2006/main">
+  <dsp:spTree>
+    <dsp:nvGrpSpPr>
+      <dsp:cNvPr id="0" name=""/>
+      <dsp:cNvGrpSpPr/>
+    </dsp:nvGrpSpPr>
+    <dsp:grpSpPr/>
+    <dsp:sp modelId="{E76038B7-11BA-42CF-89F8-CDE318457738}">
+      <dsp:nvSpPr>
+        <dsp:cNvPr id="0" name=""/>
+        <dsp:cNvSpPr/>
+      </dsp:nvSpPr>
+      <dsp:spPr>
+        <a:xfrm>
+          <a:off x="0" y="51126"/>
+          <a:ext cx="6039340" cy="599625"/>
+        </a:xfrm>
+        <a:prstGeom prst="roundRect">
+          <a:avLst/>
+        </a:prstGeom>
+        <a:solidFill>
+          <a:schemeClr val="accent1">
+            <a:hueOff val="0"/>
+            <a:satOff val="0"/>
+            <a:lumOff val="0"/>
+            <a:alphaOff val="0"/>
+          </a:schemeClr>
+        </a:solidFill>
+        <a:ln w="12700" cap="flat" cmpd="sng" algn="ctr">
+          <a:solidFill>
+            <a:schemeClr val="lt1">
+              <a:hueOff val="0"/>
+              <a:satOff val="0"/>
+              <a:lumOff val="0"/>
+              <a:alphaOff val="0"/>
+            </a:schemeClr>
+          </a:solidFill>
+          <a:prstDash val="solid"/>
+          <a:miter lim="800000"/>
+        </a:ln>
+        <a:effectLst/>
+      </dsp:spPr>
+      <dsp:style>
+        <a:lnRef idx="2">
+          <a:scrgbClr r="0" g="0" b="0"/>
+        </a:lnRef>
+        <a:fillRef idx="1">
+          <a:scrgbClr r="0" g="0" b="0"/>
+        </a:fillRef>
+        <a:effectRef idx="0">
+          <a:scrgbClr r="0" g="0" b="0"/>
+        </a:effectRef>
+        <a:fontRef idx="minor">
+          <a:schemeClr val="lt1"/>
+        </a:fontRef>
+      </dsp:style>
+      <dsp:txBody>
+        <a:bodyPr spcFirstLastPara="0" vert="horz" wrap="square" lIns="95250" tIns="95250" rIns="95250" bIns="95250" numCol="1" spcCol="1270" anchor="ctr" anchorCtr="0">
+          <a:noAutofit/>
+        </a:bodyPr>
+        <a:lstStyle/>
+        <a:p>
+          <a:pPr marL="0" lvl="0" indent="0" algn="l" defTabSz="1111250">
+            <a:lnSpc>
+              <a:spcPct val="90000"/>
+            </a:lnSpc>
+            <a:spcBef>
+              <a:spcPct val="0"/>
+            </a:spcBef>
+            <a:spcAft>
+              <a:spcPct val="35000"/>
+            </a:spcAft>
+            <a:buNone/>
+          </a:pPr>
+          <a:r>
+            <a:rPr lang="en-US" sz="2500" kern="1200"/>
+            <a:t>Masking</a:t>
+          </a:r>
+        </a:p>
+      </dsp:txBody>
+      <dsp:txXfrm>
+        <a:off x="29271" y="80397"/>
+        <a:ext cx="5980798" cy="541083"/>
+      </dsp:txXfrm>
+    </dsp:sp>
+    <dsp:sp modelId="{F4148A23-354E-4B8D-A7F1-5017B49B1BC7}">
+      <dsp:nvSpPr>
+        <dsp:cNvPr id="0" name=""/>
+        <dsp:cNvSpPr/>
+      </dsp:nvSpPr>
+      <dsp:spPr>
+        <a:xfrm>
+          <a:off x="0" y="722751"/>
+          <a:ext cx="6039340" cy="599625"/>
+        </a:xfrm>
+        <a:prstGeom prst="roundRect">
+          <a:avLst/>
+        </a:prstGeom>
+        <a:solidFill>
+          <a:schemeClr val="accent1">
+            <a:hueOff val="0"/>
+            <a:satOff val="0"/>
+            <a:lumOff val="0"/>
+            <a:alphaOff val="0"/>
+          </a:schemeClr>
+        </a:solidFill>
+        <a:ln w="12700" cap="flat" cmpd="sng" algn="ctr">
+          <a:solidFill>
+            <a:schemeClr val="lt1">
+              <a:hueOff val="0"/>
+              <a:satOff val="0"/>
+              <a:lumOff val="0"/>
+              <a:alphaOff val="0"/>
+            </a:schemeClr>
+          </a:solidFill>
+          <a:prstDash val="solid"/>
+          <a:miter lim="800000"/>
+        </a:ln>
+        <a:effectLst/>
+      </dsp:spPr>
+      <dsp:style>
+        <a:lnRef idx="2">
+          <a:scrgbClr r="0" g="0" b="0"/>
+        </a:lnRef>
+        <a:fillRef idx="1">
+          <a:scrgbClr r="0" g="0" b="0"/>
+        </a:fillRef>
+        <a:effectRef idx="0">
+          <a:scrgbClr r="0" g="0" b="0"/>
+        </a:effectRef>
+        <a:fontRef idx="minor">
+          <a:schemeClr val="lt1"/>
+        </a:fontRef>
+      </dsp:style>
+      <dsp:txBody>
+        <a:bodyPr spcFirstLastPara="0" vert="horz" wrap="square" lIns="95250" tIns="95250" rIns="95250" bIns="95250" numCol="1" spcCol="1270" anchor="ctr" anchorCtr="0">
+          <a:noAutofit/>
+        </a:bodyPr>
+        <a:lstStyle/>
+        <a:p>
+          <a:pPr marL="0" lvl="0" indent="0" algn="l" defTabSz="1111250">
+            <a:lnSpc>
+              <a:spcPct val="90000"/>
+            </a:lnSpc>
+            <a:spcBef>
+              <a:spcPct val="0"/>
+            </a:spcBef>
+            <a:spcAft>
+              <a:spcPct val="35000"/>
+            </a:spcAft>
+            <a:buNone/>
+          </a:pPr>
+          <a:r>
+            <a:rPr lang="en-US" sz="2500" kern="1200"/>
+            <a:t>(Preprocessing dense layers)</a:t>
+          </a:r>
+        </a:p>
+      </dsp:txBody>
+      <dsp:txXfrm>
+        <a:off x="29271" y="752022"/>
+        <a:ext cx="5980798" cy="541083"/>
+      </dsp:txXfrm>
+    </dsp:sp>
+    <dsp:sp modelId="{F8F0C120-4801-4288-8674-DA49EF7BD8CF}">
+      <dsp:nvSpPr>
+        <dsp:cNvPr id="0" name=""/>
+        <dsp:cNvSpPr/>
+      </dsp:nvSpPr>
+      <dsp:spPr>
+        <a:xfrm>
+          <a:off x="0" y="1394376"/>
+          <a:ext cx="6039340" cy="599625"/>
+        </a:xfrm>
+        <a:prstGeom prst="roundRect">
+          <a:avLst/>
+        </a:prstGeom>
+        <a:solidFill>
+          <a:schemeClr val="accent1">
+            <a:hueOff val="0"/>
+            <a:satOff val="0"/>
+            <a:lumOff val="0"/>
+            <a:alphaOff val="0"/>
+          </a:schemeClr>
+        </a:solidFill>
+        <a:ln w="12700" cap="flat" cmpd="sng" algn="ctr">
+          <a:solidFill>
+            <a:schemeClr val="lt1">
+              <a:hueOff val="0"/>
+              <a:satOff val="0"/>
+              <a:lumOff val="0"/>
+              <a:alphaOff val="0"/>
+            </a:schemeClr>
+          </a:solidFill>
+          <a:prstDash val="solid"/>
+          <a:miter lim="800000"/>
+        </a:ln>
+        <a:effectLst/>
+      </dsp:spPr>
+      <dsp:style>
+        <a:lnRef idx="2">
+          <a:scrgbClr r="0" g="0" b="0"/>
+        </a:lnRef>
+        <a:fillRef idx="1">
+          <a:scrgbClr r="0" g="0" b="0"/>
+        </a:fillRef>
+        <a:effectRef idx="0">
+          <a:scrgbClr r="0" g="0" b="0"/>
+        </a:effectRef>
+        <a:fontRef idx="minor">
+          <a:schemeClr val="lt1"/>
+        </a:fontRef>
+      </dsp:style>
+      <dsp:txBody>
+        <a:bodyPr spcFirstLastPara="0" vert="horz" wrap="square" lIns="95250" tIns="95250" rIns="95250" bIns="95250" numCol="1" spcCol="1270" anchor="ctr" anchorCtr="0">
+          <a:noAutofit/>
+        </a:bodyPr>
+        <a:lstStyle/>
+        <a:p>
+          <a:pPr marL="0" lvl="0" indent="0" algn="l" defTabSz="1111250">
+            <a:lnSpc>
+              <a:spcPct val="90000"/>
+            </a:lnSpc>
+            <a:spcBef>
+              <a:spcPct val="0"/>
+            </a:spcBef>
+            <a:spcAft>
+              <a:spcPct val="35000"/>
+            </a:spcAft>
+            <a:buNone/>
+          </a:pPr>
+          <a:r>
+            <a:rPr lang="en-US" sz="2500" kern="1200"/>
+            <a:t>LSTM layers</a:t>
+          </a:r>
+        </a:p>
+      </dsp:txBody>
+      <dsp:txXfrm>
+        <a:off x="29271" y="1423647"/>
+        <a:ext cx="5980798" cy="541083"/>
+      </dsp:txXfrm>
+    </dsp:sp>
+    <dsp:sp modelId="{92D1D4B8-3D4E-45FA-9771-E115EDC42A0E}">
+      <dsp:nvSpPr>
+        <dsp:cNvPr id="0" name=""/>
+        <dsp:cNvSpPr/>
+      </dsp:nvSpPr>
+      <dsp:spPr>
+        <a:xfrm>
+          <a:off x="0" y="2066001"/>
+          <a:ext cx="6039340" cy="599625"/>
+        </a:xfrm>
+        <a:prstGeom prst="roundRect">
+          <a:avLst/>
+        </a:prstGeom>
+        <a:solidFill>
+          <a:schemeClr val="accent1">
+            <a:hueOff val="0"/>
+            <a:satOff val="0"/>
+            <a:lumOff val="0"/>
+            <a:alphaOff val="0"/>
+          </a:schemeClr>
+        </a:solidFill>
+        <a:ln w="12700" cap="flat" cmpd="sng" algn="ctr">
+          <a:solidFill>
+            <a:schemeClr val="lt1">
+              <a:hueOff val="0"/>
+              <a:satOff val="0"/>
+              <a:lumOff val="0"/>
+              <a:alphaOff val="0"/>
+            </a:schemeClr>
+          </a:solidFill>
+          <a:prstDash val="solid"/>
+          <a:miter lim="800000"/>
+        </a:ln>
+        <a:effectLst/>
+      </dsp:spPr>
+      <dsp:style>
+        <a:lnRef idx="2">
+          <a:scrgbClr r="0" g="0" b="0"/>
+        </a:lnRef>
+        <a:fillRef idx="1">
+          <a:scrgbClr r="0" g="0" b="0"/>
+        </a:fillRef>
+        <a:effectRef idx="0">
+          <a:scrgbClr r="0" g="0" b="0"/>
+        </a:effectRef>
+        <a:fontRef idx="minor">
+          <a:schemeClr val="lt1"/>
+        </a:fontRef>
+      </dsp:style>
+      <dsp:txBody>
+        <a:bodyPr spcFirstLastPara="0" vert="horz" wrap="square" lIns="95250" tIns="95250" rIns="95250" bIns="95250" numCol="1" spcCol="1270" anchor="ctr" anchorCtr="0">
+          <a:noAutofit/>
+        </a:bodyPr>
+        <a:lstStyle/>
+        <a:p>
+          <a:pPr marL="0" lvl="0" indent="0" algn="l" defTabSz="1111250">
+            <a:lnSpc>
+              <a:spcPct val="90000"/>
+            </a:lnSpc>
+            <a:spcBef>
+              <a:spcPct val="0"/>
+            </a:spcBef>
+            <a:spcAft>
+              <a:spcPct val="35000"/>
+            </a:spcAft>
+            <a:buNone/>
+          </a:pPr>
+          <a:r>
+            <a:rPr lang="en-US" sz="2500" kern="1200"/>
+            <a:t>Final Dense layer with linear activation</a:t>
+          </a:r>
+        </a:p>
+      </dsp:txBody>
+      <dsp:txXfrm>
+        <a:off x="29271" y="2095272"/>
+        <a:ext cx="5980798" cy="541083"/>
+      </dsp:txXfrm>
+    </dsp:sp>
+  </dsp:spTree>
+</dsp:drawing>
+</file>
+
 <file path=ppt/diagrams/layout1.xml><?xml version="1.0" encoding="utf-8"?>
 <dgm:layoutDef xmlns:dgm="http://schemas.openxmlformats.org/drawingml/2006/diagram" xmlns:a="http://schemas.openxmlformats.org/drawingml/2006/main" uniqueId="urn:microsoft.com/office/officeart/2008/layout/LinedList">
   <dgm:title val=""/>
@@ -4004,6 +8004,319 @@
 </dgm:layoutDef>
 </file>
 
+<file path=ppt/diagrams/layout3.xml><?xml version="1.0" encoding="utf-8"?>
+<dgm:layoutDef xmlns:dgm="http://schemas.openxmlformats.org/drawingml/2006/diagram" xmlns:a="http://schemas.openxmlformats.org/drawingml/2006/main" uniqueId="urn:microsoft.com/office/officeart/2005/8/layout/process1">
+  <dgm:title val=""/>
+  <dgm:desc val=""/>
+  <dgm:catLst>
+    <dgm:cat type="process" pri="1000"/>
+    <dgm:cat type="convert" pri="15000"/>
+  </dgm:catLst>
+  <dgm:sampData useDef="1">
+    <dgm:dataModel>
+      <dgm:ptLst/>
+      <dgm:bg/>
+      <dgm:whole/>
+    </dgm:dataModel>
+  </dgm:sampData>
+  <dgm:styleData>
+    <dgm:dataModel>
+      <dgm:ptLst>
+        <dgm:pt modelId="0" type="doc"/>
+        <dgm:pt modelId="1"/>
+        <dgm:pt modelId="2"/>
+      </dgm:ptLst>
+      <dgm:cxnLst>
+        <dgm:cxn modelId="3" srcId="0" destId="1" srcOrd="0" destOrd="0"/>
+        <dgm:cxn modelId="4" srcId="0" destId="2" srcOrd="1" destOrd="0"/>
+      </dgm:cxnLst>
+      <dgm:bg/>
+      <dgm:whole/>
+    </dgm:dataModel>
+  </dgm:styleData>
+  <dgm:clrData>
+    <dgm:dataModel>
+      <dgm:ptLst>
+        <dgm:pt modelId="0" type="doc"/>
+        <dgm:pt modelId="1"/>
+        <dgm:pt modelId="2"/>
+        <dgm:pt modelId="3"/>
+        <dgm:pt modelId="4"/>
+      </dgm:ptLst>
+      <dgm:cxnLst>
+        <dgm:cxn modelId="5" srcId="0" destId="1" srcOrd="0" destOrd="0"/>
+        <dgm:cxn modelId="6" srcId="0" destId="2" srcOrd="1" destOrd="0"/>
+        <dgm:cxn modelId="7" srcId="0" destId="3" srcOrd="2" destOrd="0"/>
+        <dgm:cxn modelId="8" srcId="0" destId="4" srcOrd="3" destOrd="0"/>
+      </dgm:cxnLst>
+      <dgm:bg/>
+      <dgm:whole/>
+    </dgm:dataModel>
+  </dgm:clrData>
+  <dgm:layoutNode name="Name0">
+    <dgm:varLst>
+      <dgm:dir/>
+      <dgm:resizeHandles val="exact"/>
+    </dgm:varLst>
+    <dgm:choose name="Name1">
+      <dgm:if name="Name2" func="var" arg="dir" op="equ" val="norm">
+        <dgm:alg type="lin"/>
+      </dgm:if>
+      <dgm:else name="Name3">
+        <dgm:alg type="lin">
+          <dgm:param type="linDir" val="fromR"/>
+        </dgm:alg>
+      </dgm:else>
+    </dgm:choose>
+    <dgm:shape xmlns:r="http://schemas.openxmlformats.org/officeDocument/2006/relationships" r:blip="">
+      <dgm:adjLst/>
+    </dgm:shape>
+    <dgm:presOf/>
+    <dgm:constrLst>
+      <dgm:constr type="w" for="ch" ptType="node" refType="w"/>
+      <dgm:constr type="h" for="ch" ptType="node" op="equ"/>
+      <dgm:constr type="primFontSz" for="ch" ptType="node" op="equ" val="65"/>
+      <dgm:constr type="w" for="ch" ptType="sibTrans" refType="w" refFor="ch" refPtType="node" op="equ" fact="0.4"/>
+      <dgm:constr type="h" for="ch" ptType="sibTrans" op="equ"/>
+      <dgm:constr type="primFontSz" for="des" forName="connectorText" op="equ" val="55"/>
+      <dgm:constr type="primFontSz" for="des" forName="connectorText" refType="primFontSz" refFor="ch" refPtType="node" op="lte" fact="0.8"/>
+    </dgm:constrLst>
+    <dgm:ruleLst/>
+    <dgm:forEach name="nodesForEach" axis="ch" ptType="node">
+      <dgm:layoutNode name="node">
+        <dgm:varLst>
+          <dgm:bulletEnabled val="1"/>
+        </dgm:varLst>
+        <dgm:alg type="tx"/>
+        <dgm:shape xmlns:r="http://schemas.openxmlformats.org/officeDocument/2006/relationships" type="roundRect" r:blip="">
+          <dgm:adjLst>
+            <dgm:adj idx="1" val="0.1"/>
+          </dgm:adjLst>
+        </dgm:shape>
+        <dgm:presOf axis="desOrSelf" ptType="node"/>
+        <dgm:constrLst>
+          <dgm:constr type="h" refType="w" fact="0.6"/>
+          <dgm:constr type="tMarg" refType="primFontSz" fact="0.3"/>
+          <dgm:constr type="bMarg" refType="primFontSz" fact="0.3"/>
+          <dgm:constr type="lMarg" refType="primFontSz" fact="0.3"/>
+          <dgm:constr type="rMarg" refType="primFontSz" fact="0.3"/>
+        </dgm:constrLst>
+        <dgm:ruleLst>
+          <dgm:rule type="primFontSz" val="18" fact="NaN" max="NaN"/>
+          <dgm:rule type="h" val="NaN" fact="1.5" max="NaN"/>
+          <dgm:rule type="primFontSz" val="5" fact="NaN" max="NaN"/>
+          <dgm:rule type="h" val="INF" fact="NaN" max="NaN"/>
+        </dgm:ruleLst>
+      </dgm:layoutNode>
+      <dgm:forEach name="sibTransForEach" axis="followSib" ptType="sibTrans" cnt="1">
+        <dgm:layoutNode name="sibTrans">
+          <dgm:alg type="conn">
+            <dgm:param type="begPts" val="auto"/>
+            <dgm:param type="endPts" val="auto"/>
+          </dgm:alg>
+          <dgm:shape xmlns:r="http://schemas.openxmlformats.org/officeDocument/2006/relationships" type="conn" r:blip="">
+            <dgm:adjLst/>
+          </dgm:shape>
+          <dgm:presOf axis="self"/>
+          <dgm:constrLst>
+            <dgm:constr type="h" refType="w" fact="0.62"/>
+            <dgm:constr type="connDist"/>
+            <dgm:constr type="begPad" refType="connDist" fact="0.25"/>
+            <dgm:constr type="endPad" refType="connDist" fact="0.22"/>
+          </dgm:constrLst>
+          <dgm:ruleLst/>
+          <dgm:layoutNode name="connectorText">
+            <dgm:alg type="tx">
+              <dgm:param type="autoTxRot" val="grav"/>
+            </dgm:alg>
+            <dgm:shape xmlns:r="http://schemas.openxmlformats.org/officeDocument/2006/relationships" type="conn" r:blip="" hideGeom="1">
+              <dgm:adjLst/>
+            </dgm:shape>
+            <dgm:presOf axis="self"/>
+            <dgm:constrLst>
+              <dgm:constr type="lMarg"/>
+              <dgm:constr type="rMarg"/>
+              <dgm:constr type="tMarg"/>
+              <dgm:constr type="bMarg"/>
+            </dgm:constrLst>
+            <dgm:ruleLst>
+              <dgm:rule type="primFontSz" val="5" fact="NaN" max="NaN"/>
+            </dgm:ruleLst>
+          </dgm:layoutNode>
+        </dgm:layoutNode>
+      </dgm:forEach>
+    </dgm:forEach>
+  </dgm:layoutNode>
+</dgm:layoutDef>
+</file>
+
+<file path=ppt/diagrams/layout4.xml><?xml version="1.0" encoding="utf-8"?>
+<dgm:layoutDef xmlns:dgm="http://schemas.openxmlformats.org/drawingml/2006/diagram" xmlns:a="http://schemas.openxmlformats.org/drawingml/2006/main" uniqueId="urn:microsoft.com/office/officeart/2005/8/layout/vList2">
+  <dgm:title val=""/>
+  <dgm:desc val=""/>
+  <dgm:catLst>
+    <dgm:cat type="list" pri="3000"/>
+    <dgm:cat type="convert" pri="1000"/>
+  </dgm:catLst>
+  <dgm:sampData>
+    <dgm:dataModel>
+      <dgm:ptLst>
+        <dgm:pt modelId="0" type="doc"/>
+        <dgm:pt modelId="1">
+          <dgm:prSet phldr="1"/>
+        </dgm:pt>
+        <dgm:pt modelId="11">
+          <dgm:prSet phldr="1"/>
+        </dgm:pt>
+        <dgm:pt modelId="2">
+          <dgm:prSet phldr="1"/>
+        </dgm:pt>
+        <dgm:pt modelId="21">
+          <dgm:prSet phldr="1"/>
+        </dgm:pt>
+      </dgm:ptLst>
+      <dgm:cxnLst>
+        <dgm:cxn modelId="4" srcId="0" destId="1" srcOrd="0" destOrd="0"/>
+        <dgm:cxn modelId="5" srcId="0" destId="2" srcOrd="1" destOrd="0"/>
+        <dgm:cxn modelId="12" srcId="1" destId="11" srcOrd="0" destOrd="0"/>
+        <dgm:cxn modelId="23" srcId="2" destId="21" srcOrd="0" destOrd="0"/>
+      </dgm:cxnLst>
+      <dgm:bg/>
+      <dgm:whole/>
+    </dgm:dataModel>
+  </dgm:sampData>
+  <dgm:styleData>
+    <dgm:dataModel>
+      <dgm:ptLst>
+        <dgm:pt modelId="0" type="doc"/>
+        <dgm:pt modelId="1"/>
+        <dgm:pt modelId="2"/>
+      </dgm:ptLst>
+      <dgm:cxnLst>
+        <dgm:cxn modelId="3" srcId="0" destId="1" srcOrd="0" destOrd="0"/>
+        <dgm:cxn modelId="4" srcId="0" destId="2" srcOrd="1" destOrd="0"/>
+      </dgm:cxnLst>
+      <dgm:bg/>
+      <dgm:whole/>
+    </dgm:dataModel>
+  </dgm:styleData>
+  <dgm:clrData>
+    <dgm:dataModel>
+      <dgm:ptLst>
+        <dgm:pt modelId="0" type="doc"/>
+        <dgm:pt modelId="1"/>
+        <dgm:pt modelId="2"/>
+        <dgm:pt modelId="3"/>
+        <dgm:pt modelId="4"/>
+      </dgm:ptLst>
+      <dgm:cxnLst>
+        <dgm:cxn modelId="5" srcId="0" destId="1" srcOrd="0" destOrd="0"/>
+        <dgm:cxn modelId="6" srcId="0" destId="2" srcOrd="1" destOrd="0"/>
+        <dgm:cxn modelId="7" srcId="0" destId="3" srcOrd="2" destOrd="0"/>
+        <dgm:cxn modelId="8" srcId="0" destId="4" srcOrd="3" destOrd="0"/>
+      </dgm:cxnLst>
+      <dgm:bg/>
+      <dgm:whole/>
+    </dgm:dataModel>
+  </dgm:clrData>
+  <dgm:layoutNode name="linear">
+    <dgm:varLst>
+      <dgm:animLvl val="lvl"/>
+      <dgm:resizeHandles val="exact"/>
+    </dgm:varLst>
+    <dgm:alg type="lin">
+      <dgm:param type="linDir" val="fromT"/>
+      <dgm:param type="vertAlign" val="mid"/>
+    </dgm:alg>
+    <dgm:shape xmlns:r="http://schemas.openxmlformats.org/officeDocument/2006/relationships" r:blip="">
+      <dgm:adjLst/>
+    </dgm:shape>
+    <dgm:presOf/>
+    <dgm:constrLst>
+      <dgm:constr type="w" for="ch" forName="parentText" refType="w"/>
+      <dgm:constr type="h" for="ch" forName="parentText" refType="primFontSz" refFor="ch" refForName="parentText" fact="0.52"/>
+      <dgm:constr type="w" for="ch" forName="childText" refType="w"/>
+      <dgm:constr type="h" for="ch" forName="childText" refType="primFontSz" refFor="ch" refForName="parentText" fact="0.46"/>
+      <dgm:constr type="h" for="ch" forName="parentText" op="equ"/>
+      <dgm:constr type="primFontSz" for="ch" forName="parentText" op="equ" val="65"/>
+      <dgm:constr type="primFontSz" for="ch" forName="childText" refType="primFontSz" refFor="ch" refForName="parentText" op="equ"/>
+      <dgm:constr type="h" for="ch" forName="spacer" refType="primFontSz" refFor="ch" refForName="parentText" fact="0.08"/>
+    </dgm:constrLst>
+    <dgm:ruleLst>
+      <dgm:rule type="primFontSz" for="ch" forName="parentText" val="5" fact="NaN" max="NaN"/>
+    </dgm:ruleLst>
+    <dgm:forEach name="Name0" axis="ch" ptType="node">
+      <dgm:layoutNode name="parentText" styleLbl="node1">
+        <dgm:varLst>
+          <dgm:chMax val="0"/>
+          <dgm:bulletEnabled val="1"/>
+        </dgm:varLst>
+        <dgm:alg type="tx">
+          <dgm:param type="parTxLTRAlign" val="l"/>
+          <dgm:param type="parTxRTLAlign" val="r"/>
+        </dgm:alg>
+        <dgm:shape xmlns:r="http://schemas.openxmlformats.org/officeDocument/2006/relationships" type="roundRect" r:blip="">
+          <dgm:adjLst/>
+        </dgm:shape>
+        <dgm:presOf axis="self"/>
+        <dgm:constrLst>
+          <dgm:constr type="tMarg" refType="primFontSz" fact="0.3"/>
+          <dgm:constr type="bMarg" refType="primFontSz" fact="0.3"/>
+          <dgm:constr type="lMarg" refType="primFontSz" fact="0.3"/>
+          <dgm:constr type="rMarg" refType="primFontSz" fact="0.3"/>
+        </dgm:constrLst>
+        <dgm:ruleLst>
+          <dgm:rule type="h" val="INF" fact="NaN" max="NaN"/>
+        </dgm:ruleLst>
+      </dgm:layoutNode>
+      <dgm:choose name="Name1">
+        <dgm:if name="Name2" axis="ch" ptType="node" func="cnt" op="gte" val="1">
+          <dgm:layoutNode name="childText" styleLbl="revTx">
+            <dgm:varLst>
+              <dgm:bulletEnabled val="1"/>
+            </dgm:varLst>
+            <dgm:alg type="tx">
+              <dgm:param type="stBulletLvl" val="1"/>
+              <dgm:param type="lnSpAfChP" val="20"/>
+            </dgm:alg>
+            <dgm:shape xmlns:r="http://schemas.openxmlformats.org/officeDocument/2006/relationships" type="rect" r:blip="">
+              <dgm:adjLst/>
+            </dgm:shape>
+            <dgm:presOf axis="des" ptType="node"/>
+            <dgm:constrLst>
+              <dgm:constr type="tMarg" refType="primFontSz" fact="0.1"/>
+              <dgm:constr type="bMarg" refType="primFontSz" fact="0.1"/>
+              <dgm:constr type="lMarg" refType="w" fact="0.09"/>
+            </dgm:constrLst>
+            <dgm:ruleLst>
+              <dgm:rule type="h" val="INF" fact="NaN" max="NaN"/>
+            </dgm:ruleLst>
+          </dgm:layoutNode>
+        </dgm:if>
+        <dgm:else name="Name3">
+          <dgm:choose name="Name4">
+            <dgm:if name="Name5" axis="par ch" ptType="doc node" func="cnt" op="gte" val="2">
+              <dgm:forEach name="Name6" axis="followSib" ptType="sibTrans" cnt="1">
+                <dgm:layoutNode name="spacer">
+                  <dgm:alg type="sp"/>
+                  <dgm:shape xmlns:r="http://schemas.openxmlformats.org/officeDocument/2006/relationships" r:blip="">
+                    <dgm:adjLst/>
+                  </dgm:shape>
+                  <dgm:presOf/>
+                  <dgm:constrLst/>
+                  <dgm:ruleLst/>
+                </dgm:layoutNode>
+              </dgm:forEach>
+            </dgm:if>
+            <dgm:else name="Name7"/>
+          </dgm:choose>
+        </dgm:else>
+      </dgm:choose>
+    </dgm:forEach>
+  </dgm:layoutNode>
+</dgm:layoutDef>
+</file>
+
 <file path=ppt/diagrams/quickStyle1.xml><?xml version="1.0" encoding="utf-8"?>
 <dgm:styleDef xmlns:dgm="http://schemas.openxmlformats.org/drawingml/2006/diagram" xmlns:a="http://schemas.openxmlformats.org/drawingml/2006/main" uniqueId="urn:microsoft.com/office/officeart/2005/8/quickstyle/simple1">
   <dgm:title val=""/>
@@ -5039,6 +9352,2074 @@
 </file>
 
 <file path=ppt/diagrams/quickStyle2.xml><?xml version="1.0" encoding="utf-8"?>
+<dgm:styleDef xmlns:dgm="http://schemas.openxmlformats.org/drawingml/2006/diagram" xmlns:a="http://schemas.openxmlformats.org/drawingml/2006/main" uniqueId="urn:microsoft.com/office/officeart/2005/8/quickstyle/simple1">
+  <dgm:title val=""/>
+  <dgm:desc val=""/>
+  <dgm:catLst>
+    <dgm:cat type="simple" pri="10100"/>
+  </dgm:catLst>
+  <dgm:scene3d>
+    <a:camera prst="orthographicFront"/>
+    <a:lightRig rig="threePt" dir="t"/>
+  </dgm:scene3d>
+  <dgm:styleLbl name="node0">
+    <dgm:scene3d>
+      <a:camera prst="orthographicFront"/>
+      <a:lightRig rig="threePt" dir="t"/>
+    </dgm:scene3d>
+    <dgm:sp3d/>
+    <dgm:txPr/>
+    <dgm:style>
+      <a:lnRef idx="2">
+        <a:scrgbClr r="0" g="0" b="0"/>
+      </a:lnRef>
+      <a:fillRef idx="1">
+        <a:scrgbClr r="0" g="0" b="0"/>
+      </a:fillRef>
+      <a:effectRef idx="0">
+        <a:scrgbClr r="0" g="0" b="0"/>
+      </a:effectRef>
+      <a:fontRef idx="minor">
+        <a:schemeClr val="lt1"/>
+      </a:fontRef>
+    </dgm:style>
+  </dgm:styleLbl>
+  <dgm:styleLbl name="lnNode1">
+    <dgm:scene3d>
+      <a:camera prst="orthographicFront"/>
+      <a:lightRig rig="threePt" dir="t"/>
+    </dgm:scene3d>
+    <dgm:sp3d/>
+    <dgm:txPr/>
+    <dgm:style>
+      <a:lnRef idx="2">
+        <a:scrgbClr r="0" g="0" b="0"/>
+      </a:lnRef>
+      <a:fillRef idx="1">
+        <a:scrgbClr r="0" g="0" b="0"/>
+      </a:fillRef>
+      <a:effectRef idx="0">
+        <a:scrgbClr r="0" g="0" b="0"/>
+      </a:effectRef>
+      <a:fontRef idx="minor">
+        <a:schemeClr val="lt1"/>
+      </a:fontRef>
+    </dgm:style>
+  </dgm:styleLbl>
+  <dgm:styleLbl name="vennNode1">
+    <dgm:scene3d>
+      <a:camera prst="orthographicFront"/>
+      <a:lightRig rig="threePt" dir="t"/>
+    </dgm:scene3d>
+    <dgm:sp3d/>
+    <dgm:txPr/>
+    <dgm:style>
+      <a:lnRef idx="2">
+        <a:scrgbClr r="0" g="0" b="0"/>
+      </a:lnRef>
+      <a:fillRef idx="1">
+        <a:scrgbClr r="0" g="0" b="0"/>
+      </a:fillRef>
+      <a:effectRef idx="0">
+        <a:scrgbClr r="0" g="0" b="0"/>
+      </a:effectRef>
+      <a:fontRef idx="minor">
+        <a:schemeClr val="tx1"/>
+      </a:fontRef>
+    </dgm:style>
+  </dgm:styleLbl>
+  <dgm:styleLbl name="alignNode1">
+    <dgm:scene3d>
+      <a:camera prst="orthographicFront"/>
+      <a:lightRig rig="threePt" dir="t"/>
+    </dgm:scene3d>
+    <dgm:sp3d/>
+    <dgm:txPr/>
+    <dgm:style>
+      <a:lnRef idx="2">
+        <a:scrgbClr r="0" g="0" b="0"/>
+      </a:lnRef>
+      <a:fillRef idx="1">
+        <a:scrgbClr r="0" g="0" b="0"/>
+      </a:fillRef>
+      <a:effectRef idx="0">
+        <a:scrgbClr r="0" g="0" b="0"/>
+      </a:effectRef>
+      <a:fontRef idx="minor">
+        <a:schemeClr val="lt1"/>
+      </a:fontRef>
+    </dgm:style>
+  </dgm:styleLbl>
+  <dgm:styleLbl name="node1">
+    <dgm:scene3d>
+      <a:camera prst="orthographicFront"/>
+      <a:lightRig rig="threePt" dir="t"/>
+    </dgm:scene3d>
+    <dgm:sp3d/>
+    <dgm:txPr/>
+    <dgm:style>
+      <a:lnRef idx="2">
+        <a:scrgbClr r="0" g="0" b="0"/>
+      </a:lnRef>
+      <a:fillRef idx="1">
+        <a:scrgbClr r="0" g="0" b="0"/>
+      </a:fillRef>
+      <a:effectRef idx="0">
+        <a:scrgbClr r="0" g="0" b="0"/>
+      </a:effectRef>
+      <a:fontRef idx="minor">
+        <a:schemeClr val="lt1"/>
+      </a:fontRef>
+    </dgm:style>
+  </dgm:styleLbl>
+  <dgm:styleLbl name="node2">
+    <dgm:scene3d>
+      <a:camera prst="orthographicFront"/>
+      <a:lightRig rig="threePt" dir="t"/>
+    </dgm:scene3d>
+    <dgm:sp3d/>
+    <dgm:txPr/>
+    <dgm:style>
+      <a:lnRef idx="2">
+        <a:scrgbClr r="0" g="0" b="0"/>
+      </a:lnRef>
+      <a:fillRef idx="1">
+        <a:scrgbClr r="0" g="0" b="0"/>
+      </a:fillRef>
+      <a:effectRef idx="0">
+        <a:scrgbClr r="0" g="0" b="0"/>
+      </a:effectRef>
+      <a:fontRef idx="minor">
+        <a:schemeClr val="lt1"/>
+      </a:fontRef>
+    </dgm:style>
+  </dgm:styleLbl>
+  <dgm:styleLbl name="node3">
+    <dgm:scene3d>
+      <a:camera prst="orthographicFront"/>
+      <a:lightRig rig="threePt" dir="t"/>
+    </dgm:scene3d>
+    <dgm:sp3d/>
+    <dgm:txPr/>
+    <dgm:style>
+      <a:lnRef idx="2">
+        <a:scrgbClr r="0" g="0" b="0"/>
+      </a:lnRef>
+      <a:fillRef idx="1">
+        <a:scrgbClr r="0" g="0" b="0"/>
+      </a:fillRef>
+      <a:effectRef idx="0">
+        <a:scrgbClr r="0" g="0" b="0"/>
+      </a:effectRef>
+      <a:fontRef idx="minor">
+        <a:schemeClr val="lt1"/>
+      </a:fontRef>
+    </dgm:style>
+  </dgm:styleLbl>
+  <dgm:styleLbl name="node4">
+    <dgm:scene3d>
+      <a:camera prst="orthographicFront"/>
+      <a:lightRig rig="threePt" dir="t"/>
+    </dgm:scene3d>
+    <dgm:sp3d/>
+    <dgm:txPr/>
+    <dgm:style>
+      <a:lnRef idx="2">
+        <a:scrgbClr r="0" g="0" b="0"/>
+      </a:lnRef>
+      <a:fillRef idx="1">
+        <a:scrgbClr r="0" g="0" b="0"/>
+      </a:fillRef>
+      <a:effectRef idx="0">
+        <a:scrgbClr r="0" g="0" b="0"/>
+      </a:effectRef>
+      <a:fontRef idx="minor">
+        <a:schemeClr val="lt1"/>
+      </a:fontRef>
+    </dgm:style>
+  </dgm:styleLbl>
+  <dgm:styleLbl name="fgImgPlace1">
+    <dgm:scene3d>
+      <a:camera prst="orthographicFront"/>
+      <a:lightRig rig="threePt" dir="t"/>
+    </dgm:scene3d>
+    <dgm:sp3d/>
+    <dgm:txPr/>
+    <dgm:style>
+      <a:lnRef idx="2">
+        <a:scrgbClr r="0" g="0" b="0"/>
+      </a:lnRef>
+      <a:fillRef idx="1">
+        <a:scrgbClr r="0" g="0" b="0"/>
+      </a:fillRef>
+      <a:effectRef idx="0">
+        <a:scrgbClr r="0" g="0" b="0"/>
+      </a:effectRef>
+      <a:fontRef idx="minor"/>
+    </dgm:style>
+  </dgm:styleLbl>
+  <dgm:styleLbl name="alignImgPlace1">
+    <dgm:scene3d>
+      <a:camera prst="orthographicFront"/>
+      <a:lightRig rig="threePt" dir="t"/>
+    </dgm:scene3d>
+    <dgm:sp3d/>
+    <dgm:txPr/>
+    <dgm:style>
+      <a:lnRef idx="2">
+        <a:scrgbClr r="0" g="0" b="0"/>
+      </a:lnRef>
+      <a:fillRef idx="1">
+        <a:scrgbClr r="0" g="0" b="0"/>
+      </a:fillRef>
+      <a:effectRef idx="0">
+        <a:scrgbClr r="0" g="0" b="0"/>
+      </a:effectRef>
+      <a:fontRef idx="minor"/>
+    </dgm:style>
+  </dgm:styleLbl>
+  <dgm:styleLbl name="bgImgPlace1">
+    <dgm:scene3d>
+      <a:camera prst="orthographicFront"/>
+      <a:lightRig rig="threePt" dir="t"/>
+    </dgm:scene3d>
+    <dgm:sp3d/>
+    <dgm:txPr/>
+    <dgm:style>
+      <a:lnRef idx="2">
+        <a:scrgbClr r="0" g="0" b="0"/>
+      </a:lnRef>
+      <a:fillRef idx="1">
+        <a:scrgbClr r="0" g="0" b="0"/>
+      </a:fillRef>
+      <a:effectRef idx="0">
+        <a:scrgbClr r="0" g="0" b="0"/>
+      </a:effectRef>
+      <a:fontRef idx="minor"/>
+    </dgm:style>
+  </dgm:styleLbl>
+  <dgm:styleLbl name="sibTrans2D1">
+    <dgm:scene3d>
+      <a:camera prst="orthographicFront"/>
+      <a:lightRig rig="threePt" dir="t"/>
+    </dgm:scene3d>
+    <dgm:sp3d/>
+    <dgm:txPr/>
+    <dgm:style>
+      <a:lnRef idx="0">
+        <a:scrgbClr r="0" g="0" b="0"/>
+      </a:lnRef>
+      <a:fillRef idx="1">
+        <a:scrgbClr r="0" g="0" b="0"/>
+      </a:fillRef>
+      <a:effectRef idx="0">
+        <a:scrgbClr r="0" g="0" b="0"/>
+      </a:effectRef>
+      <a:fontRef idx="minor">
+        <a:schemeClr val="lt1"/>
+      </a:fontRef>
+    </dgm:style>
+  </dgm:styleLbl>
+  <dgm:styleLbl name="fgSibTrans2D1">
+    <dgm:scene3d>
+      <a:camera prst="orthographicFront"/>
+      <a:lightRig rig="threePt" dir="t"/>
+    </dgm:scene3d>
+    <dgm:sp3d/>
+    <dgm:txPr/>
+    <dgm:style>
+      <a:lnRef idx="0">
+        <a:scrgbClr r="0" g="0" b="0"/>
+      </a:lnRef>
+      <a:fillRef idx="1">
+        <a:scrgbClr r="0" g="0" b="0"/>
+      </a:fillRef>
+      <a:effectRef idx="0">
+        <a:scrgbClr r="0" g="0" b="0"/>
+      </a:effectRef>
+      <a:fontRef idx="minor">
+        <a:schemeClr val="lt1"/>
+      </a:fontRef>
+    </dgm:style>
+  </dgm:styleLbl>
+  <dgm:styleLbl name="bgSibTrans2D1">
+    <dgm:scene3d>
+      <a:camera prst="orthographicFront"/>
+      <a:lightRig rig="threePt" dir="t"/>
+    </dgm:scene3d>
+    <dgm:sp3d/>
+    <dgm:txPr/>
+    <dgm:style>
+      <a:lnRef idx="0">
+        <a:scrgbClr r="0" g="0" b="0"/>
+      </a:lnRef>
+      <a:fillRef idx="1">
+        <a:scrgbClr r="0" g="0" b="0"/>
+      </a:fillRef>
+      <a:effectRef idx="0">
+        <a:scrgbClr r="0" g="0" b="0"/>
+      </a:effectRef>
+      <a:fontRef idx="minor">
+        <a:schemeClr val="lt1"/>
+      </a:fontRef>
+    </dgm:style>
+  </dgm:styleLbl>
+  <dgm:styleLbl name="sibTrans1D1">
+    <dgm:scene3d>
+      <a:camera prst="orthographicFront"/>
+      <a:lightRig rig="threePt" dir="t"/>
+    </dgm:scene3d>
+    <dgm:sp3d/>
+    <dgm:txPr/>
+    <dgm:style>
+      <a:lnRef idx="1">
+        <a:scrgbClr r="0" g="0" b="0"/>
+      </a:lnRef>
+      <a:fillRef idx="0">
+        <a:scrgbClr r="0" g="0" b="0"/>
+      </a:fillRef>
+      <a:effectRef idx="0">
+        <a:scrgbClr r="0" g="0" b="0"/>
+      </a:effectRef>
+      <a:fontRef idx="minor"/>
+    </dgm:style>
+  </dgm:styleLbl>
+  <dgm:styleLbl name="callout">
+    <dgm:scene3d>
+      <a:camera prst="orthographicFront"/>
+      <a:lightRig rig="threePt" dir="t"/>
+    </dgm:scene3d>
+    <dgm:sp3d/>
+    <dgm:txPr/>
+    <dgm:style>
+      <a:lnRef idx="2">
+        <a:scrgbClr r="0" g="0" b="0"/>
+      </a:lnRef>
+      <a:fillRef idx="1">
+        <a:scrgbClr r="0" g="0" b="0"/>
+      </a:fillRef>
+      <a:effectRef idx="0">
+        <a:scrgbClr r="0" g="0" b="0"/>
+      </a:effectRef>
+      <a:fontRef idx="minor"/>
+    </dgm:style>
+  </dgm:styleLbl>
+  <dgm:styleLbl name="asst0">
+    <dgm:scene3d>
+      <a:camera prst="orthographicFront"/>
+      <a:lightRig rig="threePt" dir="t"/>
+    </dgm:scene3d>
+    <dgm:sp3d/>
+    <dgm:txPr/>
+    <dgm:style>
+      <a:lnRef idx="2">
+        <a:scrgbClr r="0" g="0" b="0"/>
+      </a:lnRef>
+      <a:fillRef idx="1">
+        <a:scrgbClr r="0" g="0" b="0"/>
+      </a:fillRef>
+      <a:effectRef idx="0">
+        <a:scrgbClr r="0" g="0" b="0"/>
+      </a:effectRef>
+      <a:fontRef idx="minor">
+        <a:schemeClr val="lt1"/>
+      </a:fontRef>
+    </dgm:style>
+  </dgm:styleLbl>
+  <dgm:styleLbl name="asst1">
+    <dgm:scene3d>
+      <a:camera prst="orthographicFront"/>
+      <a:lightRig rig="threePt" dir="t"/>
+    </dgm:scene3d>
+    <dgm:sp3d/>
+    <dgm:txPr/>
+    <dgm:style>
+      <a:lnRef idx="2">
+        <a:scrgbClr r="0" g="0" b="0"/>
+      </a:lnRef>
+      <a:fillRef idx="1">
+        <a:scrgbClr r="0" g="0" b="0"/>
+      </a:fillRef>
+      <a:effectRef idx="0">
+        <a:scrgbClr r="0" g="0" b="0"/>
+      </a:effectRef>
+      <a:fontRef idx="minor">
+        <a:schemeClr val="lt1"/>
+      </a:fontRef>
+    </dgm:style>
+  </dgm:styleLbl>
+  <dgm:styleLbl name="asst2">
+    <dgm:scene3d>
+      <a:camera prst="orthographicFront"/>
+      <a:lightRig rig="threePt" dir="t"/>
+    </dgm:scene3d>
+    <dgm:sp3d/>
+    <dgm:txPr/>
+    <dgm:style>
+      <a:lnRef idx="2">
+        <a:scrgbClr r="0" g="0" b="0"/>
+      </a:lnRef>
+      <a:fillRef idx="1">
+        <a:scrgbClr r="0" g="0" b="0"/>
+      </a:fillRef>
+      <a:effectRef idx="0">
+        <a:scrgbClr r="0" g="0" b="0"/>
+      </a:effectRef>
+      <a:fontRef idx="minor">
+        <a:schemeClr val="lt1"/>
+      </a:fontRef>
+    </dgm:style>
+  </dgm:styleLbl>
+  <dgm:styleLbl name="asst3">
+    <dgm:scene3d>
+      <a:camera prst="orthographicFront"/>
+      <a:lightRig rig="threePt" dir="t"/>
+    </dgm:scene3d>
+    <dgm:sp3d/>
+    <dgm:txPr/>
+    <dgm:style>
+      <a:lnRef idx="2">
+        <a:scrgbClr r="0" g="0" b="0"/>
+      </a:lnRef>
+      <a:fillRef idx="1">
+        <a:scrgbClr r="0" g="0" b="0"/>
+      </a:fillRef>
+      <a:effectRef idx="0">
+        <a:scrgbClr r="0" g="0" b="0"/>
+      </a:effectRef>
+      <a:fontRef idx="minor">
+        <a:schemeClr val="lt1"/>
+      </a:fontRef>
+    </dgm:style>
+  </dgm:styleLbl>
+  <dgm:styleLbl name="asst4">
+    <dgm:scene3d>
+      <a:camera prst="orthographicFront"/>
+      <a:lightRig rig="threePt" dir="t"/>
+    </dgm:scene3d>
+    <dgm:sp3d/>
+    <dgm:txPr/>
+    <dgm:style>
+      <a:lnRef idx="2">
+        <a:scrgbClr r="0" g="0" b="0"/>
+      </a:lnRef>
+      <a:fillRef idx="1">
+        <a:scrgbClr r="0" g="0" b="0"/>
+      </a:fillRef>
+      <a:effectRef idx="0">
+        <a:scrgbClr r="0" g="0" b="0"/>
+      </a:effectRef>
+      <a:fontRef idx="minor">
+        <a:schemeClr val="lt1"/>
+      </a:fontRef>
+    </dgm:style>
+  </dgm:styleLbl>
+  <dgm:styleLbl name="parChTrans2D1">
+    <dgm:scene3d>
+      <a:camera prst="orthographicFront"/>
+      <a:lightRig rig="threePt" dir="t"/>
+    </dgm:scene3d>
+    <dgm:sp3d/>
+    <dgm:txPr/>
+    <dgm:style>
+      <a:lnRef idx="2">
+        <a:scrgbClr r="0" g="0" b="0"/>
+      </a:lnRef>
+      <a:fillRef idx="1">
+        <a:scrgbClr r="0" g="0" b="0"/>
+      </a:fillRef>
+      <a:effectRef idx="0">
+        <a:scrgbClr r="0" g="0" b="0"/>
+      </a:effectRef>
+      <a:fontRef idx="minor">
+        <a:schemeClr val="lt1"/>
+      </a:fontRef>
+    </dgm:style>
+  </dgm:styleLbl>
+  <dgm:styleLbl name="parChTrans2D2">
+    <dgm:scene3d>
+      <a:camera prst="orthographicFront"/>
+      <a:lightRig rig="threePt" dir="t"/>
+    </dgm:scene3d>
+    <dgm:sp3d/>
+    <dgm:txPr/>
+    <dgm:style>
+      <a:lnRef idx="2">
+        <a:scrgbClr r="0" g="0" b="0"/>
+      </a:lnRef>
+      <a:fillRef idx="1">
+        <a:scrgbClr r="0" g="0" b="0"/>
+      </a:fillRef>
+      <a:effectRef idx="0">
+        <a:scrgbClr r="0" g="0" b="0"/>
+      </a:effectRef>
+      <a:fontRef idx="minor">
+        <a:schemeClr val="lt1"/>
+      </a:fontRef>
+    </dgm:style>
+  </dgm:styleLbl>
+  <dgm:styleLbl name="parChTrans2D3">
+    <dgm:scene3d>
+      <a:camera prst="orthographicFront"/>
+      <a:lightRig rig="threePt" dir="t"/>
+    </dgm:scene3d>
+    <dgm:sp3d/>
+    <dgm:txPr/>
+    <dgm:style>
+      <a:lnRef idx="2">
+        <a:scrgbClr r="0" g="0" b="0"/>
+      </a:lnRef>
+      <a:fillRef idx="1">
+        <a:scrgbClr r="0" g="0" b="0"/>
+      </a:fillRef>
+      <a:effectRef idx="0">
+        <a:scrgbClr r="0" g="0" b="0"/>
+      </a:effectRef>
+      <a:fontRef idx="minor">
+        <a:schemeClr val="lt1"/>
+      </a:fontRef>
+    </dgm:style>
+  </dgm:styleLbl>
+  <dgm:styleLbl name="parChTrans2D4">
+    <dgm:scene3d>
+      <a:camera prst="orthographicFront"/>
+      <a:lightRig rig="threePt" dir="t"/>
+    </dgm:scene3d>
+    <dgm:sp3d/>
+    <dgm:txPr/>
+    <dgm:style>
+      <a:lnRef idx="2">
+        <a:scrgbClr r="0" g="0" b="0"/>
+      </a:lnRef>
+      <a:fillRef idx="1">
+        <a:scrgbClr r="0" g="0" b="0"/>
+      </a:fillRef>
+      <a:effectRef idx="0">
+        <a:scrgbClr r="0" g="0" b="0"/>
+      </a:effectRef>
+      <a:fontRef idx="minor">
+        <a:schemeClr val="lt1"/>
+      </a:fontRef>
+    </dgm:style>
+  </dgm:styleLbl>
+  <dgm:styleLbl name="parChTrans1D1">
+    <dgm:scene3d>
+      <a:camera prst="orthographicFront"/>
+      <a:lightRig rig="threePt" dir="t"/>
+    </dgm:scene3d>
+    <dgm:sp3d/>
+    <dgm:txPr/>
+    <dgm:style>
+      <a:lnRef idx="2">
+        <a:scrgbClr r="0" g="0" b="0"/>
+      </a:lnRef>
+      <a:fillRef idx="0">
+        <a:scrgbClr r="0" g="0" b="0"/>
+      </a:fillRef>
+      <a:effectRef idx="0">
+        <a:scrgbClr r="0" g="0" b="0"/>
+      </a:effectRef>
+      <a:fontRef idx="minor"/>
+    </dgm:style>
+  </dgm:styleLbl>
+  <dgm:styleLbl name="parChTrans1D2">
+    <dgm:scene3d>
+      <a:camera prst="orthographicFront"/>
+      <a:lightRig rig="threePt" dir="t"/>
+    </dgm:scene3d>
+    <dgm:sp3d/>
+    <dgm:txPr/>
+    <dgm:style>
+      <a:lnRef idx="2">
+        <a:scrgbClr r="0" g="0" b="0"/>
+      </a:lnRef>
+      <a:fillRef idx="0">
+        <a:scrgbClr r="0" g="0" b="0"/>
+      </a:fillRef>
+      <a:effectRef idx="0">
+        <a:scrgbClr r="0" g="0" b="0"/>
+      </a:effectRef>
+      <a:fontRef idx="minor"/>
+    </dgm:style>
+  </dgm:styleLbl>
+  <dgm:styleLbl name="parChTrans1D3">
+    <dgm:scene3d>
+      <a:camera prst="orthographicFront"/>
+      <a:lightRig rig="threePt" dir="t"/>
+    </dgm:scene3d>
+    <dgm:sp3d/>
+    <dgm:txPr/>
+    <dgm:style>
+      <a:lnRef idx="2">
+        <a:scrgbClr r="0" g="0" b="0"/>
+      </a:lnRef>
+      <a:fillRef idx="0">
+        <a:scrgbClr r="0" g="0" b="0"/>
+      </a:fillRef>
+      <a:effectRef idx="0">
+        <a:scrgbClr r="0" g="0" b="0"/>
+      </a:effectRef>
+      <a:fontRef idx="minor"/>
+    </dgm:style>
+  </dgm:styleLbl>
+  <dgm:styleLbl name="parChTrans1D4">
+    <dgm:scene3d>
+      <a:camera prst="orthographicFront"/>
+      <a:lightRig rig="threePt" dir="t"/>
+    </dgm:scene3d>
+    <dgm:sp3d/>
+    <dgm:txPr/>
+    <dgm:style>
+      <a:lnRef idx="2">
+        <a:scrgbClr r="0" g="0" b="0"/>
+      </a:lnRef>
+      <a:fillRef idx="0">
+        <a:scrgbClr r="0" g="0" b="0"/>
+      </a:fillRef>
+      <a:effectRef idx="0">
+        <a:scrgbClr r="0" g="0" b="0"/>
+      </a:effectRef>
+      <a:fontRef idx="minor"/>
+    </dgm:style>
+  </dgm:styleLbl>
+  <dgm:styleLbl name="fgAcc1">
+    <dgm:scene3d>
+      <a:camera prst="orthographicFront"/>
+      <a:lightRig rig="threePt" dir="t"/>
+    </dgm:scene3d>
+    <dgm:sp3d/>
+    <dgm:txPr/>
+    <dgm:style>
+      <a:lnRef idx="2">
+        <a:scrgbClr r="0" g="0" b="0"/>
+      </a:lnRef>
+      <a:fillRef idx="1">
+        <a:scrgbClr r="0" g="0" b="0"/>
+      </a:fillRef>
+      <a:effectRef idx="0">
+        <a:scrgbClr r="0" g="0" b="0"/>
+      </a:effectRef>
+      <a:fontRef idx="minor"/>
+    </dgm:style>
+  </dgm:styleLbl>
+  <dgm:styleLbl name="conFgAcc1">
+    <dgm:scene3d>
+      <a:camera prst="orthographicFront"/>
+      <a:lightRig rig="threePt" dir="t"/>
+    </dgm:scene3d>
+    <dgm:sp3d/>
+    <dgm:txPr/>
+    <dgm:style>
+      <a:lnRef idx="2">
+        <a:scrgbClr r="0" g="0" b="0"/>
+      </a:lnRef>
+      <a:fillRef idx="1">
+        <a:scrgbClr r="0" g="0" b="0"/>
+      </a:fillRef>
+      <a:effectRef idx="0">
+        <a:scrgbClr r="0" g="0" b="0"/>
+      </a:effectRef>
+      <a:fontRef idx="minor"/>
+    </dgm:style>
+  </dgm:styleLbl>
+  <dgm:styleLbl name="alignAcc1">
+    <dgm:scene3d>
+      <a:camera prst="orthographicFront"/>
+      <a:lightRig rig="threePt" dir="t"/>
+    </dgm:scene3d>
+    <dgm:sp3d/>
+    <dgm:txPr/>
+    <dgm:style>
+      <a:lnRef idx="2">
+        <a:scrgbClr r="0" g="0" b="0"/>
+      </a:lnRef>
+      <a:fillRef idx="1">
+        <a:scrgbClr r="0" g="0" b="0"/>
+      </a:fillRef>
+      <a:effectRef idx="0">
+        <a:scrgbClr r="0" g="0" b="0"/>
+      </a:effectRef>
+      <a:fontRef idx="minor"/>
+    </dgm:style>
+  </dgm:styleLbl>
+  <dgm:styleLbl name="trAlignAcc1">
+    <dgm:scene3d>
+      <a:camera prst="orthographicFront"/>
+      <a:lightRig rig="threePt" dir="t"/>
+    </dgm:scene3d>
+    <dgm:sp3d/>
+    <dgm:txPr/>
+    <dgm:style>
+      <a:lnRef idx="1">
+        <a:scrgbClr r="0" g="0" b="0"/>
+      </a:lnRef>
+      <a:fillRef idx="1">
+        <a:scrgbClr r="0" g="0" b="0"/>
+      </a:fillRef>
+      <a:effectRef idx="0">
+        <a:scrgbClr r="0" g="0" b="0"/>
+      </a:effectRef>
+      <a:fontRef idx="minor"/>
+    </dgm:style>
+  </dgm:styleLbl>
+  <dgm:styleLbl name="bgAcc1">
+    <dgm:scene3d>
+      <a:camera prst="orthographicFront"/>
+      <a:lightRig rig="threePt" dir="t"/>
+    </dgm:scene3d>
+    <dgm:sp3d/>
+    <dgm:txPr/>
+    <dgm:style>
+      <a:lnRef idx="2">
+        <a:scrgbClr r="0" g="0" b="0"/>
+      </a:lnRef>
+      <a:fillRef idx="1">
+        <a:scrgbClr r="0" g="0" b="0"/>
+      </a:fillRef>
+      <a:effectRef idx="0">
+        <a:scrgbClr r="0" g="0" b="0"/>
+      </a:effectRef>
+      <a:fontRef idx="minor"/>
+    </dgm:style>
+  </dgm:styleLbl>
+  <dgm:styleLbl name="solidFgAcc1">
+    <dgm:scene3d>
+      <a:camera prst="orthographicFront"/>
+      <a:lightRig rig="threePt" dir="t"/>
+    </dgm:scene3d>
+    <dgm:sp3d/>
+    <dgm:txPr/>
+    <dgm:style>
+      <a:lnRef idx="2">
+        <a:scrgbClr r="0" g="0" b="0"/>
+      </a:lnRef>
+      <a:fillRef idx="1">
+        <a:scrgbClr r="0" g="0" b="0"/>
+      </a:fillRef>
+      <a:effectRef idx="0">
+        <a:scrgbClr r="0" g="0" b="0"/>
+      </a:effectRef>
+      <a:fontRef idx="minor"/>
+    </dgm:style>
+  </dgm:styleLbl>
+  <dgm:styleLbl name="solidAlignAcc1">
+    <dgm:scene3d>
+      <a:camera prst="orthographicFront"/>
+      <a:lightRig rig="threePt" dir="t"/>
+    </dgm:scene3d>
+    <dgm:sp3d/>
+    <dgm:txPr/>
+    <dgm:style>
+      <a:lnRef idx="2">
+        <a:scrgbClr r="0" g="0" b="0"/>
+      </a:lnRef>
+      <a:fillRef idx="1">
+        <a:scrgbClr r="0" g="0" b="0"/>
+      </a:fillRef>
+      <a:effectRef idx="0">
+        <a:scrgbClr r="0" g="0" b="0"/>
+      </a:effectRef>
+      <a:fontRef idx="minor"/>
+    </dgm:style>
+  </dgm:styleLbl>
+  <dgm:styleLbl name="solidBgAcc1">
+    <dgm:scene3d>
+      <a:camera prst="orthographicFront"/>
+      <a:lightRig rig="threePt" dir="t"/>
+    </dgm:scene3d>
+    <dgm:sp3d/>
+    <dgm:txPr/>
+    <dgm:style>
+      <a:lnRef idx="2">
+        <a:scrgbClr r="0" g="0" b="0"/>
+      </a:lnRef>
+      <a:fillRef idx="1">
+        <a:scrgbClr r="0" g="0" b="0"/>
+      </a:fillRef>
+      <a:effectRef idx="0">
+        <a:scrgbClr r="0" g="0" b="0"/>
+      </a:effectRef>
+      <a:fontRef idx="minor"/>
+    </dgm:style>
+  </dgm:styleLbl>
+  <dgm:styleLbl name="fgAccFollowNode1">
+    <dgm:scene3d>
+      <a:camera prst="orthographicFront"/>
+      <a:lightRig rig="threePt" dir="t"/>
+    </dgm:scene3d>
+    <dgm:sp3d/>
+    <dgm:txPr/>
+    <dgm:style>
+      <a:lnRef idx="2">
+        <a:scrgbClr r="0" g="0" b="0"/>
+      </a:lnRef>
+      <a:fillRef idx="1">
+        <a:scrgbClr r="0" g="0" b="0"/>
+      </a:fillRef>
+      <a:effectRef idx="0">
+        <a:scrgbClr r="0" g="0" b="0"/>
+      </a:effectRef>
+      <a:fontRef idx="minor"/>
+    </dgm:style>
+  </dgm:styleLbl>
+  <dgm:styleLbl name="alignAccFollowNode1">
+    <dgm:scene3d>
+      <a:camera prst="orthographicFront"/>
+      <a:lightRig rig="threePt" dir="t"/>
+    </dgm:scene3d>
+    <dgm:sp3d/>
+    <dgm:txPr/>
+    <dgm:style>
+      <a:lnRef idx="2">
+        <a:scrgbClr r="0" g="0" b="0"/>
+      </a:lnRef>
+      <a:fillRef idx="1">
+        <a:scrgbClr r="0" g="0" b="0"/>
+      </a:fillRef>
+      <a:effectRef idx="0">
+        <a:scrgbClr r="0" g="0" b="0"/>
+      </a:effectRef>
+      <a:fontRef idx="minor"/>
+    </dgm:style>
+  </dgm:styleLbl>
+  <dgm:styleLbl name="bgAccFollowNode1">
+    <dgm:scene3d>
+      <a:camera prst="orthographicFront"/>
+      <a:lightRig rig="threePt" dir="t"/>
+    </dgm:scene3d>
+    <dgm:sp3d/>
+    <dgm:txPr/>
+    <dgm:style>
+      <a:lnRef idx="2">
+        <a:scrgbClr r="0" g="0" b="0"/>
+      </a:lnRef>
+      <a:fillRef idx="1">
+        <a:scrgbClr r="0" g="0" b="0"/>
+      </a:fillRef>
+      <a:effectRef idx="0">
+        <a:scrgbClr r="0" g="0" b="0"/>
+      </a:effectRef>
+      <a:fontRef idx="minor"/>
+    </dgm:style>
+  </dgm:styleLbl>
+  <dgm:styleLbl name="fgAcc0">
+    <dgm:scene3d>
+      <a:camera prst="orthographicFront"/>
+      <a:lightRig rig="threePt" dir="t"/>
+    </dgm:scene3d>
+    <dgm:sp3d/>
+    <dgm:txPr/>
+    <dgm:style>
+      <a:lnRef idx="2">
+        <a:scrgbClr r="0" g="0" b="0"/>
+      </a:lnRef>
+      <a:fillRef idx="1">
+        <a:scrgbClr r="0" g="0" b="0"/>
+      </a:fillRef>
+      <a:effectRef idx="0">
+        <a:scrgbClr r="0" g="0" b="0"/>
+      </a:effectRef>
+      <a:fontRef idx="minor"/>
+    </dgm:style>
+  </dgm:styleLbl>
+  <dgm:styleLbl name="fgAcc2">
+    <dgm:scene3d>
+      <a:camera prst="orthographicFront"/>
+      <a:lightRig rig="threePt" dir="t"/>
+    </dgm:scene3d>
+    <dgm:sp3d/>
+    <dgm:txPr/>
+    <dgm:style>
+      <a:lnRef idx="2">
+        <a:scrgbClr r="0" g="0" b="0"/>
+      </a:lnRef>
+      <a:fillRef idx="1">
+        <a:scrgbClr r="0" g="0" b="0"/>
+      </a:fillRef>
+      <a:effectRef idx="0">
+        <a:scrgbClr r="0" g="0" b="0"/>
+      </a:effectRef>
+      <a:fontRef idx="minor"/>
+    </dgm:style>
+  </dgm:styleLbl>
+  <dgm:styleLbl name="fgAcc3">
+    <dgm:scene3d>
+      <a:camera prst="orthographicFront"/>
+      <a:lightRig rig="threePt" dir="t"/>
+    </dgm:scene3d>
+    <dgm:sp3d/>
+    <dgm:txPr/>
+    <dgm:style>
+      <a:lnRef idx="2">
+        <a:scrgbClr r="0" g="0" b="0"/>
+      </a:lnRef>
+      <a:fillRef idx="1">
+        <a:scrgbClr r="0" g="0" b="0"/>
+      </a:fillRef>
+      <a:effectRef idx="0">
+        <a:scrgbClr r="0" g="0" b="0"/>
+      </a:effectRef>
+      <a:fontRef idx="minor"/>
+    </dgm:style>
+  </dgm:styleLbl>
+  <dgm:styleLbl name="fgAcc4">
+    <dgm:scene3d>
+      <a:camera prst="orthographicFront"/>
+      <a:lightRig rig="threePt" dir="t"/>
+    </dgm:scene3d>
+    <dgm:sp3d/>
+    <dgm:txPr/>
+    <dgm:style>
+      <a:lnRef idx="2">
+        <a:scrgbClr r="0" g="0" b="0"/>
+      </a:lnRef>
+      <a:fillRef idx="1">
+        <a:scrgbClr r="0" g="0" b="0"/>
+      </a:fillRef>
+      <a:effectRef idx="0">
+        <a:scrgbClr r="0" g="0" b="0"/>
+      </a:effectRef>
+      <a:fontRef idx="minor"/>
+    </dgm:style>
+  </dgm:styleLbl>
+  <dgm:styleLbl name="bgShp">
+    <dgm:scene3d>
+      <a:camera prst="orthographicFront"/>
+      <a:lightRig rig="threePt" dir="t"/>
+    </dgm:scene3d>
+    <dgm:sp3d/>
+    <dgm:txPr/>
+    <dgm:style>
+      <a:lnRef idx="0">
+        <a:scrgbClr r="0" g="0" b="0"/>
+      </a:lnRef>
+      <a:fillRef idx="1">
+        <a:scrgbClr r="0" g="0" b="0"/>
+      </a:fillRef>
+      <a:effectRef idx="0">
+        <a:scrgbClr r="0" g="0" b="0"/>
+      </a:effectRef>
+      <a:fontRef idx="minor"/>
+    </dgm:style>
+  </dgm:styleLbl>
+  <dgm:styleLbl name="dkBgShp">
+    <dgm:scene3d>
+      <a:camera prst="orthographicFront"/>
+      <a:lightRig rig="threePt" dir="t"/>
+    </dgm:scene3d>
+    <dgm:sp3d/>
+    <dgm:txPr/>
+    <dgm:style>
+      <a:lnRef idx="0">
+        <a:scrgbClr r="0" g="0" b="0"/>
+      </a:lnRef>
+      <a:fillRef idx="1">
+        <a:scrgbClr r="0" g="0" b="0"/>
+      </a:fillRef>
+      <a:effectRef idx="0">
+        <a:scrgbClr r="0" g="0" b="0"/>
+      </a:effectRef>
+      <a:fontRef idx="minor"/>
+    </dgm:style>
+  </dgm:styleLbl>
+  <dgm:styleLbl name="trBgShp">
+    <dgm:scene3d>
+      <a:camera prst="orthographicFront"/>
+      <a:lightRig rig="threePt" dir="t"/>
+    </dgm:scene3d>
+    <dgm:sp3d/>
+    <dgm:txPr/>
+    <dgm:style>
+      <a:lnRef idx="0">
+        <a:scrgbClr r="0" g="0" b="0"/>
+      </a:lnRef>
+      <a:fillRef idx="1">
+        <a:scrgbClr r="0" g="0" b="0"/>
+      </a:fillRef>
+      <a:effectRef idx="0">
+        <a:scrgbClr r="0" g="0" b="0"/>
+      </a:effectRef>
+      <a:fontRef idx="minor"/>
+    </dgm:style>
+  </dgm:styleLbl>
+  <dgm:styleLbl name="fgShp">
+    <dgm:scene3d>
+      <a:camera prst="orthographicFront"/>
+      <a:lightRig rig="threePt" dir="t"/>
+    </dgm:scene3d>
+    <dgm:sp3d/>
+    <dgm:txPr/>
+    <dgm:style>
+      <a:lnRef idx="2">
+        <a:scrgbClr r="0" g="0" b="0"/>
+      </a:lnRef>
+      <a:fillRef idx="1">
+        <a:scrgbClr r="0" g="0" b="0"/>
+      </a:fillRef>
+      <a:effectRef idx="0">
+        <a:scrgbClr r="0" g="0" b="0"/>
+      </a:effectRef>
+      <a:fontRef idx="minor"/>
+    </dgm:style>
+  </dgm:styleLbl>
+  <dgm:styleLbl name="revTx">
+    <dgm:scene3d>
+      <a:camera prst="orthographicFront"/>
+      <a:lightRig rig="threePt" dir="t"/>
+    </dgm:scene3d>
+    <dgm:sp3d/>
+    <dgm:txPr/>
+    <dgm:style>
+      <a:lnRef idx="0">
+        <a:scrgbClr r="0" g="0" b="0"/>
+      </a:lnRef>
+      <a:fillRef idx="0">
+        <a:scrgbClr r="0" g="0" b="0"/>
+      </a:fillRef>
+      <a:effectRef idx="0">
+        <a:scrgbClr r="0" g="0" b="0"/>
+      </a:effectRef>
+      <a:fontRef idx="minor"/>
+    </dgm:style>
+  </dgm:styleLbl>
+</dgm:styleDef>
+</file>
+
+<file path=ppt/diagrams/quickStyle3.xml><?xml version="1.0" encoding="utf-8"?>
+<dgm:styleDef xmlns:dgm="http://schemas.openxmlformats.org/drawingml/2006/diagram" xmlns:a="http://schemas.openxmlformats.org/drawingml/2006/main" uniqueId="urn:microsoft.com/office/officeart/2005/8/quickstyle/simple1">
+  <dgm:title val=""/>
+  <dgm:desc val=""/>
+  <dgm:catLst>
+    <dgm:cat type="simple" pri="10100"/>
+  </dgm:catLst>
+  <dgm:scene3d>
+    <a:camera prst="orthographicFront"/>
+    <a:lightRig rig="threePt" dir="t"/>
+  </dgm:scene3d>
+  <dgm:styleLbl name="node0">
+    <dgm:scene3d>
+      <a:camera prst="orthographicFront"/>
+      <a:lightRig rig="threePt" dir="t"/>
+    </dgm:scene3d>
+    <dgm:sp3d/>
+    <dgm:txPr/>
+    <dgm:style>
+      <a:lnRef idx="2">
+        <a:scrgbClr r="0" g="0" b="0"/>
+      </a:lnRef>
+      <a:fillRef idx="1">
+        <a:scrgbClr r="0" g="0" b="0"/>
+      </a:fillRef>
+      <a:effectRef idx="0">
+        <a:scrgbClr r="0" g="0" b="0"/>
+      </a:effectRef>
+      <a:fontRef idx="minor">
+        <a:schemeClr val="lt1"/>
+      </a:fontRef>
+    </dgm:style>
+  </dgm:styleLbl>
+  <dgm:styleLbl name="lnNode1">
+    <dgm:scene3d>
+      <a:camera prst="orthographicFront"/>
+      <a:lightRig rig="threePt" dir="t"/>
+    </dgm:scene3d>
+    <dgm:sp3d/>
+    <dgm:txPr/>
+    <dgm:style>
+      <a:lnRef idx="2">
+        <a:scrgbClr r="0" g="0" b="0"/>
+      </a:lnRef>
+      <a:fillRef idx="1">
+        <a:scrgbClr r="0" g="0" b="0"/>
+      </a:fillRef>
+      <a:effectRef idx="0">
+        <a:scrgbClr r="0" g="0" b="0"/>
+      </a:effectRef>
+      <a:fontRef idx="minor">
+        <a:schemeClr val="lt1"/>
+      </a:fontRef>
+    </dgm:style>
+  </dgm:styleLbl>
+  <dgm:styleLbl name="vennNode1">
+    <dgm:scene3d>
+      <a:camera prst="orthographicFront"/>
+      <a:lightRig rig="threePt" dir="t"/>
+    </dgm:scene3d>
+    <dgm:sp3d/>
+    <dgm:txPr/>
+    <dgm:style>
+      <a:lnRef idx="2">
+        <a:scrgbClr r="0" g="0" b="0"/>
+      </a:lnRef>
+      <a:fillRef idx="1">
+        <a:scrgbClr r="0" g="0" b="0"/>
+      </a:fillRef>
+      <a:effectRef idx="0">
+        <a:scrgbClr r="0" g="0" b="0"/>
+      </a:effectRef>
+      <a:fontRef idx="minor">
+        <a:schemeClr val="tx1"/>
+      </a:fontRef>
+    </dgm:style>
+  </dgm:styleLbl>
+  <dgm:styleLbl name="alignNode1">
+    <dgm:scene3d>
+      <a:camera prst="orthographicFront"/>
+      <a:lightRig rig="threePt" dir="t"/>
+    </dgm:scene3d>
+    <dgm:sp3d/>
+    <dgm:txPr/>
+    <dgm:style>
+      <a:lnRef idx="2">
+        <a:scrgbClr r="0" g="0" b="0"/>
+      </a:lnRef>
+      <a:fillRef idx="1">
+        <a:scrgbClr r="0" g="0" b="0"/>
+      </a:fillRef>
+      <a:effectRef idx="0">
+        <a:scrgbClr r="0" g="0" b="0"/>
+      </a:effectRef>
+      <a:fontRef idx="minor">
+        <a:schemeClr val="lt1"/>
+      </a:fontRef>
+    </dgm:style>
+  </dgm:styleLbl>
+  <dgm:styleLbl name="node1">
+    <dgm:scene3d>
+      <a:camera prst="orthographicFront"/>
+      <a:lightRig rig="threePt" dir="t"/>
+    </dgm:scene3d>
+    <dgm:sp3d/>
+    <dgm:txPr/>
+    <dgm:style>
+      <a:lnRef idx="2">
+        <a:scrgbClr r="0" g="0" b="0"/>
+      </a:lnRef>
+      <a:fillRef idx="1">
+        <a:scrgbClr r="0" g="0" b="0"/>
+      </a:fillRef>
+      <a:effectRef idx="0">
+        <a:scrgbClr r="0" g="0" b="0"/>
+      </a:effectRef>
+      <a:fontRef idx="minor">
+        <a:schemeClr val="lt1"/>
+      </a:fontRef>
+    </dgm:style>
+  </dgm:styleLbl>
+  <dgm:styleLbl name="node2">
+    <dgm:scene3d>
+      <a:camera prst="orthographicFront"/>
+      <a:lightRig rig="threePt" dir="t"/>
+    </dgm:scene3d>
+    <dgm:sp3d/>
+    <dgm:txPr/>
+    <dgm:style>
+      <a:lnRef idx="2">
+        <a:scrgbClr r="0" g="0" b="0"/>
+      </a:lnRef>
+      <a:fillRef idx="1">
+        <a:scrgbClr r="0" g="0" b="0"/>
+      </a:fillRef>
+      <a:effectRef idx="0">
+        <a:scrgbClr r="0" g="0" b="0"/>
+      </a:effectRef>
+      <a:fontRef idx="minor">
+        <a:schemeClr val="lt1"/>
+      </a:fontRef>
+    </dgm:style>
+  </dgm:styleLbl>
+  <dgm:styleLbl name="node3">
+    <dgm:scene3d>
+      <a:camera prst="orthographicFront"/>
+      <a:lightRig rig="threePt" dir="t"/>
+    </dgm:scene3d>
+    <dgm:sp3d/>
+    <dgm:txPr/>
+    <dgm:style>
+      <a:lnRef idx="2">
+        <a:scrgbClr r="0" g="0" b="0"/>
+      </a:lnRef>
+      <a:fillRef idx="1">
+        <a:scrgbClr r="0" g="0" b="0"/>
+      </a:fillRef>
+      <a:effectRef idx="0">
+        <a:scrgbClr r="0" g="0" b="0"/>
+      </a:effectRef>
+      <a:fontRef idx="minor">
+        <a:schemeClr val="lt1"/>
+      </a:fontRef>
+    </dgm:style>
+  </dgm:styleLbl>
+  <dgm:styleLbl name="node4">
+    <dgm:scene3d>
+      <a:camera prst="orthographicFront"/>
+      <a:lightRig rig="threePt" dir="t"/>
+    </dgm:scene3d>
+    <dgm:sp3d/>
+    <dgm:txPr/>
+    <dgm:style>
+      <a:lnRef idx="2">
+        <a:scrgbClr r="0" g="0" b="0"/>
+      </a:lnRef>
+      <a:fillRef idx="1">
+        <a:scrgbClr r="0" g="0" b="0"/>
+      </a:fillRef>
+      <a:effectRef idx="0">
+        <a:scrgbClr r="0" g="0" b="0"/>
+      </a:effectRef>
+      <a:fontRef idx="minor">
+        <a:schemeClr val="lt1"/>
+      </a:fontRef>
+    </dgm:style>
+  </dgm:styleLbl>
+  <dgm:styleLbl name="fgImgPlace1">
+    <dgm:scene3d>
+      <a:camera prst="orthographicFront"/>
+      <a:lightRig rig="threePt" dir="t"/>
+    </dgm:scene3d>
+    <dgm:sp3d/>
+    <dgm:txPr/>
+    <dgm:style>
+      <a:lnRef idx="2">
+        <a:scrgbClr r="0" g="0" b="0"/>
+      </a:lnRef>
+      <a:fillRef idx="1">
+        <a:scrgbClr r="0" g="0" b="0"/>
+      </a:fillRef>
+      <a:effectRef idx="0">
+        <a:scrgbClr r="0" g="0" b="0"/>
+      </a:effectRef>
+      <a:fontRef idx="minor"/>
+    </dgm:style>
+  </dgm:styleLbl>
+  <dgm:styleLbl name="alignImgPlace1">
+    <dgm:scene3d>
+      <a:camera prst="orthographicFront"/>
+      <a:lightRig rig="threePt" dir="t"/>
+    </dgm:scene3d>
+    <dgm:sp3d/>
+    <dgm:txPr/>
+    <dgm:style>
+      <a:lnRef idx="2">
+        <a:scrgbClr r="0" g="0" b="0"/>
+      </a:lnRef>
+      <a:fillRef idx="1">
+        <a:scrgbClr r="0" g="0" b="0"/>
+      </a:fillRef>
+      <a:effectRef idx="0">
+        <a:scrgbClr r="0" g="0" b="0"/>
+      </a:effectRef>
+      <a:fontRef idx="minor"/>
+    </dgm:style>
+  </dgm:styleLbl>
+  <dgm:styleLbl name="bgImgPlace1">
+    <dgm:scene3d>
+      <a:camera prst="orthographicFront"/>
+      <a:lightRig rig="threePt" dir="t"/>
+    </dgm:scene3d>
+    <dgm:sp3d/>
+    <dgm:txPr/>
+    <dgm:style>
+      <a:lnRef idx="2">
+        <a:scrgbClr r="0" g="0" b="0"/>
+      </a:lnRef>
+      <a:fillRef idx="1">
+        <a:scrgbClr r="0" g="0" b="0"/>
+      </a:fillRef>
+      <a:effectRef idx="0">
+        <a:scrgbClr r="0" g="0" b="0"/>
+      </a:effectRef>
+      <a:fontRef idx="minor"/>
+    </dgm:style>
+  </dgm:styleLbl>
+  <dgm:styleLbl name="sibTrans2D1">
+    <dgm:scene3d>
+      <a:camera prst="orthographicFront"/>
+      <a:lightRig rig="threePt" dir="t"/>
+    </dgm:scene3d>
+    <dgm:sp3d/>
+    <dgm:txPr/>
+    <dgm:style>
+      <a:lnRef idx="0">
+        <a:scrgbClr r="0" g="0" b="0"/>
+      </a:lnRef>
+      <a:fillRef idx="1">
+        <a:scrgbClr r="0" g="0" b="0"/>
+      </a:fillRef>
+      <a:effectRef idx="0">
+        <a:scrgbClr r="0" g="0" b="0"/>
+      </a:effectRef>
+      <a:fontRef idx="minor">
+        <a:schemeClr val="lt1"/>
+      </a:fontRef>
+    </dgm:style>
+  </dgm:styleLbl>
+  <dgm:styleLbl name="fgSibTrans2D1">
+    <dgm:scene3d>
+      <a:camera prst="orthographicFront"/>
+      <a:lightRig rig="threePt" dir="t"/>
+    </dgm:scene3d>
+    <dgm:sp3d/>
+    <dgm:txPr/>
+    <dgm:style>
+      <a:lnRef idx="0">
+        <a:scrgbClr r="0" g="0" b="0"/>
+      </a:lnRef>
+      <a:fillRef idx="1">
+        <a:scrgbClr r="0" g="0" b="0"/>
+      </a:fillRef>
+      <a:effectRef idx="0">
+        <a:scrgbClr r="0" g="0" b="0"/>
+      </a:effectRef>
+      <a:fontRef idx="minor">
+        <a:schemeClr val="lt1"/>
+      </a:fontRef>
+    </dgm:style>
+  </dgm:styleLbl>
+  <dgm:styleLbl name="bgSibTrans2D1">
+    <dgm:scene3d>
+      <a:camera prst="orthographicFront"/>
+      <a:lightRig rig="threePt" dir="t"/>
+    </dgm:scene3d>
+    <dgm:sp3d/>
+    <dgm:txPr/>
+    <dgm:style>
+      <a:lnRef idx="0">
+        <a:scrgbClr r="0" g="0" b="0"/>
+      </a:lnRef>
+      <a:fillRef idx="1">
+        <a:scrgbClr r="0" g="0" b="0"/>
+      </a:fillRef>
+      <a:effectRef idx="0">
+        <a:scrgbClr r="0" g="0" b="0"/>
+      </a:effectRef>
+      <a:fontRef idx="minor">
+        <a:schemeClr val="lt1"/>
+      </a:fontRef>
+    </dgm:style>
+  </dgm:styleLbl>
+  <dgm:styleLbl name="sibTrans1D1">
+    <dgm:scene3d>
+      <a:camera prst="orthographicFront"/>
+      <a:lightRig rig="threePt" dir="t"/>
+    </dgm:scene3d>
+    <dgm:sp3d/>
+    <dgm:txPr/>
+    <dgm:style>
+      <a:lnRef idx="1">
+        <a:scrgbClr r="0" g="0" b="0"/>
+      </a:lnRef>
+      <a:fillRef idx="0">
+        <a:scrgbClr r="0" g="0" b="0"/>
+      </a:fillRef>
+      <a:effectRef idx="0">
+        <a:scrgbClr r="0" g="0" b="0"/>
+      </a:effectRef>
+      <a:fontRef idx="minor"/>
+    </dgm:style>
+  </dgm:styleLbl>
+  <dgm:styleLbl name="callout">
+    <dgm:scene3d>
+      <a:camera prst="orthographicFront"/>
+      <a:lightRig rig="threePt" dir="t"/>
+    </dgm:scene3d>
+    <dgm:sp3d/>
+    <dgm:txPr/>
+    <dgm:style>
+      <a:lnRef idx="2">
+        <a:scrgbClr r="0" g="0" b="0"/>
+      </a:lnRef>
+      <a:fillRef idx="1">
+        <a:scrgbClr r="0" g="0" b="0"/>
+      </a:fillRef>
+      <a:effectRef idx="0">
+        <a:scrgbClr r="0" g="0" b="0"/>
+      </a:effectRef>
+      <a:fontRef idx="minor"/>
+    </dgm:style>
+  </dgm:styleLbl>
+  <dgm:styleLbl name="asst0">
+    <dgm:scene3d>
+      <a:camera prst="orthographicFront"/>
+      <a:lightRig rig="threePt" dir="t"/>
+    </dgm:scene3d>
+    <dgm:sp3d/>
+    <dgm:txPr/>
+    <dgm:style>
+      <a:lnRef idx="2">
+        <a:scrgbClr r="0" g="0" b="0"/>
+      </a:lnRef>
+      <a:fillRef idx="1">
+        <a:scrgbClr r="0" g="0" b="0"/>
+      </a:fillRef>
+      <a:effectRef idx="0">
+        <a:scrgbClr r="0" g="0" b="0"/>
+      </a:effectRef>
+      <a:fontRef idx="minor">
+        <a:schemeClr val="lt1"/>
+      </a:fontRef>
+    </dgm:style>
+  </dgm:styleLbl>
+  <dgm:styleLbl name="asst1">
+    <dgm:scene3d>
+      <a:camera prst="orthographicFront"/>
+      <a:lightRig rig="threePt" dir="t"/>
+    </dgm:scene3d>
+    <dgm:sp3d/>
+    <dgm:txPr/>
+    <dgm:style>
+      <a:lnRef idx="2">
+        <a:scrgbClr r="0" g="0" b="0"/>
+      </a:lnRef>
+      <a:fillRef idx="1">
+        <a:scrgbClr r="0" g="0" b="0"/>
+      </a:fillRef>
+      <a:effectRef idx="0">
+        <a:scrgbClr r="0" g="0" b="0"/>
+      </a:effectRef>
+      <a:fontRef idx="minor">
+        <a:schemeClr val="lt1"/>
+      </a:fontRef>
+    </dgm:style>
+  </dgm:styleLbl>
+  <dgm:styleLbl name="asst2">
+    <dgm:scene3d>
+      <a:camera prst="orthographicFront"/>
+      <a:lightRig rig="threePt" dir="t"/>
+    </dgm:scene3d>
+    <dgm:sp3d/>
+    <dgm:txPr/>
+    <dgm:style>
+      <a:lnRef idx="2">
+        <a:scrgbClr r="0" g="0" b="0"/>
+      </a:lnRef>
+      <a:fillRef idx="1">
+        <a:scrgbClr r="0" g="0" b="0"/>
+      </a:fillRef>
+      <a:effectRef idx="0">
+        <a:scrgbClr r="0" g="0" b="0"/>
+      </a:effectRef>
+      <a:fontRef idx="minor">
+        <a:schemeClr val="lt1"/>
+      </a:fontRef>
+    </dgm:style>
+  </dgm:styleLbl>
+  <dgm:styleLbl name="asst3">
+    <dgm:scene3d>
+      <a:camera prst="orthographicFront"/>
+      <a:lightRig rig="threePt" dir="t"/>
+    </dgm:scene3d>
+    <dgm:sp3d/>
+    <dgm:txPr/>
+    <dgm:style>
+      <a:lnRef idx="2">
+        <a:scrgbClr r="0" g="0" b="0"/>
+      </a:lnRef>
+      <a:fillRef idx="1">
+        <a:scrgbClr r="0" g="0" b="0"/>
+      </a:fillRef>
+      <a:effectRef idx="0">
+        <a:scrgbClr r="0" g="0" b="0"/>
+      </a:effectRef>
+      <a:fontRef idx="minor">
+        <a:schemeClr val="lt1"/>
+      </a:fontRef>
+    </dgm:style>
+  </dgm:styleLbl>
+  <dgm:styleLbl name="asst4">
+    <dgm:scene3d>
+      <a:camera prst="orthographicFront"/>
+      <a:lightRig rig="threePt" dir="t"/>
+    </dgm:scene3d>
+    <dgm:sp3d/>
+    <dgm:txPr/>
+    <dgm:style>
+      <a:lnRef idx="2">
+        <a:scrgbClr r="0" g="0" b="0"/>
+      </a:lnRef>
+      <a:fillRef idx="1">
+        <a:scrgbClr r="0" g="0" b="0"/>
+      </a:fillRef>
+      <a:effectRef idx="0">
+        <a:scrgbClr r="0" g="0" b="0"/>
+      </a:effectRef>
+      <a:fontRef idx="minor">
+        <a:schemeClr val="lt1"/>
+      </a:fontRef>
+    </dgm:style>
+  </dgm:styleLbl>
+  <dgm:styleLbl name="parChTrans2D1">
+    <dgm:scene3d>
+      <a:camera prst="orthographicFront"/>
+      <a:lightRig rig="threePt" dir="t"/>
+    </dgm:scene3d>
+    <dgm:sp3d/>
+    <dgm:txPr/>
+    <dgm:style>
+      <a:lnRef idx="2">
+        <a:scrgbClr r="0" g="0" b="0"/>
+      </a:lnRef>
+      <a:fillRef idx="1">
+        <a:scrgbClr r="0" g="0" b="0"/>
+      </a:fillRef>
+      <a:effectRef idx="0">
+        <a:scrgbClr r="0" g="0" b="0"/>
+      </a:effectRef>
+      <a:fontRef idx="minor">
+        <a:schemeClr val="lt1"/>
+      </a:fontRef>
+    </dgm:style>
+  </dgm:styleLbl>
+  <dgm:styleLbl name="parChTrans2D2">
+    <dgm:scene3d>
+      <a:camera prst="orthographicFront"/>
+      <a:lightRig rig="threePt" dir="t"/>
+    </dgm:scene3d>
+    <dgm:sp3d/>
+    <dgm:txPr/>
+    <dgm:style>
+      <a:lnRef idx="2">
+        <a:scrgbClr r="0" g="0" b="0"/>
+      </a:lnRef>
+      <a:fillRef idx="1">
+        <a:scrgbClr r="0" g="0" b="0"/>
+      </a:fillRef>
+      <a:effectRef idx="0">
+        <a:scrgbClr r="0" g="0" b="0"/>
+      </a:effectRef>
+      <a:fontRef idx="minor">
+        <a:schemeClr val="lt1"/>
+      </a:fontRef>
+    </dgm:style>
+  </dgm:styleLbl>
+  <dgm:styleLbl name="parChTrans2D3">
+    <dgm:scene3d>
+      <a:camera prst="orthographicFront"/>
+      <a:lightRig rig="threePt" dir="t"/>
+    </dgm:scene3d>
+    <dgm:sp3d/>
+    <dgm:txPr/>
+    <dgm:style>
+      <a:lnRef idx="2">
+        <a:scrgbClr r="0" g="0" b="0"/>
+      </a:lnRef>
+      <a:fillRef idx="1">
+        <a:scrgbClr r="0" g="0" b="0"/>
+      </a:fillRef>
+      <a:effectRef idx="0">
+        <a:scrgbClr r="0" g="0" b="0"/>
+      </a:effectRef>
+      <a:fontRef idx="minor">
+        <a:schemeClr val="lt1"/>
+      </a:fontRef>
+    </dgm:style>
+  </dgm:styleLbl>
+  <dgm:styleLbl name="parChTrans2D4">
+    <dgm:scene3d>
+      <a:camera prst="orthographicFront"/>
+      <a:lightRig rig="threePt" dir="t"/>
+    </dgm:scene3d>
+    <dgm:sp3d/>
+    <dgm:txPr/>
+    <dgm:style>
+      <a:lnRef idx="2">
+        <a:scrgbClr r="0" g="0" b="0"/>
+      </a:lnRef>
+      <a:fillRef idx="1">
+        <a:scrgbClr r="0" g="0" b="0"/>
+      </a:fillRef>
+      <a:effectRef idx="0">
+        <a:scrgbClr r="0" g="0" b="0"/>
+      </a:effectRef>
+      <a:fontRef idx="minor">
+        <a:schemeClr val="lt1"/>
+      </a:fontRef>
+    </dgm:style>
+  </dgm:styleLbl>
+  <dgm:styleLbl name="parChTrans1D1">
+    <dgm:scene3d>
+      <a:camera prst="orthographicFront"/>
+      <a:lightRig rig="threePt" dir="t"/>
+    </dgm:scene3d>
+    <dgm:sp3d/>
+    <dgm:txPr/>
+    <dgm:style>
+      <a:lnRef idx="2">
+        <a:scrgbClr r="0" g="0" b="0"/>
+      </a:lnRef>
+      <a:fillRef idx="0">
+        <a:scrgbClr r="0" g="0" b="0"/>
+      </a:fillRef>
+      <a:effectRef idx="0">
+        <a:scrgbClr r="0" g="0" b="0"/>
+      </a:effectRef>
+      <a:fontRef idx="minor"/>
+    </dgm:style>
+  </dgm:styleLbl>
+  <dgm:styleLbl name="parChTrans1D2">
+    <dgm:scene3d>
+      <a:camera prst="orthographicFront"/>
+      <a:lightRig rig="threePt" dir="t"/>
+    </dgm:scene3d>
+    <dgm:sp3d/>
+    <dgm:txPr/>
+    <dgm:style>
+      <a:lnRef idx="2">
+        <a:scrgbClr r="0" g="0" b="0"/>
+      </a:lnRef>
+      <a:fillRef idx="0">
+        <a:scrgbClr r="0" g="0" b="0"/>
+      </a:fillRef>
+      <a:effectRef idx="0">
+        <a:scrgbClr r="0" g="0" b="0"/>
+      </a:effectRef>
+      <a:fontRef idx="minor"/>
+    </dgm:style>
+  </dgm:styleLbl>
+  <dgm:styleLbl name="parChTrans1D3">
+    <dgm:scene3d>
+      <a:camera prst="orthographicFront"/>
+      <a:lightRig rig="threePt" dir="t"/>
+    </dgm:scene3d>
+    <dgm:sp3d/>
+    <dgm:txPr/>
+    <dgm:style>
+      <a:lnRef idx="2">
+        <a:scrgbClr r="0" g="0" b="0"/>
+      </a:lnRef>
+      <a:fillRef idx="0">
+        <a:scrgbClr r="0" g="0" b="0"/>
+      </a:fillRef>
+      <a:effectRef idx="0">
+        <a:scrgbClr r="0" g="0" b="0"/>
+      </a:effectRef>
+      <a:fontRef idx="minor"/>
+    </dgm:style>
+  </dgm:styleLbl>
+  <dgm:styleLbl name="parChTrans1D4">
+    <dgm:scene3d>
+      <a:camera prst="orthographicFront"/>
+      <a:lightRig rig="threePt" dir="t"/>
+    </dgm:scene3d>
+    <dgm:sp3d/>
+    <dgm:txPr/>
+    <dgm:style>
+      <a:lnRef idx="2">
+        <a:scrgbClr r="0" g="0" b="0"/>
+      </a:lnRef>
+      <a:fillRef idx="0">
+        <a:scrgbClr r="0" g="0" b="0"/>
+      </a:fillRef>
+      <a:effectRef idx="0">
+        <a:scrgbClr r="0" g="0" b="0"/>
+      </a:effectRef>
+      <a:fontRef idx="minor"/>
+    </dgm:style>
+  </dgm:styleLbl>
+  <dgm:styleLbl name="fgAcc1">
+    <dgm:scene3d>
+      <a:camera prst="orthographicFront"/>
+      <a:lightRig rig="threePt" dir="t"/>
+    </dgm:scene3d>
+    <dgm:sp3d/>
+    <dgm:txPr/>
+    <dgm:style>
+      <a:lnRef idx="2">
+        <a:scrgbClr r="0" g="0" b="0"/>
+      </a:lnRef>
+      <a:fillRef idx="1">
+        <a:scrgbClr r="0" g="0" b="0"/>
+      </a:fillRef>
+      <a:effectRef idx="0">
+        <a:scrgbClr r="0" g="0" b="0"/>
+      </a:effectRef>
+      <a:fontRef idx="minor"/>
+    </dgm:style>
+  </dgm:styleLbl>
+  <dgm:styleLbl name="conFgAcc1">
+    <dgm:scene3d>
+      <a:camera prst="orthographicFront"/>
+      <a:lightRig rig="threePt" dir="t"/>
+    </dgm:scene3d>
+    <dgm:sp3d/>
+    <dgm:txPr/>
+    <dgm:style>
+      <a:lnRef idx="2">
+        <a:scrgbClr r="0" g="0" b="0"/>
+      </a:lnRef>
+      <a:fillRef idx="1">
+        <a:scrgbClr r="0" g="0" b="0"/>
+      </a:fillRef>
+      <a:effectRef idx="0">
+        <a:scrgbClr r="0" g="0" b="0"/>
+      </a:effectRef>
+      <a:fontRef idx="minor"/>
+    </dgm:style>
+  </dgm:styleLbl>
+  <dgm:styleLbl name="alignAcc1">
+    <dgm:scene3d>
+      <a:camera prst="orthographicFront"/>
+      <a:lightRig rig="threePt" dir="t"/>
+    </dgm:scene3d>
+    <dgm:sp3d/>
+    <dgm:txPr/>
+    <dgm:style>
+      <a:lnRef idx="2">
+        <a:scrgbClr r="0" g="0" b="0"/>
+      </a:lnRef>
+      <a:fillRef idx="1">
+        <a:scrgbClr r="0" g="0" b="0"/>
+      </a:fillRef>
+      <a:effectRef idx="0">
+        <a:scrgbClr r="0" g="0" b="0"/>
+      </a:effectRef>
+      <a:fontRef idx="minor"/>
+    </dgm:style>
+  </dgm:styleLbl>
+  <dgm:styleLbl name="trAlignAcc1">
+    <dgm:scene3d>
+      <a:camera prst="orthographicFront"/>
+      <a:lightRig rig="threePt" dir="t"/>
+    </dgm:scene3d>
+    <dgm:sp3d/>
+    <dgm:txPr/>
+    <dgm:style>
+      <a:lnRef idx="1">
+        <a:scrgbClr r="0" g="0" b="0"/>
+      </a:lnRef>
+      <a:fillRef idx="1">
+        <a:scrgbClr r="0" g="0" b="0"/>
+      </a:fillRef>
+      <a:effectRef idx="0">
+        <a:scrgbClr r="0" g="0" b="0"/>
+      </a:effectRef>
+      <a:fontRef idx="minor"/>
+    </dgm:style>
+  </dgm:styleLbl>
+  <dgm:styleLbl name="bgAcc1">
+    <dgm:scene3d>
+      <a:camera prst="orthographicFront"/>
+      <a:lightRig rig="threePt" dir="t"/>
+    </dgm:scene3d>
+    <dgm:sp3d/>
+    <dgm:txPr/>
+    <dgm:style>
+      <a:lnRef idx="2">
+        <a:scrgbClr r="0" g="0" b="0"/>
+      </a:lnRef>
+      <a:fillRef idx="1">
+        <a:scrgbClr r="0" g="0" b="0"/>
+      </a:fillRef>
+      <a:effectRef idx="0">
+        <a:scrgbClr r="0" g="0" b="0"/>
+      </a:effectRef>
+      <a:fontRef idx="minor"/>
+    </dgm:style>
+  </dgm:styleLbl>
+  <dgm:styleLbl name="solidFgAcc1">
+    <dgm:scene3d>
+      <a:camera prst="orthographicFront"/>
+      <a:lightRig rig="threePt" dir="t"/>
+    </dgm:scene3d>
+    <dgm:sp3d/>
+    <dgm:txPr/>
+    <dgm:style>
+      <a:lnRef idx="2">
+        <a:scrgbClr r="0" g="0" b="0"/>
+      </a:lnRef>
+      <a:fillRef idx="1">
+        <a:scrgbClr r="0" g="0" b="0"/>
+      </a:fillRef>
+      <a:effectRef idx="0">
+        <a:scrgbClr r="0" g="0" b="0"/>
+      </a:effectRef>
+      <a:fontRef idx="minor"/>
+    </dgm:style>
+  </dgm:styleLbl>
+  <dgm:styleLbl name="solidAlignAcc1">
+    <dgm:scene3d>
+      <a:camera prst="orthographicFront"/>
+      <a:lightRig rig="threePt" dir="t"/>
+    </dgm:scene3d>
+    <dgm:sp3d/>
+    <dgm:txPr/>
+    <dgm:style>
+      <a:lnRef idx="2">
+        <a:scrgbClr r="0" g="0" b="0"/>
+      </a:lnRef>
+      <a:fillRef idx="1">
+        <a:scrgbClr r="0" g="0" b="0"/>
+      </a:fillRef>
+      <a:effectRef idx="0">
+        <a:scrgbClr r="0" g="0" b="0"/>
+      </a:effectRef>
+      <a:fontRef idx="minor"/>
+    </dgm:style>
+  </dgm:styleLbl>
+  <dgm:styleLbl name="solidBgAcc1">
+    <dgm:scene3d>
+      <a:camera prst="orthographicFront"/>
+      <a:lightRig rig="threePt" dir="t"/>
+    </dgm:scene3d>
+    <dgm:sp3d/>
+    <dgm:txPr/>
+    <dgm:style>
+      <a:lnRef idx="2">
+        <a:scrgbClr r="0" g="0" b="0"/>
+      </a:lnRef>
+      <a:fillRef idx="1">
+        <a:scrgbClr r="0" g="0" b="0"/>
+      </a:fillRef>
+      <a:effectRef idx="0">
+        <a:scrgbClr r="0" g="0" b="0"/>
+      </a:effectRef>
+      <a:fontRef idx="minor"/>
+    </dgm:style>
+  </dgm:styleLbl>
+  <dgm:styleLbl name="fgAccFollowNode1">
+    <dgm:scene3d>
+      <a:camera prst="orthographicFront"/>
+      <a:lightRig rig="threePt" dir="t"/>
+    </dgm:scene3d>
+    <dgm:sp3d/>
+    <dgm:txPr/>
+    <dgm:style>
+      <a:lnRef idx="2">
+        <a:scrgbClr r="0" g="0" b="0"/>
+      </a:lnRef>
+      <a:fillRef idx="1">
+        <a:scrgbClr r="0" g="0" b="0"/>
+      </a:fillRef>
+      <a:effectRef idx="0">
+        <a:scrgbClr r="0" g="0" b="0"/>
+      </a:effectRef>
+      <a:fontRef idx="minor"/>
+    </dgm:style>
+  </dgm:styleLbl>
+  <dgm:styleLbl name="alignAccFollowNode1">
+    <dgm:scene3d>
+      <a:camera prst="orthographicFront"/>
+      <a:lightRig rig="threePt" dir="t"/>
+    </dgm:scene3d>
+    <dgm:sp3d/>
+    <dgm:txPr/>
+    <dgm:style>
+      <a:lnRef idx="2">
+        <a:scrgbClr r="0" g="0" b="0"/>
+      </a:lnRef>
+      <a:fillRef idx="1">
+        <a:scrgbClr r="0" g="0" b="0"/>
+      </a:fillRef>
+      <a:effectRef idx="0">
+        <a:scrgbClr r="0" g="0" b="0"/>
+      </a:effectRef>
+      <a:fontRef idx="minor"/>
+    </dgm:style>
+  </dgm:styleLbl>
+  <dgm:styleLbl name="bgAccFollowNode1">
+    <dgm:scene3d>
+      <a:camera prst="orthographicFront"/>
+      <a:lightRig rig="threePt" dir="t"/>
+    </dgm:scene3d>
+    <dgm:sp3d/>
+    <dgm:txPr/>
+    <dgm:style>
+      <a:lnRef idx="2">
+        <a:scrgbClr r="0" g="0" b="0"/>
+      </a:lnRef>
+      <a:fillRef idx="1">
+        <a:scrgbClr r="0" g="0" b="0"/>
+      </a:fillRef>
+      <a:effectRef idx="0">
+        <a:scrgbClr r="0" g="0" b="0"/>
+      </a:effectRef>
+      <a:fontRef idx="minor"/>
+    </dgm:style>
+  </dgm:styleLbl>
+  <dgm:styleLbl name="fgAcc0">
+    <dgm:scene3d>
+      <a:camera prst="orthographicFront"/>
+      <a:lightRig rig="threePt" dir="t"/>
+    </dgm:scene3d>
+    <dgm:sp3d/>
+    <dgm:txPr/>
+    <dgm:style>
+      <a:lnRef idx="2">
+        <a:scrgbClr r="0" g="0" b="0"/>
+      </a:lnRef>
+      <a:fillRef idx="1">
+        <a:scrgbClr r="0" g="0" b="0"/>
+      </a:fillRef>
+      <a:effectRef idx="0">
+        <a:scrgbClr r="0" g="0" b="0"/>
+      </a:effectRef>
+      <a:fontRef idx="minor"/>
+    </dgm:style>
+  </dgm:styleLbl>
+  <dgm:styleLbl name="fgAcc2">
+    <dgm:scene3d>
+      <a:camera prst="orthographicFront"/>
+      <a:lightRig rig="threePt" dir="t"/>
+    </dgm:scene3d>
+    <dgm:sp3d/>
+    <dgm:txPr/>
+    <dgm:style>
+      <a:lnRef idx="2">
+        <a:scrgbClr r="0" g="0" b="0"/>
+      </a:lnRef>
+      <a:fillRef idx="1">
+        <a:scrgbClr r="0" g="0" b="0"/>
+      </a:fillRef>
+      <a:effectRef idx="0">
+        <a:scrgbClr r="0" g="0" b="0"/>
+      </a:effectRef>
+      <a:fontRef idx="minor"/>
+    </dgm:style>
+  </dgm:styleLbl>
+  <dgm:styleLbl name="fgAcc3">
+    <dgm:scene3d>
+      <a:camera prst="orthographicFront"/>
+      <a:lightRig rig="threePt" dir="t"/>
+    </dgm:scene3d>
+    <dgm:sp3d/>
+    <dgm:txPr/>
+    <dgm:style>
+      <a:lnRef idx="2">
+        <a:scrgbClr r="0" g="0" b="0"/>
+      </a:lnRef>
+      <a:fillRef idx="1">
+        <a:scrgbClr r="0" g="0" b="0"/>
+      </a:fillRef>
+      <a:effectRef idx="0">
+        <a:scrgbClr r="0" g="0" b="0"/>
+      </a:effectRef>
+      <a:fontRef idx="minor"/>
+    </dgm:style>
+  </dgm:styleLbl>
+  <dgm:styleLbl name="fgAcc4">
+    <dgm:scene3d>
+      <a:camera prst="orthographicFront"/>
+      <a:lightRig rig="threePt" dir="t"/>
+    </dgm:scene3d>
+    <dgm:sp3d/>
+    <dgm:txPr/>
+    <dgm:style>
+      <a:lnRef idx="2">
+        <a:scrgbClr r="0" g="0" b="0"/>
+      </a:lnRef>
+      <a:fillRef idx="1">
+        <a:scrgbClr r="0" g="0" b="0"/>
+      </a:fillRef>
+      <a:effectRef idx="0">
+        <a:scrgbClr r="0" g="0" b="0"/>
+      </a:effectRef>
+      <a:fontRef idx="minor"/>
+    </dgm:style>
+  </dgm:styleLbl>
+  <dgm:styleLbl name="bgShp">
+    <dgm:scene3d>
+      <a:camera prst="orthographicFront"/>
+      <a:lightRig rig="threePt" dir="t"/>
+    </dgm:scene3d>
+    <dgm:sp3d/>
+    <dgm:txPr/>
+    <dgm:style>
+      <a:lnRef idx="0">
+        <a:scrgbClr r="0" g="0" b="0"/>
+      </a:lnRef>
+      <a:fillRef idx="1">
+        <a:scrgbClr r="0" g="0" b="0"/>
+      </a:fillRef>
+      <a:effectRef idx="0">
+        <a:scrgbClr r="0" g="0" b="0"/>
+      </a:effectRef>
+      <a:fontRef idx="minor"/>
+    </dgm:style>
+  </dgm:styleLbl>
+  <dgm:styleLbl name="dkBgShp">
+    <dgm:scene3d>
+      <a:camera prst="orthographicFront"/>
+      <a:lightRig rig="threePt" dir="t"/>
+    </dgm:scene3d>
+    <dgm:sp3d/>
+    <dgm:txPr/>
+    <dgm:style>
+      <a:lnRef idx="0">
+        <a:scrgbClr r="0" g="0" b="0"/>
+      </a:lnRef>
+      <a:fillRef idx="1">
+        <a:scrgbClr r="0" g="0" b="0"/>
+      </a:fillRef>
+      <a:effectRef idx="0">
+        <a:scrgbClr r="0" g="0" b="0"/>
+      </a:effectRef>
+      <a:fontRef idx="minor"/>
+    </dgm:style>
+  </dgm:styleLbl>
+  <dgm:styleLbl name="trBgShp">
+    <dgm:scene3d>
+      <a:camera prst="orthographicFront"/>
+      <a:lightRig rig="threePt" dir="t"/>
+    </dgm:scene3d>
+    <dgm:sp3d/>
+    <dgm:txPr/>
+    <dgm:style>
+      <a:lnRef idx="0">
+        <a:scrgbClr r="0" g="0" b="0"/>
+      </a:lnRef>
+      <a:fillRef idx="1">
+        <a:scrgbClr r="0" g="0" b="0"/>
+      </a:fillRef>
+      <a:effectRef idx="0">
+        <a:scrgbClr r="0" g="0" b="0"/>
+      </a:effectRef>
+      <a:fontRef idx="minor"/>
+    </dgm:style>
+  </dgm:styleLbl>
+  <dgm:styleLbl name="fgShp">
+    <dgm:scene3d>
+      <a:camera prst="orthographicFront"/>
+      <a:lightRig rig="threePt" dir="t"/>
+    </dgm:scene3d>
+    <dgm:sp3d/>
+    <dgm:txPr/>
+    <dgm:style>
+      <a:lnRef idx="2">
+        <a:scrgbClr r="0" g="0" b="0"/>
+      </a:lnRef>
+      <a:fillRef idx="1">
+        <a:scrgbClr r="0" g="0" b="0"/>
+      </a:fillRef>
+      <a:effectRef idx="0">
+        <a:scrgbClr r="0" g="0" b="0"/>
+      </a:effectRef>
+      <a:fontRef idx="minor"/>
+    </dgm:style>
+  </dgm:styleLbl>
+  <dgm:styleLbl name="revTx">
+    <dgm:scene3d>
+      <a:camera prst="orthographicFront"/>
+      <a:lightRig rig="threePt" dir="t"/>
+    </dgm:scene3d>
+    <dgm:sp3d/>
+    <dgm:txPr/>
+    <dgm:style>
+      <a:lnRef idx="0">
+        <a:scrgbClr r="0" g="0" b="0"/>
+      </a:lnRef>
+      <a:fillRef idx="0">
+        <a:scrgbClr r="0" g="0" b="0"/>
+      </a:fillRef>
+      <a:effectRef idx="0">
+        <a:scrgbClr r="0" g="0" b="0"/>
+      </a:effectRef>
+      <a:fontRef idx="minor"/>
+    </dgm:style>
+  </dgm:styleLbl>
+</dgm:styleDef>
+</file>
+
+<file path=ppt/diagrams/quickStyle4.xml><?xml version="1.0" encoding="utf-8"?>
 <dgm:styleDef xmlns:dgm="http://schemas.openxmlformats.org/drawingml/2006/diagram" xmlns:a="http://schemas.openxmlformats.org/drawingml/2006/main" uniqueId="urn:microsoft.com/office/officeart/2005/8/quickstyle/simple1">
   <dgm:title val=""/>
   <dgm:desc val=""/>
@@ -6154,7 +12535,7 @@
           <a:p>
             <a:fld id="{8FC79E72-33B9-4BF2-A792-517038807881}" type="datetimeFigureOut">
               <a:rPr lang="en-US" smtClean="0"/>
-              <a:t>8/3/2024</a:t>
+              <a:t>8/4/2024</a:t>
             </a:fld>
             <a:endParaRPr lang="en-US"/>
           </a:p>
@@ -6422,6 +12803,120 @@
 </p:notesMaster>
 </file>
 
+<file path=ppt/notesSlides/notesSlide1.xml><?xml version="1.0" encoding="utf-8"?>
+<p:notes xmlns:a="http://schemas.openxmlformats.org/drawingml/2006/main" xmlns:r="http://schemas.openxmlformats.org/officeDocument/2006/relationships" xmlns:p="http://schemas.openxmlformats.org/presentationml/2006/main">
+  <p:cSld>
+    <p:spTree>
+      <p:nvGrpSpPr>
+        <p:cNvPr id="1" name=""/>
+        <p:cNvGrpSpPr/>
+        <p:nvPr/>
+      </p:nvGrpSpPr>
+      <p:grpSpPr>
+        <a:xfrm>
+          <a:off x="0" y="0"/>
+          <a:ext cx="0" cy="0"/>
+          <a:chOff x="0" y="0"/>
+          <a:chExt cx="0" cy="0"/>
+        </a:xfrm>
+      </p:grpSpPr>
+      <p:sp>
+        <p:nvSpPr>
+          <p:cNvPr id="2" name="Folienbildplatzhalter 1"/>
+          <p:cNvSpPr>
+            <a:spLocks noGrp="1" noRot="1" noChangeAspect="1"/>
+          </p:cNvSpPr>
+          <p:nvPr>
+            <p:ph type="sldImg"/>
+          </p:nvPr>
+        </p:nvSpPr>
+        <p:spPr/>
+      </p:sp>
+      <p:sp>
+        <p:nvSpPr>
+          <p:cNvPr id="3" name="Notizenplatzhalter 2"/>
+          <p:cNvSpPr>
+            <a:spLocks noGrp="1"/>
+          </p:cNvSpPr>
+          <p:nvPr>
+            <p:ph type="body" idx="1"/>
+          </p:nvPr>
+        </p:nvSpPr>
+        <p:spPr/>
+        <p:txBody>
+          <a:bodyPr/>
+          <a:lstStyle/>
+          <a:p>
+            <a:r>
+              <a:rPr lang="en-US" dirty="0"/>
+              <a:t>Input split up -&gt; Pre-calculated WSL values bypass the model</a:t>
+            </a:r>
+          </a:p>
+          <a:p>
+            <a:r>
+              <a:rPr lang="en-US" dirty="0"/>
+              <a:t>Masking</a:t>
+            </a:r>
+          </a:p>
+          <a:p>
+            <a:r>
+              <a:rPr lang="en-US" dirty="0"/>
+              <a:t>(Preprocessing dense layers)</a:t>
+            </a:r>
+          </a:p>
+          <a:p>
+            <a:r>
+              <a:rPr lang="en-US" dirty="0"/>
+              <a:t>LSTM layers</a:t>
+            </a:r>
+          </a:p>
+          <a:p>
+            <a:r>
+              <a:rPr lang="en-US" dirty="0"/>
+              <a:t>Final Dense layer with linear activation</a:t>
+            </a:r>
+          </a:p>
+          <a:p>
+            <a:endParaRPr lang="en-US" dirty="0"/>
+          </a:p>
+        </p:txBody>
+      </p:sp>
+      <p:sp>
+        <p:nvSpPr>
+          <p:cNvPr id="4" name="Foliennummernplatzhalter 3"/>
+          <p:cNvSpPr>
+            <a:spLocks noGrp="1"/>
+          </p:cNvSpPr>
+          <p:nvPr>
+            <p:ph type="sldNum" sz="quarter" idx="5"/>
+          </p:nvPr>
+        </p:nvSpPr>
+        <p:spPr/>
+        <p:txBody>
+          <a:bodyPr/>
+          <a:lstStyle/>
+          <a:p>
+            <a:fld id="{C7E63DAF-A0EA-4FDC-8F5C-702460DB2EE5}" type="slidenum">
+              <a:rPr lang="en-US" smtClean="0"/>
+              <a:t>9</a:t>
+            </a:fld>
+            <a:endParaRPr lang="en-US"/>
+          </a:p>
+        </p:txBody>
+      </p:sp>
+    </p:spTree>
+    <p:extLst>
+      <p:ext uri="{BB962C8B-B14F-4D97-AF65-F5344CB8AC3E}">
+        <p14:creationId xmlns:p14="http://schemas.microsoft.com/office/powerpoint/2010/main" val="670975026"/>
+      </p:ext>
+    </p:extLst>
+  </p:cSld>
+  <p:clrMapOvr>
+    <a:masterClrMapping/>
+  </p:clrMapOvr>
+</p:notes>
+</file>
+
 <file path=ppt/slideLayouts/slideLayout1.xml><?xml version="1.0" encoding="utf-8"?>
 <p:sldLayout xmlns:a="http://schemas.openxmlformats.org/drawingml/2006/main" xmlns:r="http://schemas.openxmlformats.org/officeDocument/2006/relationships" xmlns:p="http://schemas.openxmlformats.org/presentationml/2006/main" showMasterSp="0" type="title" preserve="1">
   <p:cSld name="Title Slide">
@@ -6843,7 +13338,7 @@
           <a:p>
             <a:fld id="{53BEF823-48A5-43FC-BE03-E79964288B41}" type="datetimeFigureOut">
               <a:rPr lang="en-US" smtClean="0"/>
-              <a:t>8/3/2024</a:t>
+              <a:t>8/4/2024</a:t>
             </a:fld>
             <a:endParaRPr lang="en-US" dirty="0"/>
           </a:p>
@@ -7054,7 +13549,7 @@
             <a:fld id="{53BEF823-48A5-43FC-BE03-E79964288B41}" type="datetimeFigureOut">
               <a:rPr lang="en-US" smtClean="0"/>
               <a:pPr algn="r"/>
-              <a:t>8/3/2024</a:t>
+              <a:t>8/4/2024</a:t>
             </a:fld>
             <a:endParaRPr lang="en-US" dirty="0"/>
           </a:p>
@@ -7269,7 +13764,7 @@
             <a:fld id="{53BEF823-48A5-43FC-BE03-E79964288B41}" type="datetimeFigureOut">
               <a:rPr lang="en-US" smtClean="0"/>
               <a:pPr algn="r"/>
-              <a:t>8/3/2024</a:t>
+              <a:t>8/4/2024</a:t>
             </a:fld>
             <a:endParaRPr lang="en-US" dirty="0"/>
           </a:p>
@@ -7472,7 +13967,7 @@
             <a:fld id="{53BEF823-48A5-43FC-BE03-E79964288B41}" type="datetimeFigureOut">
               <a:rPr lang="en-US" smtClean="0"/>
               <a:pPr algn="r"/>
-              <a:t>8/3/2024</a:t>
+              <a:t>8/4/2024</a:t>
             </a:fld>
             <a:endParaRPr lang="en-US" dirty="0"/>
           </a:p>
@@ -7756,7 +14251,7 @@
             <a:fld id="{53BEF823-48A5-43FC-BE03-E79964288B41}" type="datetimeFigureOut">
               <a:rPr lang="en-US" smtClean="0"/>
               <a:pPr algn="r"/>
-              <a:t>8/3/2024</a:t>
+              <a:t>8/4/2024</a:t>
             </a:fld>
             <a:endParaRPr lang="en-US" dirty="0"/>
           </a:p>
@@ -8000,7 +14495,7 @@
             <a:fld id="{53BEF823-48A5-43FC-BE03-E79964288B41}" type="datetimeFigureOut">
               <a:rPr lang="en-US" smtClean="0"/>
               <a:pPr algn="r"/>
-              <a:t>8/3/2024</a:t>
+              <a:t>8/4/2024</a:t>
             </a:fld>
             <a:endParaRPr lang="en-US" dirty="0"/>
           </a:p>
@@ -8443,7 +14938,7 @@
             <a:fld id="{53BEF823-48A5-43FC-BE03-E79964288B41}" type="datetimeFigureOut">
               <a:rPr lang="en-US" smtClean="0"/>
               <a:pPr algn="r"/>
-              <a:t>8/3/2024</a:t>
+              <a:t>8/4/2024</a:t>
             </a:fld>
             <a:endParaRPr lang="en-US" dirty="0"/>
           </a:p>
@@ -8589,7 +15084,7 @@
             <a:fld id="{53BEF823-48A5-43FC-BE03-E79964288B41}" type="datetimeFigureOut">
               <a:rPr lang="en-US" smtClean="0"/>
               <a:pPr algn="r"/>
-              <a:t>8/3/2024</a:t>
+              <a:t>8/4/2024</a:t>
             </a:fld>
             <a:endParaRPr lang="en-US" dirty="0"/>
           </a:p>
@@ -8707,7 +15202,7 @@
             <a:fld id="{53BEF823-48A5-43FC-BE03-E79964288B41}" type="datetimeFigureOut">
               <a:rPr lang="en-US" smtClean="0"/>
               <a:pPr algn="r"/>
-              <a:t>8/3/2024</a:t>
+              <a:t>8/4/2024</a:t>
             </a:fld>
             <a:endParaRPr lang="en-US" dirty="0"/>
           </a:p>
@@ -8991,7 +15486,7 @@
             <a:fld id="{53BEF823-48A5-43FC-BE03-E79964288B41}" type="datetimeFigureOut">
               <a:rPr lang="en-US" smtClean="0"/>
               <a:pPr algn="r"/>
-              <a:t>8/3/2024</a:t>
+              <a:t>8/4/2024</a:t>
             </a:fld>
             <a:endParaRPr lang="en-US" dirty="0"/>
           </a:p>
@@ -9286,7 +15781,7 @@
             <a:fld id="{53BEF823-48A5-43FC-BE03-E79964288B41}" type="datetimeFigureOut">
               <a:rPr lang="en-US" smtClean="0"/>
               <a:pPr algn="r"/>
-              <a:t>8/3/2024</a:t>
+              <a:t>8/4/2024</a:t>
             </a:fld>
             <a:endParaRPr lang="en-US" dirty="0"/>
           </a:p>
@@ -9781,7 +16276,7 @@
             <a:fld id="{53BEF823-48A5-43FC-BE03-E79964288B41}" type="datetimeFigureOut">
               <a:rPr lang="en-US" smtClean="0"/>
               <a:pPr algn="r"/>
-              <a:t>8/3/2024</a:t>
+              <a:t>8/4/2024</a:t>
             </a:fld>
             <a:endParaRPr lang="en-US" dirty="0"/>
           </a:p>
@@ -10528,7 +17023,7 @@
                   <a:spcPts val="600"/>
                 </a:spcAft>
               </a:pPr>
-              <a:t>3 August 2024</a:t>
+              <a:t>4 August 2024</a:t>
             </a:fld>
             <a:endParaRPr lang="en-US">
               <a:solidFill>
@@ -11099,6 +17594,1084 @@
                   <a:schemeClr val="bg1"/>
                 </a:solidFill>
               </a:rPr>
+              <a:t>Results</a:t>
+            </a:r>
+          </a:p>
+        </p:txBody>
+      </p:sp>
+      <p:sp>
+        <p:nvSpPr>
+          <p:cNvPr id="17" name="Inhaltsplatzhalter 2">
+            <a:extLst>
+              <a:ext uri="{FF2B5EF4-FFF2-40B4-BE49-F238E27FC236}">
+                <a16:creationId xmlns:a16="http://schemas.microsoft.com/office/drawing/2014/main" id="{7972609A-0966-DB45-F943-0F2A4831452F}"/>
+              </a:ext>
+            </a:extLst>
+          </p:cNvPr>
+          <p:cNvSpPr>
+            <a:spLocks noGrp="1"/>
+          </p:cNvSpPr>
+          <p:nvPr>
+            <p:ph idx="1"/>
+          </p:nvPr>
+        </p:nvSpPr>
+        <p:spPr>
+          <a:xfrm>
+            <a:off x="758952" y="2413169"/>
+            <a:ext cx="6039340" cy="3368920"/>
+          </a:xfrm>
+        </p:spPr>
+        <p:txBody>
+          <a:bodyPr anchor="t">
+            <a:normAutofit/>
+          </a:bodyPr>
+          <a:lstStyle/>
+          <a:p>
+            <a:r>
+              <a:rPr lang="en-US" dirty="0"/>
+              <a:t>One dense layer</a:t>
+            </a:r>
+          </a:p>
+          <a:p>
+            <a:r>
+              <a:rPr lang="en-US" dirty="0"/>
+              <a:t>Variable LSTM layers</a:t>
+            </a:r>
+          </a:p>
+          <a:p>
+            <a:r>
+              <a:rPr lang="en-US" dirty="0"/>
+              <a:t>One dense layer</a:t>
+            </a:r>
+          </a:p>
+        </p:txBody>
+      </p:sp>
+      <p:sp>
+        <p:nvSpPr>
+          <p:cNvPr id="23" name="Freeform 6">
+            <a:extLst>
+              <a:ext uri="{FF2B5EF4-FFF2-40B4-BE49-F238E27FC236}">
+                <a16:creationId xmlns:a16="http://schemas.microsoft.com/office/drawing/2014/main" id="{A101E513-AF74-4E9D-A31F-99664250722D}"/>
+              </a:ext>
+              <a:ext uri="{C183D7F6-B498-43B3-948B-1728B52AA6E4}">
+                <adec:decorative xmlns:adec="http://schemas.microsoft.com/office/drawing/2017/decorative" val="1"/>
+              </a:ext>
+            </a:extLst>
+          </p:cNvPr>
+          <p:cNvSpPr>
+            <a:spLocks noGrp="1" noRot="1" noChangeAspect="1" noMove="1" noResize="1" noEditPoints="1" noAdjustHandles="1" noChangeArrowheads="1" noChangeShapeType="1" noTextEdit="1"/>
+          </p:cNvSpPr>
+          <p:nvPr>
+            <p:extLst>
+              <p:ext uri="{386F3935-93C4-4BCD-93E2-E3B085C9AB24}">
+                <p16:designElem xmlns:p16="http://schemas.microsoft.com/office/powerpoint/2015/main" val="1"/>
+              </p:ext>
+            </p:extLst>
+          </p:nvPr>
+        </p:nvSpPr>
+        <p:spPr bwMode="auto">
+          <a:xfrm>
+            <a:off x="11784011" y="5783564"/>
+            <a:ext cx="407988" cy="819150"/>
+          </a:xfrm>
+          <a:custGeom>
+            <a:avLst/>
+            <a:gdLst/>
+            <a:ahLst/>
+            <a:cxnLst/>
+            <a:rect l="0" t="0" r="r" b="b"/>
+            <a:pathLst>
+              <a:path w="1799" h="3612">
+                <a:moveTo>
+                  <a:pt x="1799" y="0"/>
+                </a:moveTo>
+                <a:lnTo>
+                  <a:pt x="1799" y="3612"/>
+                </a:lnTo>
+                <a:lnTo>
+                  <a:pt x="1686" y="3609"/>
+                </a:lnTo>
+                <a:lnTo>
+                  <a:pt x="1574" y="3598"/>
+                </a:lnTo>
+                <a:lnTo>
+                  <a:pt x="1464" y="3581"/>
+                </a:lnTo>
+                <a:lnTo>
+                  <a:pt x="1357" y="3557"/>
+                </a:lnTo>
+                <a:lnTo>
+                  <a:pt x="1251" y="3527"/>
+                </a:lnTo>
+                <a:lnTo>
+                  <a:pt x="1150" y="3490"/>
+                </a:lnTo>
+                <a:lnTo>
+                  <a:pt x="1050" y="3448"/>
+                </a:lnTo>
+                <a:lnTo>
+                  <a:pt x="953" y="3401"/>
+                </a:lnTo>
+                <a:lnTo>
+                  <a:pt x="860" y="3347"/>
+                </a:lnTo>
+                <a:lnTo>
+                  <a:pt x="771" y="3289"/>
+                </a:lnTo>
+                <a:lnTo>
+                  <a:pt x="686" y="3224"/>
+                </a:lnTo>
+                <a:lnTo>
+                  <a:pt x="604" y="3156"/>
+                </a:lnTo>
+                <a:lnTo>
+                  <a:pt x="527" y="3083"/>
+                </a:lnTo>
+                <a:lnTo>
+                  <a:pt x="454" y="3005"/>
+                </a:lnTo>
+                <a:lnTo>
+                  <a:pt x="386" y="2923"/>
+                </a:lnTo>
+                <a:lnTo>
+                  <a:pt x="323" y="2838"/>
+                </a:lnTo>
+                <a:lnTo>
+                  <a:pt x="265" y="2748"/>
+                </a:lnTo>
+                <a:lnTo>
+                  <a:pt x="211" y="2655"/>
+                </a:lnTo>
+                <a:lnTo>
+                  <a:pt x="163" y="2559"/>
+                </a:lnTo>
+                <a:lnTo>
+                  <a:pt x="121" y="2459"/>
+                </a:lnTo>
+                <a:lnTo>
+                  <a:pt x="85" y="2356"/>
+                </a:lnTo>
+                <a:lnTo>
+                  <a:pt x="55" y="2251"/>
+                </a:lnTo>
+                <a:lnTo>
+                  <a:pt x="32" y="2143"/>
+                </a:lnTo>
+                <a:lnTo>
+                  <a:pt x="14" y="2033"/>
+                </a:lnTo>
+                <a:lnTo>
+                  <a:pt x="4" y="1920"/>
+                </a:lnTo>
+                <a:lnTo>
+                  <a:pt x="0" y="1806"/>
+                </a:lnTo>
+                <a:lnTo>
+                  <a:pt x="4" y="1692"/>
+                </a:lnTo>
+                <a:lnTo>
+                  <a:pt x="14" y="1580"/>
+                </a:lnTo>
+                <a:lnTo>
+                  <a:pt x="32" y="1469"/>
+                </a:lnTo>
+                <a:lnTo>
+                  <a:pt x="55" y="1362"/>
+                </a:lnTo>
+                <a:lnTo>
+                  <a:pt x="85" y="1256"/>
+                </a:lnTo>
+                <a:lnTo>
+                  <a:pt x="121" y="1154"/>
+                </a:lnTo>
+                <a:lnTo>
+                  <a:pt x="163" y="1054"/>
+                </a:lnTo>
+                <a:lnTo>
+                  <a:pt x="211" y="958"/>
+                </a:lnTo>
+                <a:lnTo>
+                  <a:pt x="265" y="864"/>
+                </a:lnTo>
+                <a:lnTo>
+                  <a:pt x="323" y="774"/>
+                </a:lnTo>
+                <a:lnTo>
+                  <a:pt x="386" y="689"/>
+                </a:lnTo>
+                <a:lnTo>
+                  <a:pt x="454" y="607"/>
+                </a:lnTo>
+                <a:lnTo>
+                  <a:pt x="527" y="529"/>
+                </a:lnTo>
+                <a:lnTo>
+                  <a:pt x="604" y="456"/>
+                </a:lnTo>
+                <a:lnTo>
+                  <a:pt x="686" y="388"/>
+                </a:lnTo>
+                <a:lnTo>
+                  <a:pt x="771" y="325"/>
+                </a:lnTo>
+                <a:lnTo>
+                  <a:pt x="860" y="266"/>
+                </a:lnTo>
+                <a:lnTo>
+                  <a:pt x="953" y="212"/>
+                </a:lnTo>
+                <a:lnTo>
+                  <a:pt x="1050" y="164"/>
+                </a:lnTo>
+                <a:lnTo>
+                  <a:pt x="1150" y="122"/>
+                </a:lnTo>
+                <a:lnTo>
+                  <a:pt x="1251" y="85"/>
+                </a:lnTo>
+                <a:lnTo>
+                  <a:pt x="1357" y="55"/>
+                </a:lnTo>
+                <a:lnTo>
+                  <a:pt x="1464" y="32"/>
+                </a:lnTo>
+                <a:lnTo>
+                  <a:pt x="1574" y="14"/>
+                </a:lnTo>
+                <a:lnTo>
+                  <a:pt x="1686" y="5"/>
+                </a:lnTo>
+                <a:lnTo>
+                  <a:pt x="1799" y="0"/>
+                </a:lnTo>
+                <a:close/>
+              </a:path>
+            </a:pathLst>
+          </a:custGeom>
+          <a:solidFill>
+            <a:schemeClr val="tx1">
+              <a:lumMod val="85000"/>
+              <a:lumOff val="15000"/>
+            </a:schemeClr>
+          </a:solidFill>
+          <a:ln w="0">
+            <a:noFill/>
+            <a:prstDash val="solid"/>
+            <a:round/>
+            <a:headEnd/>
+            <a:tailEnd/>
+          </a:ln>
+        </p:spPr>
+        <p:txBody>
+          <a:bodyPr anchor="ctr"/>
+          <a:lstStyle/>
+          <a:p>
+            <a:endParaRPr lang="en-US"/>
+          </a:p>
+        </p:txBody>
+      </p:sp>
+      <p:sp>
+        <p:nvSpPr>
+          <p:cNvPr id="3" name="Textfeld 2">
+            <a:extLst>
+              <a:ext uri="{FF2B5EF4-FFF2-40B4-BE49-F238E27FC236}">
+                <a16:creationId xmlns:a16="http://schemas.microsoft.com/office/drawing/2014/main" id="{93D6CF53-1C38-70DF-259A-63B6A6AD77ED}"/>
+              </a:ext>
+            </a:extLst>
+          </p:cNvPr>
+          <p:cNvSpPr txBox="1"/>
+          <p:nvPr/>
+        </p:nvSpPr>
+        <p:spPr>
+          <a:xfrm>
+            <a:off x="758951" y="1562773"/>
+            <a:ext cx="3143250" cy="369332"/>
+          </a:xfrm>
+          <a:prstGeom prst="rect">
+            <a:avLst/>
+          </a:prstGeom>
+          <a:noFill/>
+        </p:spPr>
+        <p:txBody>
+          <a:bodyPr wrap="square" rtlCol="0">
+            <a:spAutoFit/>
+          </a:bodyPr>
+          <a:lstStyle/>
+          <a:p>
+            <a:r>
+              <a:rPr lang="en-US" dirty="0">
+                <a:solidFill>
+                  <a:schemeClr val="bg1">
+                    <a:lumMod val="95000"/>
+                  </a:schemeClr>
+                </a:solidFill>
+              </a:rPr>
+              <a:t>First </a:t>
+            </a:r>
+            <a:r>
+              <a:rPr lang="en-US" dirty="0" err="1">
+                <a:solidFill>
+                  <a:schemeClr val="bg1">
+                    <a:lumMod val="95000"/>
+                  </a:schemeClr>
+                </a:solidFill>
+              </a:rPr>
+              <a:t>optuna</a:t>
+            </a:r>
+            <a:r>
+              <a:rPr lang="en-US" dirty="0">
+                <a:solidFill>
+                  <a:schemeClr val="bg1">
+                    <a:lumMod val="95000"/>
+                  </a:schemeClr>
+                </a:solidFill>
+              </a:rPr>
+              <a:t> study</a:t>
+            </a:r>
+          </a:p>
+        </p:txBody>
+      </p:sp>
+    </p:spTree>
+    <p:extLst>
+      <p:ext uri="{BB962C8B-B14F-4D97-AF65-F5344CB8AC3E}">
+        <p14:creationId xmlns:p14="http://schemas.microsoft.com/office/powerpoint/2010/main" val="965436467"/>
+      </p:ext>
+    </p:extLst>
+  </p:cSld>
+  <p:clrMapOvr>
+    <a:masterClrMapping/>
+  </p:clrMapOvr>
+</p:sld>
+</file>
+
+<file path=ppt/slides/slide11.xml><?xml version="1.0" encoding="utf-8"?>
+<p:sld xmlns:a="http://schemas.openxmlformats.org/drawingml/2006/main" xmlns:r="http://schemas.openxmlformats.org/officeDocument/2006/relationships" xmlns:p="http://schemas.openxmlformats.org/presentationml/2006/main">
+  <p:cSld>
+    <p:bg>
+      <p:bgPr>
+        <a:solidFill>
+          <a:schemeClr val="bg2"/>
+        </a:solidFill>
+        <a:effectLst/>
+      </p:bgPr>
+    </p:bg>
+    <p:spTree>
+      <p:nvGrpSpPr>
+        <p:cNvPr id="1" name=""/>
+        <p:cNvGrpSpPr/>
+        <p:nvPr/>
+      </p:nvGrpSpPr>
+      <p:grpSpPr>
+        <a:xfrm>
+          <a:off x="0" y="0"/>
+          <a:ext cx="0" cy="0"/>
+          <a:chOff x="0" y="0"/>
+          <a:chExt cx="0" cy="0"/>
+        </a:xfrm>
+      </p:grpSpPr>
+      <p:sp useBgFill="1">
+        <p:nvSpPr>
+          <p:cNvPr id="19" name="Rectangle 18">
+            <a:extLst>
+              <a:ext uri="{FF2B5EF4-FFF2-40B4-BE49-F238E27FC236}">
+                <a16:creationId xmlns:a16="http://schemas.microsoft.com/office/drawing/2014/main" id="{C5176844-69C3-4F79-BE38-EA5BDDF4FEA4}"/>
+              </a:ext>
+              <a:ext uri="{C183D7F6-B498-43B3-948B-1728B52AA6E4}">
+                <adec:decorative xmlns:adec="http://schemas.microsoft.com/office/drawing/2017/decorative" val="1"/>
+              </a:ext>
+            </a:extLst>
+          </p:cNvPr>
+          <p:cNvSpPr>
+            <a:spLocks noGrp="1" noRot="1" noChangeAspect="1" noMove="1" noResize="1" noEditPoints="1" noAdjustHandles="1" noChangeArrowheads="1" noChangeShapeType="1" noTextEdit="1"/>
+          </p:cNvSpPr>
+          <p:nvPr>
+            <p:extLst>
+              <p:ext uri="{386F3935-93C4-4BCD-93E2-E3B085C9AB24}">
+                <p16:designElem xmlns:p16="http://schemas.microsoft.com/office/powerpoint/2015/main" val="1"/>
+              </p:ext>
+            </p:extLst>
+          </p:nvPr>
+        </p:nvSpPr>
+        <p:spPr>
+          <a:xfrm>
+            <a:off x="0" y="0"/>
+            <a:ext cx="12192000" cy="6858000"/>
+          </a:xfrm>
+          <a:prstGeom prst="rect">
+            <a:avLst/>
+          </a:prstGeom>
+          <a:ln>
+            <a:noFill/>
+          </a:ln>
+        </p:spPr>
+        <p:style>
+          <a:lnRef idx="2">
+            <a:schemeClr val="accent1">
+              <a:shade val="50000"/>
+            </a:schemeClr>
+          </a:lnRef>
+          <a:fillRef idx="1">
+            <a:schemeClr val="accent1"/>
+          </a:fillRef>
+          <a:effectRef idx="0">
+            <a:schemeClr val="accent1"/>
+          </a:effectRef>
+          <a:fontRef idx="minor">
+            <a:schemeClr val="lt1"/>
+          </a:fontRef>
+        </p:style>
+        <p:txBody>
+          <a:bodyPr rtlCol="0" anchor="ctr"/>
+          <a:lstStyle/>
+          <a:p>
+            <a:pPr algn="ctr"/>
+            <a:endParaRPr lang="en-US"/>
+          </a:p>
+        </p:txBody>
+      </p:sp>
+      <p:sp>
+        <p:nvSpPr>
+          <p:cNvPr id="21" name="Rectangle 20">
+            <a:extLst>
+              <a:ext uri="{FF2B5EF4-FFF2-40B4-BE49-F238E27FC236}">
+                <a16:creationId xmlns:a16="http://schemas.microsoft.com/office/drawing/2014/main" id="{41113FF5-9B84-4A89-BF52-EA3C7E01AA3B}"/>
+              </a:ext>
+              <a:ext uri="{C183D7F6-B498-43B3-948B-1728B52AA6E4}">
+                <adec:decorative xmlns:adec="http://schemas.microsoft.com/office/drawing/2017/decorative" val="1"/>
+              </a:ext>
+            </a:extLst>
+          </p:cNvPr>
+          <p:cNvSpPr>
+            <a:spLocks noGrp="1" noRot="1" noChangeAspect="1" noMove="1" noResize="1" noEditPoints="1" noAdjustHandles="1" noChangeArrowheads="1" noChangeShapeType="1" noTextEdit="1"/>
+          </p:cNvSpPr>
+          <p:nvPr>
+            <p:extLst>
+              <p:ext uri="{386F3935-93C4-4BCD-93E2-E3B085C9AB24}">
+                <p16:designElem xmlns:p16="http://schemas.microsoft.com/office/powerpoint/2015/main" val="1"/>
+              </p:ext>
+            </p:extLst>
+          </p:nvPr>
+        </p:nvSpPr>
+        <p:spPr>
+          <a:xfrm>
+            <a:off x="0" y="1"/>
+            <a:ext cx="12191999" cy="1955968"/>
+          </a:xfrm>
+          <a:prstGeom prst="rect">
+            <a:avLst/>
+          </a:prstGeom>
+          <a:solidFill>
+            <a:schemeClr val="tx1">
+              <a:lumMod val="85000"/>
+              <a:lumOff val="15000"/>
+            </a:schemeClr>
+          </a:solidFill>
+          <a:ln>
+            <a:noFill/>
+          </a:ln>
+        </p:spPr>
+        <p:style>
+          <a:lnRef idx="2">
+            <a:schemeClr val="accent1">
+              <a:shade val="50000"/>
+            </a:schemeClr>
+          </a:lnRef>
+          <a:fillRef idx="1">
+            <a:schemeClr val="accent1"/>
+          </a:fillRef>
+          <a:effectRef idx="0">
+            <a:schemeClr val="accent1"/>
+          </a:effectRef>
+          <a:fontRef idx="minor">
+            <a:schemeClr val="lt1"/>
+          </a:fontRef>
+        </p:style>
+        <p:txBody>
+          <a:bodyPr rtlCol="0" anchor="ctr"/>
+          <a:lstStyle/>
+          <a:p>
+            <a:pPr algn="ctr"/>
+            <a:endParaRPr lang="en-US"/>
+          </a:p>
+        </p:txBody>
+      </p:sp>
+      <p:sp>
+        <p:nvSpPr>
+          <p:cNvPr id="2" name="Titel 1">
+            <a:extLst>
+              <a:ext uri="{FF2B5EF4-FFF2-40B4-BE49-F238E27FC236}">
+                <a16:creationId xmlns:a16="http://schemas.microsoft.com/office/drawing/2014/main" id="{892F3CD8-8FA0-EC2F-A30C-B9F922F20BB6}"/>
+              </a:ext>
+            </a:extLst>
+          </p:cNvPr>
+          <p:cNvSpPr>
+            <a:spLocks noGrp="1"/>
+          </p:cNvSpPr>
+          <p:nvPr>
+            <p:ph type="title"/>
+          </p:nvPr>
+        </p:nvSpPr>
+        <p:spPr>
+          <a:xfrm>
+            <a:off x="758952" y="420625"/>
+            <a:ext cx="10667998" cy="1326814"/>
+          </a:xfrm>
+        </p:spPr>
+        <p:txBody>
+          <a:bodyPr anchor="ctr">
+            <a:normAutofit/>
+          </a:bodyPr>
+          <a:lstStyle/>
+          <a:p>
+            <a:r>
+              <a:rPr lang="en-US" dirty="0">
+                <a:solidFill>
+                  <a:schemeClr val="bg1"/>
+                </a:solidFill>
+              </a:rPr>
+              <a:t>Results</a:t>
+            </a:r>
+          </a:p>
+        </p:txBody>
+      </p:sp>
+      <p:sp>
+        <p:nvSpPr>
+          <p:cNvPr id="17" name="Inhaltsplatzhalter 2">
+            <a:extLst>
+              <a:ext uri="{FF2B5EF4-FFF2-40B4-BE49-F238E27FC236}">
+                <a16:creationId xmlns:a16="http://schemas.microsoft.com/office/drawing/2014/main" id="{7972609A-0966-DB45-F943-0F2A4831452F}"/>
+              </a:ext>
+            </a:extLst>
+          </p:cNvPr>
+          <p:cNvSpPr>
+            <a:spLocks noGrp="1"/>
+          </p:cNvSpPr>
+          <p:nvPr>
+            <p:ph idx="1"/>
+          </p:nvPr>
+        </p:nvSpPr>
+        <p:spPr>
+          <a:xfrm>
+            <a:off x="758952" y="2413169"/>
+            <a:ext cx="6039340" cy="3368920"/>
+          </a:xfrm>
+        </p:spPr>
+        <p:txBody>
+          <a:bodyPr anchor="t">
+            <a:normAutofit/>
+          </a:bodyPr>
+          <a:lstStyle/>
+          <a:p>
+            <a:r>
+              <a:rPr lang="en-US" dirty="0" err="1"/>
+              <a:t>Varaibale</a:t>
+            </a:r>
+            <a:r>
+              <a:rPr lang="en-US" dirty="0"/>
+              <a:t> dense layers</a:t>
+            </a:r>
+          </a:p>
+          <a:p>
+            <a:r>
+              <a:rPr lang="en-US" dirty="0" err="1"/>
+              <a:t>Varaible</a:t>
+            </a:r>
+            <a:r>
+              <a:rPr lang="en-US" dirty="0"/>
+              <a:t> LSTM layers</a:t>
+            </a:r>
+          </a:p>
+          <a:p>
+            <a:r>
+              <a:rPr lang="en-US" dirty="0"/>
+              <a:t>One dense layer</a:t>
+            </a:r>
+          </a:p>
+        </p:txBody>
+      </p:sp>
+      <p:sp>
+        <p:nvSpPr>
+          <p:cNvPr id="23" name="Freeform 6">
+            <a:extLst>
+              <a:ext uri="{FF2B5EF4-FFF2-40B4-BE49-F238E27FC236}">
+                <a16:creationId xmlns:a16="http://schemas.microsoft.com/office/drawing/2014/main" id="{A101E513-AF74-4E9D-A31F-99664250722D}"/>
+              </a:ext>
+              <a:ext uri="{C183D7F6-B498-43B3-948B-1728B52AA6E4}">
+                <adec:decorative xmlns:adec="http://schemas.microsoft.com/office/drawing/2017/decorative" val="1"/>
+              </a:ext>
+            </a:extLst>
+          </p:cNvPr>
+          <p:cNvSpPr>
+            <a:spLocks noGrp="1" noRot="1" noChangeAspect="1" noMove="1" noResize="1" noEditPoints="1" noAdjustHandles="1" noChangeArrowheads="1" noChangeShapeType="1" noTextEdit="1"/>
+          </p:cNvSpPr>
+          <p:nvPr>
+            <p:extLst>
+              <p:ext uri="{386F3935-93C4-4BCD-93E2-E3B085C9AB24}">
+                <p16:designElem xmlns:p16="http://schemas.microsoft.com/office/powerpoint/2015/main" val="1"/>
+              </p:ext>
+            </p:extLst>
+          </p:nvPr>
+        </p:nvSpPr>
+        <p:spPr bwMode="auto">
+          <a:xfrm>
+            <a:off x="11784011" y="5783564"/>
+            <a:ext cx="407988" cy="819150"/>
+          </a:xfrm>
+          <a:custGeom>
+            <a:avLst/>
+            <a:gdLst/>
+            <a:ahLst/>
+            <a:cxnLst/>
+            <a:rect l="0" t="0" r="r" b="b"/>
+            <a:pathLst>
+              <a:path w="1799" h="3612">
+                <a:moveTo>
+                  <a:pt x="1799" y="0"/>
+                </a:moveTo>
+                <a:lnTo>
+                  <a:pt x="1799" y="3612"/>
+                </a:lnTo>
+                <a:lnTo>
+                  <a:pt x="1686" y="3609"/>
+                </a:lnTo>
+                <a:lnTo>
+                  <a:pt x="1574" y="3598"/>
+                </a:lnTo>
+                <a:lnTo>
+                  <a:pt x="1464" y="3581"/>
+                </a:lnTo>
+                <a:lnTo>
+                  <a:pt x="1357" y="3557"/>
+                </a:lnTo>
+                <a:lnTo>
+                  <a:pt x="1251" y="3527"/>
+                </a:lnTo>
+                <a:lnTo>
+                  <a:pt x="1150" y="3490"/>
+                </a:lnTo>
+                <a:lnTo>
+                  <a:pt x="1050" y="3448"/>
+                </a:lnTo>
+                <a:lnTo>
+                  <a:pt x="953" y="3401"/>
+                </a:lnTo>
+                <a:lnTo>
+                  <a:pt x="860" y="3347"/>
+                </a:lnTo>
+                <a:lnTo>
+                  <a:pt x="771" y="3289"/>
+                </a:lnTo>
+                <a:lnTo>
+                  <a:pt x="686" y="3224"/>
+                </a:lnTo>
+                <a:lnTo>
+                  <a:pt x="604" y="3156"/>
+                </a:lnTo>
+                <a:lnTo>
+                  <a:pt x="527" y="3083"/>
+                </a:lnTo>
+                <a:lnTo>
+                  <a:pt x="454" y="3005"/>
+                </a:lnTo>
+                <a:lnTo>
+                  <a:pt x="386" y="2923"/>
+                </a:lnTo>
+                <a:lnTo>
+                  <a:pt x="323" y="2838"/>
+                </a:lnTo>
+                <a:lnTo>
+                  <a:pt x="265" y="2748"/>
+                </a:lnTo>
+                <a:lnTo>
+                  <a:pt x="211" y="2655"/>
+                </a:lnTo>
+                <a:lnTo>
+                  <a:pt x="163" y="2559"/>
+                </a:lnTo>
+                <a:lnTo>
+                  <a:pt x="121" y="2459"/>
+                </a:lnTo>
+                <a:lnTo>
+                  <a:pt x="85" y="2356"/>
+                </a:lnTo>
+                <a:lnTo>
+                  <a:pt x="55" y="2251"/>
+                </a:lnTo>
+                <a:lnTo>
+                  <a:pt x="32" y="2143"/>
+                </a:lnTo>
+                <a:lnTo>
+                  <a:pt x="14" y="2033"/>
+                </a:lnTo>
+                <a:lnTo>
+                  <a:pt x="4" y="1920"/>
+                </a:lnTo>
+                <a:lnTo>
+                  <a:pt x="0" y="1806"/>
+                </a:lnTo>
+                <a:lnTo>
+                  <a:pt x="4" y="1692"/>
+                </a:lnTo>
+                <a:lnTo>
+                  <a:pt x="14" y="1580"/>
+                </a:lnTo>
+                <a:lnTo>
+                  <a:pt x="32" y="1469"/>
+                </a:lnTo>
+                <a:lnTo>
+                  <a:pt x="55" y="1362"/>
+                </a:lnTo>
+                <a:lnTo>
+                  <a:pt x="85" y="1256"/>
+                </a:lnTo>
+                <a:lnTo>
+                  <a:pt x="121" y="1154"/>
+                </a:lnTo>
+                <a:lnTo>
+                  <a:pt x="163" y="1054"/>
+                </a:lnTo>
+                <a:lnTo>
+                  <a:pt x="211" y="958"/>
+                </a:lnTo>
+                <a:lnTo>
+                  <a:pt x="265" y="864"/>
+                </a:lnTo>
+                <a:lnTo>
+                  <a:pt x="323" y="774"/>
+                </a:lnTo>
+                <a:lnTo>
+                  <a:pt x="386" y="689"/>
+                </a:lnTo>
+                <a:lnTo>
+                  <a:pt x="454" y="607"/>
+                </a:lnTo>
+                <a:lnTo>
+                  <a:pt x="527" y="529"/>
+                </a:lnTo>
+                <a:lnTo>
+                  <a:pt x="604" y="456"/>
+                </a:lnTo>
+                <a:lnTo>
+                  <a:pt x="686" y="388"/>
+                </a:lnTo>
+                <a:lnTo>
+                  <a:pt x="771" y="325"/>
+                </a:lnTo>
+                <a:lnTo>
+                  <a:pt x="860" y="266"/>
+                </a:lnTo>
+                <a:lnTo>
+                  <a:pt x="953" y="212"/>
+                </a:lnTo>
+                <a:lnTo>
+                  <a:pt x="1050" y="164"/>
+                </a:lnTo>
+                <a:lnTo>
+                  <a:pt x="1150" y="122"/>
+                </a:lnTo>
+                <a:lnTo>
+                  <a:pt x="1251" y="85"/>
+                </a:lnTo>
+                <a:lnTo>
+                  <a:pt x="1357" y="55"/>
+                </a:lnTo>
+                <a:lnTo>
+                  <a:pt x="1464" y="32"/>
+                </a:lnTo>
+                <a:lnTo>
+                  <a:pt x="1574" y="14"/>
+                </a:lnTo>
+                <a:lnTo>
+                  <a:pt x="1686" y="5"/>
+                </a:lnTo>
+                <a:lnTo>
+                  <a:pt x="1799" y="0"/>
+                </a:lnTo>
+                <a:close/>
+              </a:path>
+            </a:pathLst>
+          </a:custGeom>
+          <a:solidFill>
+            <a:schemeClr val="tx1">
+              <a:lumMod val="85000"/>
+              <a:lumOff val="15000"/>
+            </a:schemeClr>
+          </a:solidFill>
+          <a:ln w="0">
+            <a:noFill/>
+            <a:prstDash val="solid"/>
+            <a:round/>
+            <a:headEnd/>
+            <a:tailEnd/>
+          </a:ln>
+        </p:spPr>
+        <p:txBody>
+          <a:bodyPr anchor="ctr"/>
+          <a:lstStyle/>
+          <a:p>
+            <a:endParaRPr lang="en-US"/>
+          </a:p>
+        </p:txBody>
+      </p:sp>
+      <p:sp>
+        <p:nvSpPr>
+          <p:cNvPr id="3" name="Textfeld 2">
+            <a:extLst>
+              <a:ext uri="{FF2B5EF4-FFF2-40B4-BE49-F238E27FC236}">
+                <a16:creationId xmlns:a16="http://schemas.microsoft.com/office/drawing/2014/main" id="{93D6CF53-1C38-70DF-259A-63B6A6AD77ED}"/>
+              </a:ext>
+            </a:extLst>
+          </p:cNvPr>
+          <p:cNvSpPr txBox="1"/>
+          <p:nvPr/>
+        </p:nvSpPr>
+        <p:spPr>
+          <a:xfrm>
+            <a:off x="758951" y="1562773"/>
+            <a:ext cx="3143250" cy="369332"/>
+          </a:xfrm>
+          <a:prstGeom prst="rect">
+            <a:avLst/>
+          </a:prstGeom>
+          <a:noFill/>
+        </p:spPr>
+        <p:txBody>
+          <a:bodyPr wrap="square" rtlCol="0">
+            <a:spAutoFit/>
+          </a:bodyPr>
+          <a:lstStyle/>
+          <a:p>
+            <a:r>
+              <a:rPr lang="en-US" dirty="0">
+                <a:solidFill>
+                  <a:schemeClr val="bg1">
+                    <a:lumMod val="95000"/>
+                  </a:schemeClr>
+                </a:solidFill>
+              </a:rPr>
+              <a:t>Second </a:t>
+            </a:r>
+            <a:r>
+              <a:rPr lang="en-US" dirty="0" err="1">
+                <a:solidFill>
+                  <a:schemeClr val="bg1">
+                    <a:lumMod val="95000"/>
+                  </a:schemeClr>
+                </a:solidFill>
+              </a:rPr>
+              <a:t>optuna</a:t>
+            </a:r>
+            <a:r>
+              <a:rPr lang="en-US" dirty="0">
+                <a:solidFill>
+                  <a:schemeClr val="bg1">
+                    <a:lumMod val="95000"/>
+                  </a:schemeClr>
+                </a:solidFill>
+              </a:rPr>
+              <a:t> study</a:t>
+            </a:r>
+          </a:p>
+        </p:txBody>
+      </p:sp>
+    </p:spTree>
+    <p:extLst>
+      <p:ext uri="{BB962C8B-B14F-4D97-AF65-F5344CB8AC3E}">
+        <p14:creationId xmlns:p14="http://schemas.microsoft.com/office/powerpoint/2010/main" val="2926217838"/>
+      </p:ext>
+    </p:extLst>
+  </p:cSld>
+  <p:clrMapOvr>
+    <a:masterClrMapping/>
+  </p:clrMapOvr>
+</p:sld>
+</file>
+
+<file path=ppt/slides/slide12.xml><?xml version="1.0" encoding="utf-8"?>
+<p:sld xmlns:a="http://schemas.openxmlformats.org/drawingml/2006/main" xmlns:r="http://schemas.openxmlformats.org/officeDocument/2006/relationships" xmlns:p="http://schemas.openxmlformats.org/presentationml/2006/main">
+  <p:cSld>
+    <p:bg>
+      <p:bgPr>
+        <a:solidFill>
+          <a:schemeClr val="bg2"/>
+        </a:solidFill>
+        <a:effectLst/>
+      </p:bgPr>
+    </p:bg>
+    <p:spTree>
+      <p:nvGrpSpPr>
+        <p:cNvPr id="1" name=""/>
+        <p:cNvGrpSpPr/>
+        <p:nvPr/>
+      </p:nvGrpSpPr>
+      <p:grpSpPr>
+        <a:xfrm>
+          <a:off x="0" y="0"/>
+          <a:ext cx="0" cy="0"/>
+          <a:chOff x="0" y="0"/>
+          <a:chExt cx="0" cy="0"/>
+        </a:xfrm>
+      </p:grpSpPr>
+      <p:sp useBgFill="1">
+        <p:nvSpPr>
+          <p:cNvPr id="19" name="Rectangle 18">
+            <a:extLst>
+              <a:ext uri="{FF2B5EF4-FFF2-40B4-BE49-F238E27FC236}">
+                <a16:creationId xmlns:a16="http://schemas.microsoft.com/office/drawing/2014/main" id="{C5176844-69C3-4F79-BE38-EA5BDDF4FEA4}"/>
+              </a:ext>
+              <a:ext uri="{C183D7F6-B498-43B3-948B-1728B52AA6E4}">
+                <adec:decorative xmlns:adec="http://schemas.microsoft.com/office/drawing/2017/decorative" val="1"/>
+              </a:ext>
+            </a:extLst>
+          </p:cNvPr>
+          <p:cNvSpPr>
+            <a:spLocks noGrp="1" noRot="1" noChangeAspect="1" noMove="1" noResize="1" noEditPoints="1" noAdjustHandles="1" noChangeArrowheads="1" noChangeShapeType="1" noTextEdit="1"/>
+          </p:cNvSpPr>
+          <p:nvPr>
+            <p:extLst>
+              <p:ext uri="{386F3935-93C4-4BCD-93E2-E3B085C9AB24}">
+                <p16:designElem xmlns:p16="http://schemas.microsoft.com/office/powerpoint/2015/main" val="1"/>
+              </p:ext>
+            </p:extLst>
+          </p:nvPr>
+        </p:nvSpPr>
+        <p:spPr>
+          <a:xfrm>
+            <a:off x="0" y="0"/>
+            <a:ext cx="12192000" cy="6858000"/>
+          </a:xfrm>
+          <a:prstGeom prst="rect">
+            <a:avLst/>
+          </a:prstGeom>
+          <a:ln>
+            <a:noFill/>
+          </a:ln>
+        </p:spPr>
+        <p:style>
+          <a:lnRef idx="2">
+            <a:schemeClr val="accent1">
+              <a:shade val="50000"/>
+            </a:schemeClr>
+          </a:lnRef>
+          <a:fillRef idx="1">
+            <a:schemeClr val="accent1"/>
+          </a:fillRef>
+          <a:effectRef idx="0">
+            <a:schemeClr val="accent1"/>
+          </a:effectRef>
+          <a:fontRef idx="minor">
+            <a:schemeClr val="lt1"/>
+          </a:fontRef>
+        </p:style>
+        <p:txBody>
+          <a:bodyPr rtlCol="0" anchor="ctr"/>
+          <a:lstStyle/>
+          <a:p>
+            <a:pPr algn="ctr"/>
+            <a:endParaRPr lang="en-US"/>
+          </a:p>
+        </p:txBody>
+      </p:sp>
+      <p:sp>
+        <p:nvSpPr>
+          <p:cNvPr id="21" name="Rectangle 20">
+            <a:extLst>
+              <a:ext uri="{FF2B5EF4-FFF2-40B4-BE49-F238E27FC236}">
+                <a16:creationId xmlns:a16="http://schemas.microsoft.com/office/drawing/2014/main" id="{41113FF5-9B84-4A89-BF52-EA3C7E01AA3B}"/>
+              </a:ext>
+              <a:ext uri="{C183D7F6-B498-43B3-948B-1728B52AA6E4}">
+                <adec:decorative xmlns:adec="http://schemas.microsoft.com/office/drawing/2017/decorative" val="1"/>
+              </a:ext>
+            </a:extLst>
+          </p:cNvPr>
+          <p:cNvSpPr>
+            <a:spLocks noGrp="1" noRot="1" noChangeAspect="1" noMove="1" noResize="1" noEditPoints="1" noAdjustHandles="1" noChangeArrowheads="1" noChangeShapeType="1" noTextEdit="1"/>
+          </p:cNvSpPr>
+          <p:nvPr>
+            <p:extLst>
+              <p:ext uri="{386F3935-93C4-4BCD-93E2-E3B085C9AB24}">
+                <p16:designElem xmlns:p16="http://schemas.microsoft.com/office/powerpoint/2015/main" val="1"/>
+              </p:ext>
+            </p:extLst>
+          </p:nvPr>
+        </p:nvSpPr>
+        <p:spPr>
+          <a:xfrm>
+            <a:off x="0" y="1"/>
+            <a:ext cx="12191999" cy="1955968"/>
+          </a:xfrm>
+          <a:prstGeom prst="rect">
+            <a:avLst/>
+          </a:prstGeom>
+          <a:solidFill>
+            <a:schemeClr val="tx1">
+              <a:lumMod val="85000"/>
+              <a:lumOff val="15000"/>
+            </a:schemeClr>
+          </a:solidFill>
+          <a:ln>
+            <a:noFill/>
+          </a:ln>
+        </p:spPr>
+        <p:style>
+          <a:lnRef idx="2">
+            <a:schemeClr val="accent1">
+              <a:shade val="50000"/>
+            </a:schemeClr>
+          </a:lnRef>
+          <a:fillRef idx="1">
+            <a:schemeClr val="accent1"/>
+          </a:fillRef>
+          <a:effectRef idx="0">
+            <a:schemeClr val="accent1"/>
+          </a:effectRef>
+          <a:fontRef idx="minor">
+            <a:schemeClr val="lt1"/>
+          </a:fontRef>
+        </p:style>
+        <p:txBody>
+          <a:bodyPr rtlCol="0" anchor="ctr"/>
+          <a:lstStyle/>
+          <a:p>
+            <a:pPr algn="ctr"/>
+            <a:endParaRPr lang="en-US"/>
+          </a:p>
+        </p:txBody>
+      </p:sp>
+      <p:sp>
+        <p:nvSpPr>
+          <p:cNvPr id="2" name="Titel 1">
+            <a:extLst>
+              <a:ext uri="{FF2B5EF4-FFF2-40B4-BE49-F238E27FC236}">
+                <a16:creationId xmlns:a16="http://schemas.microsoft.com/office/drawing/2014/main" id="{892F3CD8-8FA0-EC2F-A30C-B9F922F20BB6}"/>
+              </a:ext>
+            </a:extLst>
+          </p:cNvPr>
+          <p:cNvSpPr>
+            <a:spLocks noGrp="1"/>
+          </p:cNvSpPr>
+          <p:nvPr>
+            <p:ph type="title"/>
+          </p:nvPr>
+        </p:nvSpPr>
+        <p:spPr>
+          <a:xfrm>
+            <a:off x="758952" y="420625"/>
+            <a:ext cx="10667998" cy="1326814"/>
+          </a:xfrm>
+        </p:spPr>
+        <p:txBody>
+          <a:bodyPr anchor="ctr">
+            <a:normAutofit/>
+          </a:bodyPr>
+          <a:lstStyle/>
+          <a:p>
+            <a:r>
+              <a:rPr lang="en-US" dirty="0">
+                <a:solidFill>
+                  <a:schemeClr val="bg1"/>
+                </a:solidFill>
+              </a:rPr>
               <a:t>Problems</a:t>
             </a:r>
           </a:p>
@@ -11152,7 +18725,13 @@
           <a:p>
             <a:r>
               <a:rPr lang="en-US" dirty="0"/>
-              <a:t>Model only training to middle point of trajectory (somewhat solved)</a:t>
+              <a:t>Model could not train for value range required (solved)</a:t>
+            </a:r>
+          </a:p>
+          <a:p>
+            <a:r>
+              <a:rPr lang="en-US" dirty="0"/>
+              <a:t>Computational resources and time</a:t>
             </a:r>
           </a:p>
           <a:p>
@@ -12056,13 +19635,13 @@
             <p:ph idx="1"/>
             <p:extLst>
               <p:ext uri="{D42A27DB-BD31-4B8C-83A1-F6EECF244321}">
-                <p14:modId xmlns:p14="http://schemas.microsoft.com/office/powerpoint/2010/main" val="2139668949"/>
+                <p14:modId xmlns:p14="http://schemas.microsoft.com/office/powerpoint/2010/main" val="334718398"/>
               </p:ext>
             </p:extLst>
           </p:nvPr>
         </p:nvGraphicFramePr>
         <p:xfrm>
-          <a:off x="758824" y="2607732"/>
+          <a:off x="1888236" y="2842863"/>
           <a:ext cx="8412480" cy="3174357"/>
         </p:xfrm>
         <a:graphic>
@@ -12558,6 +20137,16 @@
             </a:pPr>
             <a:r>
               <a:rPr lang="en-US" dirty="0"/>
+              <a:t>Raw IMU measurements</a:t>
+            </a:r>
+          </a:p>
+          <a:p>
+            <a:pPr marL="468630" lvl="1" indent="-285750">
+              <a:buFont typeface="Arial" panose="020B0604020202020204" pitchFamily="34" charset="0"/>
+              <a:buChar char="•"/>
+            </a:pPr>
+            <a:r>
+              <a:rPr lang="en-US" dirty="0"/>
               <a:t>Correction factors</a:t>
             </a:r>
           </a:p>
@@ -12572,7 +20161,7 @@
             </a:r>
             <a:r>
               <a:rPr lang="en-US" dirty="0" err="1"/>
-              <a:t>Pseudorange</a:t>
+              <a:t>pseudorange</a:t>
             </a:r>
             <a:r>
               <a:rPr lang="en-US" dirty="0"/>
@@ -13340,7 +20929,7 @@
       </p:grpSpPr>
       <p:sp useBgFill="1">
         <p:nvSpPr>
-          <p:cNvPr id="8" name="Rectangle 7">
+          <p:cNvPr id="30" name="Rectangle 18">
             <a:extLst>
               <a:ext uri="{FF2B5EF4-FFF2-40B4-BE49-F238E27FC236}">
                 <a16:creationId xmlns:a16="http://schemas.microsoft.com/office/drawing/2014/main" id="{C5176844-69C3-4F79-BE38-EA5BDDF4FEA4}"/>
@@ -13400,7 +20989,538 @@
       </p:sp>
       <p:sp>
         <p:nvSpPr>
-          <p:cNvPr id="10" name="Rectangle 9">
+          <p:cNvPr id="31" name="Rectangle 20">
+            <a:extLst>
+              <a:ext uri="{FF2B5EF4-FFF2-40B4-BE49-F238E27FC236}">
+                <a16:creationId xmlns:a16="http://schemas.microsoft.com/office/drawing/2014/main" id="{41113FF5-9B84-4A89-BF52-EA3C7E01AA3B}"/>
+              </a:ext>
+              <a:ext uri="{C183D7F6-B498-43B3-948B-1728B52AA6E4}">
+                <adec:decorative xmlns:adec="http://schemas.microsoft.com/office/drawing/2017/decorative" val="1"/>
+              </a:ext>
+            </a:extLst>
+          </p:cNvPr>
+          <p:cNvSpPr>
+            <a:spLocks noGrp="1" noRot="1" noChangeAspect="1" noMove="1" noResize="1" noEditPoints="1" noAdjustHandles="1" noChangeArrowheads="1" noChangeShapeType="1" noTextEdit="1"/>
+          </p:cNvSpPr>
+          <p:nvPr>
+            <p:extLst>
+              <p:ext uri="{386F3935-93C4-4BCD-93E2-E3B085C9AB24}">
+                <p16:designElem xmlns:p16="http://schemas.microsoft.com/office/powerpoint/2015/main" val="1"/>
+              </p:ext>
+            </p:extLst>
+          </p:nvPr>
+        </p:nvSpPr>
+        <p:spPr>
+          <a:xfrm>
+            <a:off x="0" y="1"/>
+            <a:ext cx="12191999" cy="1955968"/>
+          </a:xfrm>
+          <a:prstGeom prst="rect">
+            <a:avLst/>
+          </a:prstGeom>
+          <a:solidFill>
+            <a:schemeClr val="tx1">
+              <a:lumMod val="85000"/>
+              <a:lumOff val="15000"/>
+            </a:schemeClr>
+          </a:solidFill>
+          <a:ln>
+            <a:noFill/>
+          </a:ln>
+        </p:spPr>
+        <p:style>
+          <a:lnRef idx="2">
+            <a:schemeClr val="accent1">
+              <a:shade val="50000"/>
+            </a:schemeClr>
+          </a:lnRef>
+          <a:fillRef idx="1">
+            <a:schemeClr val="accent1"/>
+          </a:fillRef>
+          <a:effectRef idx="0">
+            <a:schemeClr val="accent1"/>
+          </a:effectRef>
+          <a:fontRef idx="minor">
+            <a:schemeClr val="lt1"/>
+          </a:fontRef>
+        </p:style>
+        <p:txBody>
+          <a:bodyPr rtlCol="0" anchor="ctr"/>
+          <a:lstStyle/>
+          <a:p>
+            <a:pPr algn="ctr"/>
+            <a:endParaRPr lang="en-US"/>
+          </a:p>
+        </p:txBody>
+      </p:sp>
+      <p:sp>
+        <p:nvSpPr>
+          <p:cNvPr id="2" name="Titel 1">
+            <a:extLst>
+              <a:ext uri="{FF2B5EF4-FFF2-40B4-BE49-F238E27FC236}">
+                <a16:creationId xmlns:a16="http://schemas.microsoft.com/office/drawing/2014/main" id="{892F3CD8-8FA0-EC2F-A30C-B9F922F20BB6}"/>
+              </a:ext>
+            </a:extLst>
+          </p:cNvPr>
+          <p:cNvSpPr>
+            <a:spLocks noGrp="1"/>
+          </p:cNvSpPr>
+          <p:nvPr>
+            <p:ph type="title"/>
+          </p:nvPr>
+        </p:nvSpPr>
+        <p:spPr>
+          <a:xfrm>
+            <a:off x="758952" y="420625"/>
+            <a:ext cx="10667998" cy="1326814"/>
+          </a:xfrm>
+        </p:spPr>
+        <p:txBody>
+          <a:bodyPr anchor="ctr">
+            <a:normAutofit/>
+          </a:bodyPr>
+          <a:lstStyle/>
+          <a:p>
+            <a:r>
+              <a:rPr lang="en-US" dirty="0">
+                <a:solidFill>
+                  <a:schemeClr val="bg1"/>
+                </a:solidFill>
+              </a:rPr>
+              <a:t>Data Preparation</a:t>
+            </a:r>
+          </a:p>
+        </p:txBody>
+      </p:sp>
+      <p:sp>
+        <p:nvSpPr>
+          <p:cNvPr id="3" name="Inhaltsplatzhalter 2">
+            <a:extLst>
+              <a:ext uri="{FF2B5EF4-FFF2-40B4-BE49-F238E27FC236}">
+                <a16:creationId xmlns:a16="http://schemas.microsoft.com/office/drawing/2014/main" id="{7972609A-0966-DB45-F943-0F2A4831452F}"/>
+              </a:ext>
+            </a:extLst>
+          </p:cNvPr>
+          <p:cNvSpPr>
+            <a:spLocks noGrp="1"/>
+          </p:cNvSpPr>
+          <p:nvPr>
+            <p:ph idx="1"/>
+          </p:nvPr>
+        </p:nvSpPr>
+        <p:spPr>
+          <a:xfrm>
+            <a:off x="758952" y="2413169"/>
+            <a:ext cx="6039340" cy="3368920"/>
+          </a:xfrm>
+        </p:spPr>
+        <p:txBody>
+          <a:bodyPr anchor="ctr">
+            <a:normAutofit/>
+          </a:bodyPr>
+          <a:lstStyle/>
+          <a:p>
+            <a:r>
+              <a:rPr lang="en-US" dirty="0"/>
+              <a:t>(Mostly) Empty columns are dumped</a:t>
+            </a:r>
+          </a:p>
+          <a:p>
+            <a:r>
+              <a:rPr lang="en-US" dirty="0"/>
+              <a:t>Mostly constant values are dumped</a:t>
+            </a:r>
+          </a:p>
+          <a:p>
+            <a:r>
+              <a:rPr lang="en-US" dirty="0"/>
+              <a:t>Variance and Mean calculated from IMU Data</a:t>
+            </a:r>
+          </a:p>
+          <a:p>
+            <a:endParaRPr lang="en-US" dirty="0"/>
+          </a:p>
+          <a:p>
+            <a:pPr marL="0" indent="0">
+              <a:buNone/>
+            </a:pPr>
+            <a:r>
+              <a:rPr lang="en-US" dirty="0">
+                <a:sym typeface="Wingdings" panose="05000000000000000000" pitchFamily="2" charset="2"/>
+              </a:rPr>
+              <a:t> 15 features out of 58 + 9 used  </a:t>
+            </a:r>
+            <a:endParaRPr lang="en-US" dirty="0"/>
+          </a:p>
+          <a:p>
+            <a:endParaRPr lang="en-US" dirty="0"/>
+          </a:p>
+        </p:txBody>
+      </p:sp>
+      <p:pic>
+        <p:nvPicPr>
+          <p:cNvPr id="32" name="Graphic 15" descr="Filter">
+            <a:extLst>
+              <a:ext uri="{FF2B5EF4-FFF2-40B4-BE49-F238E27FC236}">
+                <a16:creationId xmlns:a16="http://schemas.microsoft.com/office/drawing/2014/main" id="{13D7579A-B6F3-1526-E1C8-2B1E878A1359}"/>
+              </a:ext>
+            </a:extLst>
+          </p:cNvPr>
+          <p:cNvPicPr>
+            <a:picLocks noChangeAspect="1"/>
+          </p:cNvPicPr>
+          <p:nvPr/>
+        </p:nvPicPr>
+        <p:blipFill>
+          <a:blip r:embed="rId2">
+            <a:extLst>
+              <a:ext uri="{28A0092B-C50C-407E-A947-70E740481C1C}">
+                <a14:useLocalDpi xmlns:a14="http://schemas.microsoft.com/office/drawing/2010/main" val="0"/>
+              </a:ext>
+              <a:ext uri="{96DAC541-7B7A-43D3-8B79-37D633B846F1}">
+                <asvg:svgBlip xmlns:asvg="http://schemas.microsoft.com/office/drawing/2016/SVG/main" r:embed="rId3"/>
+              </a:ext>
+            </a:extLst>
+          </a:blip>
+          <a:stretch>
+            <a:fillRect/>
+          </a:stretch>
+        </p:blipFill>
+        <p:spPr>
+          <a:xfrm>
+            <a:off x="7755253" y="2413169"/>
+            <a:ext cx="3370396" cy="3370396"/>
+          </a:xfrm>
+          <a:prstGeom prst="rect">
+            <a:avLst/>
+          </a:prstGeom>
+        </p:spPr>
+      </p:pic>
+      <p:sp>
+        <p:nvSpPr>
+          <p:cNvPr id="33" name="Freeform 6">
+            <a:extLst>
+              <a:ext uri="{FF2B5EF4-FFF2-40B4-BE49-F238E27FC236}">
+                <a16:creationId xmlns:a16="http://schemas.microsoft.com/office/drawing/2014/main" id="{A101E513-AF74-4E9D-A31F-99664250722D}"/>
+              </a:ext>
+              <a:ext uri="{C183D7F6-B498-43B3-948B-1728B52AA6E4}">
+                <adec:decorative xmlns:adec="http://schemas.microsoft.com/office/drawing/2017/decorative" val="1"/>
+              </a:ext>
+            </a:extLst>
+          </p:cNvPr>
+          <p:cNvSpPr>
+            <a:spLocks noGrp="1" noRot="1" noChangeAspect="1" noMove="1" noResize="1" noEditPoints="1" noAdjustHandles="1" noChangeArrowheads="1" noChangeShapeType="1" noTextEdit="1"/>
+          </p:cNvSpPr>
+          <p:nvPr>
+            <p:extLst>
+              <p:ext uri="{386F3935-93C4-4BCD-93E2-E3B085C9AB24}">
+                <p16:designElem xmlns:p16="http://schemas.microsoft.com/office/powerpoint/2015/main" val="1"/>
+              </p:ext>
+            </p:extLst>
+          </p:nvPr>
+        </p:nvSpPr>
+        <p:spPr bwMode="auto">
+          <a:xfrm>
+            <a:off x="11784011" y="5783564"/>
+            <a:ext cx="407988" cy="819150"/>
+          </a:xfrm>
+          <a:custGeom>
+            <a:avLst/>
+            <a:gdLst/>
+            <a:ahLst/>
+            <a:cxnLst/>
+            <a:rect l="0" t="0" r="r" b="b"/>
+            <a:pathLst>
+              <a:path w="1799" h="3612">
+                <a:moveTo>
+                  <a:pt x="1799" y="0"/>
+                </a:moveTo>
+                <a:lnTo>
+                  <a:pt x="1799" y="3612"/>
+                </a:lnTo>
+                <a:lnTo>
+                  <a:pt x="1686" y="3609"/>
+                </a:lnTo>
+                <a:lnTo>
+                  <a:pt x="1574" y="3598"/>
+                </a:lnTo>
+                <a:lnTo>
+                  <a:pt x="1464" y="3581"/>
+                </a:lnTo>
+                <a:lnTo>
+                  <a:pt x="1357" y="3557"/>
+                </a:lnTo>
+                <a:lnTo>
+                  <a:pt x="1251" y="3527"/>
+                </a:lnTo>
+                <a:lnTo>
+                  <a:pt x="1150" y="3490"/>
+                </a:lnTo>
+                <a:lnTo>
+                  <a:pt x="1050" y="3448"/>
+                </a:lnTo>
+                <a:lnTo>
+                  <a:pt x="953" y="3401"/>
+                </a:lnTo>
+                <a:lnTo>
+                  <a:pt x="860" y="3347"/>
+                </a:lnTo>
+                <a:lnTo>
+                  <a:pt x="771" y="3289"/>
+                </a:lnTo>
+                <a:lnTo>
+                  <a:pt x="686" y="3224"/>
+                </a:lnTo>
+                <a:lnTo>
+                  <a:pt x="604" y="3156"/>
+                </a:lnTo>
+                <a:lnTo>
+                  <a:pt x="527" y="3083"/>
+                </a:lnTo>
+                <a:lnTo>
+                  <a:pt x="454" y="3005"/>
+                </a:lnTo>
+                <a:lnTo>
+                  <a:pt x="386" y="2923"/>
+                </a:lnTo>
+                <a:lnTo>
+                  <a:pt x="323" y="2838"/>
+                </a:lnTo>
+                <a:lnTo>
+                  <a:pt x="265" y="2748"/>
+                </a:lnTo>
+                <a:lnTo>
+                  <a:pt x="211" y="2655"/>
+                </a:lnTo>
+                <a:lnTo>
+                  <a:pt x="163" y="2559"/>
+                </a:lnTo>
+                <a:lnTo>
+                  <a:pt x="121" y="2459"/>
+                </a:lnTo>
+                <a:lnTo>
+                  <a:pt x="85" y="2356"/>
+                </a:lnTo>
+                <a:lnTo>
+                  <a:pt x="55" y="2251"/>
+                </a:lnTo>
+                <a:lnTo>
+                  <a:pt x="32" y="2143"/>
+                </a:lnTo>
+                <a:lnTo>
+                  <a:pt x="14" y="2033"/>
+                </a:lnTo>
+                <a:lnTo>
+                  <a:pt x="4" y="1920"/>
+                </a:lnTo>
+                <a:lnTo>
+                  <a:pt x="0" y="1806"/>
+                </a:lnTo>
+                <a:lnTo>
+                  <a:pt x="4" y="1692"/>
+                </a:lnTo>
+                <a:lnTo>
+                  <a:pt x="14" y="1580"/>
+                </a:lnTo>
+                <a:lnTo>
+                  <a:pt x="32" y="1469"/>
+                </a:lnTo>
+                <a:lnTo>
+                  <a:pt x="55" y="1362"/>
+                </a:lnTo>
+                <a:lnTo>
+                  <a:pt x="85" y="1256"/>
+                </a:lnTo>
+                <a:lnTo>
+                  <a:pt x="121" y="1154"/>
+                </a:lnTo>
+                <a:lnTo>
+                  <a:pt x="163" y="1054"/>
+                </a:lnTo>
+                <a:lnTo>
+                  <a:pt x="211" y="958"/>
+                </a:lnTo>
+                <a:lnTo>
+                  <a:pt x="265" y="864"/>
+                </a:lnTo>
+                <a:lnTo>
+                  <a:pt x="323" y="774"/>
+                </a:lnTo>
+                <a:lnTo>
+                  <a:pt x="386" y="689"/>
+                </a:lnTo>
+                <a:lnTo>
+                  <a:pt x="454" y="607"/>
+                </a:lnTo>
+                <a:lnTo>
+                  <a:pt x="527" y="529"/>
+                </a:lnTo>
+                <a:lnTo>
+                  <a:pt x="604" y="456"/>
+                </a:lnTo>
+                <a:lnTo>
+                  <a:pt x="686" y="388"/>
+                </a:lnTo>
+                <a:lnTo>
+                  <a:pt x="771" y="325"/>
+                </a:lnTo>
+                <a:lnTo>
+                  <a:pt x="860" y="266"/>
+                </a:lnTo>
+                <a:lnTo>
+                  <a:pt x="953" y="212"/>
+                </a:lnTo>
+                <a:lnTo>
+                  <a:pt x="1050" y="164"/>
+                </a:lnTo>
+                <a:lnTo>
+                  <a:pt x="1150" y="122"/>
+                </a:lnTo>
+                <a:lnTo>
+                  <a:pt x="1251" y="85"/>
+                </a:lnTo>
+                <a:lnTo>
+                  <a:pt x="1357" y="55"/>
+                </a:lnTo>
+                <a:lnTo>
+                  <a:pt x="1464" y="32"/>
+                </a:lnTo>
+                <a:lnTo>
+                  <a:pt x="1574" y="14"/>
+                </a:lnTo>
+                <a:lnTo>
+                  <a:pt x="1686" y="5"/>
+                </a:lnTo>
+                <a:lnTo>
+                  <a:pt x="1799" y="0"/>
+                </a:lnTo>
+                <a:close/>
+              </a:path>
+            </a:pathLst>
+          </a:custGeom>
+          <a:solidFill>
+            <a:schemeClr val="tx1">
+              <a:lumMod val="85000"/>
+              <a:lumOff val="15000"/>
+            </a:schemeClr>
+          </a:solidFill>
+          <a:ln w="0">
+            <a:noFill/>
+            <a:prstDash val="solid"/>
+            <a:round/>
+            <a:headEnd/>
+            <a:tailEnd/>
+          </a:ln>
+        </p:spPr>
+        <p:txBody>
+          <a:bodyPr anchor="ctr"/>
+          <a:lstStyle/>
+          <a:p>
+            <a:endParaRPr lang="en-US"/>
+          </a:p>
+        </p:txBody>
+      </p:sp>
+    </p:spTree>
+    <p:extLst>
+      <p:ext uri="{BB962C8B-B14F-4D97-AF65-F5344CB8AC3E}">
+        <p14:creationId xmlns:p14="http://schemas.microsoft.com/office/powerpoint/2010/main" val="1719339943"/>
+      </p:ext>
+    </p:extLst>
+  </p:cSld>
+  <p:clrMapOvr>
+    <a:masterClrMapping/>
+  </p:clrMapOvr>
+</p:sld>
+</file>
+
+<file path=ppt/slides/slide7.xml><?xml version="1.0" encoding="utf-8"?>
+<p:sld xmlns:a="http://schemas.openxmlformats.org/drawingml/2006/main" xmlns:r="http://schemas.openxmlformats.org/officeDocument/2006/relationships" xmlns:p="http://schemas.openxmlformats.org/presentationml/2006/main">
+  <p:cSld>
+    <p:bg>
+      <p:bgPr>
+        <a:solidFill>
+          <a:schemeClr val="bg2"/>
+        </a:solidFill>
+        <a:effectLst/>
+      </p:bgPr>
+    </p:bg>
+    <p:spTree>
+      <p:nvGrpSpPr>
+        <p:cNvPr id="1" name=""/>
+        <p:cNvGrpSpPr/>
+        <p:nvPr/>
+      </p:nvGrpSpPr>
+      <p:grpSpPr>
+        <a:xfrm>
+          <a:off x="0" y="0"/>
+          <a:ext cx="0" cy="0"/>
+          <a:chOff x="0" y="0"/>
+          <a:chExt cx="0" cy="0"/>
+        </a:xfrm>
+      </p:grpSpPr>
+      <p:sp useBgFill="1">
+        <p:nvSpPr>
+          <p:cNvPr id="17" name="Rectangle 16">
+            <a:extLst>
+              <a:ext uri="{FF2B5EF4-FFF2-40B4-BE49-F238E27FC236}">
+                <a16:creationId xmlns:a16="http://schemas.microsoft.com/office/drawing/2014/main" id="{C5176844-69C3-4F79-BE38-EA5BDDF4FEA4}"/>
+              </a:ext>
+              <a:ext uri="{C183D7F6-B498-43B3-948B-1728B52AA6E4}">
+                <adec:decorative xmlns:adec="http://schemas.microsoft.com/office/drawing/2017/decorative" val="1"/>
+              </a:ext>
+            </a:extLst>
+          </p:cNvPr>
+          <p:cNvSpPr>
+            <a:spLocks noGrp="1" noRot="1" noChangeAspect="1" noMove="1" noResize="1" noEditPoints="1" noAdjustHandles="1" noChangeArrowheads="1" noChangeShapeType="1" noTextEdit="1"/>
+          </p:cNvSpPr>
+          <p:nvPr>
+            <p:extLst>
+              <p:ext uri="{386F3935-93C4-4BCD-93E2-E3B085C9AB24}">
+                <p16:designElem xmlns:p16="http://schemas.microsoft.com/office/powerpoint/2015/main" val="1"/>
+              </p:ext>
+            </p:extLst>
+          </p:nvPr>
+        </p:nvSpPr>
+        <p:spPr>
+          <a:xfrm>
+            <a:off x="0" y="0"/>
+            <a:ext cx="12192000" cy="6858000"/>
+          </a:xfrm>
+          <a:prstGeom prst="rect">
+            <a:avLst/>
+          </a:prstGeom>
+          <a:ln>
+            <a:noFill/>
+          </a:ln>
+        </p:spPr>
+        <p:style>
+          <a:lnRef idx="2">
+            <a:schemeClr val="accent1">
+              <a:shade val="50000"/>
+            </a:schemeClr>
+          </a:lnRef>
+          <a:fillRef idx="1">
+            <a:schemeClr val="accent1"/>
+          </a:fillRef>
+          <a:effectRef idx="0">
+            <a:schemeClr val="accent1"/>
+          </a:effectRef>
+          <a:fontRef idx="minor">
+            <a:schemeClr val="lt1"/>
+          </a:fontRef>
+        </p:style>
+        <p:txBody>
+          <a:bodyPr rtlCol="0" anchor="ctr"/>
+          <a:lstStyle/>
+          <a:p>
+            <a:pPr algn="ctr"/>
+            <a:endParaRPr lang="en-US"/>
+          </a:p>
+        </p:txBody>
+      </p:sp>
+      <p:sp>
+        <p:nvSpPr>
+          <p:cNvPr id="19" name="Rectangle 18">
             <a:extLst>
               <a:ext uri="{FF2B5EF4-FFF2-40B4-BE49-F238E27FC236}">
                 <a16:creationId xmlns:a16="http://schemas.microsoft.com/office/drawing/2014/main" id="{1CF1AAE4-D0BC-430F-A613-7BBAAECA0C2D}"/>
@@ -13503,576 +21623,40 @@
           </a:p>
         </p:txBody>
       </p:sp>
-      <p:sp>
-        <p:nvSpPr>
-          <p:cNvPr id="3" name="Inhaltsplatzhalter 2">
+      <p:graphicFrame>
+        <p:nvGraphicFramePr>
+          <p:cNvPr id="34" name="Inhaltsplatzhalter 2">
             <a:extLst>
               <a:ext uri="{FF2B5EF4-FFF2-40B4-BE49-F238E27FC236}">
-                <a16:creationId xmlns:a16="http://schemas.microsoft.com/office/drawing/2014/main" id="{7972609A-0966-DB45-F943-0F2A4831452F}"/>
+                <a16:creationId xmlns:a16="http://schemas.microsoft.com/office/drawing/2014/main" id="{39B9070A-2E98-87AF-B72C-2665C9C4247E}"/>
               </a:ext>
             </a:extLst>
           </p:cNvPr>
-          <p:cNvSpPr>
-            <a:spLocks noGrp="1"/>
-          </p:cNvSpPr>
+          <p:cNvGraphicFramePr>
+            <a:graphicFrameLocks noGrp="1"/>
+          </p:cNvGraphicFramePr>
           <p:nvPr>
             <p:ph idx="1"/>
-          </p:nvPr>
-        </p:nvSpPr>
-        <p:spPr>
-          <a:xfrm>
-            <a:off x="758824" y="2607732"/>
-            <a:ext cx="8412480" cy="3174357"/>
-          </a:xfrm>
-        </p:spPr>
-        <p:txBody>
-          <a:bodyPr>
-            <a:normAutofit/>
-          </a:bodyPr>
-          <a:lstStyle/>
-          <a:p>
-            <a:r>
-              <a:rPr lang="en-US" dirty="0"/>
-              <a:t>(Mostly) Empty columns are dumped</a:t>
-            </a:r>
-          </a:p>
-          <a:p>
-            <a:r>
-              <a:rPr lang="en-US" dirty="0"/>
-              <a:t>Mostly constant values are dumped</a:t>
-            </a:r>
-          </a:p>
-          <a:p>
-            <a:r>
-              <a:rPr lang="en-US" dirty="0"/>
-              <a:t>Variance and Mean calculated from IMU Data</a:t>
-            </a:r>
-          </a:p>
-          <a:p>
-            <a:endParaRPr lang="en-US" dirty="0"/>
-          </a:p>
-          <a:p>
-            <a:pPr marL="0" indent="0">
-              <a:buNone/>
-            </a:pPr>
-            <a:r>
-              <a:rPr lang="en-US" dirty="0">
-                <a:sym typeface="Wingdings" panose="05000000000000000000" pitchFamily="2" charset="2"/>
-              </a:rPr>
-              <a:t> 15 features out of 58 + 9 used  </a:t>
-            </a:r>
-            <a:endParaRPr lang="en-US" dirty="0"/>
-          </a:p>
-          <a:p>
-            <a:endParaRPr lang="en-US" dirty="0"/>
-          </a:p>
-        </p:txBody>
-      </p:sp>
-      <p:sp>
-        <p:nvSpPr>
-          <p:cNvPr id="12" name="Freeform 6">
-            <a:extLst>
-              <a:ext uri="{FF2B5EF4-FFF2-40B4-BE49-F238E27FC236}">
-                <a16:creationId xmlns:a16="http://schemas.microsoft.com/office/drawing/2014/main" id="{A101E513-AF74-4E9D-A31F-99664250722D}"/>
-              </a:ext>
-              <a:ext uri="{C183D7F6-B498-43B3-948B-1728B52AA6E4}">
-                <adec:decorative xmlns:adec="http://schemas.microsoft.com/office/drawing/2017/decorative" val="1"/>
-              </a:ext>
-            </a:extLst>
-          </p:cNvPr>
-          <p:cNvSpPr>
-            <a:spLocks noGrp="1" noRot="1" noChangeAspect="1" noMove="1" noResize="1" noEditPoints="1" noAdjustHandles="1" noChangeArrowheads="1" noChangeShapeType="1" noTextEdit="1"/>
-          </p:cNvSpPr>
-          <p:nvPr>
             <p:extLst>
-              <p:ext uri="{386F3935-93C4-4BCD-93E2-E3B085C9AB24}">
-                <p16:designElem xmlns:p16="http://schemas.microsoft.com/office/powerpoint/2015/main" val="1"/>
+              <p:ext uri="{D42A27DB-BD31-4B8C-83A1-F6EECF244321}">
+                <p14:modId xmlns:p14="http://schemas.microsoft.com/office/powerpoint/2010/main" val="2249821658"/>
               </p:ext>
             </p:extLst>
           </p:nvPr>
-        </p:nvSpPr>
-        <p:spPr bwMode="auto">
-          <a:xfrm>
-            <a:off x="11784011" y="5783564"/>
-            <a:ext cx="407988" cy="819150"/>
-          </a:xfrm>
-          <a:custGeom>
-            <a:avLst/>
-            <a:gdLst/>
-            <a:ahLst/>
-            <a:cxnLst/>
-            <a:rect l="0" t="0" r="r" b="b"/>
-            <a:pathLst>
-              <a:path w="1799" h="3612">
-                <a:moveTo>
-                  <a:pt x="1799" y="0"/>
-                </a:moveTo>
-                <a:lnTo>
-                  <a:pt x="1799" y="3612"/>
-                </a:lnTo>
-                <a:lnTo>
-                  <a:pt x="1686" y="3609"/>
-                </a:lnTo>
-                <a:lnTo>
-                  <a:pt x="1574" y="3598"/>
-                </a:lnTo>
-                <a:lnTo>
-                  <a:pt x="1464" y="3581"/>
-                </a:lnTo>
-                <a:lnTo>
-                  <a:pt x="1357" y="3557"/>
-                </a:lnTo>
-                <a:lnTo>
-                  <a:pt x="1251" y="3527"/>
-                </a:lnTo>
-                <a:lnTo>
-                  <a:pt x="1150" y="3490"/>
-                </a:lnTo>
-                <a:lnTo>
-                  <a:pt x="1050" y="3448"/>
-                </a:lnTo>
-                <a:lnTo>
-                  <a:pt x="953" y="3401"/>
-                </a:lnTo>
-                <a:lnTo>
-                  <a:pt x="860" y="3347"/>
-                </a:lnTo>
-                <a:lnTo>
-                  <a:pt x="771" y="3289"/>
-                </a:lnTo>
-                <a:lnTo>
-                  <a:pt x="686" y="3224"/>
-                </a:lnTo>
-                <a:lnTo>
-                  <a:pt x="604" y="3156"/>
-                </a:lnTo>
-                <a:lnTo>
-                  <a:pt x="527" y="3083"/>
-                </a:lnTo>
-                <a:lnTo>
-                  <a:pt x="454" y="3005"/>
-                </a:lnTo>
-                <a:lnTo>
-                  <a:pt x="386" y="2923"/>
-                </a:lnTo>
-                <a:lnTo>
-                  <a:pt x="323" y="2838"/>
-                </a:lnTo>
-                <a:lnTo>
-                  <a:pt x="265" y="2748"/>
-                </a:lnTo>
-                <a:lnTo>
-                  <a:pt x="211" y="2655"/>
-                </a:lnTo>
-                <a:lnTo>
-                  <a:pt x="163" y="2559"/>
-                </a:lnTo>
-                <a:lnTo>
-                  <a:pt x="121" y="2459"/>
-                </a:lnTo>
-                <a:lnTo>
-                  <a:pt x="85" y="2356"/>
-                </a:lnTo>
-                <a:lnTo>
-                  <a:pt x="55" y="2251"/>
-                </a:lnTo>
-                <a:lnTo>
-                  <a:pt x="32" y="2143"/>
-                </a:lnTo>
-                <a:lnTo>
-                  <a:pt x="14" y="2033"/>
-                </a:lnTo>
-                <a:lnTo>
-                  <a:pt x="4" y="1920"/>
-                </a:lnTo>
-                <a:lnTo>
-                  <a:pt x="0" y="1806"/>
-                </a:lnTo>
-                <a:lnTo>
-                  <a:pt x="4" y="1692"/>
-                </a:lnTo>
-                <a:lnTo>
-                  <a:pt x="14" y="1580"/>
-                </a:lnTo>
-                <a:lnTo>
-                  <a:pt x="32" y="1469"/>
-                </a:lnTo>
-                <a:lnTo>
-                  <a:pt x="55" y="1362"/>
-                </a:lnTo>
-                <a:lnTo>
-                  <a:pt x="85" y="1256"/>
-                </a:lnTo>
-                <a:lnTo>
-                  <a:pt x="121" y="1154"/>
-                </a:lnTo>
-                <a:lnTo>
-                  <a:pt x="163" y="1054"/>
-                </a:lnTo>
-                <a:lnTo>
-                  <a:pt x="211" y="958"/>
-                </a:lnTo>
-                <a:lnTo>
-                  <a:pt x="265" y="864"/>
-                </a:lnTo>
-                <a:lnTo>
-                  <a:pt x="323" y="774"/>
-                </a:lnTo>
-                <a:lnTo>
-                  <a:pt x="386" y="689"/>
-                </a:lnTo>
-                <a:lnTo>
-                  <a:pt x="454" y="607"/>
-                </a:lnTo>
-                <a:lnTo>
-                  <a:pt x="527" y="529"/>
-                </a:lnTo>
-                <a:lnTo>
-                  <a:pt x="604" y="456"/>
-                </a:lnTo>
-                <a:lnTo>
-                  <a:pt x="686" y="388"/>
-                </a:lnTo>
-                <a:lnTo>
-                  <a:pt x="771" y="325"/>
-                </a:lnTo>
-                <a:lnTo>
-                  <a:pt x="860" y="266"/>
-                </a:lnTo>
-                <a:lnTo>
-                  <a:pt x="953" y="212"/>
-                </a:lnTo>
-                <a:lnTo>
-                  <a:pt x="1050" y="164"/>
-                </a:lnTo>
-                <a:lnTo>
-                  <a:pt x="1150" y="122"/>
-                </a:lnTo>
-                <a:lnTo>
-                  <a:pt x="1251" y="85"/>
-                </a:lnTo>
-                <a:lnTo>
-                  <a:pt x="1357" y="55"/>
-                </a:lnTo>
-                <a:lnTo>
-                  <a:pt x="1464" y="32"/>
-                </a:lnTo>
-                <a:lnTo>
-                  <a:pt x="1574" y="14"/>
-                </a:lnTo>
-                <a:lnTo>
-                  <a:pt x="1686" y="5"/>
-                </a:lnTo>
-                <a:lnTo>
-                  <a:pt x="1799" y="0"/>
-                </a:lnTo>
-                <a:close/>
-              </a:path>
-            </a:pathLst>
-          </a:custGeom>
-          <a:solidFill>
-            <a:schemeClr val="tx1">
-              <a:lumMod val="85000"/>
-              <a:lumOff val="15000"/>
-            </a:schemeClr>
-          </a:solidFill>
-          <a:ln w="0">
-            <a:noFill/>
-            <a:prstDash val="solid"/>
-            <a:round/>
-            <a:headEnd/>
-            <a:tailEnd/>
-          </a:ln>
-        </p:spPr>
-        <p:txBody>
-          <a:bodyPr anchor="ctr"/>
-          <a:lstStyle/>
-          <a:p>
-            <a:endParaRPr lang="en-US"/>
-          </a:p>
-        </p:txBody>
-      </p:sp>
-    </p:spTree>
-    <p:extLst>
-      <p:ext uri="{BB962C8B-B14F-4D97-AF65-F5344CB8AC3E}">
-        <p14:creationId xmlns:p14="http://schemas.microsoft.com/office/powerpoint/2010/main" val="1719339943"/>
-      </p:ext>
-    </p:extLst>
-  </p:cSld>
-  <p:clrMapOvr>
-    <a:masterClrMapping/>
-  </p:clrMapOvr>
-</p:sld>
-</file>
-
-<file path=ppt/slides/slide7.xml><?xml version="1.0" encoding="utf-8"?>
-<p:sld xmlns:a="http://schemas.openxmlformats.org/drawingml/2006/main" xmlns:r="http://schemas.openxmlformats.org/officeDocument/2006/relationships" xmlns:p="http://schemas.openxmlformats.org/presentationml/2006/main">
-  <p:cSld>
-    <p:bg>
-      <p:bgPr>
-        <a:solidFill>
-          <a:schemeClr val="bg2"/>
-        </a:solidFill>
-        <a:effectLst/>
-      </p:bgPr>
-    </p:bg>
-    <p:spTree>
-      <p:nvGrpSpPr>
-        <p:cNvPr id="1" name=""/>
-        <p:cNvGrpSpPr/>
-        <p:nvPr/>
-      </p:nvGrpSpPr>
-      <p:grpSpPr>
-        <a:xfrm>
-          <a:off x="0" y="0"/>
-          <a:ext cx="0" cy="0"/>
-          <a:chOff x="0" y="0"/>
-          <a:chExt cx="0" cy="0"/>
-        </a:xfrm>
-      </p:grpSpPr>
-      <p:sp useBgFill="1">
-        <p:nvSpPr>
-          <p:cNvPr id="8" name="Rectangle 7">
-            <a:extLst>
-              <a:ext uri="{FF2B5EF4-FFF2-40B4-BE49-F238E27FC236}">
-                <a16:creationId xmlns:a16="http://schemas.microsoft.com/office/drawing/2014/main" id="{C5176844-69C3-4F79-BE38-EA5BDDF4FEA4}"/>
-              </a:ext>
-              <a:ext uri="{C183D7F6-B498-43B3-948B-1728B52AA6E4}">
-                <adec:decorative xmlns:adec="http://schemas.microsoft.com/office/drawing/2017/decorative" val="1"/>
-              </a:ext>
-            </a:extLst>
-          </p:cNvPr>
-          <p:cNvSpPr>
-            <a:spLocks noGrp="1" noRot="1" noChangeAspect="1" noMove="1" noResize="1" noEditPoints="1" noAdjustHandles="1" noChangeArrowheads="1" noChangeShapeType="1" noTextEdit="1"/>
-          </p:cNvSpPr>
-          <p:nvPr>
-            <p:extLst>
-              <p:ext uri="{386F3935-93C4-4BCD-93E2-E3B085C9AB24}">
-                <p16:designElem xmlns:p16="http://schemas.microsoft.com/office/powerpoint/2015/main" val="1"/>
-              </p:ext>
-            </p:extLst>
-          </p:nvPr>
-        </p:nvSpPr>
-        <p:spPr>
-          <a:xfrm>
-            <a:off x="0" y="0"/>
-            <a:ext cx="12192000" cy="6858000"/>
-          </a:xfrm>
-          <a:prstGeom prst="rect">
-            <a:avLst/>
-          </a:prstGeom>
-          <a:ln>
-            <a:noFill/>
-          </a:ln>
-        </p:spPr>
-        <p:style>
-          <a:lnRef idx="2">
-            <a:schemeClr val="accent1">
-              <a:shade val="50000"/>
-            </a:schemeClr>
-          </a:lnRef>
-          <a:fillRef idx="1">
-            <a:schemeClr val="accent1"/>
-          </a:fillRef>
-          <a:effectRef idx="0">
-            <a:schemeClr val="accent1"/>
-          </a:effectRef>
-          <a:fontRef idx="minor">
-            <a:schemeClr val="lt1"/>
-          </a:fontRef>
-        </p:style>
-        <p:txBody>
-          <a:bodyPr rtlCol="0" anchor="ctr"/>
-          <a:lstStyle/>
-          <a:p>
-            <a:pPr algn="ctr"/>
-            <a:endParaRPr lang="en-US"/>
-          </a:p>
-        </p:txBody>
-      </p:sp>
+        </p:nvGraphicFramePr>
+        <p:xfrm>
+          <a:off x="425785" y="2984823"/>
+          <a:ext cx="11337382" cy="3174357"/>
+        </p:xfrm>
+        <a:graphic>
+          <a:graphicData uri="http://schemas.openxmlformats.org/drawingml/2006/diagram">
+            <dgm:relIds xmlns:dgm="http://schemas.openxmlformats.org/drawingml/2006/diagram" xmlns:r="http://schemas.openxmlformats.org/officeDocument/2006/relationships" r:dm="rId2" r:lo="rId3" r:qs="rId4" r:cs="rId5"/>
+          </a:graphicData>
+        </a:graphic>
+      </p:graphicFrame>
       <p:sp>
         <p:nvSpPr>
-          <p:cNvPr id="10" name="Rectangle 9">
-            <a:extLst>
-              <a:ext uri="{FF2B5EF4-FFF2-40B4-BE49-F238E27FC236}">
-                <a16:creationId xmlns:a16="http://schemas.microsoft.com/office/drawing/2014/main" id="{1CF1AAE4-D0BC-430F-A613-7BBAAECA0C2D}"/>
-              </a:ext>
-              <a:ext uri="{C183D7F6-B498-43B3-948B-1728B52AA6E4}">
-                <adec:decorative xmlns:adec="http://schemas.microsoft.com/office/drawing/2017/decorative" val="1"/>
-              </a:ext>
-            </a:extLst>
-          </p:cNvPr>
-          <p:cNvSpPr>
-            <a:spLocks noGrp="1" noRot="1" noChangeAspect="1" noMove="1" noResize="1" noEditPoints="1" noAdjustHandles="1" noChangeArrowheads="1" noChangeShapeType="1" noTextEdit="1"/>
-          </p:cNvSpPr>
-          <p:nvPr>
-            <p:extLst>
-              <p:ext uri="{386F3935-93C4-4BCD-93E2-E3B085C9AB24}">
-                <p16:designElem xmlns:p16="http://schemas.microsoft.com/office/powerpoint/2015/main" val="1"/>
-              </p:ext>
-            </p:extLst>
-          </p:nvPr>
-        </p:nvSpPr>
-        <p:spPr>
-          <a:xfrm>
-            <a:off x="0" y="0"/>
-            <a:ext cx="12191999" cy="2285999"/>
-          </a:xfrm>
-          <a:prstGeom prst="rect">
-            <a:avLst/>
-          </a:prstGeom>
-          <a:solidFill>
-            <a:schemeClr val="tx1">
-              <a:lumMod val="85000"/>
-              <a:lumOff val="15000"/>
-            </a:schemeClr>
-          </a:solidFill>
-          <a:ln>
-            <a:noFill/>
-          </a:ln>
-        </p:spPr>
-        <p:style>
-          <a:lnRef idx="2">
-            <a:schemeClr val="accent1">
-              <a:shade val="50000"/>
-            </a:schemeClr>
-          </a:lnRef>
-          <a:fillRef idx="1">
-            <a:schemeClr val="accent1"/>
-          </a:fillRef>
-          <a:effectRef idx="0">
-            <a:schemeClr val="accent1"/>
-          </a:effectRef>
-          <a:fontRef idx="minor">
-            <a:schemeClr val="lt1"/>
-          </a:fontRef>
-        </p:style>
-        <p:txBody>
-          <a:bodyPr rtlCol="0" anchor="ctr"/>
-          <a:lstStyle/>
-          <a:p>
-            <a:pPr algn="ctr"/>
-            <a:endParaRPr lang="en-US"/>
-          </a:p>
-        </p:txBody>
-      </p:sp>
-      <p:sp>
-        <p:nvSpPr>
-          <p:cNvPr id="2" name="Titel 1">
-            <a:extLst>
-              <a:ext uri="{FF2B5EF4-FFF2-40B4-BE49-F238E27FC236}">
-                <a16:creationId xmlns:a16="http://schemas.microsoft.com/office/drawing/2014/main" id="{892F3CD8-8FA0-EC2F-A30C-B9F922F20BB6}"/>
-              </a:ext>
-            </a:extLst>
-          </p:cNvPr>
-          <p:cNvSpPr>
-            <a:spLocks noGrp="1"/>
-          </p:cNvSpPr>
-          <p:nvPr>
-            <p:ph type="title"/>
-          </p:nvPr>
-        </p:nvSpPr>
-        <p:spPr>
-          <a:xfrm>
-            <a:off x="758952" y="379475"/>
-            <a:ext cx="10671048" cy="1554480"/>
-          </a:xfrm>
-        </p:spPr>
-        <p:txBody>
-          <a:bodyPr anchor="ctr">
-            <a:normAutofit/>
-          </a:bodyPr>
-          <a:lstStyle/>
-          <a:p>
-            <a:r>
-              <a:rPr lang="en-US" dirty="0">
-                <a:solidFill>
-                  <a:schemeClr val="bg1"/>
-                </a:solidFill>
-              </a:rPr>
-              <a:t>Data Preparation</a:t>
-            </a:r>
-          </a:p>
-        </p:txBody>
-      </p:sp>
-      <p:sp>
-        <p:nvSpPr>
-          <p:cNvPr id="3" name="Inhaltsplatzhalter 2">
-            <a:extLst>
-              <a:ext uri="{FF2B5EF4-FFF2-40B4-BE49-F238E27FC236}">
-                <a16:creationId xmlns:a16="http://schemas.microsoft.com/office/drawing/2014/main" id="{7972609A-0966-DB45-F943-0F2A4831452F}"/>
-              </a:ext>
-            </a:extLst>
-          </p:cNvPr>
-          <p:cNvSpPr>
-            <a:spLocks noGrp="1"/>
-          </p:cNvSpPr>
-          <p:nvPr>
-            <p:ph idx="1"/>
-          </p:nvPr>
-        </p:nvSpPr>
-        <p:spPr>
-          <a:xfrm>
-            <a:off x="758824" y="2607732"/>
-            <a:ext cx="8412480" cy="3174357"/>
-          </a:xfrm>
-        </p:spPr>
-        <p:txBody>
-          <a:bodyPr>
-            <a:normAutofit/>
-          </a:bodyPr>
-          <a:lstStyle/>
-          <a:p>
-            <a:r>
-              <a:rPr lang="en-US" dirty="0"/>
-              <a:t>Data augmented by multiplying with random values</a:t>
-            </a:r>
-          </a:p>
-          <a:p>
-            <a:r>
-              <a:rPr lang="en-US" dirty="0"/>
-              <a:t>Raw </a:t>
-            </a:r>
-            <a:r>
-              <a:rPr lang="en-US" dirty="0" err="1"/>
-              <a:t>Pseudorange</a:t>
-            </a:r>
-            <a:r>
-              <a:rPr lang="en-US" dirty="0"/>
-              <a:t> gets corrected with </a:t>
-            </a:r>
-            <a:r>
-              <a:rPr lang="en-US" dirty="0" err="1"/>
-              <a:t>IRSb</a:t>
-            </a:r>
-            <a:r>
-              <a:rPr lang="en-US" dirty="0"/>
-              <a:t> factor</a:t>
-            </a:r>
-          </a:p>
-          <a:p>
-            <a:r>
-              <a:rPr lang="en-US" dirty="0"/>
-              <a:t>WLS gets converted to latitude, longitude</a:t>
-            </a:r>
-          </a:p>
-          <a:p>
-            <a:r>
-              <a:rPr lang="en-US" dirty="0"/>
-              <a:t>Data gets normalized using natural limits</a:t>
-            </a:r>
-          </a:p>
-          <a:p>
-            <a:endParaRPr lang="en-US" dirty="0"/>
-          </a:p>
-          <a:p>
-            <a:endParaRPr lang="en-US" dirty="0"/>
-          </a:p>
-        </p:txBody>
-      </p:sp>
-      <p:sp>
-        <p:nvSpPr>
-          <p:cNvPr id="12" name="Freeform 6">
+          <p:cNvPr id="21" name="Freeform 6">
             <a:extLst>
               <a:ext uri="{FF2B5EF4-FFF2-40B4-BE49-F238E27FC236}">
                 <a16:creationId xmlns:a16="http://schemas.microsoft.com/office/drawing/2014/main" id="{A101E513-AF74-4E9D-A31F-99664250722D}"/>
@@ -14487,86 +22071,47 @@
           <a:lstStyle/>
           <a:p>
             <a:r>
-              <a:rPr lang="en-US">
+              <a:rPr lang="en-US" dirty="0">
                 <a:solidFill>
                   <a:schemeClr val="bg1"/>
                 </a:solidFill>
               </a:rPr>
               <a:t>Model</a:t>
             </a:r>
-            <a:endParaRPr lang="en-US" dirty="0">
-              <a:solidFill>
-                <a:schemeClr val="bg1"/>
-              </a:solidFill>
-            </a:endParaRPr>
           </a:p>
         </p:txBody>
       </p:sp>
-      <p:sp>
-        <p:nvSpPr>
-          <p:cNvPr id="17" name="Inhaltsplatzhalter 2">
+      <p:graphicFrame>
+        <p:nvGraphicFramePr>
+          <p:cNvPr id="25" name="Inhaltsplatzhalter 2">
             <a:extLst>
               <a:ext uri="{FF2B5EF4-FFF2-40B4-BE49-F238E27FC236}">
-                <a16:creationId xmlns:a16="http://schemas.microsoft.com/office/drawing/2014/main" id="{7972609A-0966-DB45-F943-0F2A4831452F}"/>
+                <a16:creationId xmlns:a16="http://schemas.microsoft.com/office/drawing/2014/main" id="{834603AE-EF48-1E16-59A7-E0D4CF1C797A}"/>
               </a:ext>
             </a:extLst>
           </p:cNvPr>
-          <p:cNvSpPr>
-            <a:spLocks noGrp="1"/>
-          </p:cNvSpPr>
+          <p:cNvGraphicFramePr>
+            <a:graphicFrameLocks noGrp="1"/>
+          </p:cNvGraphicFramePr>
           <p:nvPr>
             <p:ph idx="1"/>
+            <p:extLst>
+              <p:ext uri="{D42A27DB-BD31-4B8C-83A1-F6EECF244321}">
+                <p14:modId xmlns:p14="http://schemas.microsoft.com/office/powerpoint/2010/main" val="529147945"/>
+              </p:ext>
+            </p:extLst>
           </p:nvPr>
-        </p:nvSpPr>
-        <p:spPr>
-          <a:xfrm>
-            <a:off x="758952" y="2413169"/>
-            <a:ext cx="6039340" cy="3368920"/>
-          </a:xfrm>
-        </p:spPr>
-        <p:txBody>
-          <a:bodyPr anchor="ctr">
-            <a:normAutofit/>
-          </a:bodyPr>
-          <a:lstStyle/>
-          <a:p>
-            <a:r>
-              <a:rPr lang="en-US"/>
-              <a:t>Simple Sequential Model</a:t>
-            </a:r>
-          </a:p>
-          <a:p>
-            <a:r>
-              <a:rPr lang="en-US"/>
-              <a:t>LSTM layers</a:t>
-            </a:r>
-          </a:p>
-          <a:p>
-            <a:r>
-              <a:rPr lang="en-US"/>
-              <a:t>Final Dense layer with linear activation</a:t>
-            </a:r>
-          </a:p>
-          <a:p>
-            <a:endParaRPr lang="en-US"/>
-          </a:p>
-          <a:p>
-            <a:pPr marL="0" indent="0">
-              <a:buNone/>
-            </a:pPr>
-            <a:r>
-              <a:rPr lang="en-US">
-                <a:sym typeface="Wingdings" panose="05000000000000000000" pitchFamily="2" charset="2"/>
-              </a:rPr>
-              <a:t> Hyperparameter optimization with optuna</a:t>
-            </a:r>
-            <a:endParaRPr lang="en-US"/>
-          </a:p>
-          <a:p>
-            <a:endParaRPr lang="en-US"/>
-          </a:p>
-        </p:txBody>
-      </p:sp>
+        </p:nvGraphicFramePr>
+        <p:xfrm>
+          <a:off x="758951" y="2102898"/>
+          <a:ext cx="6039340" cy="2716752"/>
+        </p:xfrm>
+        <a:graphic>
+          <a:graphicData uri="http://schemas.openxmlformats.org/drawingml/2006/diagram">
+            <dgm:relIds xmlns:dgm="http://schemas.openxmlformats.org/drawingml/2006/diagram" xmlns:r="http://schemas.openxmlformats.org/officeDocument/2006/relationships" r:dm="rId2" r:lo="rId3" r:qs="rId4" r:cs="rId5"/>
+          </a:graphicData>
+        </a:graphic>
+      </p:graphicFrame>
       <p:sp>
         <p:nvSpPr>
           <p:cNvPr id="23" name="Freeform 6">
@@ -14788,6 +22333,111 @@
           <a:lstStyle/>
           <a:p>
             <a:endParaRPr lang="en-US"/>
+          </a:p>
+        </p:txBody>
+      </p:sp>
+      <p:sp>
+        <p:nvSpPr>
+          <p:cNvPr id="3" name="Textfeld 2">
+            <a:extLst>
+              <a:ext uri="{FF2B5EF4-FFF2-40B4-BE49-F238E27FC236}">
+                <a16:creationId xmlns:a16="http://schemas.microsoft.com/office/drawing/2014/main" id="{7FBFD9F1-31F6-E1BC-ED30-969264E9F25F}"/>
+              </a:ext>
+            </a:extLst>
+          </p:cNvPr>
+          <p:cNvSpPr txBox="1"/>
+          <p:nvPr/>
+        </p:nvSpPr>
+        <p:spPr>
+          <a:xfrm>
+            <a:off x="758951" y="1544913"/>
+            <a:ext cx="1627112" cy="369332"/>
+          </a:xfrm>
+          <a:prstGeom prst="rect">
+            <a:avLst/>
+          </a:prstGeom>
+          <a:noFill/>
+        </p:spPr>
+        <p:txBody>
+          <a:bodyPr wrap="none" rtlCol="0">
+            <a:spAutoFit/>
+          </a:bodyPr>
+          <a:lstStyle/>
+          <a:p>
+            <a:r>
+              <a:rPr lang="en-US" dirty="0">
+                <a:solidFill>
+                  <a:schemeClr val="bg1">
+                    <a:lumMod val="95000"/>
+                  </a:schemeClr>
+                </a:solidFill>
+              </a:rPr>
+              <a:t>Initial attempt</a:t>
+            </a:r>
+          </a:p>
+        </p:txBody>
+      </p:sp>
+      <p:sp>
+        <p:nvSpPr>
+          <p:cNvPr id="6" name="Rechteck: abgerundete Ecken 4">
+            <a:extLst>
+              <a:ext uri="{FF2B5EF4-FFF2-40B4-BE49-F238E27FC236}">
+                <a16:creationId xmlns:a16="http://schemas.microsoft.com/office/drawing/2014/main" id="{642F69D8-2E7F-944E-E58E-1F6A379A38A8}"/>
+              </a:ext>
+            </a:extLst>
+          </p:cNvPr>
+          <p:cNvSpPr txBox="1"/>
+          <p:nvPr/>
+        </p:nvSpPr>
+        <p:spPr>
+          <a:xfrm>
+            <a:off x="1035050" y="5336399"/>
+            <a:ext cx="7162800" cy="626251"/>
+          </a:xfrm>
+          <a:prstGeom prst="rect">
+            <a:avLst/>
+          </a:prstGeom>
+        </p:spPr>
+        <p:style>
+          <a:lnRef idx="0">
+            <a:scrgbClr r="0" g="0" b="0"/>
+          </a:lnRef>
+          <a:fillRef idx="0">
+            <a:scrgbClr r="0" g="0" b="0"/>
+          </a:fillRef>
+          <a:effectRef idx="0">
+            <a:scrgbClr r="0" g="0" b="0"/>
+          </a:effectRef>
+          <a:fontRef idx="minor">
+            <a:schemeClr val="lt1"/>
+          </a:fontRef>
+        </p:style>
+        <p:txBody>
+          <a:bodyPr spcFirstLastPara="0" vert="horz" wrap="square" lIns="49530" tIns="49530" rIns="49530" bIns="49530" numCol="1" spcCol="1270" anchor="ctr" anchorCtr="0">
+            <a:noAutofit/>
+          </a:bodyPr>
+          <a:lstStyle/>
+          <a:p>
+            <a:pPr marL="0" lvl="0" indent="0" algn="l" defTabSz="577850">
+              <a:lnSpc>
+                <a:spcPct val="90000"/>
+              </a:lnSpc>
+              <a:spcBef>
+                <a:spcPct val="0"/>
+              </a:spcBef>
+              <a:spcAft>
+                <a:spcPct val="35000"/>
+              </a:spcAft>
+              <a:buNone/>
+            </a:pPr>
+            <a:r>
+              <a:rPr lang="en-US" sz="1300" kern="1200" dirty="0">
+                <a:solidFill>
+                  <a:schemeClr val="tx1"/>
+                </a:solidFill>
+              </a:rPr>
+              <a:t>Did not work, only big cloud of lines around trajectory or optimized to single point in the center of the trajectory</a:t>
+            </a:r>
           </a:p>
         </p:txBody>
       </p:sp>
@@ -14989,7 +22639,7 @@
                   <a:schemeClr val="bg1"/>
                 </a:solidFill>
               </a:rPr>
-              <a:t>Results</a:t>
+              <a:t>Model</a:t>
             </a:r>
           </a:p>
         </p:txBody>
@@ -15012,8 +22662,8 @@
         </p:nvSpPr>
         <p:spPr>
           <a:xfrm>
-            <a:off x="758952" y="2413169"/>
-            <a:ext cx="6039340" cy="3368920"/>
+            <a:off x="6226301" y="3293873"/>
+            <a:ext cx="4898899" cy="1737139"/>
           </a:xfrm>
         </p:spPr>
         <p:txBody>
@@ -15022,12 +22672,18 @@
           </a:bodyPr>
           <a:lstStyle/>
           <a:p>
-            <a:r>
-              <a:rPr lang="en-US" dirty="0"/>
-              <a:t>AAAAAAAAAAAAAAAAAHHHHHHHHHHHHHHH</a:t>
-            </a:r>
+            <a:endParaRPr lang="en-US" dirty="0"/>
           </a:p>
           <a:p>
+            <a:pPr marL="0" indent="0">
+              <a:buNone/>
+            </a:pPr>
+            <a:r>
+              <a:rPr lang="en-US" dirty="0">
+                <a:sym typeface="Wingdings" panose="05000000000000000000" pitchFamily="2" charset="2"/>
+              </a:rPr>
+              <a:t> Model effectively calculates the error of the WSL values</a:t>
+            </a:r>
             <a:endParaRPr lang="en-US" dirty="0"/>
           </a:p>
         </p:txBody>
@@ -15256,10 +22912,87 @@
           </a:p>
         </p:txBody>
       </p:sp>
+      <p:sp>
+        <p:nvSpPr>
+          <p:cNvPr id="3" name="Textfeld 2">
+            <a:extLst>
+              <a:ext uri="{FF2B5EF4-FFF2-40B4-BE49-F238E27FC236}">
+                <a16:creationId xmlns:a16="http://schemas.microsoft.com/office/drawing/2014/main" id="{7FBFD9F1-31F6-E1BC-ED30-969264E9F25F}"/>
+              </a:ext>
+            </a:extLst>
+          </p:cNvPr>
+          <p:cNvSpPr txBox="1"/>
+          <p:nvPr/>
+        </p:nvSpPr>
+        <p:spPr>
+          <a:xfrm>
+            <a:off x="758951" y="1544913"/>
+            <a:ext cx="1562031" cy="369332"/>
+          </a:xfrm>
+          <a:prstGeom prst="rect">
+            <a:avLst/>
+          </a:prstGeom>
+          <a:noFill/>
+        </p:spPr>
+        <p:txBody>
+          <a:bodyPr wrap="none" rtlCol="0">
+            <a:spAutoFit/>
+          </a:bodyPr>
+          <a:lstStyle/>
+          <a:p>
+            <a:r>
+              <a:rPr lang="en-US" dirty="0">
+                <a:solidFill>
+                  <a:schemeClr val="bg1">
+                    <a:lumMod val="95000"/>
+                  </a:schemeClr>
+                </a:solidFill>
+              </a:rPr>
+              <a:t>Final attempt</a:t>
+            </a:r>
+          </a:p>
+        </p:txBody>
+      </p:sp>
+      <p:pic>
+        <p:nvPicPr>
+          <p:cNvPr id="4" name="Grafik 3" descr="Ein Bild, das Text, Screenshot, Schrift, parallel enthält.&#10;&#10;Automatisch generierte Beschreibung">
+            <a:extLst>
+              <a:ext uri="{FF2B5EF4-FFF2-40B4-BE49-F238E27FC236}">
+                <a16:creationId xmlns:a16="http://schemas.microsoft.com/office/drawing/2014/main" id="{C10FC1B4-0524-A31A-E1FE-74A8B7A14938}"/>
+              </a:ext>
+            </a:extLst>
+          </p:cNvPr>
+          <p:cNvPicPr>
+            <a:picLocks noChangeAspect="1"/>
+          </p:cNvPicPr>
+          <p:nvPr/>
+        </p:nvPicPr>
+        <p:blipFill>
+          <a:blip r:embed="rId3">
+            <a:extLst>
+              <a:ext uri="{28A0092B-C50C-407E-A947-70E740481C1C}">
+                <a14:useLocalDpi xmlns:a14="http://schemas.microsoft.com/office/drawing/2010/main" val="0"/>
+              </a:ext>
+            </a:extLst>
+          </a:blip>
+          <a:stretch>
+            <a:fillRect/>
+          </a:stretch>
+        </p:blipFill>
+        <p:spPr>
+          <a:xfrm>
+            <a:off x="711383" y="2086072"/>
+            <a:ext cx="5381568" cy="4516642"/>
+          </a:xfrm>
+          <a:prstGeom prst="rect">
+            <a:avLst/>
+          </a:prstGeom>
+        </p:spPr>
+      </p:pic>
     </p:spTree>
     <p:extLst>
       <p:ext uri="{BB962C8B-B14F-4D97-AF65-F5344CB8AC3E}">
-        <p14:creationId xmlns:p14="http://schemas.microsoft.com/office/powerpoint/2010/main" val="965436467"/>
+        <p14:creationId xmlns:p14="http://schemas.microsoft.com/office/powerpoint/2010/main" val="650568723"/>
       </p:ext>
     </p:extLst>
   </p:cSld>
